--- a/GCA_Abschlusspraesi_Szablewski_Linnenbaum.pptx
+++ b/GCA_Abschlusspraesi_Szablewski_Linnenbaum.pptx
@@ -7,6 +7,16 @@
   <p:sldIdLst>
     <p:sldId id="256" r:id="rId2"/>
     <p:sldId id="257" r:id="rId3"/>
+    <p:sldId id="258" r:id="rId4"/>
+    <p:sldId id="259" r:id="rId5"/>
+    <p:sldId id="260" r:id="rId6"/>
+    <p:sldId id="261" r:id="rId7"/>
+    <p:sldId id="262" r:id="rId8"/>
+    <p:sldId id="263" r:id="rId9"/>
+    <p:sldId id="264" r:id="rId10"/>
+    <p:sldId id="266" r:id="rId11"/>
+    <p:sldId id="265" r:id="rId12"/>
+    <p:sldId id="267" r:id="rId13"/>
   </p:sldIdLst>
   <p:sldSz cx="12192000" cy="6858000"/>
   <p:notesSz cx="6858000" cy="9144000"/>
@@ -105,6 +115,11 @@
       </a:defRPr>
     </a:lvl9pPr>
   </p:defaultTextStyle>
+  <p:extLst>
+    <p:ext uri="{EFAFB233-063F-42B5-8137-9DF3F51BA10A}">
+      <p15:sldGuideLst xmlns:p15="http://schemas.microsoft.com/office/powerpoint/2012/main"/>
+    </p:ext>
+  </p:extLst>
 </p:presentation>
 </file>
 
@@ -294,7 +309,7 @@
           <a:p>
             <a:fld id="{4AAD347D-5ACD-4C99-B74B-A9C85AD731AF}" type="datetimeFigureOut">
               <a:rPr lang="en-US" dirty="0"/>
-              <a:t>7/18/2020</a:t>
+              <a:t>7/19/2020</a:t>
             </a:fld>
             <a:endParaRPr lang="en-US" dirty="0"/>
           </a:p>
@@ -564,7 +579,7 @@
           <a:p>
             <a:fld id="{4509A250-FF31-4206-8172-F9D3106AACB1}" type="datetimeFigureOut">
               <a:rPr lang="en-US" dirty="0"/>
-              <a:t>7/18/2020</a:t>
+              <a:t>7/19/2020</a:t>
             </a:fld>
             <a:endParaRPr lang="en-US" dirty="0"/>
           </a:p>
@@ -753,7 +768,7 @@
           <a:p>
             <a:fld id="{4509A250-FF31-4206-8172-F9D3106AACB1}" type="datetimeFigureOut">
               <a:rPr lang="en-US" dirty="0"/>
-              <a:t>7/18/2020</a:t>
+              <a:t>7/19/2020</a:t>
             </a:fld>
             <a:endParaRPr lang="en-US" dirty="0"/>
           </a:p>
@@ -1021,7 +1036,7 @@
           <a:p>
             <a:fld id="{4509A250-FF31-4206-8172-F9D3106AACB1}" type="datetimeFigureOut">
               <a:rPr lang="en-US" dirty="0"/>
-              <a:t>7/18/2020</a:t>
+              <a:t>7/19/2020</a:t>
             </a:fld>
             <a:endParaRPr lang="en-US" dirty="0"/>
           </a:p>
@@ -1357,7 +1372,7 @@
           <a:p>
             <a:fld id="{4509A250-FF31-4206-8172-F9D3106AACB1}" type="datetimeFigureOut">
               <a:rPr lang="en-US" dirty="0"/>
-              <a:t>7/18/2020</a:t>
+              <a:t>7/19/2020</a:t>
             </a:fld>
             <a:endParaRPr lang="en-US" dirty="0"/>
           </a:p>
@@ -1975,7 +1990,7 @@
           <a:p>
             <a:fld id="{4509A250-FF31-4206-8172-F9D3106AACB1}" type="datetimeFigureOut">
               <a:rPr lang="en-US" dirty="0"/>
-              <a:t>7/18/2020</a:t>
+              <a:t>7/19/2020</a:t>
             </a:fld>
             <a:endParaRPr lang="en-US" dirty="0"/>
           </a:p>
@@ -2830,7 +2845,7 @@
           <a:p>
             <a:fld id="{4509A250-FF31-4206-8172-F9D3106AACB1}" type="datetimeFigureOut">
               <a:rPr lang="en-US" dirty="0"/>
-              <a:t>7/18/2020</a:t>
+              <a:t>7/19/2020</a:t>
             </a:fld>
             <a:endParaRPr lang="en-US" dirty="0"/>
           </a:p>
@@ -2995,7 +3010,7 @@
           <a:p>
             <a:fld id="{4509A250-FF31-4206-8172-F9D3106AACB1}" type="datetimeFigureOut">
               <a:rPr lang="en-US" dirty="0"/>
-              <a:t>7/18/2020</a:t>
+              <a:t>7/19/2020</a:t>
             </a:fld>
             <a:endParaRPr lang="en-US" dirty="0"/>
           </a:p>
@@ -3170,7 +3185,7 @@
           <a:p>
             <a:fld id="{4509A250-FF31-4206-8172-F9D3106AACB1}" type="datetimeFigureOut">
               <a:rPr lang="en-US" dirty="0"/>
-              <a:t>7/18/2020</a:t>
+              <a:t>7/19/2020</a:t>
             </a:fld>
             <a:endParaRPr lang="en-US" dirty="0"/>
           </a:p>
@@ -3335,7 +3350,7 @@
           <a:p>
             <a:fld id="{4509A250-FF31-4206-8172-F9D3106AACB1}" type="datetimeFigureOut">
               <a:rPr lang="en-US" dirty="0"/>
-              <a:t>7/18/2020</a:t>
+              <a:t>7/19/2020</a:t>
             </a:fld>
             <a:endParaRPr lang="en-US" dirty="0"/>
           </a:p>
@@ -3577,7 +3592,7 @@
           <a:p>
             <a:fld id="{9796027F-7875-4030-9381-8BD8C4F21935}" type="datetimeFigureOut">
               <a:rPr lang="en-US" dirty="0"/>
-              <a:t>7/18/2020</a:t>
+              <a:t>7/19/2020</a:t>
             </a:fld>
             <a:endParaRPr lang="en-US" dirty="0"/>
           </a:p>
@@ -3864,7 +3879,7 @@
           <a:p>
             <a:fld id="{9796027F-7875-4030-9381-8BD8C4F21935}" type="datetimeFigureOut">
               <a:rPr lang="en-US" dirty="0"/>
-              <a:t>7/18/2020</a:t>
+              <a:t>7/19/2020</a:t>
             </a:fld>
             <a:endParaRPr lang="en-US" dirty="0"/>
           </a:p>
@@ -4303,7 +4318,7 @@
           <a:p>
             <a:fld id="{9796027F-7875-4030-9381-8BD8C4F21935}" type="datetimeFigureOut">
               <a:rPr lang="en-US" dirty="0"/>
-              <a:t>7/18/2020</a:t>
+              <a:t>7/19/2020</a:t>
             </a:fld>
             <a:endParaRPr lang="en-US" dirty="0"/>
           </a:p>
@@ -4416,7 +4431,7 @@
           <a:p>
             <a:fld id="{4509A250-FF31-4206-8172-F9D3106AACB1}" type="datetimeFigureOut">
               <a:rPr lang="en-US" dirty="0"/>
-              <a:t>7/18/2020</a:t>
+              <a:t>7/19/2020</a:t>
             </a:fld>
             <a:endParaRPr lang="en-US" dirty="0"/>
           </a:p>
@@ -4506,7 +4521,7 @@
           <a:p>
             <a:fld id="{4509A250-FF31-4206-8172-F9D3106AACB1}" type="datetimeFigureOut">
               <a:rPr lang="en-US" dirty="0"/>
-              <a:t>7/18/2020</a:t>
+              <a:t>7/19/2020</a:t>
             </a:fld>
             <a:endParaRPr lang="en-US" dirty="0"/>
           </a:p>
@@ -4780,7 +4795,7 @@
           <a:p>
             <a:fld id="{4509A250-FF31-4206-8172-F9D3106AACB1}" type="datetimeFigureOut">
               <a:rPr lang="en-US" dirty="0"/>
-              <a:t>7/18/2020</a:t>
+              <a:t>7/19/2020</a:t>
             </a:fld>
             <a:endParaRPr lang="en-US" dirty="0"/>
           </a:p>
@@ -5050,7 +5065,7 @@
           <a:p>
             <a:fld id="{4509A250-FF31-4206-8172-F9D3106AACB1}" type="datetimeFigureOut">
               <a:rPr lang="en-US" dirty="0"/>
-              <a:t>7/18/2020</a:t>
+              <a:t>7/19/2020</a:t>
             </a:fld>
             <a:endParaRPr lang="en-US" dirty="0"/>
           </a:p>
@@ -5474,7 +5489,7 @@
           <a:p>
             <a:fld id="{4AAD347D-5ACD-4C99-B74B-A9C85AD731AF}" type="datetimeFigureOut">
               <a:rPr lang="en-US" dirty="0"/>
-              <a:t>7/18/2020</a:t>
+              <a:t>7/19/2020</a:t>
             </a:fld>
             <a:endParaRPr lang="en-US" dirty="0"/>
           </a:p>
@@ -6081,6 +6096,4072 @@
 </p:sld>
 </file>
 
+<file path=ppt/slides/slide10.xml><?xml version="1.0" encoding="utf-8"?>
+<p:sld xmlns:a="http://schemas.openxmlformats.org/drawingml/2006/main" xmlns:r="http://schemas.openxmlformats.org/officeDocument/2006/relationships" xmlns:p="http://schemas.openxmlformats.org/presentationml/2006/main">
+  <p:cSld>
+    <p:bg>
+      <p:bgPr>
+        <a:blipFill rotWithShape="1">
+          <a:blip r:embed="rId2">
+            <a:duotone>
+              <a:schemeClr val="bg2">
+                <a:shade val="69000"/>
+                <a:hueMod val="108000"/>
+                <a:satMod val="164000"/>
+                <a:lumMod val="74000"/>
+              </a:schemeClr>
+              <a:schemeClr val="bg2">
+                <a:tint val="96000"/>
+                <a:hueMod val="88000"/>
+                <a:satMod val="140000"/>
+                <a:lumMod val="132000"/>
+              </a:schemeClr>
+            </a:duotone>
+          </a:blip>
+          <a:stretch/>
+        </a:blipFill>
+        <a:effectLst/>
+      </p:bgPr>
+    </p:bg>
+    <p:spTree>
+      <p:nvGrpSpPr>
+        <p:cNvPr id="1" name=""/>
+        <p:cNvGrpSpPr/>
+        <p:nvPr/>
+      </p:nvGrpSpPr>
+      <p:grpSpPr>
+        <a:xfrm>
+          <a:off x="0" y="0"/>
+          <a:ext cx="0" cy="0"/>
+          <a:chOff x="0" y="0"/>
+          <a:chExt cx="0" cy="0"/>
+        </a:xfrm>
+      </p:grpSpPr>
+      <p:pic>
+        <p:nvPicPr>
+          <p:cNvPr id="17" name="Picture 7">
+            <a:extLst>
+              <a:ext uri="{FF2B5EF4-FFF2-40B4-BE49-F238E27FC236}">
+                <a16:creationId xmlns:a16="http://schemas.microsoft.com/office/drawing/2014/main" id="{91B28F63-CF00-448F-B141-FE33C33B1891}"/>
+              </a:ext>
+              <a:ext uri="{C183D7F6-B498-43B3-948B-1728B52AA6E4}">
+                <adec:decorative xmlns:adec="http://schemas.microsoft.com/office/drawing/2017/decorative" val="1"/>
+              </a:ext>
+            </a:extLst>
+          </p:cNvPr>
+          <p:cNvPicPr>
+            <a:picLocks noGrp="1" noRot="1" noChangeAspect="1" noMove="1" noResize="1" noEditPoints="1" noAdjustHandles="1" noChangeArrowheads="1" noChangeShapeType="1" noCrop="1"/>
+          </p:cNvPicPr>
+          <p:nvPr>
+            <p:extLst>
+              <p:ext uri="{386F3935-93C4-4BCD-93E2-E3B085C9AB24}">
+                <p16:designElem xmlns:p16="http://schemas.microsoft.com/office/powerpoint/2015/main" val="1"/>
+              </p:ext>
+            </p:extLst>
+          </p:nvPr>
+        </p:nvPicPr>
+        <p:blipFill rotWithShape="1">
+          <a:blip r:embed="rId3">
+            <a:extLst>
+              <a:ext uri="{28A0092B-C50C-407E-A947-70E740481C1C}">
+                <a14:useLocalDpi xmlns:a14="http://schemas.microsoft.com/office/drawing/2010/main" val="0"/>
+              </a:ext>
+            </a:extLst>
+          </a:blip>
+          <a:srcRect l="3613"/>
+          <a:stretch/>
+        </p:blipFill>
+        <p:spPr>
+          <a:xfrm>
+            <a:off x="0" y="2669685"/>
+            <a:ext cx="4037012" cy="4188315"/>
+          </a:xfrm>
+          <a:prstGeom prst="rect">
+            <a:avLst/>
+          </a:prstGeom>
+        </p:spPr>
+      </p:pic>
+      <p:pic>
+        <p:nvPicPr>
+          <p:cNvPr id="19" name="Picture 9">
+            <a:extLst>
+              <a:ext uri="{FF2B5EF4-FFF2-40B4-BE49-F238E27FC236}">
+                <a16:creationId xmlns:a16="http://schemas.microsoft.com/office/drawing/2014/main" id="{2AE609E2-8522-44E4-9077-980E5BCF3E14}"/>
+              </a:ext>
+              <a:ext uri="{C183D7F6-B498-43B3-948B-1728B52AA6E4}">
+                <adec:decorative xmlns:adec="http://schemas.microsoft.com/office/drawing/2017/decorative" val="1"/>
+              </a:ext>
+            </a:extLst>
+          </p:cNvPr>
+          <p:cNvPicPr>
+            <a:picLocks noGrp="1" noRot="1" noChangeAspect="1" noMove="1" noResize="1" noEditPoints="1" noAdjustHandles="1" noChangeArrowheads="1" noChangeShapeType="1" noCrop="1"/>
+          </p:cNvPicPr>
+          <p:nvPr>
+            <p:extLst>
+              <p:ext uri="{386F3935-93C4-4BCD-93E2-E3B085C9AB24}">
+                <p16:designElem xmlns:p16="http://schemas.microsoft.com/office/powerpoint/2015/main" val="1"/>
+              </p:ext>
+            </p:extLst>
+          </p:nvPr>
+        </p:nvPicPr>
+        <p:blipFill rotWithShape="1">
+          <a:blip r:embed="rId4">
+            <a:extLst>
+              <a:ext uri="{28A0092B-C50C-407E-A947-70E740481C1C}">
+                <a14:useLocalDpi xmlns:a14="http://schemas.microsoft.com/office/drawing/2010/main" val="0"/>
+              </a:ext>
+            </a:extLst>
+          </a:blip>
+          <a:srcRect l="35640"/>
+          <a:stretch/>
+        </p:blipFill>
+        <p:spPr>
+          <a:xfrm>
+            <a:off x="0" y="2892347"/>
+            <a:ext cx="1522412" cy="2365453"/>
+          </a:xfrm>
+          <a:prstGeom prst="rect">
+            <a:avLst/>
+          </a:prstGeom>
+        </p:spPr>
+      </p:pic>
+      <p:sp>
+        <p:nvSpPr>
+          <p:cNvPr id="21" name="Oval 11">
+            <a:extLst>
+              <a:ext uri="{FF2B5EF4-FFF2-40B4-BE49-F238E27FC236}">
+                <a16:creationId xmlns:a16="http://schemas.microsoft.com/office/drawing/2014/main" id="{4FA533C5-33E3-4611-AF9F-72811D8B26A6}"/>
+              </a:ext>
+              <a:ext uri="{C183D7F6-B498-43B3-948B-1728B52AA6E4}">
+                <adec:decorative xmlns:adec="http://schemas.microsoft.com/office/drawing/2017/decorative" val="1"/>
+              </a:ext>
+            </a:extLst>
+          </p:cNvPr>
+          <p:cNvSpPr>
+            <a:spLocks noGrp="1" noRot="1" noChangeAspect="1" noMove="1" noResize="1" noEditPoints="1" noAdjustHandles="1" noChangeArrowheads="1" noChangeShapeType="1" noTextEdit="1"/>
+          </p:cNvSpPr>
+          <p:nvPr>
+            <p:extLst>
+              <p:ext uri="{386F3935-93C4-4BCD-93E2-E3B085C9AB24}">
+                <p16:designElem xmlns:p16="http://schemas.microsoft.com/office/powerpoint/2015/main" val="1"/>
+              </p:ext>
+            </p:extLst>
+          </p:nvPr>
+        </p:nvSpPr>
+        <p:spPr>
+          <a:xfrm>
+            <a:off x="8609012" y="1676400"/>
+            <a:ext cx="2819400" cy="2819400"/>
+          </a:xfrm>
+          <a:prstGeom prst="ellipse">
+            <a:avLst/>
+          </a:prstGeom>
+          <a:gradFill flip="none" rotWithShape="1">
+            <a:gsLst>
+              <a:gs pos="0">
+                <a:schemeClr val="bg2">
+                  <a:lumMod val="60000"/>
+                  <a:lumOff val="40000"/>
+                  <a:alpha val="7000"/>
+                </a:schemeClr>
+              </a:gs>
+              <a:gs pos="69000">
+                <a:schemeClr val="bg2">
+                  <a:lumMod val="60000"/>
+                  <a:lumOff val="40000"/>
+                  <a:alpha val="0"/>
+                </a:schemeClr>
+              </a:gs>
+              <a:gs pos="36000">
+                <a:schemeClr val="bg2">
+                  <a:lumMod val="60000"/>
+                  <a:lumOff val="40000"/>
+                  <a:alpha val="6000"/>
+                </a:schemeClr>
+              </a:gs>
+            </a:gsLst>
+            <a:path path="circle">
+              <a:fillToRect l="50000" t="50000" r="50000" b="50000"/>
+            </a:path>
+            <a:tileRect/>
+          </a:gradFill>
+          <a:ln>
+            <a:noFill/>
+          </a:ln>
+          <a:effectLst/>
+        </p:spPr>
+        <p:style>
+          <a:lnRef idx="1">
+            <a:schemeClr val="accent1"/>
+          </a:lnRef>
+          <a:fillRef idx="3">
+            <a:schemeClr val="accent1"/>
+          </a:fillRef>
+          <a:effectRef idx="2">
+            <a:schemeClr val="accent1"/>
+          </a:effectRef>
+          <a:fontRef idx="minor">
+            <a:schemeClr val="lt1"/>
+          </a:fontRef>
+        </p:style>
+      </p:sp>
+      <p:pic>
+        <p:nvPicPr>
+          <p:cNvPr id="23" name="Picture 13">
+            <a:extLst>
+              <a:ext uri="{FF2B5EF4-FFF2-40B4-BE49-F238E27FC236}">
+                <a16:creationId xmlns:a16="http://schemas.microsoft.com/office/drawing/2014/main" id="{8949AD42-25FD-4C3D-9EEE-B7FEC5809988}"/>
+              </a:ext>
+              <a:ext uri="{C183D7F6-B498-43B3-948B-1728B52AA6E4}">
+                <adec:decorative xmlns:adec="http://schemas.microsoft.com/office/drawing/2017/decorative" val="1"/>
+              </a:ext>
+            </a:extLst>
+          </p:cNvPr>
+          <p:cNvPicPr>
+            <a:picLocks noGrp="1" noRot="1" noChangeAspect="1" noMove="1" noResize="1" noEditPoints="1" noAdjustHandles="1" noChangeArrowheads="1" noChangeShapeType="1" noCrop="1"/>
+          </p:cNvPicPr>
+          <p:nvPr>
+            <p:extLst>
+              <p:ext uri="{386F3935-93C4-4BCD-93E2-E3B085C9AB24}">
+                <p16:designElem xmlns:p16="http://schemas.microsoft.com/office/powerpoint/2015/main" val="1"/>
+              </p:ext>
+            </p:extLst>
+          </p:nvPr>
+        </p:nvPicPr>
+        <p:blipFill rotWithShape="1">
+          <a:blip r:embed="rId5">
+            <a:extLst>
+              <a:ext uri="{28A0092B-C50C-407E-A947-70E740481C1C}">
+                <a14:useLocalDpi xmlns:a14="http://schemas.microsoft.com/office/drawing/2010/main" val="0"/>
+              </a:ext>
+            </a:extLst>
+          </a:blip>
+          <a:srcRect t="28813"/>
+          <a:stretch/>
+        </p:blipFill>
+        <p:spPr>
+          <a:xfrm>
+            <a:off x="7999412" y="0"/>
+            <a:ext cx="1603387" cy="1141407"/>
+          </a:xfrm>
+          <a:prstGeom prst="rect">
+            <a:avLst/>
+          </a:prstGeom>
+        </p:spPr>
+      </p:pic>
+      <p:pic>
+        <p:nvPicPr>
+          <p:cNvPr id="16" name="Picture 15">
+            <a:extLst>
+              <a:ext uri="{FF2B5EF4-FFF2-40B4-BE49-F238E27FC236}">
+                <a16:creationId xmlns:a16="http://schemas.microsoft.com/office/drawing/2014/main" id="{6AC7D913-60B7-4603-881B-831DA5D3A940}"/>
+              </a:ext>
+              <a:ext uri="{C183D7F6-B498-43B3-948B-1728B52AA6E4}">
+                <adec:decorative xmlns:adec="http://schemas.microsoft.com/office/drawing/2017/decorative" val="1"/>
+              </a:ext>
+            </a:extLst>
+          </p:cNvPr>
+          <p:cNvPicPr>
+            <a:picLocks noGrp="1" noRot="1" noChangeAspect="1" noMove="1" noResize="1" noEditPoints="1" noAdjustHandles="1" noChangeArrowheads="1" noChangeShapeType="1" noCrop="1"/>
+          </p:cNvPicPr>
+          <p:nvPr>
+            <p:extLst>
+              <p:ext uri="{386F3935-93C4-4BCD-93E2-E3B085C9AB24}">
+                <p16:designElem xmlns:p16="http://schemas.microsoft.com/office/powerpoint/2015/main" val="1"/>
+              </p:ext>
+            </p:extLst>
+          </p:nvPr>
+        </p:nvPicPr>
+        <p:blipFill rotWithShape="1">
+          <a:blip r:embed="rId6">
+            <a:extLst>
+              <a:ext uri="{28A0092B-C50C-407E-A947-70E740481C1C}">
+                <a14:useLocalDpi xmlns:a14="http://schemas.microsoft.com/office/drawing/2010/main" val="0"/>
+              </a:ext>
+            </a:extLst>
+          </a:blip>
+          <a:srcRect b="23320"/>
+          <a:stretch/>
+        </p:blipFill>
+        <p:spPr>
+          <a:xfrm>
+            <a:off x="8605878" y="6096000"/>
+            <a:ext cx="993734" cy="762000"/>
+          </a:xfrm>
+          <a:prstGeom prst="rect">
+            <a:avLst/>
+          </a:prstGeom>
+        </p:spPr>
+      </p:pic>
+      <p:sp>
+        <p:nvSpPr>
+          <p:cNvPr id="18" name="Rectangle 17">
+            <a:extLst>
+              <a:ext uri="{FF2B5EF4-FFF2-40B4-BE49-F238E27FC236}">
+                <a16:creationId xmlns:a16="http://schemas.microsoft.com/office/drawing/2014/main" id="{87F0FDC4-AD8C-47D9-9131-623C98ADB0AE}"/>
+              </a:ext>
+              <a:ext uri="{C183D7F6-B498-43B3-948B-1728B52AA6E4}">
+                <adec:decorative xmlns:adec="http://schemas.microsoft.com/office/drawing/2017/decorative" val="1"/>
+              </a:ext>
+            </a:extLst>
+          </p:cNvPr>
+          <p:cNvSpPr>
+            <a:spLocks noGrp="1" noRot="1" noChangeAspect="1" noMove="1" noResize="1" noEditPoints="1" noAdjustHandles="1" noChangeArrowheads="1" noChangeShapeType="1" noTextEdit="1"/>
+          </p:cNvSpPr>
+          <p:nvPr>
+            <p:extLst>
+              <p:ext uri="{386F3935-93C4-4BCD-93E2-E3B085C9AB24}">
+                <p16:designElem xmlns:p16="http://schemas.microsoft.com/office/powerpoint/2015/main" val="1"/>
+              </p:ext>
+            </p:extLst>
+          </p:nvPr>
+        </p:nvSpPr>
+        <p:spPr>
+          <a:xfrm>
+            <a:off x="10437812" y="0"/>
+            <a:ext cx="685800" cy="1143000"/>
+          </a:xfrm>
+          <a:prstGeom prst="rect">
+            <a:avLst/>
+          </a:prstGeom>
+          <a:solidFill>
+            <a:schemeClr val="accent1"/>
+          </a:solidFill>
+          <a:ln>
+            <a:noFill/>
+          </a:ln>
+        </p:spPr>
+        <p:style>
+          <a:lnRef idx="1">
+            <a:schemeClr val="accent1"/>
+          </a:lnRef>
+          <a:fillRef idx="3">
+            <a:schemeClr val="accent1"/>
+          </a:fillRef>
+          <a:effectRef idx="2">
+            <a:schemeClr val="accent1"/>
+          </a:effectRef>
+          <a:fontRef idx="minor">
+            <a:schemeClr val="lt1"/>
+          </a:fontRef>
+        </p:style>
+      </p:sp>
+      <p:sp useBgFill="1">
+        <p:nvSpPr>
+          <p:cNvPr id="20" name="Rectangle 19">
+            <a:extLst>
+              <a:ext uri="{FF2B5EF4-FFF2-40B4-BE49-F238E27FC236}">
+                <a16:creationId xmlns:a16="http://schemas.microsoft.com/office/drawing/2014/main" id="{C28D0172-F2E0-4763-9C35-F022664959D8}"/>
+              </a:ext>
+              <a:ext uri="{C183D7F6-B498-43B3-948B-1728B52AA6E4}">
+                <adec:decorative xmlns:adec="http://schemas.microsoft.com/office/drawing/2017/decorative" val="1"/>
+              </a:ext>
+            </a:extLst>
+          </p:cNvPr>
+          <p:cNvSpPr>
+            <a:spLocks noGrp="1" noRot="1" noChangeAspect="1" noMove="1" noResize="1" noEditPoints="1" noAdjustHandles="1" noChangeArrowheads="1" noChangeShapeType="1" noTextEdit="1"/>
+          </p:cNvSpPr>
+          <p:nvPr>
+            <p:extLst>
+              <p:ext uri="{386F3935-93C4-4BCD-93E2-E3B085C9AB24}">
+                <p16:designElem xmlns:p16="http://schemas.microsoft.com/office/powerpoint/2015/main" val="1"/>
+              </p:ext>
+            </p:extLst>
+          </p:nvPr>
+        </p:nvSpPr>
+        <p:spPr>
+          <a:xfrm>
+            <a:off x="0" y="-5"/>
+            <a:ext cx="12191695" cy="4730744"/>
+          </a:xfrm>
+          <a:prstGeom prst="rect">
+            <a:avLst/>
+          </a:prstGeom>
+          <a:ln>
+            <a:noFill/>
+          </a:ln>
+        </p:spPr>
+        <p:style>
+          <a:lnRef idx="2">
+            <a:schemeClr val="accent1">
+              <a:shade val="50000"/>
+            </a:schemeClr>
+          </a:lnRef>
+          <a:fillRef idx="1">
+            <a:schemeClr val="accent1"/>
+          </a:fillRef>
+          <a:effectRef idx="0">
+            <a:schemeClr val="accent1"/>
+          </a:effectRef>
+          <a:fontRef idx="minor">
+            <a:schemeClr val="lt1"/>
+          </a:fontRef>
+        </p:style>
+        <p:txBody>
+          <a:bodyPr rtlCol="0" anchor="ctr"/>
+          <a:lstStyle/>
+          <a:p>
+            <a:pPr algn="ctr"/>
+            <a:endParaRPr lang="en-US"/>
+          </a:p>
+        </p:txBody>
+      </p:sp>
+      <p:sp>
+        <p:nvSpPr>
+          <p:cNvPr id="22" name="Freeform 16">
+            <a:extLst>
+              <a:ext uri="{FF2B5EF4-FFF2-40B4-BE49-F238E27FC236}">
+                <a16:creationId xmlns:a16="http://schemas.microsoft.com/office/drawing/2014/main" id="{9F2851FB-E841-4509-8A6D-A416376EA380}"/>
+              </a:ext>
+              <a:ext uri="{C183D7F6-B498-43B3-948B-1728B52AA6E4}">
+                <adec:decorative xmlns:adec="http://schemas.microsoft.com/office/drawing/2017/decorative" val="1"/>
+              </a:ext>
+            </a:extLst>
+          </p:cNvPr>
+          <p:cNvSpPr>
+            <a:spLocks noGrp="1" noRot="1" noChangeAspect="1" noMove="1" noResize="1" noEditPoints="1" noAdjustHandles="1" noChangeArrowheads="1" noChangeShapeType="1" noTextEdit="1"/>
+          </p:cNvSpPr>
+          <p:nvPr>
+            <p:extLst>
+              <p:ext uri="{386F3935-93C4-4BCD-93E2-E3B085C9AB24}">
+                <p16:designElem xmlns:p16="http://schemas.microsoft.com/office/powerpoint/2015/main" val="1"/>
+              </p:ext>
+            </p:extLst>
+          </p:nvPr>
+        </p:nvSpPr>
+        <p:spPr>
+          <a:xfrm>
+            <a:off x="8719939" y="3753695"/>
+            <a:ext cx="3472060" cy="825932"/>
+          </a:xfrm>
+          <a:custGeom>
+            <a:avLst/>
+            <a:gdLst>
+              <a:gd name="connsiteX0" fmla="*/ 3470310 w 3472060"/>
+              <a:gd name="connsiteY0" fmla="*/ 0 h 825932"/>
+              <a:gd name="connsiteX1" fmla="*/ 3472060 w 3472060"/>
+              <a:gd name="connsiteY1" fmla="*/ 12850 h 825932"/>
+              <a:gd name="connsiteX2" fmla="*/ 3472060 w 3472060"/>
+              <a:gd name="connsiteY2" fmla="*/ 480529 h 825932"/>
+              <a:gd name="connsiteX3" fmla="*/ 3363699 w 3472060"/>
+              <a:gd name="connsiteY3" fmla="*/ 498471 h 825932"/>
+              <a:gd name="connsiteX4" fmla="*/ 42060 w 3472060"/>
+              <a:gd name="connsiteY4" fmla="*/ 824486 h 825932"/>
+              <a:gd name="connsiteX5" fmla="*/ 0 w 3472060"/>
+              <a:gd name="connsiteY5" fmla="*/ 758452 h 825932"/>
+              <a:gd name="connsiteX6" fmla="*/ 188014 w 3472060"/>
+              <a:gd name="connsiteY6" fmla="*/ 735602 h 825932"/>
+              <a:gd name="connsiteX7" fmla="*/ 284087 w 3472060"/>
+              <a:gd name="connsiteY7" fmla="*/ 722590 h 825932"/>
+              <a:gd name="connsiteX8" fmla="*/ 382288 w 3472060"/>
+              <a:gd name="connsiteY8" fmla="*/ 709392 h 825932"/>
+              <a:gd name="connsiteX9" fmla="*/ 481858 w 3472060"/>
+              <a:gd name="connsiteY9" fmla="*/ 695774 h 825932"/>
+              <a:gd name="connsiteX10" fmla="*/ 581897 w 3472060"/>
+              <a:gd name="connsiteY10" fmla="*/ 680711 h 825932"/>
+              <a:gd name="connsiteX11" fmla="*/ 683670 w 3472060"/>
+              <a:gd name="connsiteY11" fmla="*/ 665256 h 825932"/>
+              <a:gd name="connsiteX12" fmla="*/ 787206 w 3472060"/>
+              <a:gd name="connsiteY12" fmla="*/ 649587 h 825932"/>
+              <a:gd name="connsiteX13" fmla="*/ 892019 w 3472060"/>
+              <a:gd name="connsiteY13" fmla="*/ 632968 h 825932"/>
+              <a:gd name="connsiteX14" fmla="*/ 997620 w 3472060"/>
+              <a:gd name="connsiteY14" fmla="*/ 614667 h 825932"/>
+              <a:gd name="connsiteX15" fmla="*/ 1104727 w 3472060"/>
+              <a:gd name="connsiteY15" fmla="*/ 596741 h 825932"/>
+              <a:gd name="connsiteX16" fmla="*/ 1212669 w 3472060"/>
+              <a:gd name="connsiteY16" fmla="*/ 577397 h 825932"/>
+              <a:gd name="connsiteX17" fmla="*/ 1321506 w 3472060"/>
+              <a:gd name="connsiteY17" fmla="*/ 556988 h 825932"/>
+              <a:gd name="connsiteX18" fmla="*/ 1430709 w 3472060"/>
+              <a:gd name="connsiteY18" fmla="*/ 536607 h 825932"/>
+              <a:gd name="connsiteX19" fmla="*/ 1541050 w 3472060"/>
+              <a:gd name="connsiteY19" fmla="*/ 514481 h 825932"/>
+              <a:gd name="connsiteX20" fmla="*/ 1652805 w 3472060"/>
+              <a:gd name="connsiteY20" fmla="*/ 492202 h 825932"/>
+              <a:gd name="connsiteX21" fmla="*/ 1763708 w 3472060"/>
+              <a:gd name="connsiteY21" fmla="*/ 469161 h 825932"/>
+              <a:gd name="connsiteX22" fmla="*/ 1875795 w 3472060"/>
+              <a:gd name="connsiteY22" fmla="*/ 444641 h 825932"/>
+              <a:gd name="connsiteX23" fmla="*/ 1989128 w 3472060"/>
+              <a:gd name="connsiteY23" fmla="*/ 418995 h 825932"/>
+              <a:gd name="connsiteX24" fmla="*/ 2102476 w 3472060"/>
+              <a:gd name="connsiteY24" fmla="*/ 393438 h 825932"/>
+              <a:gd name="connsiteX25" fmla="*/ 2215549 w 3472060"/>
+              <a:gd name="connsiteY25" fmla="*/ 366291 h 825932"/>
+              <a:gd name="connsiteX26" fmla="*/ 2330490 w 3472060"/>
+              <a:gd name="connsiteY26" fmla="*/ 337455 h 825932"/>
+              <a:gd name="connsiteX27" fmla="*/ 2443333 w 3472060"/>
+              <a:gd name="connsiteY27" fmla="*/ 308983 h 825932"/>
+              <a:gd name="connsiteX28" fmla="*/ 2558014 w 3472060"/>
+              <a:gd name="connsiteY28" fmla="*/ 278646 h 825932"/>
+              <a:gd name="connsiteX29" fmla="*/ 2673621 w 3472060"/>
+              <a:gd name="connsiteY29" fmla="*/ 247421 h 825932"/>
+              <a:gd name="connsiteX30" fmla="*/ 2787008 w 3472060"/>
+              <a:gd name="connsiteY30" fmla="*/ 215853 h 825932"/>
+              <a:gd name="connsiteX31" fmla="*/ 2901442 w 3472060"/>
+              <a:gd name="connsiteY31" fmla="*/ 182011 h 825932"/>
+              <a:gd name="connsiteX32" fmla="*/ 3015722 w 3472060"/>
+              <a:gd name="connsiteY32" fmla="*/ 147286 h 825932"/>
+              <a:gd name="connsiteX33" fmla="*/ 3130018 w 3472060"/>
+              <a:gd name="connsiteY33" fmla="*/ 112649 h 825932"/>
+              <a:gd name="connsiteX34" fmla="*/ 3243551 w 3472060"/>
+              <a:gd name="connsiteY34" fmla="*/ 75688 h 825932"/>
+              <a:gd name="connsiteX35" fmla="*/ 3356992 w 3472060"/>
+              <a:gd name="connsiteY35" fmla="*/ 38197 h 825932"/>
+              <a:gd name="connsiteX36" fmla="*/ 3470310 w 3472060"/>
+              <a:gd name="connsiteY36" fmla="*/ 0 h 825932"/>
+            </a:gdLst>
+            <a:ahLst/>
+            <a:cxnLst>
+              <a:cxn ang="0">
+                <a:pos x="connsiteX0" y="connsiteY0"/>
+              </a:cxn>
+              <a:cxn ang="0">
+                <a:pos x="connsiteX1" y="connsiteY1"/>
+              </a:cxn>
+              <a:cxn ang="0">
+                <a:pos x="connsiteX2" y="connsiteY2"/>
+              </a:cxn>
+              <a:cxn ang="0">
+                <a:pos x="connsiteX3" y="connsiteY3"/>
+              </a:cxn>
+              <a:cxn ang="0">
+                <a:pos x="connsiteX4" y="connsiteY4"/>
+              </a:cxn>
+              <a:cxn ang="0">
+                <a:pos x="connsiteX5" y="connsiteY5"/>
+              </a:cxn>
+              <a:cxn ang="0">
+                <a:pos x="connsiteX6" y="connsiteY6"/>
+              </a:cxn>
+              <a:cxn ang="0">
+                <a:pos x="connsiteX7" y="connsiteY7"/>
+              </a:cxn>
+              <a:cxn ang="0">
+                <a:pos x="connsiteX8" y="connsiteY8"/>
+              </a:cxn>
+              <a:cxn ang="0">
+                <a:pos x="connsiteX9" y="connsiteY9"/>
+              </a:cxn>
+              <a:cxn ang="0">
+                <a:pos x="connsiteX10" y="connsiteY10"/>
+              </a:cxn>
+              <a:cxn ang="0">
+                <a:pos x="connsiteX11" y="connsiteY11"/>
+              </a:cxn>
+              <a:cxn ang="0">
+                <a:pos x="connsiteX12" y="connsiteY12"/>
+              </a:cxn>
+              <a:cxn ang="0">
+                <a:pos x="connsiteX13" y="connsiteY13"/>
+              </a:cxn>
+              <a:cxn ang="0">
+                <a:pos x="connsiteX14" y="connsiteY14"/>
+              </a:cxn>
+              <a:cxn ang="0">
+                <a:pos x="connsiteX15" y="connsiteY15"/>
+              </a:cxn>
+              <a:cxn ang="0">
+                <a:pos x="connsiteX16" y="connsiteY16"/>
+              </a:cxn>
+              <a:cxn ang="0">
+                <a:pos x="connsiteX17" y="connsiteY17"/>
+              </a:cxn>
+              <a:cxn ang="0">
+                <a:pos x="connsiteX18" y="connsiteY18"/>
+              </a:cxn>
+              <a:cxn ang="0">
+                <a:pos x="connsiteX19" y="connsiteY19"/>
+              </a:cxn>
+              <a:cxn ang="0">
+                <a:pos x="connsiteX20" y="connsiteY20"/>
+              </a:cxn>
+              <a:cxn ang="0">
+                <a:pos x="connsiteX21" y="connsiteY21"/>
+              </a:cxn>
+              <a:cxn ang="0">
+                <a:pos x="connsiteX22" y="connsiteY22"/>
+              </a:cxn>
+              <a:cxn ang="0">
+                <a:pos x="connsiteX23" y="connsiteY23"/>
+              </a:cxn>
+              <a:cxn ang="0">
+                <a:pos x="connsiteX24" y="connsiteY24"/>
+              </a:cxn>
+              <a:cxn ang="0">
+                <a:pos x="connsiteX25" y="connsiteY25"/>
+              </a:cxn>
+              <a:cxn ang="0">
+                <a:pos x="connsiteX26" y="connsiteY26"/>
+              </a:cxn>
+              <a:cxn ang="0">
+                <a:pos x="connsiteX27" y="connsiteY27"/>
+              </a:cxn>
+              <a:cxn ang="0">
+                <a:pos x="connsiteX28" y="connsiteY28"/>
+              </a:cxn>
+              <a:cxn ang="0">
+                <a:pos x="connsiteX29" y="connsiteY29"/>
+              </a:cxn>
+              <a:cxn ang="0">
+                <a:pos x="connsiteX30" y="connsiteY30"/>
+              </a:cxn>
+              <a:cxn ang="0">
+                <a:pos x="connsiteX31" y="connsiteY31"/>
+              </a:cxn>
+              <a:cxn ang="0">
+                <a:pos x="connsiteX32" y="connsiteY32"/>
+              </a:cxn>
+              <a:cxn ang="0">
+                <a:pos x="connsiteX33" y="connsiteY33"/>
+              </a:cxn>
+              <a:cxn ang="0">
+                <a:pos x="connsiteX34" y="connsiteY34"/>
+              </a:cxn>
+              <a:cxn ang="0">
+                <a:pos x="connsiteX35" y="connsiteY35"/>
+              </a:cxn>
+              <a:cxn ang="0">
+                <a:pos x="connsiteX36" y="connsiteY36"/>
+              </a:cxn>
+            </a:cxnLst>
+            <a:rect l="l" t="t" r="r" b="b"/>
+            <a:pathLst>
+              <a:path w="3472060" h="825932">
+                <a:moveTo>
+                  <a:pt x="3470310" y="0"/>
+                </a:moveTo>
+                <a:lnTo>
+                  <a:pt x="3472060" y="12850"/>
+                </a:lnTo>
+                <a:lnTo>
+                  <a:pt x="3472060" y="480529"/>
+                </a:lnTo>
+                <a:lnTo>
+                  <a:pt x="3363699" y="498471"/>
+                </a:lnTo>
+                <a:cubicBezTo>
+                  <a:pt x="2435623" y="645518"/>
+                  <a:pt x="603076" y="844866"/>
+                  <a:pt x="42060" y="824486"/>
+                </a:cubicBezTo>
+                <a:cubicBezTo>
+                  <a:pt x="28151" y="802425"/>
+                  <a:pt x="13909" y="780513"/>
+                  <a:pt x="0" y="758452"/>
+                </a:cubicBezTo>
+                <a:lnTo>
+                  <a:pt x="188014" y="735602"/>
+                </a:lnTo>
+                <a:lnTo>
+                  <a:pt x="284087" y="722590"/>
+                </a:lnTo>
+                <a:lnTo>
+                  <a:pt x="382288" y="709392"/>
+                </a:lnTo>
+                <a:lnTo>
+                  <a:pt x="481858" y="695774"/>
+                </a:lnTo>
+                <a:lnTo>
+                  <a:pt x="581897" y="680711"/>
+                </a:lnTo>
+                <a:lnTo>
+                  <a:pt x="683670" y="665256"/>
+                </a:lnTo>
+                <a:lnTo>
+                  <a:pt x="787206" y="649587"/>
+                </a:lnTo>
+                <a:lnTo>
+                  <a:pt x="892019" y="632968"/>
+                </a:lnTo>
+                <a:lnTo>
+                  <a:pt x="997620" y="614667"/>
+                </a:lnTo>
+                <a:lnTo>
+                  <a:pt x="1104727" y="596741"/>
+                </a:lnTo>
+                <a:lnTo>
+                  <a:pt x="1212669" y="577397"/>
+                </a:lnTo>
+                <a:lnTo>
+                  <a:pt x="1321506" y="556988"/>
+                </a:lnTo>
+                <a:lnTo>
+                  <a:pt x="1430709" y="536607"/>
+                </a:lnTo>
+                <a:lnTo>
+                  <a:pt x="1541050" y="514481"/>
+                </a:lnTo>
+                <a:lnTo>
+                  <a:pt x="1652805" y="492202"/>
+                </a:lnTo>
+                <a:lnTo>
+                  <a:pt x="1763708" y="469161"/>
+                </a:lnTo>
+                <a:lnTo>
+                  <a:pt x="1875795" y="444641"/>
+                </a:lnTo>
+                <a:lnTo>
+                  <a:pt x="1989128" y="418995"/>
+                </a:lnTo>
+                <a:lnTo>
+                  <a:pt x="2102476" y="393438"/>
+                </a:lnTo>
+                <a:lnTo>
+                  <a:pt x="2215549" y="366291"/>
+                </a:lnTo>
+                <a:lnTo>
+                  <a:pt x="2330490" y="337455"/>
+                </a:lnTo>
+                <a:lnTo>
+                  <a:pt x="2443333" y="308983"/>
+                </a:lnTo>
+                <a:lnTo>
+                  <a:pt x="2558014" y="278646"/>
+                </a:lnTo>
+                <a:lnTo>
+                  <a:pt x="2673621" y="247421"/>
+                </a:lnTo>
+                <a:lnTo>
+                  <a:pt x="2787008" y="215853"/>
+                </a:lnTo>
+                <a:lnTo>
+                  <a:pt x="2901442" y="182011"/>
+                </a:lnTo>
+                <a:lnTo>
+                  <a:pt x="3015722" y="147286"/>
+                </a:lnTo>
+                <a:lnTo>
+                  <a:pt x="3130018" y="112649"/>
+                </a:lnTo>
+                <a:lnTo>
+                  <a:pt x="3243551" y="75688"/>
+                </a:lnTo>
+                <a:lnTo>
+                  <a:pt x="3356992" y="38197"/>
+                </a:lnTo>
+                <a:lnTo>
+                  <a:pt x="3470310" y="0"/>
+                </a:lnTo>
+                <a:close/>
+              </a:path>
+            </a:pathLst>
+          </a:custGeom>
+          <a:solidFill>
+            <a:schemeClr val="tx1">
+              <a:alpha val="20000"/>
+            </a:schemeClr>
+          </a:solidFill>
+          <a:ln>
+            <a:noFill/>
+          </a:ln>
+        </p:spPr>
+        <p:txBody>
+          <a:bodyPr rtlCol="0" anchor="ctr"/>
+          <a:lstStyle/>
+          <a:p>
+            <a:pPr algn="ctr"/>
+            <a:endParaRPr lang="en-US">
+              <a:solidFill>
+                <a:schemeClr val="tx1"/>
+              </a:solidFill>
+            </a:endParaRPr>
+          </a:p>
+        </p:txBody>
+      </p:sp>
+      <p:sp>
+        <p:nvSpPr>
+          <p:cNvPr id="24" name="Freeform: Shape 23">
+            <a:extLst>
+              <a:ext uri="{FF2B5EF4-FFF2-40B4-BE49-F238E27FC236}">
+                <a16:creationId xmlns:a16="http://schemas.microsoft.com/office/drawing/2014/main" id="{DF6FB2B2-CE21-407F-B22E-302DADC2C3D3}"/>
+              </a:ext>
+              <a:ext uri="{C183D7F6-B498-43B3-948B-1728B52AA6E4}">
+                <adec:decorative xmlns:adec="http://schemas.microsoft.com/office/drawing/2017/decorative" val="1"/>
+              </a:ext>
+            </a:extLst>
+          </p:cNvPr>
+          <p:cNvSpPr>
+            <a:spLocks noGrp="1" noRot="1" noChangeAspect="1" noMove="1" noResize="1" noEditPoints="1" noAdjustHandles="1" noChangeArrowheads="1" noChangeShapeType="1" noTextEdit="1"/>
+          </p:cNvSpPr>
+          <p:nvPr>
+            <p:extLst>
+              <p:ext uri="{386F3935-93C4-4BCD-93E2-E3B085C9AB24}">
+                <p16:designElem xmlns:p16="http://schemas.microsoft.com/office/powerpoint/2015/main" val="1"/>
+              </p:ext>
+            </p:extLst>
+          </p:nvPr>
+        </p:nvSpPr>
+        <p:spPr>
+          <a:xfrm>
+            <a:off x="0" y="4055533"/>
+            <a:ext cx="12192000" cy="2802467"/>
+          </a:xfrm>
+          <a:custGeom>
+            <a:avLst/>
+            <a:gdLst>
+              <a:gd name="connsiteX0" fmla="*/ 1 w 12192000"/>
+              <a:gd name="connsiteY0" fmla="*/ 0 h 2802467"/>
+              <a:gd name="connsiteX1" fmla="*/ 71932 w 12192000"/>
+              <a:gd name="connsiteY1" fmla="*/ 12261 h 2802467"/>
+              <a:gd name="connsiteX2" fmla="*/ 282848 w 12192000"/>
+              <a:gd name="connsiteY2" fmla="*/ 48342 h 2802467"/>
+              <a:gd name="connsiteX3" fmla="*/ 436464 w 12192000"/>
+              <a:gd name="connsiteY3" fmla="*/ 73565 h 2802467"/>
+              <a:gd name="connsiteX4" fmla="*/ 619339 w 12192000"/>
+              <a:gd name="connsiteY4" fmla="*/ 100188 h 2802467"/>
+              <a:gd name="connsiteX5" fmla="*/ 836351 w 12192000"/>
+              <a:gd name="connsiteY5" fmla="*/ 132066 h 2802467"/>
+              <a:gd name="connsiteX6" fmla="*/ 1076528 w 12192000"/>
+              <a:gd name="connsiteY6" fmla="*/ 165696 h 2802467"/>
+              <a:gd name="connsiteX7" fmla="*/ 1347183 w 12192000"/>
+              <a:gd name="connsiteY7" fmla="*/ 201077 h 2802467"/>
+              <a:gd name="connsiteX8" fmla="*/ 1642223 w 12192000"/>
+              <a:gd name="connsiteY8" fmla="*/ 238560 h 2802467"/>
+              <a:gd name="connsiteX9" fmla="*/ 1962864 w 12192000"/>
+              <a:gd name="connsiteY9" fmla="*/ 276043 h 2802467"/>
+              <a:gd name="connsiteX10" fmla="*/ 2304232 w 12192000"/>
+              <a:gd name="connsiteY10" fmla="*/ 314226 h 2802467"/>
+              <a:gd name="connsiteX11" fmla="*/ 2672421 w 12192000"/>
+              <a:gd name="connsiteY11" fmla="*/ 349608 h 2802467"/>
+              <a:gd name="connsiteX12" fmla="*/ 3057678 w 12192000"/>
+              <a:gd name="connsiteY12" fmla="*/ 383587 h 2802467"/>
+              <a:gd name="connsiteX13" fmla="*/ 3464881 w 12192000"/>
+              <a:gd name="connsiteY13" fmla="*/ 414415 h 2802467"/>
+              <a:gd name="connsiteX14" fmla="*/ 3889152 w 12192000"/>
+              <a:gd name="connsiteY14" fmla="*/ 443840 h 2802467"/>
+              <a:gd name="connsiteX15" fmla="*/ 4331710 w 12192000"/>
+              <a:gd name="connsiteY15" fmla="*/ 471515 h 2802467"/>
+              <a:gd name="connsiteX16" fmla="*/ 4558476 w 12192000"/>
+              <a:gd name="connsiteY16" fmla="*/ 481323 h 2802467"/>
+              <a:gd name="connsiteX17" fmla="*/ 4790118 w 12192000"/>
+              <a:gd name="connsiteY17" fmla="*/ 492183 h 2802467"/>
+              <a:gd name="connsiteX18" fmla="*/ 5025418 w 12192000"/>
+              <a:gd name="connsiteY18" fmla="*/ 502342 h 2802467"/>
+              <a:gd name="connsiteX19" fmla="*/ 5261937 w 12192000"/>
+              <a:gd name="connsiteY19" fmla="*/ 508998 h 2802467"/>
+              <a:gd name="connsiteX20" fmla="*/ 5503332 w 12192000"/>
+              <a:gd name="connsiteY20" fmla="*/ 514953 h 2802467"/>
+              <a:gd name="connsiteX21" fmla="*/ 5747166 w 12192000"/>
+              <a:gd name="connsiteY21" fmla="*/ 521259 h 2802467"/>
+              <a:gd name="connsiteX22" fmla="*/ 5995877 w 12192000"/>
+              <a:gd name="connsiteY22" fmla="*/ 525462 h 2802467"/>
+              <a:gd name="connsiteX23" fmla="*/ 6247026 w 12192000"/>
+              <a:gd name="connsiteY23" fmla="*/ 525462 h 2802467"/>
+              <a:gd name="connsiteX24" fmla="*/ 6500613 w 12192000"/>
+              <a:gd name="connsiteY24" fmla="*/ 527564 h 2802467"/>
+              <a:gd name="connsiteX25" fmla="*/ 6756639 w 12192000"/>
+              <a:gd name="connsiteY25" fmla="*/ 525462 h 2802467"/>
+              <a:gd name="connsiteX26" fmla="*/ 7016322 w 12192000"/>
+              <a:gd name="connsiteY26" fmla="*/ 521259 h 2802467"/>
+              <a:gd name="connsiteX27" fmla="*/ 7276005 w 12192000"/>
+              <a:gd name="connsiteY27" fmla="*/ 517405 h 2802467"/>
+              <a:gd name="connsiteX28" fmla="*/ 7539345 w 12192000"/>
+              <a:gd name="connsiteY28" fmla="*/ 508998 h 2802467"/>
+              <a:gd name="connsiteX29" fmla="*/ 7805124 w 12192000"/>
+              <a:gd name="connsiteY29" fmla="*/ 500240 h 2802467"/>
+              <a:gd name="connsiteX30" fmla="*/ 8070903 w 12192000"/>
+              <a:gd name="connsiteY30" fmla="*/ 490081 h 2802467"/>
+              <a:gd name="connsiteX31" fmla="*/ 8339121 w 12192000"/>
+              <a:gd name="connsiteY31" fmla="*/ 475719 h 2802467"/>
+              <a:gd name="connsiteX32" fmla="*/ 8609776 w 12192000"/>
+              <a:gd name="connsiteY32" fmla="*/ 458553 h 2802467"/>
+              <a:gd name="connsiteX33" fmla="*/ 8881651 w 12192000"/>
+              <a:gd name="connsiteY33" fmla="*/ 442089 h 2802467"/>
+              <a:gd name="connsiteX34" fmla="*/ 9153526 w 12192000"/>
+              <a:gd name="connsiteY34" fmla="*/ 421070 h 2802467"/>
+              <a:gd name="connsiteX35" fmla="*/ 9429058 w 12192000"/>
+              <a:gd name="connsiteY35" fmla="*/ 395848 h 2802467"/>
+              <a:gd name="connsiteX36" fmla="*/ 9700933 w 12192000"/>
+              <a:gd name="connsiteY36" fmla="*/ 370626 h 2802467"/>
+              <a:gd name="connsiteX37" fmla="*/ 9977684 w 12192000"/>
+              <a:gd name="connsiteY37" fmla="*/ 341550 h 2802467"/>
+              <a:gd name="connsiteX38" fmla="*/ 10255655 w 12192000"/>
+              <a:gd name="connsiteY38" fmla="*/ 309672 h 2802467"/>
+              <a:gd name="connsiteX39" fmla="*/ 10529968 w 12192000"/>
+              <a:gd name="connsiteY39" fmla="*/ 276043 h 2802467"/>
+              <a:gd name="connsiteX40" fmla="*/ 10807939 w 12192000"/>
+              <a:gd name="connsiteY40" fmla="*/ 236808 h 2802467"/>
+              <a:gd name="connsiteX41" fmla="*/ 11084690 w 12192000"/>
+              <a:gd name="connsiteY41" fmla="*/ 194771 h 2802467"/>
+              <a:gd name="connsiteX42" fmla="*/ 11362661 w 12192000"/>
+              <a:gd name="connsiteY42" fmla="*/ 153085 h 2802467"/>
+              <a:gd name="connsiteX43" fmla="*/ 11639412 w 12192000"/>
+              <a:gd name="connsiteY43" fmla="*/ 104392 h 2802467"/>
+              <a:gd name="connsiteX44" fmla="*/ 11914945 w 12192000"/>
+              <a:gd name="connsiteY44" fmla="*/ 54648 h 2802467"/>
+              <a:gd name="connsiteX45" fmla="*/ 12191696 w 12192000"/>
+              <a:gd name="connsiteY45" fmla="*/ 2452 h 2802467"/>
+              <a:gd name="connsiteX46" fmla="*/ 12191696 w 12192000"/>
+              <a:gd name="connsiteY46" fmla="*/ 2236410 h 2802467"/>
+              <a:gd name="connsiteX47" fmla="*/ 12192000 w 12192000"/>
+              <a:gd name="connsiteY47" fmla="*/ 2236410 h 2802467"/>
+              <a:gd name="connsiteX48" fmla="*/ 12192000 w 12192000"/>
+              <a:gd name="connsiteY48" fmla="*/ 2802467 h 2802467"/>
+              <a:gd name="connsiteX49" fmla="*/ 12191696 w 12192000"/>
+              <a:gd name="connsiteY49" fmla="*/ 2802467 h 2802467"/>
+              <a:gd name="connsiteX50" fmla="*/ 0 w 12192000"/>
+              <a:gd name="connsiteY50" fmla="*/ 2802467 h 2802467"/>
+              <a:gd name="connsiteX51" fmla="*/ 0 w 12192000"/>
+              <a:gd name="connsiteY51" fmla="*/ 2236410 h 2802467"/>
+              <a:gd name="connsiteX52" fmla="*/ 1 w 12192000"/>
+              <a:gd name="connsiteY52" fmla="*/ 2236410 h 2802467"/>
+            </a:gdLst>
+            <a:ahLst/>
+            <a:cxnLst>
+              <a:cxn ang="0">
+                <a:pos x="connsiteX0" y="connsiteY0"/>
+              </a:cxn>
+              <a:cxn ang="0">
+                <a:pos x="connsiteX1" y="connsiteY1"/>
+              </a:cxn>
+              <a:cxn ang="0">
+                <a:pos x="connsiteX2" y="connsiteY2"/>
+              </a:cxn>
+              <a:cxn ang="0">
+                <a:pos x="connsiteX3" y="connsiteY3"/>
+              </a:cxn>
+              <a:cxn ang="0">
+                <a:pos x="connsiteX4" y="connsiteY4"/>
+              </a:cxn>
+              <a:cxn ang="0">
+                <a:pos x="connsiteX5" y="connsiteY5"/>
+              </a:cxn>
+              <a:cxn ang="0">
+                <a:pos x="connsiteX6" y="connsiteY6"/>
+              </a:cxn>
+              <a:cxn ang="0">
+                <a:pos x="connsiteX7" y="connsiteY7"/>
+              </a:cxn>
+              <a:cxn ang="0">
+                <a:pos x="connsiteX8" y="connsiteY8"/>
+              </a:cxn>
+              <a:cxn ang="0">
+                <a:pos x="connsiteX9" y="connsiteY9"/>
+              </a:cxn>
+              <a:cxn ang="0">
+                <a:pos x="connsiteX10" y="connsiteY10"/>
+              </a:cxn>
+              <a:cxn ang="0">
+                <a:pos x="connsiteX11" y="connsiteY11"/>
+              </a:cxn>
+              <a:cxn ang="0">
+                <a:pos x="connsiteX12" y="connsiteY12"/>
+              </a:cxn>
+              <a:cxn ang="0">
+                <a:pos x="connsiteX13" y="connsiteY13"/>
+              </a:cxn>
+              <a:cxn ang="0">
+                <a:pos x="connsiteX14" y="connsiteY14"/>
+              </a:cxn>
+              <a:cxn ang="0">
+                <a:pos x="connsiteX15" y="connsiteY15"/>
+              </a:cxn>
+              <a:cxn ang="0">
+                <a:pos x="connsiteX16" y="connsiteY16"/>
+              </a:cxn>
+              <a:cxn ang="0">
+                <a:pos x="connsiteX17" y="connsiteY17"/>
+              </a:cxn>
+              <a:cxn ang="0">
+                <a:pos x="connsiteX18" y="connsiteY18"/>
+              </a:cxn>
+              <a:cxn ang="0">
+                <a:pos x="connsiteX19" y="connsiteY19"/>
+              </a:cxn>
+              <a:cxn ang="0">
+                <a:pos x="connsiteX20" y="connsiteY20"/>
+              </a:cxn>
+              <a:cxn ang="0">
+                <a:pos x="connsiteX21" y="connsiteY21"/>
+              </a:cxn>
+              <a:cxn ang="0">
+                <a:pos x="connsiteX22" y="connsiteY22"/>
+              </a:cxn>
+              <a:cxn ang="0">
+                <a:pos x="connsiteX23" y="connsiteY23"/>
+              </a:cxn>
+              <a:cxn ang="0">
+                <a:pos x="connsiteX24" y="connsiteY24"/>
+              </a:cxn>
+              <a:cxn ang="0">
+                <a:pos x="connsiteX25" y="connsiteY25"/>
+              </a:cxn>
+              <a:cxn ang="0">
+                <a:pos x="connsiteX26" y="connsiteY26"/>
+              </a:cxn>
+              <a:cxn ang="0">
+                <a:pos x="connsiteX27" y="connsiteY27"/>
+              </a:cxn>
+              <a:cxn ang="0">
+                <a:pos x="connsiteX28" y="connsiteY28"/>
+              </a:cxn>
+              <a:cxn ang="0">
+                <a:pos x="connsiteX29" y="connsiteY29"/>
+              </a:cxn>
+              <a:cxn ang="0">
+                <a:pos x="connsiteX30" y="connsiteY30"/>
+              </a:cxn>
+              <a:cxn ang="0">
+                <a:pos x="connsiteX31" y="connsiteY31"/>
+              </a:cxn>
+              <a:cxn ang="0">
+                <a:pos x="connsiteX32" y="connsiteY32"/>
+              </a:cxn>
+              <a:cxn ang="0">
+                <a:pos x="connsiteX33" y="connsiteY33"/>
+              </a:cxn>
+              <a:cxn ang="0">
+                <a:pos x="connsiteX34" y="connsiteY34"/>
+              </a:cxn>
+              <a:cxn ang="0">
+                <a:pos x="connsiteX35" y="connsiteY35"/>
+              </a:cxn>
+              <a:cxn ang="0">
+                <a:pos x="connsiteX36" y="connsiteY36"/>
+              </a:cxn>
+              <a:cxn ang="0">
+                <a:pos x="connsiteX37" y="connsiteY37"/>
+              </a:cxn>
+              <a:cxn ang="0">
+                <a:pos x="connsiteX38" y="connsiteY38"/>
+              </a:cxn>
+              <a:cxn ang="0">
+                <a:pos x="connsiteX39" y="connsiteY39"/>
+              </a:cxn>
+              <a:cxn ang="0">
+                <a:pos x="connsiteX40" y="connsiteY40"/>
+              </a:cxn>
+              <a:cxn ang="0">
+                <a:pos x="connsiteX41" y="connsiteY41"/>
+              </a:cxn>
+              <a:cxn ang="0">
+                <a:pos x="connsiteX42" y="connsiteY42"/>
+              </a:cxn>
+              <a:cxn ang="0">
+                <a:pos x="connsiteX43" y="connsiteY43"/>
+              </a:cxn>
+              <a:cxn ang="0">
+                <a:pos x="connsiteX44" y="connsiteY44"/>
+              </a:cxn>
+              <a:cxn ang="0">
+                <a:pos x="connsiteX45" y="connsiteY45"/>
+              </a:cxn>
+              <a:cxn ang="0">
+                <a:pos x="connsiteX46" y="connsiteY46"/>
+              </a:cxn>
+              <a:cxn ang="0">
+                <a:pos x="connsiteX47" y="connsiteY47"/>
+              </a:cxn>
+              <a:cxn ang="0">
+                <a:pos x="connsiteX48" y="connsiteY48"/>
+              </a:cxn>
+              <a:cxn ang="0">
+                <a:pos x="connsiteX49" y="connsiteY49"/>
+              </a:cxn>
+              <a:cxn ang="0">
+                <a:pos x="connsiteX50" y="connsiteY50"/>
+              </a:cxn>
+              <a:cxn ang="0">
+                <a:pos x="connsiteX51" y="connsiteY51"/>
+              </a:cxn>
+              <a:cxn ang="0">
+                <a:pos x="connsiteX52" y="connsiteY52"/>
+              </a:cxn>
+            </a:cxnLst>
+            <a:rect l="l" t="t" r="r" b="b"/>
+            <a:pathLst>
+              <a:path w="12192000" h="2802467">
+                <a:moveTo>
+                  <a:pt x="1" y="0"/>
+                </a:moveTo>
+                <a:lnTo>
+                  <a:pt x="71932" y="12261"/>
+                </a:lnTo>
+                <a:lnTo>
+                  <a:pt x="282848" y="48342"/>
+                </a:lnTo>
+                <a:lnTo>
+                  <a:pt x="436464" y="73565"/>
+                </a:lnTo>
+                <a:lnTo>
+                  <a:pt x="619339" y="100188"/>
+                </a:lnTo>
+                <a:lnTo>
+                  <a:pt x="836351" y="132066"/>
+                </a:lnTo>
+                <a:lnTo>
+                  <a:pt x="1076528" y="165696"/>
+                </a:lnTo>
+                <a:lnTo>
+                  <a:pt x="1347183" y="201077"/>
+                </a:lnTo>
+                <a:lnTo>
+                  <a:pt x="1642223" y="238560"/>
+                </a:lnTo>
+                <a:lnTo>
+                  <a:pt x="1962864" y="276043"/>
+                </a:lnTo>
+                <a:lnTo>
+                  <a:pt x="2304232" y="314226"/>
+                </a:lnTo>
+                <a:lnTo>
+                  <a:pt x="2672421" y="349608"/>
+                </a:lnTo>
+                <a:lnTo>
+                  <a:pt x="3057678" y="383587"/>
+                </a:lnTo>
+                <a:lnTo>
+                  <a:pt x="3464881" y="414415"/>
+                </a:lnTo>
+                <a:lnTo>
+                  <a:pt x="3889152" y="443840"/>
+                </a:lnTo>
+                <a:lnTo>
+                  <a:pt x="4331710" y="471515"/>
+                </a:lnTo>
+                <a:lnTo>
+                  <a:pt x="4558476" y="481323"/>
+                </a:lnTo>
+                <a:lnTo>
+                  <a:pt x="4790118" y="492183"/>
+                </a:lnTo>
+                <a:lnTo>
+                  <a:pt x="5025418" y="502342"/>
+                </a:lnTo>
+                <a:lnTo>
+                  <a:pt x="5261937" y="508998"/>
+                </a:lnTo>
+                <a:lnTo>
+                  <a:pt x="5503332" y="514953"/>
+                </a:lnTo>
+                <a:lnTo>
+                  <a:pt x="5747166" y="521259"/>
+                </a:lnTo>
+                <a:lnTo>
+                  <a:pt x="5995877" y="525462"/>
+                </a:lnTo>
+                <a:lnTo>
+                  <a:pt x="6247026" y="525462"/>
+                </a:lnTo>
+                <a:lnTo>
+                  <a:pt x="6500613" y="527564"/>
+                </a:lnTo>
+                <a:lnTo>
+                  <a:pt x="6756639" y="525462"/>
+                </a:lnTo>
+                <a:lnTo>
+                  <a:pt x="7016322" y="521259"/>
+                </a:lnTo>
+                <a:lnTo>
+                  <a:pt x="7276005" y="517405"/>
+                </a:lnTo>
+                <a:lnTo>
+                  <a:pt x="7539345" y="508998"/>
+                </a:lnTo>
+                <a:lnTo>
+                  <a:pt x="7805124" y="500240"/>
+                </a:lnTo>
+                <a:lnTo>
+                  <a:pt x="8070903" y="490081"/>
+                </a:lnTo>
+                <a:lnTo>
+                  <a:pt x="8339121" y="475719"/>
+                </a:lnTo>
+                <a:lnTo>
+                  <a:pt x="8609776" y="458553"/>
+                </a:lnTo>
+                <a:lnTo>
+                  <a:pt x="8881651" y="442089"/>
+                </a:lnTo>
+                <a:lnTo>
+                  <a:pt x="9153526" y="421070"/>
+                </a:lnTo>
+                <a:lnTo>
+                  <a:pt x="9429058" y="395848"/>
+                </a:lnTo>
+                <a:lnTo>
+                  <a:pt x="9700933" y="370626"/>
+                </a:lnTo>
+                <a:lnTo>
+                  <a:pt x="9977684" y="341550"/>
+                </a:lnTo>
+                <a:lnTo>
+                  <a:pt x="10255655" y="309672"/>
+                </a:lnTo>
+                <a:lnTo>
+                  <a:pt x="10529968" y="276043"/>
+                </a:lnTo>
+                <a:lnTo>
+                  <a:pt x="10807939" y="236808"/>
+                </a:lnTo>
+                <a:lnTo>
+                  <a:pt x="11084690" y="194771"/>
+                </a:lnTo>
+                <a:lnTo>
+                  <a:pt x="11362661" y="153085"/>
+                </a:lnTo>
+                <a:lnTo>
+                  <a:pt x="11639412" y="104392"/>
+                </a:lnTo>
+                <a:lnTo>
+                  <a:pt x="11914945" y="54648"/>
+                </a:lnTo>
+                <a:lnTo>
+                  <a:pt x="12191696" y="2452"/>
+                </a:lnTo>
+                <a:lnTo>
+                  <a:pt x="12191696" y="2236410"/>
+                </a:lnTo>
+                <a:lnTo>
+                  <a:pt x="12192000" y="2236410"/>
+                </a:lnTo>
+                <a:lnTo>
+                  <a:pt x="12192000" y="2802467"/>
+                </a:lnTo>
+                <a:lnTo>
+                  <a:pt x="12191696" y="2802467"/>
+                </a:lnTo>
+                <a:lnTo>
+                  <a:pt x="0" y="2802467"/>
+                </a:lnTo>
+                <a:lnTo>
+                  <a:pt x="0" y="2236410"/>
+                </a:lnTo>
+                <a:lnTo>
+                  <a:pt x="1" y="2236410"/>
+                </a:lnTo>
+                <a:close/>
+              </a:path>
+            </a:pathLst>
+          </a:custGeom>
+          <a:solidFill>
+            <a:schemeClr val="tx2"/>
+          </a:solidFill>
+          <a:ln>
+            <a:noFill/>
+          </a:ln>
+        </p:spPr>
+        <p:style>
+          <a:lnRef idx="2">
+            <a:schemeClr val="accent1">
+              <a:shade val="50000"/>
+            </a:schemeClr>
+          </a:lnRef>
+          <a:fillRef idx="1003">
+            <a:schemeClr val="dk2"/>
+          </a:fillRef>
+          <a:effectRef idx="0">
+            <a:schemeClr val="accent1"/>
+          </a:effectRef>
+          <a:fontRef idx="minor">
+            <a:schemeClr val="lt1"/>
+          </a:fontRef>
+        </p:style>
+        <p:txBody>
+          <a:bodyPr rtlCol="0" anchor="ctr"/>
+          <a:lstStyle/>
+          <a:p>
+            <a:pPr algn="ctr"/>
+            <a:endParaRPr lang="en-US"/>
+          </a:p>
+        </p:txBody>
+      </p:sp>
+      <p:sp>
+        <p:nvSpPr>
+          <p:cNvPr id="2" name="Titel 1">
+            <a:extLst>
+              <a:ext uri="{FF2B5EF4-FFF2-40B4-BE49-F238E27FC236}">
+                <a16:creationId xmlns:a16="http://schemas.microsoft.com/office/drawing/2014/main" id="{53B80C15-B514-404A-A69B-547B38E8D1C7}"/>
+              </a:ext>
+            </a:extLst>
+          </p:cNvPr>
+          <p:cNvSpPr>
+            <a:spLocks noGrp="1"/>
+          </p:cNvSpPr>
+          <p:nvPr>
+            <p:ph type="title"/>
+          </p:nvPr>
+        </p:nvSpPr>
+        <p:spPr>
+          <a:xfrm>
+            <a:off x="965505" y="623571"/>
+            <a:ext cx="10260990" cy="3523885"/>
+          </a:xfrm>
+        </p:spPr>
+        <p:txBody>
+          <a:bodyPr vert="horz" lIns="91440" tIns="45720" rIns="91440" bIns="45720" rtlCol="0" anchor="b">
+            <a:normAutofit/>
+          </a:bodyPr>
+          <a:lstStyle/>
+          <a:p>
+            <a:pPr algn="ctr"/>
+            <a:r>
+              <a:rPr lang="en-US" sz="8000" b="0" i="0" kern="1200" dirty="0" err="1">
+                <a:solidFill>
+                  <a:schemeClr val="tx2"/>
+                </a:solidFill>
+                <a:latin typeface="+mj-lt"/>
+                <a:ea typeface="+mj-ea"/>
+                <a:cs typeface="+mj-cs"/>
+              </a:rPr>
+              <a:t>Umsetzung</a:t>
+            </a:r>
+            <a:endParaRPr lang="en-US" sz="8000" b="0" i="0" kern="1200" dirty="0">
+              <a:solidFill>
+                <a:schemeClr val="tx2"/>
+              </a:solidFill>
+              <a:latin typeface="+mj-lt"/>
+              <a:ea typeface="+mj-ea"/>
+              <a:cs typeface="+mj-cs"/>
+            </a:endParaRPr>
+          </a:p>
+        </p:txBody>
+      </p:sp>
+    </p:spTree>
+    <p:extLst>
+      <p:ext uri="{BB962C8B-B14F-4D97-AF65-F5344CB8AC3E}">
+        <p14:creationId xmlns:p14="http://schemas.microsoft.com/office/powerpoint/2010/main" val="68926543"/>
+      </p:ext>
+    </p:extLst>
+  </p:cSld>
+  <p:clrMapOvr>
+    <a:masterClrMapping/>
+  </p:clrMapOvr>
+</p:sld>
+</file>
+
+<file path=ppt/slides/slide11.xml><?xml version="1.0" encoding="utf-8"?>
+<p:sld xmlns:a="http://schemas.openxmlformats.org/drawingml/2006/main" xmlns:r="http://schemas.openxmlformats.org/officeDocument/2006/relationships" xmlns:p="http://schemas.openxmlformats.org/presentationml/2006/main">
+  <p:cSld>
+    <p:bg>
+      <p:bgPr>
+        <a:blipFill rotWithShape="1">
+          <a:blip r:embed="rId2">
+            <a:duotone>
+              <a:schemeClr val="bg2">
+                <a:shade val="69000"/>
+                <a:hueMod val="108000"/>
+                <a:satMod val="164000"/>
+                <a:lumMod val="74000"/>
+              </a:schemeClr>
+              <a:schemeClr val="bg2">
+                <a:tint val="96000"/>
+                <a:hueMod val="88000"/>
+                <a:satMod val="140000"/>
+                <a:lumMod val="132000"/>
+              </a:schemeClr>
+            </a:duotone>
+          </a:blip>
+          <a:stretch/>
+        </a:blipFill>
+        <a:effectLst/>
+      </p:bgPr>
+    </p:bg>
+    <p:spTree>
+      <p:nvGrpSpPr>
+        <p:cNvPr id="1" name=""/>
+        <p:cNvGrpSpPr/>
+        <p:nvPr/>
+      </p:nvGrpSpPr>
+      <p:grpSpPr>
+        <a:xfrm>
+          <a:off x="0" y="0"/>
+          <a:ext cx="0" cy="0"/>
+          <a:chOff x="0" y="0"/>
+          <a:chExt cx="0" cy="0"/>
+        </a:xfrm>
+      </p:grpSpPr>
+      <p:pic>
+        <p:nvPicPr>
+          <p:cNvPr id="17" name="Picture 7">
+            <a:extLst>
+              <a:ext uri="{FF2B5EF4-FFF2-40B4-BE49-F238E27FC236}">
+                <a16:creationId xmlns:a16="http://schemas.microsoft.com/office/drawing/2014/main" id="{91B28F63-CF00-448F-B141-FE33C33B1891}"/>
+              </a:ext>
+              <a:ext uri="{C183D7F6-B498-43B3-948B-1728B52AA6E4}">
+                <adec:decorative xmlns:adec="http://schemas.microsoft.com/office/drawing/2017/decorative" val="1"/>
+              </a:ext>
+            </a:extLst>
+          </p:cNvPr>
+          <p:cNvPicPr>
+            <a:picLocks noGrp="1" noRot="1" noChangeAspect="1" noMove="1" noResize="1" noEditPoints="1" noAdjustHandles="1" noChangeArrowheads="1" noChangeShapeType="1" noCrop="1"/>
+          </p:cNvPicPr>
+          <p:nvPr>
+            <p:extLst>
+              <p:ext uri="{386F3935-93C4-4BCD-93E2-E3B085C9AB24}">
+                <p16:designElem xmlns:p16="http://schemas.microsoft.com/office/powerpoint/2015/main" val="1"/>
+              </p:ext>
+            </p:extLst>
+          </p:nvPr>
+        </p:nvPicPr>
+        <p:blipFill rotWithShape="1">
+          <a:blip r:embed="rId3">
+            <a:extLst>
+              <a:ext uri="{28A0092B-C50C-407E-A947-70E740481C1C}">
+                <a14:useLocalDpi xmlns:a14="http://schemas.microsoft.com/office/drawing/2010/main" val="0"/>
+              </a:ext>
+            </a:extLst>
+          </a:blip>
+          <a:srcRect l="3613"/>
+          <a:stretch/>
+        </p:blipFill>
+        <p:spPr>
+          <a:xfrm>
+            <a:off x="0" y="2669685"/>
+            <a:ext cx="4037012" cy="4188315"/>
+          </a:xfrm>
+          <a:prstGeom prst="rect">
+            <a:avLst/>
+          </a:prstGeom>
+        </p:spPr>
+      </p:pic>
+      <p:pic>
+        <p:nvPicPr>
+          <p:cNvPr id="19" name="Picture 9">
+            <a:extLst>
+              <a:ext uri="{FF2B5EF4-FFF2-40B4-BE49-F238E27FC236}">
+                <a16:creationId xmlns:a16="http://schemas.microsoft.com/office/drawing/2014/main" id="{2AE609E2-8522-44E4-9077-980E5BCF3E14}"/>
+              </a:ext>
+              <a:ext uri="{C183D7F6-B498-43B3-948B-1728B52AA6E4}">
+                <adec:decorative xmlns:adec="http://schemas.microsoft.com/office/drawing/2017/decorative" val="1"/>
+              </a:ext>
+            </a:extLst>
+          </p:cNvPr>
+          <p:cNvPicPr>
+            <a:picLocks noGrp="1" noRot="1" noChangeAspect="1" noMove="1" noResize="1" noEditPoints="1" noAdjustHandles="1" noChangeArrowheads="1" noChangeShapeType="1" noCrop="1"/>
+          </p:cNvPicPr>
+          <p:nvPr>
+            <p:extLst>
+              <p:ext uri="{386F3935-93C4-4BCD-93E2-E3B085C9AB24}">
+                <p16:designElem xmlns:p16="http://schemas.microsoft.com/office/powerpoint/2015/main" val="1"/>
+              </p:ext>
+            </p:extLst>
+          </p:nvPr>
+        </p:nvPicPr>
+        <p:blipFill rotWithShape="1">
+          <a:blip r:embed="rId4">
+            <a:extLst>
+              <a:ext uri="{28A0092B-C50C-407E-A947-70E740481C1C}">
+                <a14:useLocalDpi xmlns:a14="http://schemas.microsoft.com/office/drawing/2010/main" val="0"/>
+              </a:ext>
+            </a:extLst>
+          </a:blip>
+          <a:srcRect l="35640"/>
+          <a:stretch/>
+        </p:blipFill>
+        <p:spPr>
+          <a:xfrm>
+            <a:off x="0" y="2892347"/>
+            <a:ext cx="1522412" cy="2365453"/>
+          </a:xfrm>
+          <a:prstGeom prst="rect">
+            <a:avLst/>
+          </a:prstGeom>
+        </p:spPr>
+      </p:pic>
+      <p:sp>
+        <p:nvSpPr>
+          <p:cNvPr id="21" name="Oval 11">
+            <a:extLst>
+              <a:ext uri="{FF2B5EF4-FFF2-40B4-BE49-F238E27FC236}">
+                <a16:creationId xmlns:a16="http://schemas.microsoft.com/office/drawing/2014/main" id="{4FA533C5-33E3-4611-AF9F-72811D8B26A6}"/>
+              </a:ext>
+              <a:ext uri="{C183D7F6-B498-43B3-948B-1728B52AA6E4}">
+                <adec:decorative xmlns:adec="http://schemas.microsoft.com/office/drawing/2017/decorative" val="1"/>
+              </a:ext>
+            </a:extLst>
+          </p:cNvPr>
+          <p:cNvSpPr>
+            <a:spLocks noGrp="1" noRot="1" noChangeAspect="1" noMove="1" noResize="1" noEditPoints="1" noAdjustHandles="1" noChangeArrowheads="1" noChangeShapeType="1" noTextEdit="1"/>
+          </p:cNvSpPr>
+          <p:nvPr>
+            <p:extLst>
+              <p:ext uri="{386F3935-93C4-4BCD-93E2-E3B085C9AB24}">
+                <p16:designElem xmlns:p16="http://schemas.microsoft.com/office/powerpoint/2015/main" val="1"/>
+              </p:ext>
+            </p:extLst>
+          </p:nvPr>
+        </p:nvSpPr>
+        <p:spPr>
+          <a:xfrm>
+            <a:off x="8609012" y="1676400"/>
+            <a:ext cx="2819400" cy="2819400"/>
+          </a:xfrm>
+          <a:prstGeom prst="ellipse">
+            <a:avLst/>
+          </a:prstGeom>
+          <a:gradFill flip="none" rotWithShape="1">
+            <a:gsLst>
+              <a:gs pos="0">
+                <a:schemeClr val="bg2">
+                  <a:lumMod val="60000"/>
+                  <a:lumOff val="40000"/>
+                  <a:alpha val="7000"/>
+                </a:schemeClr>
+              </a:gs>
+              <a:gs pos="69000">
+                <a:schemeClr val="bg2">
+                  <a:lumMod val="60000"/>
+                  <a:lumOff val="40000"/>
+                  <a:alpha val="0"/>
+                </a:schemeClr>
+              </a:gs>
+              <a:gs pos="36000">
+                <a:schemeClr val="bg2">
+                  <a:lumMod val="60000"/>
+                  <a:lumOff val="40000"/>
+                  <a:alpha val="6000"/>
+                </a:schemeClr>
+              </a:gs>
+            </a:gsLst>
+            <a:path path="circle">
+              <a:fillToRect l="50000" t="50000" r="50000" b="50000"/>
+            </a:path>
+            <a:tileRect/>
+          </a:gradFill>
+          <a:ln>
+            <a:noFill/>
+          </a:ln>
+          <a:effectLst/>
+        </p:spPr>
+        <p:style>
+          <a:lnRef idx="1">
+            <a:schemeClr val="accent1"/>
+          </a:lnRef>
+          <a:fillRef idx="3">
+            <a:schemeClr val="accent1"/>
+          </a:fillRef>
+          <a:effectRef idx="2">
+            <a:schemeClr val="accent1"/>
+          </a:effectRef>
+          <a:fontRef idx="minor">
+            <a:schemeClr val="lt1"/>
+          </a:fontRef>
+        </p:style>
+      </p:sp>
+      <p:pic>
+        <p:nvPicPr>
+          <p:cNvPr id="23" name="Picture 13">
+            <a:extLst>
+              <a:ext uri="{FF2B5EF4-FFF2-40B4-BE49-F238E27FC236}">
+                <a16:creationId xmlns:a16="http://schemas.microsoft.com/office/drawing/2014/main" id="{8949AD42-25FD-4C3D-9EEE-B7FEC5809988}"/>
+              </a:ext>
+              <a:ext uri="{C183D7F6-B498-43B3-948B-1728B52AA6E4}">
+                <adec:decorative xmlns:adec="http://schemas.microsoft.com/office/drawing/2017/decorative" val="1"/>
+              </a:ext>
+            </a:extLst>
+          </p:cNvPr>
+          <p:cNvPicPr>
+            <a:picLocks noGrp="1" noRot="1" noChangeAspect="1" noMove="1" noResize="1" noEditPoints="1" noAdjustHandles="1" noChangeArrowheads="1" noChangeShapeType="1" noCrop="1"/>
+          </p:cNvPicPr>
+          <p:nvPr>
+            <p:extLst>
+              <p:ext uri="{386F3935-93C4-4BCD-93E2-E3B085C9AB24}">
+                <p16:designElem xmlns:p16="http://schemas.microsoft.com/office/powerpoint/2015/main" val="1"/>
+              </p:ext>
+            </p:extLst>
+          </p:nvPr>
+        </p:nvPicPr>
+        <p:blipFill rotWithShape="1">
+          <a:blip r:embed="rId5">
+            <a:extLst>
+              <a:ext uri="{28A0092B-C50C-407E-A947-70E740481C1C}">
+                <a14:useLocalDpi xmlns:a14="http://schemas.microsoft.com/office/drawing/2010/main" val="0"/>
+              </a:ext>
+            </a:extLst>
+          </a:blip>
+          <a:srcRect t="28813"/>
+          <a:stretch/>
+        </p:blipFill>
+        <p:spPr>
+          <a:xfrm>
+            <a:off x="7999412" y="0"/>
+            <a:ext cx="1603387" cy="1141407"/>
+          </a:xfrm>
+          <a:prstGeom prst="rect">
+            <a:avLst/>
+          </a:prstGeom>
+        </p:spPr>
+      </p:pic>
+      <p:pic>
+        <p:nvPicPr>
+          <p:cNvPr id="16" name="Picture 15">
+            <a:extLst>
+              <a:ext uri="{FF2B5EF4-FFF2-40B4-BE49-F238E27FC236}">
+                <a16:creationId xmlns:a16="http://schemas.microsoft.com/office/drawing/2014/main" id="{6AC7D913-60B7-4603-881B-831DA5D3A940}"/>
+              </a:ext>
+              <a:ext uri="{C183D7F6-B498-43B3-948B-1728B52AA6E4}">
+                <adec:decorative xmlns:adec="http://schemas.microsoft.com/office/drawing/2017/decorative" val="1"/>
+              </a:ext>
+            </a:extLst>
+          </p:cNvPr>
+          <p:cNvPicPr>
+            <a:picLocks noGrp="1" noRot="1" noChangeAspect="1" noMove="1" noResize="1" noEditPoints="1" noAdjustHandles="1" noChangeArrowheads="1" noChangeShapeType="1" noCrop="1"/>
+          </p:cNvPicPr>
+          <p:nvPr>
+            <p:extLst>
+              <p:ext uri="{386F3935-93C4-4BCD-93E2-E3B085C9AB24}">
+                <p16:designElem xmlns:p16="http://schemas.microsoft.com/office/powerpoint/2015/main" val="1"/>
+              </p:ext>
+            </p:extLst>
+          </p:nvPr>
+        </p:nvPicPr>
+        <p:blipFill rotWithShape="1">
+          <a:blip r:embed="rId6">
+            <a:extLst>
+              <a:ext uri="{28A0092B-C50C-407E-A947-70E740481C1C}">
+                <a14:useLocalDpi xmlns:a14="http://schemas.microsoft.com/office/drawing/2010/main" val="0"/>
+              </a:ext>
+            </a:extLst>
+          </a:blip>
+          <a:srcRect b="23320"/>
+          <a:stretch/>
+        </p:blipFill>
+        <p:spPr>
+          <a:xfrm>
+            <a:off x="8605878" y="6096000"/>
+            <a:ext cx="993734" cy="762000"/>
+          </a:xfrm>
+          <a:prstGeom prst="rect">
+            <a:avLst/>
+          </a:prstGeom>
+        </p:spPr>
+      </p:pic>
+      <p:sp>
+        <p:nvSpPr>
+          <p:cNvPr id="18" name="Rectangle 17">
+            <a:extLst>
+              <a:ext uri="{FF2B5EF4-FFF2-40B4-BE49-F238E27FC236}">
+                <a16:creationId xmlns:a16="http://schemas.microsoft.com/office/drawing/2014/main" id="{87F0FDC4-AD8C-47D9-9131-623C98ADB0AE}"/>
+              </a:ext>
+              <a:ext uri="{C183D7F6-B498-43B3-948B-1728B52AA6E4}">
+                <adec:decorative xmlns:adec="http://schemas.microsoft.com/office/drawing/2017/decorative" val="1"/>
+              </a:ext>
+            </a:extLst>
+          </p:cNvPr>
+          <p:cNvSpPr>
+            <a:spLocks noGrp="1" noRot="1" noChangeAspect="1" noMove="1" noResize="1" noEditPoints="1" noAdjustHandles="1" noChangeArrowheads="1" noChangeShapeType="1" noTextEdit="1"/>
+          </p:cNvSpPr>
+          <p:nvPr>
+            <p:extLst>
+              <p:ext uri="{386F3935-93C4-4BCD-93E2-E3B085C9AB24}">
+                <p16:designElem xmlns:p16="http://schemas.microsoft.com/office/powerpoint/2015/main" val="1"/>
+              </p:ext>
+            </p:extLst>
+          </p:nvPr>
+        </p:nvSpPr>
+        <p:spPr>
+          <a:xfrm>
+            <a:off x="10437812" y="0"/>
+            <a:ext cx="685800" cy="1143000"/>
+          </a:xfrm>
+          <a:prstGeom prst="rect">
+            <a:avLst/>
+          </a:prstGeom>
+          <a:solidFill>
+            <a:schemeClr val="accent1"/>
+          </a:solidFill>
+          <a:ln>
+            <a:noFill/>
+          </a:ln>
+        </p:spPr>
+        <p:style>
+          <a:lnRef idx="1">
+            <a:schemeClr val="accent1"/>
+          </a:lnRef>
+          <a:fillRef idx="3">
+            <a:schemeClr val="accent1"/>
+          </a:fillRef>
+          <a:effectRef idx="2">
+            <a:schemeClr val="accent1"/>
+          </a:effectRef>
+          <a:fontRef idx="minor">
+            <a:schemeClr val="lt1"/>
+          </a:fontRef>
+        </p:style>
+      </p:sp>
+      <p:sp useBgFill="1">
+        <p:nvSpPr>
+          <p:cNvPr id="20" name="Rectangle 19">
+            <a:extLst>
+              <a:ext uri="{FF2B5EF4-FFF2-40B4-BE49-F238E27FC236}">
+                <a16:creationId xmlns:a16="http://schemas.microsoft.com/office/drawing/2014/main" id="{C28D0172-F2E0-4763-9C35-F022664959D8}"/>
+              </a:ext>
+              <a:ext uri="{C183D7F6-B498-43B3-948B-1728B52AA6E4}">
+                <adec:decorative xmlns:adec="http://schemas.microsoft.com/office/drawing/2017/decorative" val="1"/>
+              </a:ext>
+            </a:extLst>
+          </p:cNvPr>
+          <p:cNvSpPr>
+            <a:spLocks noGrp="1" noRot="1" noChangeAspect="1" noMove="1" noResize="1" noEditPoints="1" noAdjustHandles="1" noChangeArrowheads="1" noChangeShapeType="1" noTextEdit="1"/>
+          </p:cNvSpPr>
+          <p:nvPr>
+            <p:extLst>
+              <p:ext uri="{386F3935-93C4-4BCD-93E2-E3B085C9AB24}">
+                <p16:designElem xmlns:p16="http://schemas.microsoft.com/office/powerpoint/2015/main" val="1"/>
+              </p:ext>
+            </p:extLst>
+          </p:nvPr>
+        </p:nvSpPr>
+        <p:spPr>
+          <a:xfrm>
+            <a:off x="0" y="-5"/>
+            <a:ext cx="12191695" cy="4730744"/>
+          </a:xfrm>
+          <a:prstGeom prst="rect">
+            <a:avLst/>
+          </a:prstGeom>
+          <a:ln>
+            <a:noFill/>
+          </a:ln>
+        </p:spPr>
+        <p:style>
+          <a:lnRef idx="2">
+            <a:schemeClr val="accent1">
+              <a:shade val="50000"/>
+            </a:schemeClr>
+          </a:lnRef>
+          <a:fillRef idx="1">
+            <a:schemeClr val="accent1"/>
+          </a:fillRef>
+          <a:effectRef idx="0">
+            <a:schemeClr val="accent1"/>
+          </a:effectRef>
+          <a:fontRef idx="minor">
+            <a:schemeClr val="lt1"/>
+          </a:fontRef>
+        </p:style>
+        <p:txBody>
+          <a:bodyPr rtlCol="0" anchor="ctr"/>
+          <a:lstStyle/>
+          <a:p>
+            <a:pPr algn="ctr"/>
+            <a:endParaRPr lang="en-US"/>
+          </a:p>
+        </p:txBody>
+      </p:sp>
+      <p:sp>
+        <p:nvSpPr>
+          <p:cNvPr id="22" name="Freeform 16">
+            <a:extLst>
+              <a:ext uri="{FF2B5EF4-FFF2-40B4-BE49-F238E27FC236}">
+                <a16:creationId xmlns:a16="http://schemas.microsoft.com/office/drawing/2014/main" id="{9F2851FB-E841-4509-8A6D-A416376EA380}"/>
+              </a:ext>
+              <a:ext uri="{C183D7F6-B498-43B3-948B-1728B52AA6E4}">
+                <adec:decorative xmlns:adec="http://schemas.microsoft.com/office/drawing/2017/decorative" val="1"/>
+              </a:ext>
+            </a:extLst>
+          </p:cNvPr>
+          <p:cNvSpPr>
+            <a:spLocks noGrp="1" noRot="1" noChangeAspect="1" noMove="1" noResize="1" noEditPoints="1" noAdjustHandles="1" noChangeArrowheads="1" noChangeShapeType="1" noTextEdit="1"/>
+          </p:cNvSpPr>
+          <p:nvPr>
+            <p:extLst>
+              <p:ext uri="{386F3935-93C4-4BCD-93E2-E3B085C9AB24}">
+                <p16:designElem xmlns:p16="http://schemas.microsoft.com/office/powerpoint/2015/main" val="1"/>
+              </p:ext>
+            </p:extLst>
+          </p:nvPr>
+        </p:nvSpPr>
+        <p:spPr>
+          <a:xfrm>
+            <a:off x="8719939" y="3753695"/>
+            <a:ext cx="3472060" cy="825932"/>
+          </a:xfrm>
+          <a:custGeom>
+            <a:avLst/>
+            <a:gdLst>
+              <a:gd name="connsiteX0" fmla="*/ 3470310 w 3472060"/>
+              <a:gd name="connsiteY0" fmla="*/ 0 h 825932"/>
+              <a:gd name="connsiteX1" fmla="*/ 3472060 w 3472060"/>
+              <a:gd name="connsiteY1" fmla="*/ 12850 h 825932"/>
+              <a:gd name="connsiteX2" fmla="*/ 3472060 w 3472060"/>
+              <a:gd name="connsiteY2" fmla="*/ 480529 h 825932"/>
+              <a:gd name="connsiteX3" fmla="*/ 3363699 w 3472060"/>
+              <a:gd name="connsiteY3" fmla="*/ 498471 h 825932"/>
+              <a:gd name="connsiteX4" fmla="*/ 42060 w 3472060"/>
+              <a:gd name="connsiteY4" fmla="*/ 824486 h 825932"/>
+              <a:gd name="connsiteX5" fmla="*/ 0 w 3472060"/>
+              <a:gd name="connsiteY5" fmla="*/ 758452 h 825932"/>
+              <a:gd name="connsiteX6" fmla="*/ 188014 w 3472060"/>
+              <a:gd name="connsiteY6" fmla="*/ 735602 h 825932"/>
+              <a:gd name="connsiteX7" fmla="*/ 284087 w 3472060"/>
+              <a:gd name="connsiteY7" fmla="*/ 722590 h 825932"/>
+              <a:gd name="connsiteX8" fmla="*/ 382288 w 3472060"/>
+              <a:gd name="connsiteY8" fmla="*/ 709392 h 825932"/>
+              <a:gd name="connsiteX9" fmla="*/ 481858 w 3472060"/>
+              <a:gd name="connsiteY9" fmla="*/ 695774 h 825932"/>
+              <a:gd name="connsiteX10" fmla="*/ 581897 w 3472060"/>
+              <a:gd name="connsiteY10" fmla="*/ 680711 h 825932"/>
+              <a:gd name="connsiteX11" fmla="*/ 683670 w 3472060"/>
+              <a:gd name="connsiteY11" fmla="*/ 665256 h 825932"/>
+              <a:gd name="connsiteX12" fmla="*/ 787206 w 3472060"/>
+              <a:gd name="connsiteY12" fmla="*/ 649587 h 825932"/>
+              <a:gd name="connsiteX13" fmla="*/ 892019 w 3472060"/>
+              <a:gd name="connsiteY13" fmla="*/ 632968 h 825932"/>
+              <a:gd name="connsiteX14" fmla="*/ 997620 w 3472060"/>
+              <a:gd name="connsiteY14" fmla="*/ 614667 h 825932"/>
+              <a:gd name="connsiteX15" fmla="*/ 1104727 w 3472060"/>
+              <a:gd name="connsiteY15" fmla="*/ 596741 h 825932"/>
+              <a:gd name="connsiteX16" fmla="*/ 1212669 w 3472060"/>
+              <a:gd name="connsiteY16" fmla="*/ 577397 h 825932"/>
+              <a:gd name="connsiteX17" fmla="*/ 1321506 w 3472060"/>
+              <a:gd name="connsiteY17" fmla="*/ 556988 h 825932"/>
+              <a:gd name="connsiteX18" fmla="*/ 1430709 w 3472060"/>
+              <a:gd name="connsiteY18" fmla="*/ 536607 h 825932"/>
+              <a:gd name="connsiteX19" fmla="*/ 1541050 w 3472060"/>
+              <a:gd name="connsiteY19" fmla="*/ 514481 h 825932"/>
+              <a:gd name="connsiteX20" fmla="*/ 1652805 w 3472060"/>
+              <a:gd name="connsiteY20" fmla="*/ 492202 h 825932"/>
+              <a:gd name="connsiteX21" fmla="*/ 1763708 w 3472060"/>
+              <a:gd name="connsiteY21" fmla="*/ 469161 h 825932"/>
+              <a:gd name="connsiteX22" fmla="*/ 1875795 w 3472060"/>
+              <a:gd name="connsiteY22" fmla="*/ 444641 h 825932"/>
+              <a:gd name="connsiteX23" fmla="*/ 1989128 w 3472060"/>
+              <a:gd name="connsiteY23" fmla="*/ 418995 h 825932"/>
+              <a:gd name="connsiteX24" fmla="*/ 2102476 w 3472060"/>
+              <a:gd name="connsiteY24" fmla="*/ 393438 h 825932"/>
+              <a:gd name="connsiteX25" fmla="*/ 2215549 w 3472060"/>
+              <a:gd name="connsiteY25" fmla="*/ 366291 h 825932"/>
+              <a:gd name="connsiteX26" fmla="*/ 2330490 w 3472060"/>
+              <a:gd name="connsiteY26" fmla="*/ 337455 h 825932"/>
+              <a:gd name="connsiteX27" fmla="*/ 2443333 w 3472060"/>
+              <a:gd name="connsiteY27" fmla="*/ 308983 h 825932"/>
+              <a:gd name="connsiteX28" fmla="*/ 2558014 w 3472060"/>
+              <a:gd name="connsiteY28" fmla="*/ 278646 h 825932"/>
+              <a:gd name="connsiteX29" fmla="*/ 2673621 w 3472060"/>
+              <a:gd name="connsiteY29" fmla="*/ 247421 h 825932"/>
+              <a:gd name="connsiteX30" fmla="*/ 2787008 w 3472060"/>
+              <a:gd name="connsiteY30" fmla="*/ 215853 h 825932"/>
+              <a:gd name="connsiteX31" fmla="*/ 2901442 w 3472060"/>
+              <a:gd name="connsiteY31" fmla="*/ 182011 h 825932"/>
+              <a:gd name="connsiteX32" fmla="*/ 3015722 w 3472060"/>
+              <a:gd name="connsiteY32" fmla="*/ 147286 h 825932"/>
+              <a:gd name="connsiteX33" fmla="*/ 3130018 w 3472060"/>
+              <a:gd name="connsiteY33" fmla="*/ 112649 h 825932"/>
+              <a:gd name="connsiteX34" fmla="*/ 3243551 w 3472060"/>
+              <a:gd name="connsiteY34" fmla="*/ 75688 h 825932"/>
+              <a:gd name="connsiteX35" fmla="*/ 3356992 w 3472060"/>
+              <a:gd name="connsiteY35" fmla="*/ 38197 h 825932"/>
+              <a:gd name="connsiteX36" fmla="*/ 3470310 w 3472060"/>
+              <a:gd name="connsiteY36" fmla="*/ 0 h 825932"/>
+            </a:gdLst>
+            <a:ahLst/>
+            <a:cxnLst>
+              <a:cxn ang="0">
+                <a:pos x="connsiteX0" y="connsiteY0"/>
+              </a:cxn>
+              <a:cxn ang="0">
+                <a:pos x="connsiteX1" y="connsiteY1"/>
+              </a:cxn>
+              <a:cxn ang="0">
+                <a:pos x="connsiteX2" y="connsiteY2"/>
+              </a:cxn>
+              <a:cxn ang="0">
+                <a:pos x="connsiteX3" y="connsiteY3"/>
+              </a:cxn>
+              <a:cxn ang="0">
+                <a:pos x="connsiteX4" y="connsiteY4"/>
+              </a:cxn>
+              <a:cxn ang="0">
+                <a:pos x="connsiteX5" y="connsiteY5"/>
+              </a:cxn>
+              <a:cxn ang="0">
+                <a:pos x="connsiteX6" y="connsiteY6"/>
+              </a:cxn>
+              <a:cxn ang="0">
+                <a:pos x="connsiteX7" y="connsiteY7"/>
+              </a:cxn>
+              <a:cxn ang="0">
+                <a:pos x="connsiteX8" y="connsiteY8"/>
+              </a:cxn>
+              <a:cxn ang="0">
+                <a:pos x="connsiteX9" y="connsiteY9"/>
+              </a:cxn>
+              <a:cxn ang="0">
+                <a:pos x="connsiteX10" y="connsiteY10"/>
+              </a:cxn>
+              <a:cxn ang="0">
+                <a:pos x="connsiteX11" y="connsiteY11"/>
+              </a:cxn>
+              <a:cxn ang="0">
+                <a:pos x="connsiteX12" y="connsiteY12"/>
+              </a:cxn>
+              <a:cxn ang="0">
+                <a:pos x="connsiteX13" y="connsiteY13"/>
+              </a:cxn>
+              <a:cxn ang="0">
+                <a:pos x="connsiteX14" y="connsiteY14"/>
+              </a:cxn>
+              <a:cxn ang="0">
+                <a:pos x="connsiteX15" y="connsiteY15"/>
+              </a:cxn>
+              <a:cxn ang="0">
+                <a:pos x="connsiteX16" y="connsiteY16"/>
+              </a:cxn>
+              <a:cxn ang="0">
+                <a:pos x="connsiteX17" y="connsiteY17"/>
+              </a:cxn>
+              <a:cxn ang="0">
+                <a:pos x="connsiteX18" y="connsiteY18"/>
+              </a:cxn>
+              <a:cxn ang="0">
+                <a:pos x="connsiteX19" y="connsiteY19"/>
+              </a:cxn>
+              <a:cxn ang="0">
+                <a:pos x="connsiteX20" y="connsiteY20"/>
+              </a:cxn>
+              <a:cxn ang="0">
+                <a:pos x="connsiteX21" y="connsiteY21"/>
+              </a:cxn>
+              <a:cxn ang="0">
+                <a:pos x="connsiteX22" y="connsiteY22"/>
+              </a:cxn>
+              <a:cxn ang="0">
+                <a:pos x="connsiteX23" y="connsiteY23"/>
+              </a:cxn>
+              <a:cxn ang="0">
+                <a:pos x="connsiteX24" y="connsiteY24"/>
+              </a:cxn>
+              <a:cxn ang="0">
+                <a:pos x="connsiteX25" y="connsiteY25"/>
+              </a:cxn>
+              <a:cxn ang="0">
+                <a:pos x="connsiteX26" y="connsiteY26"/>
+              </a:cxn>
+              <a:cxn ang="0">
+                <a:pos x="connsiteX27" y="connsiteY27"/>
+              </a:cxn>
+              <a:cxn ang="0">
+                <a:pos x="connsiteX28" y="connsiteY28"/>
+              </a:cxn>
+              <a:cxn ang="0">
+                <a:pos x="connsiteX29" y="connsiteY29"/>
+              </a:cxn>
+              <a:cxn ang="0">
+                <a:pos x="connsiteX30" y="connsiteY30"/>
+              </a:cxn>
+              <a:cxn ang="0">
+                <a:pos x="connsiteX31" y="connsiteY31"/>
+              </a:cxn>
+              <a:cxn ang="0">
+                <a:pos x="connsiteX32" y="connsiteY32"/>
+              </a:cxn>
+              <a:cxn ang="0">
+                <a:pos x="connsiteX33" y="connsiteY33"/>
+              </a:cxn>
+              <a:cxn ang="0">
+                <a:pos x="connsiteX34" y="connsiteY34"/>
+              </a:cxn>
+              <a:cxn ang="0">
+                <a:pos x="connsiteX35" y="connsiteY35"/>
+              </a:cxn>
+              <a:cxn ang="0">
+                <a:pos x="connsiteX36" y="connsiteY36"/>
+              </a:cxn>
+            </a:cxnLst>
+            <a:rect l="l" t="t" r="r" b="b"/>
+            <a:pathLst>
+              <a:path w="3472060" h="825932">
+                <a:moveTo>
+                  <a:pt x="3470310" y="0"/>
+                </a:moveTo>
+                <a:lnTo>
+                  <a:pt x="3472060" y="12850"/>
+                </a:lnTo>
+                <a:lnTo>
+                  <a:pt x="3472060" y="480529"/>
+                </a:lnTo>
+                <a:lnTo>
+                  <a:pt x="3363699" y="498471"/>
+                </a:lnTo>
+                <a:cubicBezTo>
+                  <a:pt x="2435623" y="645518"/>
+                  <a:pt x="603076" y="844866"/>
+                  <a:pt x="42060" y="824486"/>
+                </a:cubicBezTo>
+                <a:cubicBezTo>
+                  <a:pt x="28151" y="802425"/>
+                  <a:pt x="13909" y="780513"/>
+                  <a:pt x="0" y="758452"/>
+                </a:cubicBezTo>
+                <a:lnTo>
+                  <a:pt x="188014" y="735602"/>
+                </a:lnTo>
+                <a:lnTo>
+                  <a:pt x="284087" y="722590"/>
+                </a:lnTo>
+                <a:lnTo>
+                  <a:pt x="382288" y="709392"/>
+                </a:lnTo>
+                <a:lnTo>
+                  <a:pt x="481858" y="695774"/>
+                </a:lnTo>
+                <a:lnTo>
+                  <a:pt x="581897" y="680711"/>
+                </a:lnTo>
+                <a:lnTo>
+                  <a:pt x="683670" y="665256"/>
+                </a:lnTo>
+                <a:lnTo>
+                  <a:pt x="787206" y="649587"/>
+                </a:lnTo>
+                <a:lnTo>
+                  <a:pt x="892019" y="632968"/>
+                </a:lnTo>
+                <a:lnTo>
+                  <a:pt x="997620" y="614667"/>
+                </a:lnTo>
+                <a:lnTo>
+                  <a:pt x="1104727" y="596741"/>
+                </a:lnTo>
+                <a:lnTo>
+                  <a:pt x="1212669" y="577397"/>
+                </a:lnTo>
+                <a:lnTo>
+                  <a:pt x="1321506" y="556988"/>
+                </a:lnTo>
+                <a:lnTo>
+                  <a:pt x="1430709" y="536607"/>
+                </a:lnTo>
+                <a:lnTo>
+                  <a:pt x="1541050" y="514481"/>
+                </a:lnTo>
+                <a:lnTo>
+                  <a:pt x="1652805" y="492202"/>
+                </a:lnTo>
+                <a:lnTo>
+                  <a:pt x="1763708" y="469161"/>
+                </a:lnTo>
+                <a:lnTo>
+                  <a:pt x="1875795" y="444641"/>
+                </a:lnTo>
+                <a:lnTo>
+                  <a:pt x="1989128" y="418995"/>
+                </a:lnTo>
+                <a:lnTo>
+                  <a:pt x="2102476" y="393438"/>
+                </a:lnTo>
+                <a:lnTo>
+                  <a:pt x="2215549" y="366291"/>
+                </a:lnTo>
+                <a:lnTo>
+                  <a:pt x="2330490" y="337455"/>
+                </a:lnTo>
+                <a:lnTo>
+                  <a:pt x="2443333" y="308983"/>
+                </a:lnTo>
+                <a:lnTo>
+                  <a:pt x="2558014" y="278646"/>
+                </a:lnTo>
+                <a:lnTo>
+                  <a:pt x="2673621" y="247421"/>
+                </a:lnTo>
+                <a:lnTo>
+                  <a:pt x="2787008" y="215853"/>
+                </a:lnTo>
+                <a:lnTo>
+                  <a:pt x="2901442" y="182011"/>
+                </a:lnTo>
+                <a:lnTo>
+                  <a:pt x="3015722" y="147286"/>
+                </a:lnTo>
+                <a:lnTo>
+                  <a:pt x="3130018" y="112649"/>
+                </a:lnTo>
+                <a:lnTo>
+                  <a:pt x="3243551" y="75688"/>
+                </a:lnTo>
+                <a:lnTo>
+                  <a:pt x="3356992" y="38197"/>
+                </a:lnTo>
+                <a:lnTo>
+                  <a:pt x="3470310" y="0"/>
+                </a:lnTo>
+                <a:close/>
+              </a:path>
+            </a:pathLst>
+          </a:custGeom>
+          <a:solidFill>
+            <a:schemeClr val="tx1">
+              <a:alpha val="20000"/>
+            </a:schemeClr>
+          </a:solidFill>
+          <a:ln>
+            <a:noFill/>
+          </a:ln>
+        </p:spPr>
+        <p:txBody>
+          <a:bodyPr rtlCol="0" anchor="ctr"/>
+          <a:lstStyle/>
+          <a:p>
+            <a:pPr algn="ctr"/>
+            <a:endParaRPr lang="en-US">
+              <a:solidFill>
+                <a:schemeClr val="tx1"/>
+              </a:solidFill>
+            </a:endParaRPr>
+          </a:p>
+        </p:txBody>
+      </p:sp>
+      <p:sp>
+        <p:nvSpPr>
+          <p:cNvPr id="24" name="Freeform: Shape 23">
+            <a:extLst>
+              <a:ext uri="{FF2B5EF4-FFF2-40B4-BE49-F238E27FC236}">
+                <a16:creationId xmlns:a16="http://schemas.microsoft.com/office/drawing/2014/main" id="{DF6FB2B2-CE21-407F-B22E-302DADC2C3D3}"/>
+              </a:ext>
+              <a:ext uri="{C183D7F6-B498-43B3-948B-1728B52AA6E4}">
+                <adec:decorative xmlns:adec="http://schemas.microsoft.com/office/drawing/2017/decorative" val="1"/>
+              </a:ext>
+            </a:extLst>
+          </p:cNvPr>
+          <p:cNvSpPr>
+            <a:spLocks noGrp="1" noRot="1" noChangeAspect="1" noMove="1" noResize="1" noEditPoints="1" noAdjustHandles="1" noChangeArrowheads="1" noChangeShapeType="1" noTextEdit="1"/>
+          </p:cNvSpPr>
+          <p:nvPr>
+            <p:extLst>
+              <p:ext uri="{386F3935-93C4-4BCD-93E2-E3B085C9AB24}">
+                <p16:designElem xmlns:p16="http://schemas.microsoft.com/office/powerpoint/2015/main" val="1"/>
+              </p:ext>
+            </p:extLst>
+          </p:nvPr>
+        </p:nvSpPr>
+        <p:spPr>
+          <a:xfrm>
+            <a:off x="0" y="4055533"/>
+            <a:ext cx="12192000" cy="2802467"/>
+          </a:xfrm>
+          <a:custGeom>
+            <a:avLst/>
+            <a:gdLst>
+              <a:gd name="connsiteX0" fmla="*/ 1 w 12192000"/>
+              <a:gd name="connsiteY0" fmla="*/ 0 h 2802467"/>
+              <a:gd name="connsiteX1" fmla="*/ 71932 w 12192000"/>
+              <a:gd name="connsiteY1" fmla="*/ 12261 h 2802467"/>
+              <a:gd name="connsiteX2" fmla="*/ 282848 w 12192000"/>
+              <a:gd name="connsiteY2" fmla="*/ 48342 h 2802467"/>
+              <a:gd name="connsiteX3" fmla="*/ 436464 w 12192000"/>
+              <a:gd name="connsiteY3" fmla="*/ 73565 h 2802467"/>
+              <a:gd name="connsiteX4" fmla="*/ 619339 w 12192000"/>
+              <a:gd name="connsiteY4" fmla="*/ 100188 h 2802467"/>
+              <a:gd name="connsiteX5" fmla="*/ 836351 w 12192000"/>
+              <a:gd name="connsiteY5" fmla="*/ 132066 h 2802467"/>
+              <a:gd name="connsiteX6" fmla="*/ 1076528 w 12192000"/>
+              <a:gd name="connsiteY6" fmla="*/ 165696 h 2802467"/>
+              <a:gd name="connsiteX7" fmla="*/ 1347183 w 12192000"/>
+              <a:gd name="connsiteY7" fmla="*/ 201077 h 2802467"/>
+              <a:gd name="connsiteX8" fmla="*/ 1642223 w 12192000"/>
+              <a:gd name="connsiteY8" fmla="*/ 238560 h 2802467"/>
+              <a:gd name="connsiteX9" fmla="*/ 1962864 w 12192000"/>
+              <a:gd name="connsiteY9" fmla="*/ 276043 h 2802467"/>
+              <a:gd name="connsiteX10" fmla="*/ 2304232 w 12192000"/>
+              <a:gd name="connsiteY10" fmla="*/ 314226 h 2802467"/>
+              <a:gd name="connsiteX11" fmla="*/ 2672421 w 12192000"/>
+              <a:gd name="connsiteY11" fmla="*/ 349608 h 2802467"/>
+              <a:gd name="connsiteX12" fmla="*/ 3057678 w 12192000"/>
+              <a:gd name="connsiteY12" fmla="*/ 383587 h 2802467"/>
+              <a:gd name="connsiteX13" fmla="*/ 3464881 w 12192000"/>
+              <a:gd name="connsiteY13" fmla="*/ 414415 h 2802467"/>
+              <a:gd name="connsiteX14" fmla="*/ 3889152 w 12192000"/>
+              <a:gd name="connsiteY14" fmla="*/ 443840 h 2802467"/>
+              <a:gd name="connsiteX15" fmla="*/ 4331710 w 12192000"/>
+              <a:gd name="connsiteY15" fmla="*/ 471515 h 2802467"/>
+              <a:gd name="connsiteX16" fmla="*/ 4558476 w 12192000"/>
+              <a:gd name="connsiteY16" fmla="*/ 481323 h 2802467"/>
+              <a:gd name="connsiteX17" fmla="*/ 4790118 w 12192000"/>
+              <a:gd name="connsiteY17" fmla="*/ 492183 h 2802467"/>
+              <a:gd name="connsiteX18" fmla="*/ 5025418 w 12192000"/>
+              <a:gd name="connsiteY18" fmla="*/ 502342 h 2802467"/>
+              <a:gd name="connsiteX19" fmla="*/ 5261937 w 12192000"/>
+              <a:gd name="connsiteY19" fmla="*/ 508998 h 2802467"/>
+              <a:gd name="connsiteX20" fmla="*/ 5503332 w 12192000"/>
+              <a:gd name="connsiteY20" fmla="*/ 514953 h 2802467"/>
+              <a:gd name="connsiteX21" fmla="*/ 5747166 w 12192000"/>
+              <a:gd name="connsiteY21" fmla="*/ 521259 h 2802467"/>
+              <a:gd name="connsiteX22" fmla="*/ 5995877 w 12192000"/>
+              <a:gd name="connsiteY22" fmla="*/ 525462 h 2802467"/>
+              <a:gd name="connsiteX23" fmla="*/ 6247026 w 12192000"/>
+              <a:gd name="connsiteY23" fmla="*/ 525462 h 2802467"/>
+              <a:gd name="connsiteX24" fmla="*/ 6500613 w 12192000"/>
+              <a:gd name="connsiteY24" fmla="*/ 527564 h 2802467"/>
+              <a:gd name="connsiteX25" fmla="*/ 6756639 w 12192000"/>
+              <a:gd name="connsiteY25" fmla="*/ 525462 h 2802467"/>
+              <a:gd name="connsiteX26" fmla="*/ 7016322 w 12192000"/>
+              <a:gd name="connsiteY26" fmla="*/ 521259 h 2802467"/>
+              <a:gd name="connsiteX27" fmla="*/ 7276005 w 12192000"/>
+              <a:gd name="connsiteY27" fmla="*/ 517405 h 2802467"/>
+              <a:gd name="connsiteX28" fmla="*/ 7539345 w 12192000"/>
+              <a:gd name="connsiteY28" fmla="*/ 508998 h 2802467"/>
+              <a:gd name="connsiteX29" fmla="*/ 7805124 w 12192000"/>
+              <a:gd name="connsiteY29" fmla="*/ 500240 h 2802467"/>
+              <a:gd name="connsiteX30" fmla="*/ 8070903 w 12192000"/>
+              <a:gd name="connsiteY30" fmla="*/ 490081 h 2802467"/>
+              <a:gd name="connsiteX31" fmla="*/ 8339121 w 12192000"/>
+              <a:gd name="connsiteY31" fmla="*/ 475719 h 2802467"/>
+              <a:gd name="connsiteX32" fmla="*/ 8609776 w 12192000"/>
+              <a:gd name="connsiteY32" fmla="*/ 458553 h 2802467"/>
+              <a:gd name="connsiteX33" fmla="*/ 8881651 w 12192000"/>
+              <a:gd name="connsiteY33" fmla="*/ 442089 h 2802467"/>
+              <a:gd name="connsiteX34" fmla="*/ 9153526 w 12192000"/>
+              <a:gd name="connsiteY34" fmla="*/ 421070 h 2802467"/>
+              <a:gd name="connsiteX35" fmla="*/ 9429058 w 12192000"/>
+              <a:gd name="connsiteY35" fmla="*/ 395848 h 2802467"/>
+              <a:gd name="connsiteX36" fmla="*/ 9700933 w 12192000"/>
+              <a:gd name="connsiteY36" fmla="*/ 370626 h 2802467"/>
+              <a:gd name="connsiteX37" fmla="*/ 9977684 w 12192000"/>
+              <a:gd name="connsiteY37" fmla="*/ 341550 h 2802467"/>
+              <a:gd name="connsiteX38" fmla="*/ 10255655 w 12192000"/>
+              <a:gd name="connsiteY38" fmla="*/ 309672 h 2802467"/>
+              <a:gd name="connsiteX39" fmla="*/ 10529968 w 12192000"/>
+              <a:gd name="connsiteY39" fmla="*/ 276043 h 2802467"/>
+              <a:gd name="connsiteX40" fmla="*/ 10807939 w 12192000"/>
+              <a:gd name="connsiteY40" fmla="*/ 236808 h 2802467"/>
+              <a:gd name="connsiteX41" fmla="*/ 11084690 w 12192000"/>
+              <a:gd name="connsiteY41" fmla="*/ 194771 h 2802467"/>
+              <a:gd name="connsiteX42" fmla="*/ 11362661 w 12192000"/>
+              <a:gd name="connsiteY42" fmla="*/ 153085 h 2802467"/>
+              <a:gd name="connsiteX43" fmla="*/ 11639412 w 12192000"/>
+              <a:gd name="connsiteY43" fmla="*/ 104392 h 2802467"/>
+              <a:gd name="connsiteX44" fmla="*/ 11914945 w 12192000"/>
+              <a:gd name="connsiteY44" fmla="*/ 54648 h 2802467"/>
+              <a:gd name="connsiteX45" fmla="*/ 12191696 w 12192000"/>
+              <a:gd name="connsiteY45" fmla="*/ 2452 h 2802467"/>
+              <a:gd name="connsiteX46" fmla="*/ 12191696 w 12192000"/>
+              <a:gd name="connsiteY46" fmla="*/ 2236410 h 2802467"/>
+              <a:gd name="connsiteX47" fmla="*/ 12192000 w 12192000"/>
+              <a:gd name="connsiteY47" fmla="*/ 2236410 h 2802467"/>
+              <a:gd name="connsiteX48" fmla="*/ 12192000 w 12192000"/>
+              <a:gd name="connsiteY48" fmla="*/ 2802467 h 2802467"/>
+              <a:gd name="connsiteX49" fmla="*/ 12191696 w 12192000"/>
+              <a:gd name="connsiteY49" fmla="*/ 2802467 h 2802467"/>
+              <a:gd name="connsiteX50" fmla="*/ 0 w 12192000"/>
+              <a:gd name="connsiteY50" fmla="*/ 2802467 h 2802467"/>
+              <a:gd name="connsiteX51" fmla="*/ 0 w 12192000"/>
+              <a:gd name="connsiteY51" fmla="*/ 2236410 h 2802467"/>
+              <a:gd name="connsiteX52" fmla="*/ 1 w 12192000"/>
+              <a:gd name="connsiteY52" fmla="*/ 2236410 h 2802467"/>
+            </a:gdLst>
+            <a:ahLst/>
+            <a:cxnLst>
+              <a:cxn ang="0">
+                <a:pos x="connsiteX0" y="connsiteY0"/>
+              </a:cxn>
+              <a:cxn ang="0">
+                <a:pos x="connsiteX1" y="connsiteY1"/>
+              </a:cxn>
+              <a:cxn ang="0">
+                <a:pos x="connsiteX2" y="connsiteY2"/>
+              </a:cxn>
+              <a:cxn ang="0">
+                <a:pos x="connsiteX3" y="connsiteY3"/>
+              </a:cxn>
+              <a:cxn ang="0">
+                <a:pos x="connsiteX4" y="connsiteY4"/>
+              </a:cxn>
+              <a:cxn ang="0">
+                <a:pos x="connsiteX5" y="connsiteY5"/>
+              </a:cxn>
+              <a:cxn ang="0">
+                <a:pos x="connsiteX6" y="connsiteY6"/>
+              </a:cxn>
+              <a:cxn ang="0">
+                <a:pos x="connsiteX7" y="connsiteY7"/>
+              </a:cxn>
+              <a:cxn ang="0">
+                <a:pos x="connsiteX8" y="connsiteY8"/>
+              </a:cxn>
+              <a:cxn ang="0">
+                <a:pos x="connsiteX9" y="connsiteY9"/>
+              </a:cxn>
+              <a:cxn ang="0">
+                <a:pos x="connsiteX10" y="connsiteY10"/>
+              </a:cxn>
+              <a:cxn ang="0">
+                <a:pos x="connsiteX11" y="connsiteY11"/>
+              </a:cxn>
+              <a:cxn ang="0">
+                <a:pos x="connsiteX12" y="connsiteY12"/>
+              </a:cxn>
+              <a:cxn ang="0">
+                <a:pos x="connsiteX13" y="connsiteY13"/>
+              </a:cxn>
+              <a:cxn ang="0">
+                <a:pos x="connsiteX14" y="connsiteY14"/>
+              </a:cxn>
+              <a:cxn ang="0">
+                <a:pos x="connsiteX15" y="connsiteY15"/>
+              </a:cxn>
+              <a:cxn ang="0">
+                <a:pos x="connsiteX16" y="connsiteY16"/>
+              </a:cxn>
+              <a:cxn ang="0">
+                <a:pos x="connsiteX17" y="connsiteY17"/>
+              </a:cxn>
+              <a:cxn ang="0">
+                <a:pos x="connsiteX18" y="connsiteY18"/>
+              </a:cxn>
+              <a:cxn ang="0">
+                <a:pos x="connsiteX19" y="connsiteY19"/>
+              </a:cxn>
+              <a:cxn ang="0">
+                <a:pos x="connsiteX20" y="connsiteY20"/>
+              </a:cxn>
+              <a:cxn ang="0">
+                <a:pos x="connsiteX21" y="connsiteY21"/>
+              </a:cxn>
+              <a:cxn ang="0">
+                <a:pos x="connsiteX22" y="connsiteY22"/>
+              </a:cxn>
+              <a:cxn ang="0">
+                <a:pos x="connsiteX23" y="connsiteY23"/>
+              </a:cxn>
+              <a:cxn ang="0">
+                <a:pos x="connsiteX24" y="connsiteY24"/>
+              </a:cxn>
+              <a:cxn ang="0">
+                <a:pos x="connsiteX25" y="connsiteY25"/>
+              </a:cxn>
+              <a:cxn ang="0">
+                <a:pos x="connsiteX26" y="connsiteY26"/>
+              </a:cxn>
+              <a:cxn ang="0">
+                <a:pos x="connsiteX27" y="connsiteY27"/>
+              </a:cxn>
+              <a:cxn ang="0">
+                <a:pos x="connsiteX28" y="connsiteY28"/>
+              </a:cxn>
+              <a:cxn ang="0">
+                <a:pos x="connsiteX29" y="connsiteY29"/>
+              </a:cxn>
+              <a:cxn ang="0">
+                <a:pos x="connsiteX30" y="connsiteY30"/>
+              </a:cxn>
+              <a:cxn ang="0">
+                <a:pos x="connsiteX31" y="connsiteY31"/>
+              </a:cxn>
+              <a:cxn ang="0">
+                <a:pos x="connsiteX32" y="connsiteY32"/>
+              </a:cxn>
+              <a:cxn ang="0">
+                <a:pos x="connsiteX33" y="connsiteY33"/>
+              </a:cxn>
+              <a:cxn ang="0">
+                <a:pos x="connsiteX34" y="connsiteY34"/>
+              </a:cxn>
+              <a:cxn ang="0">
+                <a:pos x="connsiteX35" y="connsiteY35"/>
+              </a:cxn>
+              <a:cxn ang="0">
+                <a:pos x="connsiteX36" y="connsiteY36"/>
+              </a:cxn>
+              <a:cxn ang="0">
+                <a:pos x="connsiteX37" y="connsiteY37"/>
+              </a:cxn>
+              <a:cxn ang="0">
+                <a:pos x="connsiteX38" y="connsiteY38"/>
+              </a:cxn>
+              <a:cxn ang="0">
+                <a:pos x="connsiteX39" y="connsiteY39"/>
+              </a:cxn>
+              <a:cxn ang="0">
+                <a:pos x="connsiteX40" y="connsiteY40"/>
+              </a:cxn>
+              <a:cxn ang="0">
+                <a:pos x="connsiteX41" y="connsiteY41"/>
+              </a:cxn>
+              <a:cxn ang="0">
+                <a:pos x="connsiteX42" y="connsiteY42"/>
+              </a:cxn>
+              <a:cxn ang="0">
+                <a:pos x="connsiteX43" y="connsiteY43"/>
+              </a:cxn>
+              <a:cxn ang="0">
+                <a:pos x="connsiteX44" y="connsiteY44"/>
+              </a:cxn>
+              <a:cxn ang="0">
+                <a:pos x="connsiteX45" y="connsiteY45"/>
+              </a:cxn>
+              <a:cxn ang="0">
+                <a:pos x="connsiteX46" y="connsiteY46"/>
+              </a:cxn>
+              <a:cxn ang="0">
+                <a:pos x="connsiteX47" y="connsiteY47"/>
+              </a:cxn>
+              <a:cxn ang="0">
+                <a:pos x="connsiteX48" y="connsiteY48"/>
+              </a:cxn>
+              <a:cxn ang="0">
+                <a:pos x="connsiteX49" y="connsiteY49"/>
+              </a:cxn>
+              <a:cxn ang="0">
+                <a:pos x="connsiteX50" y="connsiteY50"/>
+              </a:cxn>
+              <a:cxn ang="0">
+                <a:pos x="connsiteX51" y="connsiteY51"/>
+              </a:cxn>
+              <a:cxn ang="0">
+                <a:pos x="connsiteX52" y="connsiteY52"/>
+              </a:cxn>
+            </a:cxnLst>
+            <a:rect l="l" t="t" r="r" b="b"/>
+            <a:pathLst>
+              <a:path w="12192000" h="2802467">
+                <a:moveTo>
+                  <a:pt x="1" y="0"/>
+                </a:moveTo>
+                <a:lnTo>
+                  <a:pt x="71932" y="12261"/>
+                </a:lnTo>
+                <a:lnTo>
+                  <a:pt x="282848" y="48342"/>
+                </a:lnTo>
+                <a:lnTo>
+                  <a:pt x="436464" y="73565"/>
+                </a:lnTo>
+                <a:lnTo>
+                  <a:pt x="619339" y="100188"/>
+                </a:lnTo>
+                <a:lnTo>
+                  <a:pt x="836351" y="132066"/>
+                </a:lnTo>
+                <a:lnTo>
+                  <a:pt x="1076528" y="165696"/>
+                </a:lnTo>
+                <a:lnTo>
+                  <a:pt x="1347183" y="201077"/>
+                </a:lnTo>
+                <a:lnTo>
+                  <a:pt x="1642223" y="238560"/>
+                </a:lnTo>
+                <a:lnTo>
+                  <a:pt x="1962864" y="276043"/>
+                </a:lnTo>
+                <a:lnTo>
+                  <a:pt x="2304232" y="314226"/>
+                </a:lnTo>
+                <a:lnTo>
+                  <a:pt x="2672421" y="349608"/>
+                </a:lnTo>
+                <a:lnTo>
+                  <a:pt x="3057678" y="383587"/>
+                </a:lnTo>
+                <a:lnTo>
+                  <a:pt x="3464881" y="414415"/>
+                </a:lnTo>
+                <a:lnTo>
+                  <a:pt x="3889152" y="443840"/>
+                </a:lnTo>
+                <a:lnTo>
+                  <a:pt x="4331710" y="471515"/>
+                </a:lnTo>
+                <a:lnTo>
+                  <a:pt x="4558476" y="481323"/>
+                </a:lnTo>
+                <a:lnTo>
+                  <a:pt x="4790118" y="492183"/>
+                </a:lnTo>
+                <a:lnTo>
+                  <a:pt x="5025418" y="502342"/>
+                </a:lnTo>
+                <a:lnTo>
+                  <a:pt x="5261937" y="508998"/>
+                </a:lnTo>
+                <a:lnTo>
+                  <a:pt x="5503332" y="514953"/>
+                </a:lnTo>
+                <a:lnTo>
+                  <a:pt x="5747166" y="521259"/>
+                </a:lnTo>
+                <a:lnTo>
+                  <a:pt x="5995877" y="525462"/>
+                </a:lnTo>
+                <a:lnTo>
+                  <a:pt x="6247026" y="525462"/>
+                </a:lnTo>
+                <a:lnTo>
+                  <a:pt x="6500613" y="527564"/>
+                </a:lnTo>
+                <a:lnTo>
+                  <a:pt x="6756639" y="525462"/>
+                </a:lnTo>
+                <a:lnTo>
+                  <a:pt x="7016322" y="521259"/>
+                </a:lnTo>
+                <a:lnTo>
+                  <a:pt x="7276005" y="517405"/>
+                </a:lnTo>
+                <a:lnTo>
+                  <a:pt x="7539345" y="508998"/>
+                </a:lnTo>
+                <a:lnTo>
+                  <a:pt x="7805124" y="500240"/>
+                </a:lnTo>
+                <a:lnTo>
+                  <a:pt x="8070903" y="490081"/>
+                </a:lnTo>
+                <a:lnTo>
+                  <a:pt x="8339121" y="475719"/>
+                </a:lnTo>
+                <a:lnTo>
+                  <a:pt x="8609776" y="458553"/>
+                </a:lnTo>
+                <a:lnTo>
+                  <a:pt x="8881651" y="442089"/>
+                </a:lnTo>
+                <a:lnTo>
+                  <a:pt x="9153526" y="421070"/>
+                </a:lnTo>
+                <a:lnTo>
+                  <a:pt x="9429058" y="395848"/>
+                </a:lnTo>
+                <a:lnTo>
+                  <a:pt x="9700933" y="370626"/>
+                </a:lnTo>
+                <a:lnTo>
+                  <a:pt x="9977684" y="341550"/>
+                </a:lnTo>
+                <a:lnTo>
+                  <a:pt x="10255655" y="309672"/>
+                </a:lnTo>
+                <a:lnTo>
+                  <a:pt x="10529968" y="276043"/>
+                </a:lnTo>
+                <a:lnTo>
+                  <a:pt x="10807939" y="236808"/>
+                </a:lnTo>
+                <a:lnTo>
+                  <a:pt x="11084690" y="194771"/>
+                </a:lnTo>
+                <a:lnTo>
+                  <a:pt x="11362661" y="153085"/>
+                </a:lnTo>
+                <a:lnTo>
+                  <a:pt x="11639412" y="104392"/>
+                </a:lnTo>
+                <a:lnTo>
+                  <a:pt x="11914945" y="54648"/>
+                </a:lnTo>
+                <a:lnTo>
+                  <a:pt x="12191696" y="2452"/>
+                </a:lnTo>
+                <a:lnTo>
+                  <a:pt x="12191696" y="2236410"/>
+                </a:lnTo>
+                <a:lnTo>
+                  <a:pt x="12192000" y="2236410"/>
+                </a:lnTo>
+                <a:lnTo>
+                  <a:pt x="12192000" y="2802467"/>
+                </a:lnTo>
+                <a:lnTo>
+                  <a:pt x="12191696" y="2802467"/>
+                </a:lnTo>
+                <a:lnTo>
+                  <a:pt x="0" y="2802467"/>
+                </a:lnTo>
+                <a:lnTo>
+                  <a:pt x="0" y="2236410"/>
+                </a:lnTo>
+                <a:lnTo>
+                  <a:pt x="1" y="2236410"/>
+                </a:lnTo>
+                <a:close/>
+              </a:path>
+            </a:pathLst>
+          </a:custGeom>
+          <a:solidFill>
+            <a:schemeClr val="tx2"/>
+          </a:solidFill>
+          <a:ln>
+            <a:noFill/>
+          </a:ln>
+        </p:spPr>
+        <p:style>
+          <a:lnRef idx="2">
+            <a:schemeClr val="accent1">
+              <a:shade val="50000"/>
+            </a:schemeClr>
+          </a:lnRef>
+          <a:fillRef idx="1003">
+            <a:schemeClr val="dk2"/>
+          </a:fillRef>
+          <a:effectRef idx="0">
+            <a:schemeClr val="accent1"/>
+          </a:effectRef>
+          <a:fontRef idx="minor">
+            <a:schemeClr val="lt1"/>
+          </a:fontRef>
+        </p:style>
+        <p:txBody>
+          <a:bodyPr rtlCol="0" anchor="ctr"/>
+          <a:lstStyle/>
+          <a:p>
+            <a:pPr algn="ctr"/>
+            <a:endParaRPr lang="en-US"/>
+          </a:p>
+        </p:txBody>
+      </p:sp>
+      <p:sp>
+        <p:nvSpPr>
+          <p:cNvPr id="2" name="Titel 1">
+            <a:extLst>
+              <a:ext uri="{FF2B5EF4-FFF2-40B4-BE49-F238E27FC236}">
+                <a16:creationId xmlns:a16="http://schemas.microsoft.com/office/drawing/2014/main" id="{4B4E3E01-1CAF-4176-97A4-969669340DCB}"/>
+              </a:ext>
+            </a:extLst>
+          </p:cNvPr>
+          <p:cNvSpPr>
+            <a:spLocks noGrp="1"/>
+          </p:cNvSpPr>
+          <p:nvPr>
+            <p:ph type="title"/>
+          </p:nvPr>
+        </p:nvSpPr>
+        <p:spPr>
+          <a:xfrm>
+            <a:off x="965505" y="623571"/>
+            <a:ext cx="10260990" cy="3523885"/>
+          </a:xfrm>
+        </p:spPr>
+        <p:txBody>
+          <a:bodyPr vert="horz" lIns="91440" tIns="45720" rIns="91440" bIns="45720" rtlCol="0" anchor="b">
+            <a:normAutofit/>
+          </a:bodyPr>
+          <a:lstStyle/>
+          <a:p>
+            <a:pPr algn="ctr"/>
+            <a:r>
+              <a:rPr lang="en-US" sz="8000" b="0" i="0" kern="1200" dirty="0">
+                <a:solidFill>
+                  <a:schemeClr val="tx2"/>
+                </a:solidFill>
+                <a:latin typeface="+mj-lt"/>
+                <a:ea typeface="+mj-ea"/>
+                <a:cs typeface="+mj-cs"/>
+              </a:rPr>
+              <a:t>Resilience-Pattern</a:t>
+            </a:r>
+          </a:p>
+        </p:txBody>
+      </p:sp>
+    </p:spTree>
+    <p:extLst>
+      <p:ext uri="{BB962C8B-B14F-4D97-AF65-F5344CB8AC3E}">
+        <p14:creationId xmlns:p14="http://schemas.microsoft.com/office/powerpoint/2010/main" val="132596113"/>
+      </p:ext>
+    </p:extLst>
+  </p:cSld>
+  <p:clrMapOvr>
+    <a:masterClrMapping/>
+  </p:clrMapOvr>
+</p:sld>
+</file>
+
+<file path=ppt/slides/slide12.xml><?xml version="1.0" encoding="utf-8"?>
+<p:sld xmlns:a="http://schemas.openxmlformats.org/drawingml/2006/main" xmlns:r="http://schemas.openxmlformats.org/officeDocument/2006/relationships" xmlns:p="http://schemas.openxmlformats.org/presentationml/2006/main">
+  <p:cSld>
+    <p:bg>
+      <p:bgPr>
+        <a:blipFill rotWithShape="1">
+          <a:blip r:embed="rId2">
+            <a:duotone>
+              <a:schemeClr val="bg2">
+                <a:shade val="69000"/>
+                <a:hueMod val="108000"/>
+                <a:satMod val="164000"/>
+                <a:lumMod val="74000"/>
+              </a:schemeClr>
+              <a:schemeClr val="bg2">
+                <a:tint val="96000"/>
+                <a:hueMod val="88000"/>
+                <a:satMod val="140000"/>
+                <a:lumMod val="132000"/>
+              </a:schemeClr>
+            </a:duotone>
+          </a:blip>
+          <a:stretch/>
+        </a:blipFill>
+        <a:effectLst/>
+      </p:bgPr>
+    </p:bg>
+    <p:spTree>
+      <p:nvGrpSpPr>
+        <p:cNvPr id="1" name=""/>
+        <p:cNvGrpSpPr/>
+        <p:nvPr/>
+      </p:nvGrpSpPr>
+      <p:grpSpPr>
+        <a:xfrm>
+          <a:off x="0" y="0"/>
+          <a:ext cx="0" cy="0"/>
+          <a:chOff x="0" y="0"/>
+          <a:chExt cx="0" cy="0"/>
+        </a:xfrm>
+      </p:grpSpPr>
+      <p:pic>
+        <p:nvPicPr>
+          <p:cNvPr id="8" name="Picture 7">
+            <a:extLst>
+              <a:ext uri="{FF2B5EF4-FFF2-40B4-BE49-F238E27FC236}">
+                <a16:creationId xmlns:a16="http://schemas.microsoft.com/office/drawing/2014/main" id="{91B28F63-CF00-448F-B141-FE33C33B1891}"/>
+              </a:ext>
+              <a:ext uri="{C183D7F6-B498-43B3-948B-1728B52AA6E4}">
+                <adec:decorative xmlns:adec="http://schemas.microsoft.com/office/drawing/2017/decorative" val="1"/>
+              </a:ext>
+            </a:extLst>
+          </p:cNvPr>
+          <p:cNvPicPr>
+            <a:picLocks noGrp="1" noRot="1" noChangeAspect="1" noMove="1" noResize="1" noEditPoints="1" noAdjustHandles="1" noChangeArrowheads="1" noChangeShapeType="1" noCrop="1"/>
+          </p:cNvPicPr>
+          <p:nvPr>
+            <p:extLst>
+              <p:ext uri="{386F3935-93C4-4BCD-93E2-E3B085C9AB24}">
+                <p16:designElem xmlns:p16="http://schemas.microsoft.com/office/powerpoint/2015/main" val="1"/>
+              </p:ext>
+            </p:extLst>
+          </p:nvPr>
+        </p:nvPicPr>
+        <p:blipFill rotWithShape="1">
+          <a:blip r:embed="rId3">
+            <a:extLst>
+              <a:ext uri="{28A0092B-C50C-407E-A947-70E740481C1C}">
+                <a14:useLocalDpi xmlns:a14="http://schemas.microsoft.com/office/drawing/2010/main" val="0"/>
+              </a:ext>
+            </a:extLst>
+          </a:blip>
+          <a:srcRect l="3613"/>
+          <a:stretch/>
+        </p:blipFill>
+        <p:spPr>
+          <a:xfrm>
+            <a:off x="0" y="2669685"/>
+            <a:ext cx="4037012" cy="4188315"/>
+          </a:xfrm>
+          <a:prstGeom prst="rect">
+            <a:avLst/>
+          </a:prstGeom>
+        </p:spPr>
+      </p:pic>
+      <p:pic>
+        <p:nvPicPr>
+          <p:cNvPr id="10" name="Picture 9">
+            <a:extLst>
+              <a:ext uri="{FF2B5EF4-FFF2-40B4-BE49-F238E27FC236}">
+                <a16:creationId xmlns:a16="http://schemas.microsoft.com/office/drawing/2014/main" id="{2AE609E2-8522-44E4-9077-980E5BCF3E14}"/>
+              </a:ext>
+              <a:ext uri="{C183D7F6-B498-43B3-948B-1728B52AA6E4}">
+                <adec:decorative xmlns:adec="http://schemas.microsoft.com/office/drawing/2017/decorative" val="1"/>
+              </a:ext>
+            </a:extLst>
+          </p:cNvPr>
+          <p:cNvPicPr>
+            <a:picLocks noGrp="1" noRot="1" noChangeAspect="1" noMove="1" noResize="1" noEditPoints="1" noAdjustHandles="1" noChangeArrowheads="1" noChangeShapeType="1" noCrop="1"/>
+          </p:cNvPicPr>
+          <p:nvPr>
+            <p:extLst>
+              <p:ext uri="{386F3935-93C4-4BCD-93E2-E3B085C9AB24}">
+                <p16:designElem xmlns:p16="http://schemas.microsoft.com/office/powerpoint/2015/main" val="1"/>
+              </p:ext>
+            </p:extLst>
+          </p:nvPr>
+        </p:nvPicPr>
+        <p:blipFill rotWithShape="1">
+          <a:blip r:embed="rId4">
+            <a:extLst>
+              <a:ext uri="{28A0092B-C50C-407E-A947-70E740481C1C}">
+                <a14:useLocalDpi xmlns:a14="http://schemas.microsoft.com/office/drawing/2010/main" val="0"/>
+              </a:ext>
+            </a:extLst>
+          </a:blip>
+          <a:srcRect l="35640"/>
+          <a:stretch/>
+        </p:blipFill>
+        <p:spPr>
+          <a:xfrm>
+            <a:off x="0" y="2892347"/>
+            <a:ext cx="1522412" cy="2365453"/>
+          </a:xfrm>
+          <a:prstGeom prst="rect">
+            <a:avLst/>
+          </a:prstGeom>
+        </p:spPr>
+      </p:pic>
+      <p:sp>
+        <p:nvSpPr>
+          <p:cNvPr id="12" name="Oval 11">
+            <a:extLst>
+              <a:ext uri="{FF2B5EF4-FFF2-40B4-BE49-F238E27FC236}">
+                <a16:creationId xmlns:a16="http://schemas.microsoft.com/office/drawing/2014/main" id="{4FA533C5-33E3-4611-AF9F-72811D8B26A6}"/>
+              </a:ext>
+              <a:ext uri="{C183D7F6-B498-43B3-948B-1728B52AA6E4}">
+                <adec:decorative xmlns:adec="http://schemas.microsoft.com/office/drawing/2017/decorative" val="1"/>
+              </a:ext>
+            </a:extLst>
+          </p:cNvPr>
+          <p:cNvSpPr>
+            <a:spLocks noGrp="1" noRot="1" noChangeAspect="1" noMove="1" noResize="1" noEditPoints="1" noAdjustHandles="1" noChangeArrowheads="1" noChangeShapeType="1" noTextEdit="1"/>
+          </p:cNvSpPr>
+          <p:nvPr>
+            <p:extLst>
+              <p:ext uri="{386F3935-93C4-4BCD-93E2-E3B085C9AB24}">
+                <p16:designElem xmlns:p16="http://schemas.microsoft.com/office/powerpoint/2015/main" val="1"/>
+              </p:ext>
+            </p:extLst>
+          </p:nvPr>
+        </p:nvSpPr>
+        <p:spPr>
+          <a:xfrm>
+            <a:off x="8609012" y="1676400"/>
+            <a:ext cx="2819400" cy="2819400"/>
+          </a:xfrm>
+          <a:prstGeom prst="ellipse">
+            <a:avLst/>
+          </a:prstGeom>
+          <a:gradFill flip="none" rotWithShape="1">
+            <a:gsLst>
+              <a:gs pos="0">
+                <a:schemeClr val="bg2">
+                  <a:lumMod val="60000"/>
+                  <a:lumOff val="40000"/>
+                  <a:alpha val="7000"/>
+                </a:schemeClr>
+              </a:gs>
+              <a:gs pos="69000">
+                <a:schemeClr val="bg2">
+                  <a:lumMod val="60000"/>
+                  <a:lumOff val="40000"/>
+                  <a:alpha val="0"/>
+                </a:schemeClr>
+              </a:gs>
+              <a:gs pos="36000">
+                <a:schemeClr val="bg2">
+                  <a:lumMod val="60000"/>
+                  <a:lumOff val="40000"/>
+                  <a:alpha val="6000"/>
+                </a:schemeClr>
+              </a:gs>
+            </a:gsLst>
+            <a:path path="circle">
+              <a:fillToRect l="50000" t="50000" r="50000" b="50000"/>
+            </a:path>
+            <a:tileRect/>
+          </a:gradFill>
+          <a:ln>
+            <a:noFill/>
+          </a:ln>
+          <a:effectLst/>
+        </p:spPr>
+        <p:style>
+          <a:lnRef idx="1">
+            <a:schemeClr val="accent1"/>
+          </a:lnRef>
+          <a:fillRef idx="3">
+            <a:schemeClr val="accent1"/>
+          </a:fillRef>
+          <a:effectRef idx="2">
+            <a:schemeClr val="accent1"/>
+          </a:effectRef>
+          <a:fontRef idx="minor">
+            <a:schemeClr val="lt1"/>
+          </a:fontRef>
+        </p:style>
+      </p:sp>
+      <p:pic>
+        <p:nvPicPr>
+          <p:cNvPr id="14" name="Picture 13">
+            <a:extLst>
+              <a:ext uri="{FF2B5EF4-FFF2-40B4-BE49-F238E27FC236}">
+                <a16:creationId xmlns:a16="http://schemas.microsoft.com/office/drawing/2014/main" id="{8949AD42-25FD-4C3D-9EEE-B7FEC5809988}"/>
+              </a:ext>
+              <a:ext uri="{C183D7F6-B498-43B3-948B-1728B52AA6E4}">
+                <adec:decorative xmlns:adec="http://schemas.microsoft.com/office/drawing/2017/decorative" val="1"/>
+              </a:ext>
+            </a:extLst>
+          </p:cNvPr>
+          <p:cNvPicPr>
+            <a:picLocks noGrp="1" noRot="1" noChangeAspect="1" noMove="1" noResize="1" noEditPoints="1" noAdjustHandles="1" noChangeArrowheads="1" noChangeShapeType="1" noCrop="1"/>
+          </p:cNvPicPr>
+          <p:nvPr>
+            <p:extLst>
+              <p:ext uri="{386F3935-93C4-4BCD-93E2-E3B085C9AB24}">
+                <p16:designElem xmlns:p16="http://schemas.microsoft.com/office/powerpoint/2015/main" val="1"/>
+              </p:ext>
+            </p:extLst>
+          </p:nvPr>
+        </p:nvPicPr>
+        <p:blipFill rotWithShape="1">
+          <a:blip r:embed="rId5">
+            <a:extLst>
+              <a:ext uri="{28A0092B-C50C-407E-A947-70E740481C1C}">
+                <a14:useLocalDpi xmlns:a14="http://schemas.microsoft.com/office/drawing/2010/main" val="0"/>
+              </a:ext>
+            </a:extLst>
+          </a:blip>
+          <a:srcRect t="28813"/>
+          <a:stretch/>
+        </p:blipFill>
+        <p:spPr>
+          <a:xfrm>
+            <a:off x="7999412" y="0"/>
+            <a:ext cx="1603387" cy="1141407"/>
+          </a:xfrm>
+          <a:prstGeom prst="rect">
+            <a:avLst/>
+          </a:prstGeom>
+        </p:spPr>
+      </p:pic>
+      <p:pic>
+        <p:nvPicPr>
+          <p:cNvPr id="16" name="Picture 15">
+            <a:extLst>
+              <a:ext uri="{FF2B5EF4-FFF2-40B4-BE49-F238E27FC236}">
+                <a16:creationId xmlns:a16="http://schemas.microsoft.com/office/drawing/2014/main" id="{6AC7D913-60B7-4603-881B-831DA5D3A940}"/>
+              </a:ext>
+              <a:ext uri="{C183D7F6-B498-43B3-948B-1728B52AA6E4}">
+                <adec:decorative xmlns:adec="http://schemas.microsoft.com/office/drawing/2017/decorative" val="1"/>
+              </a:ext>
+            </a:extLst>
+          </p:cNvPr>
+          <p:cNvPicPr>
+            <a:picLocks noGrp="1" noRot="1" noChangeAspect="1" noMove="1" noResize="1" noEditPoints="1" noAdjustHandles="1" noChangeArrowheads="1" noChangeShapeType="1" noCrop="1"/>
+          </p:cNvPicPr>
+          <p:nvPr>
+            <p:extLst>
+              <p:ext uri="{386F3935-93C4-4BCD-93E2-E3B085C9AB24}">
+                <p16:designElem xmlns:p16="http://schemas.microsoft.com/office/powerpoint/2015/main" val="1"/>
+              </p:ext>
+            </p:extLst>
+          </p:nvPr>
+        </p:nvPicPr>
+        <p:blipFill rotWithShape="1">
+          <a:blip r:embed="rId6">
+            <a:extLst>
+              <a:ext uri="{28A0092B-C50C-407E-A947-70E740481C1C}">
+                <a14:useLocalDpi xmlns:a14="http://schemas.microsoft.com/office/drawing/2010/main" val="0"/>
+              </a:ext>
+            </a:extLst>
+          </a:blip>
+          <a:srcRect b="23320"/>
+          <a:stretch/>
+        </p:blipFill>
+        <p:spPr>
+          <a:xfrm>
+            <a:off x="8605878" y="6096000"/>
+            <a:ext cx="993734" cy="762000"/>
+          </a:xfrm>
+          <a:prstGeom prst="rect">
+            <a:avLst/>
+          </a:prstGeom>
+        </p:spPr>
+      </p:pic>
+      <p:sp>
+        <p:nvSpPr>
+          <p:cNvPr id="18" name="Rectangle 17">
+            <a:extLst>
+              <a:ext uri="{FF2B5EF4-FFF2-40B4-BE49-F238E27FC236}">
+                <a16:creationId xmlns:a16="http://schemas.microsoft.com/office/drawing/2014/main" id="{87F0FDC4-AD8C-47D9-9131-623C98ADB0AE}"/>
+              </a:ext>
+              <a:ext uri="{C183D7F6-B498-43B3-948B-1728B52AA6E4}">
+                <adec:decorative xmlns:adec="http://schemas.microsoft.com/office/drawing/2017/decorative" val="1"/>
+              </a:ext>
+            </a:extLst>
+          </p:cNvPr>
+          <p:cNvSpPr>
+            <a:spLocks noGrp="1" noRot="1" noChangeAspect="1" noMove="1" noResize="1" noEditPoints="1" noAdjustHandles="1" noChangeArrowheads="1" noChangeShapeType="1" noTextEdit="1"/>
+          </p:cNvSpPr>
+          <p:nvPr>
+            <p:extLst>
+              <p:ext uri="{386F3935-93C4-4BCD-93E2-E3B085C9AB24}">
+                <p16:designElem xmlns:p16="http://schemas.microsoft.com/office/powerpoint/2015/main" val="1"/>
+              </p:ext>
+            </p:extLst>
+          </p:nvPr>
+        </p:nvSpPr>
+        <p:spPr>
+          <a:xfrm>
+            <a:off x="10437812" y="0"/>
+            <a:ext cx="685800" cy="1143000"/>
+          </a:xfrm>
+          <a:prstGeom prst="rect">
+            <a:avLst/>
+          </a:prstGeom>
+          <a:solidFill>
+            <a:schemeClr val="accent1"/>
+          </a:solidFill>
+          <a:ln>
+            <a:noFill/>
+          </a:ln>
+        </p:spPr>
+        <p:style>
+          <a:lnRef idx="1">
+            <a:schemeClr val="accent1"/>
+          </a:lnRef>
+          <a:fillRef idx="3">
+            <a:schemeClr val="accent1"/>
+          </a:fillRef>
+          <a:effectRef idx="2">
+            <a:schemeClr val="accent1"/>
+          </a:effectRef>
+          <a:fontRef idx="minor">
+            <a:schemeClr val="lt1"/>
+          </a:fontRef>
+        </p:style>
+      </p:sp>
+      <p:sp useBgFill="1">
+        <p:nvSpPr>
+          <p:cNvPr id="20" name="Rectangle 19">
+            <a:extLst>
+              <a:ext uri="{FF2B5EF4-FFF2-40B4-BE49-F238E27FC236}">
+                <a16:creationId xmlns:a16="http://schemas.microsoft.com/office/drawing/2014/main" id="{C28D0172-F2E0-4763-9C35-F022664959D8}"/>
+              </a:ext>
+              <a:ext uri="{C183D7F6-B498-43B3-948B-1728B52AA6E4}">
+                <adec:decorative xmlns:adec="http://schemas.microsoft.com/office/drawing/2017/decorative" val="1"/>
+              </a:ext>
+            </a:extLst>
+          </p:cNvPr>
+          <p:cNvSpPr>
+            <a:spLocks noGrp="1" noRot="1" noChangeAspect="1" noMove="1" noResize="1" noEditPoints="1" noAdjustHandles="1" noChangeArrowheads="1" noChangeShapeType="1" noTextEdit="1"/>
+          </p:cNvSpPr>
+          <p:nvPr>
+            <p:extLst>
+              <p:ext uri="{386F3935-93C4-4BCD-93E2-E3B085C9AB24}">
+                <p16:designElem xmlns:p16="http://schemas.microsoft.com/office/powerpoint/2015/main" val="1"/>
+              </p:ext>
+            </p:extLst>
+          </p:nvPr>
+        </p:nvSpPr>
+        <p:spPr>
+          <a:xfrm>
+            <a:off x="0" y="-5"/>
+            <a:ext cx="12191695" cy="4730744"/>
+          </a:xfrm>
+          <a:prstGeom prst="rect">
+            <a:avLst/>
+          </a:prstGeom>
+          <a:ln>
+            <a:noFill/>
+          </a:ln>
+        </p:spPr>
+        <p:style>
+          <a:lnRef idx="2">
+            <a:schemeClr val="accent1">
+              <a:shade val="50000"/>
+            </a:schemeClr>
+          </a:lnRef>
+          <a:fillRef idx="1">
+            <a:schemeClr val="accent1"/>
+          </a:fillRef>
+          <a:effectRef idx="0">
+            <a:schemeClr val="accent1"/>
+          </a:effectRef>
+          <a:fontRef idx="minor">
+            <a:schemeClr val="lt1"/>
+          </a:fontRef>
+        </p:style>
+        <p:txBody>
+          <a:bodyPr rtlCol="0" anchor="ctr"/>
+          <a:lstStyle/>
+          <a:p>
+            <a:pPr algn="ctr"/>
+            <a:endParaRPr lang="en-US"/>
+          </a:p>
+        </p:txBody>
+      </p:sp>
+      <p:sp>
+        <p:nvSpPr>
+          <p:cNvPr id="22" name="Freeform 16">
+            <a:extLst>
+              <a:ext uri="{FF2B5EF4-FFF2-40B4-BE49-F238E27FC236}">
+                <a16:creationId xmlns:a16="http://schemas.microsoft.com/office/drawing/2014/main" id="{9F2851FB-E841-4509-8A6D-A416376EA380}"/>
+              </a:ext>
+              <a:ext uri="{C183D7F6-B498-43B3-948B-1728B52AA6E4}">
+                <adec:decorative xmlns:adec="http://schemas.microsoft.com/office/drawing/2017/decorative" val="1"/>
+              </a:ext>
+            </a:extLst>
+          </p:cNvPr>
+          <p:cNvSpPr>
+            <a:spLocks noGrp="1" noRot="1" noChangeAspect="1" noMove="1" noResize="1" noEditPoints="1" noAdjustHandles="1" noChangeArrowheads="1" noChangeShapeType="1" noTextEdit="1"/>
+          </p:cNvSpPr>
+          <p:nvPr>
+            <p:extLst>
+              <p:ext uri="{386F3935-93C4-4BCD-93E2-E3B085C9AB24}">
+                <p16:designElem xmlns:p16="http://schemas.microsoft.com/office/powerpoint/2015/main" val="1"/>
+              </p:ext>
+            </p:extLst>
+          </p:nvPr>
+        </p:nvSpPr>
+        <p:spPr>
+          <a:xfrm>
+            <a:off x="8719939" y="3753695"/>
+            <a:ext cx="3472060" cy="825932"/>
+          </a:xfrm>
+          <a:custGeom>
+            <a:avLst/>
+            <a:gdLst>
+              <a:gd name="connsiteX0" fmla="*/ 3470310 w 3472060"/>
+              <a:gd name="connsiteY0" fmla="*/ 0 h 825932"/>
+              <a:gd name="connsiteX1" fmla="*/ 3472060 w 3472060"/>
+              <a:gd name="connsiteY1" fmla="*/ 12850 h 825932"/>
+              <a:gd name="connsiteX2" fmla="*/ 3472060 w 3472060"/>
+              <a:gd name="connsiteY2" fmla="*/ 480529 h 825932"/>
+              <a:gd name="connsiteX3" fmla="*/ 3363699 w 3472060"/>
+              <a:gd name="connsiteY3" fmla="*/ 498471 h 825932"/>
+              <a:gd name="connsiteX4" fmla="*/ 42060 w 3472060"/>
+              <a:gd name="connsiteY4" fmla="*/ 824486 h 825932"/>
+              <a:gd name="connsiteX5" fmla="*/ 0 w 3472060"/>
+              <a:gd name="connsiteY5" fmla="*/ 758452 h 825932"/>
+              <a:gd name="connsiteX6" fmla="*/ 188014 w 3472060"/>
+              <a:gd name="connsiteY6" fmla="*/ 735602 h 825932"/>
+              <a:gd name="connsiteX7" fmla="*/ 284087 w 3472060"/>
+              <a:gd name="connsiteY7" fmla="*/ 722590 h 825932"/>
+              <a:gd name="connsiteX8" fmla="*/ 382288 w 3472060"/>
+              <a:gd name="connsiteY8" fmla="*/ 709392 h 825932"/>
+              <a:gd name="connsiteX9" fmla="*/ 481858 w 3472060"/>
+              <a:gd name="connsiteY9" fmla="*/ 695774 h 825932"/>
+              <a:gd name="connsiteX10" fmla="*/ 581897 w 3472060"/>
+              <a:gd name="connsiteY10" fmla="*/ 680711 h 825932"/>
+              <a:gd name="connsiteX11" fmla="*/ 683670 w 3472060"/>
+              <a:gd name="connsiteY11" fmla="*/ 665256 h 825932"/>
+              <a:gd name="connsiteX12" fmla="*/ 787206 w 3472060"/>
+              <a:gd name="connsiteY12" fmla="*/ 649587 h 825932"/>
+              <a:gd name="connsiteX13" fmla="*/ 892019 w 3472060"/>
+              <a:gd name="connsiteY13" fmla="*/ 632968 h 825932"/>
+              <a:gd name="connsiteX14" fmla="*/ 997620 w 3472060"/>
+              <a:gd name="connsiteY14" fmla="*/ 614667 h 825932"/>
+              <a:gd name="connsiteX15" fmla="*/ 1104727 w 3472060"/>
+              <a:gd name="connsiteY15" fmla="*/ 596741 h 825932"/>
+              <a:gd name="connsiteX16" fmla="*/ 1212669 w 3472060"/>
+              <a:gd name="connsiteY16" fmla="*/ 577397 h 825932"/>
+              <a:gd name="connsiteX17" fmla="*/ 1321506 w 3472060"/>
+              <a:gd name="connsiteY17" fmla="*/ 556988 h 825932"/>
+              <a:gd name="connsiteX18" fmla="*/ 1430709 w 3472060"/>
+              <a:gd name="connsiteY18" fmla="*/ 536607 h 825932"/>
+              <a:gd name="connsiteX19" fmla="*/ 1541050 w 3472060"/>
+              <a:gd name="connsiteY19" fmla="*/ 514481 h 825932"/>
+              <a:gd name="connsiteX20" fmla="*/ 1652805 w 3472060"/>
+              <a:gd name="connsiteY20" fmla="*/ 492202 h 825932"/>
+              <a:gd name="connsiteX21" fmla="*/ 1763708 w 3472060"/>
+              <a:gd name="connsiteY21" fmla="*/ 469161 h 825932"/>
+              <a:gd name="connsiteX22" fmla="*/ 1875795 w 3472060"/>
+              <a:gd name="connsiteY22" fmla="*/ 444641 h 825932"/>
+              <a:gd name="connsiteX23" fmla="*/ 1989128 w 3472060"/>
+              <a:gd name="connsiteY23" fmla="*/ 418995 h 825932"/>
+              <a:gd name="connsiteX24" fmla="*/ 2102476 w 3472060"/>
+              <a:gd name="connsiteY24" fmla="*/ 393438 h 825932"/>
+              <a:gd name="connsiteX25" fmla="*/ 2215549 w 3472060"/>
+              <a:gd name="connsiteY25" fmla="*/ 366291 h 825932"/>
+              <a:gd name="connsiteX26" fmla="*/ 2330490 w 3472060"/>
+              <a:gd name="connsiteY26" fmla="*/ 337455 h 825932"/>
+              <a:gd name="connsiteX27" fmla="*/ 2443333 w 3472060"/>
+              <a:gd name="connsiteY27" fmla="*/ 308983 h 825932"/>
+              <a:gd name="connsiteX28" fmla="*/ 2558014 w 3472060"/>
+              <a:gd name="connsiteY28" fmla="*/ 278646 h 825932"/>
+              <a:gd name="connsiteX29" fmla="*/ 2673621 w 3472060"/>
+              <a:gd name="connsiteY29" fmla="*/ 247421 h 825932"/>
+              <a:gd name="connsiteX30" fmla="*/ 2787008 w 3472060"/>
+              <a:gd name="connsiteY30" fmla="*/ 215853 h 825932"/>
+              <a:gd name="connsiteX31" fmla="*/ 2901442 w 3472060"/>
+              <a:gd name="connsiteY31" fmla="*/ 182011 h 825932"/>
+              <a:gd name="connsiteX32" fmla="*/ 3015722 w 3472060"/>
+              <a:gd name="connsiteY32" fmla="*/ 147286 h 825932"/>
+              <a:gd name="connsiteX33" fmla="*/ 3130018 w 3472060"/>
+              <a:gd name="connsiteY33" fmla="*/ 112649 h 825932"/>
+              <a:gd name="connsiteX34" fmla="*/ 3243551 w 3472060"/>
+              <a:gd name="connsiteY34" fmla="*/ 75688 h 825932"/>
+              <a:gd name="connsiteX35" fmla="*/ 3356992 w 3472060"/>
+              <a:gd name="connsiteY35" fmla="*/ 38197 h 825932"/>
+              <a:gd name="connsiteX36" fmla="*/ 3470310 w 3472060"/>
+              <a:gd name="connsiteY36" fmla="*/ 0 h 825932"/>
+            </a:gdLst>
+            <a:ahLst/>
+            <a:cxnLst>
+              <a:cxn ang="0">
+                <a:pos x="connsiteX0" y="connsiteY0"/>
+              </a:cxn>
+              <a:cxn ang="0">
+                <a:pos x="connsiteX1" y="connsiteY1"/>
+              </a:cxn>
+              <a:cxn ang="0">
+                <a:pos x="connsiteX2" y="connsiteY2"/>
+              </a:cxn>
+              <a:cxn ang="0">
+                <a:pos x="connsiteX3" y="connsiteY3"/>
+              </a:cxn>
+              <a:cxn ang="0">
+                <a:pos x="connsiteX4" y="connsiteY4"/>
+              </a:cxn>
+              <a:cxn ang="0">
+                <a:pos x="connsiteX5" y="connsiteY5"/>
+              </a:cxn>
+              <a:cxn ang="0">
+                <a:pos x="connsiteX6" y="connsiteY6"/>
+              </a:cxn>
+              <a:cxn ang="0">
+                <a:pos x="connsiteX7" y="connsiteY7"/>
+              </a:cxn>
+              <a:cxn ang="0">
+                <a:pos x="connsiteX8" y="connsiteY8"/>
+              </a:cxn>
+              <a:cxn ang="0">
+                <a:pos x="connsiteX9" y="connsiteY9"/>
+              </a:cxn>
+              <a:cxn ang="0">
+                <a:pos x="connsiteX10" y="connsiteY10"/>
+              </a:cxn>
+              <a:cxn ang="0">
+                <a:pos x="connsiteX11" y="connsiteY11"/>
+              </a:cxn>
+              <a:cxn ang="0">
+                <a:pos x="connsiteX12" y="connsiteY12"/>
+              </a:cxn>
+              <a:cxn ang="0">
+                <a:pos x="connsiteX13" y="connsiteY13"/>
+              </a:cxn>
+              <a:cxn ang="0">
+                <a:pos x="connsiteX14" y="connsiteY14"/>
+              </a:cxn>
+              <a:cxn ang="0">
+                <a:pos x="connsiteX15" y="connsiteY15"/>
+              </a:cxn>
+              <a:cxn ang="0">
+                <a:pos x="connsiteX16" y="connsiteY16"/>
+              </a:cxn>
+              <a:cxn ang="0">
+                <a:pos x="connsiteX17" y="connsiteY17"/>
+              </a:cxn>
+              <a:cxn ang="0">
+                <a:pos x="connsiteX18" y="connsiteY18"/>
+              </a:cxn>
+              <a:cxn ang="0">
+                <a:pos x="connsiteX19" y="connsiteY19"/>
+              </a:cxn>
+              <a:cxn ang="0">
+                <a:pos x="connsiteX20" y="connsiteY20"/>
+              </a:cxn>
+              <a:cxn ang="0">
+                <a:pos x="connsiteX21" y="connsiteY21"/>
+              </a:cxn>
+              <a:cxn ang="0">
+                <a:pos x="connsiteX22" y="connsiteY22"/>
+              </a:cxn>
+              <a:cxn ang="0">
+                <a:pos x="connsiteX23" y="connsiteY23"/>
+              </a:cxn>
+              <a:cxn ang="0">
+                <a:pos x="connsiteX24" y="connsiteY24"/>
+              </a:cxn>
+              <a:cxn ang="0">
+                <a:pos x="connsiteX25" y="connsiteY25"/>
+              </a:cxn>
+              <a:cxn ang="0">
+                <a:pos x="connsiteX26" y="connsiteY26"/>
+              </a:cxn>
+              <a:cxn ang="0">
+                <a:pos x="connsiteX27" y="connsiteY27"/>
+              </a:cxn>
+              <a:cxn ang="0">
+                <a:pos x="connsiteX28" y="connsiteY28"/>
+              </a:cxn>
+              <a:cxn ang="0">
+                <a:pos x="connsiteX29" y="connsiteY29"/>
+              </a:cxn>
+              <a:cxn ang="0">
+                <a:pos x="connsiteX30" y="connsiteY30"/>
+              </a:cxn>
+              <a:cxn ang="0">
+                <a:pos x="connsiteX31" y="connsiteY31"/>
+              </a:cxn>
+              <a:cxn ang="0">
+                <a:pos x="connsiteX32" y="connsiteY32"/>
+              </a:cxn>
+              <a:cxn ang="0">
+                <a:pos x="connsiteX33" y="connsiteY33"/>
+              </a:cxn>
+              <a:cxn ang="0">
+                <a:pos x="connsiteX34" y="connsiteY34"/>
+              </a:cxn>
+              <a:cxn ang="0">
+                <a:pos x="connsiteX35" y="connsiteY35"/>
+              </a:cxn>
+              <a:cxn ang="0">
+                <a:pos x="connsiteX36" y="connsiteY36"/>
+              </a:cxn>
+            </a:cxnLst>
+            <a:rect l="l" t="t" r="r" b="b"/>
+            <a:pathLst>
+              <a:path w="3472060" h="825932">
+                <a:moveTo>
+                  <a:pt x="3470310" y="0"/>
+                </a:moveTo>
+                <a:lnTo>
+                  <a:pt x="3472060" y="12850"/>
+                </a:lnTo>
+                <a:lnTo>
+                  <a:pt x="3472060" y="480529"/>
+                </a:lnTo>
+                <a:lnTo>
+                  <a:pt x="3363699" y="498471"/>
+                </a:lnTo>
+                <a:cubicBezTo>
+                  <a:pt x="2435623" y="645518"/>
+                  <a:pt x="603076" y="844866"/>
+                  <a:pt x="42060" y="824486"/>
+                </a:cubicBezTo>
+                <a:cubicBezTo>
+                  <a:pt x="28151" y="802425"/>
+                  <a:pt x="13909" y="780513"/>
+                  <a:pt x="0" y="758452"/>
+                </a:cubicBezTo>
+                <a:lnTo>
+                  <a:pt x="188014" y="735602"/>
+                </a:lnTo>
+                <a:lnTo>
+                  <a:pt x="284087" y="722590"/>
+                </a:lnTo>
+                <a:lnTo>
+                  <a:pt x="382288" y="709392"/>
+                </a:lnTo>
+                <a:lnTo>
+                  <a:pt x="481858" y="695774"/>
+                </a:lnTo>
+                <a:lnTo>
+                  <a:pt x="581897" y="680711"/>
+                </a:lnTo>
+                <a:lnTo>
+                  <a:pt x="683670" y="665256"/>
+                </a:lnTo>
+                <a:lnTo>
+                  <a:pt x="787206" y="649587"/>
+                </a:lnTo>
+                <a:lnTo>
+                  <a:pt x="892019" y="632968"/>
+                </a:lnTo>
+                <a:lnTo>
+                  <a:pt x="997620" y="614667"/>
+                </a:lnTo>
+                <a:lnTo>
+                  <a:pt x="1104727" y="596741"/>
+                </a:lnTo>
+                <a:lnTo>
+                  <a:pt x="1212669" y="577397"/>
+                </a:lnTo>
+                <a:lnTo>
+                  <a:pt x="1321506" y="556988"/>
+                </a:lnTo>
+                <a:lnTo>
+                  <a:pt x="1430709" y="536607"/>
+                </a:lnTo>
+                <a:lnTo>
+                  <a:pt x="1541050" y="514481"/>
+                </a:lnTo>
+                <a:lnTo>
+                  <a:pt x="1652805" y="492202"/>
+                </a:lnTo>
+                <a:lnTo>
+                  <a:pt x="1763708" y="469161"/>
+                </a:lnTo>
+                <a:lnTo>
+                  <a:pt x="1875795" y="444641"/>
+                </a:lnTo>
+                <a:lnTo>
+                  <a:pt x="1989128" y="418995"/>
+                </a:lnTo>
+                <a:lnTo>
+                  <a:pt x="2102476" y="393438"/>
+                </a:lnTo>
+                <a:lnTo>
+                  <a:pt x="2215549" y="366291"/>
+                </a:lnTo>
+                <a:lnTo>
+                  <a:pt x="2330490" y="337455"/>
+                </a:lnTo>
+                <a:lnTo>
+                  <a:pt x="2443333" y="308983"/>
+                </a:lnTo>
+                <a:lnTo>
+                  <a:pt x="2558014" y="278646"/>
+                </a:lnTo>
+                <a:lnTo>
+                  <a:pt x="2673621" y="247421"/>
+                </a:lnTo>
+                <a:lnTo>
+                  <a:pt x="2787008" y="215853"/>
+                </a:lnTo>
+                <a:lnTo>
+                  <a:pt x="2901442" y="182011"/>
+                </a:lnTo>
+                <a:lnTo>
+                  <a:pt x="3015722" y="147286"/>
+                </a:lnTo>
+                <a:lnTo>
+                  <a:pt x="3130018" y="112649"/>
+                </a:lnTo>
+                <a:lnTo>
+                  <a:pt x="3243551" y="75688"/>
+                </a:lnTo>
+                <a:lnTo>
+                  <a:pt x="3356992" y="38197"/>
+                </a:lnTo>
+                <a:lnTo>
+                  <a:pt x="3470310" y="0"/>
+                </a:lnTo>
+                <a:close/>
+              </a:path>
+            </a:pathLst>
+          </a:custGeom>
+          <a:solidFill>
+            <a:schemeClr val="tx1">
+              <a:alpha val="20000"/>
+            </a:schemeClr>
+          </a:solidFill>
+          <a:ln>
+            <a:noFill/>
+          </a:ln>
+        </p:spPr>
+        <p:txBody>
+          <a:bodyPr rtlCol="0" anchor="ctr"/>
+          <a:lstStyle/>
+          <a:p>
+            <a:pPr algn="ctr"/>
+            <a:endParaRPr lang="en-US">
+              <a:solidFill>
+                <a:schemeClr val="tx1"/>
+              </a:solidFill>
+            </a:endParaRPr>
+          </a:p>
+        </p:txBody>
+      </p:sp>
+      <p:sp>
+        <p:nvSpPr>
+          <p:cNvPr id="24" name="Freeform: Shape 23">
+            <a:extLst>
+              <a:ext uri="{FF2B5EF4-FFF2-40B4-BE49-F238E27FC236}">
+                <a16:creationId xmlns:a16="http://schemas.microsoft.com/office/drawing/2014/main" id="{DF6FB2B2-CE21-407F-B22E-302DADC2C3D3}"/>
+              </a:ext>
+              <a:ext uri="{C183D7F6-B498-43B3-948B-1728B52AA6E4}">
+                <adec:decorative xmlns:adec="http://schemas.microsoft.com/office/drawing/2017/decorative" val="1"/>
+              </a:ext>
+            </a:extLst>
+          </p:cNvPr>
+          <p:cNvSpPr>
+            <a:spLocks noGrp="1" noRot="1" noChangeAspect="1" noMove="1" noResize="1" noEditPoints="1" noAdjustHandles="1" noChangeArrowheads="1" noChangeShapeType="1" noTextEdit="1"/>
+          </p:cNvSpPr>
+          <p:nvPr>
+            <p:extLst>
+              <p:ext uri="{386F3935-93C4-4BCD-93E2-E3B085C9AB24}">
+                <p16:designElem xmlns:p16="http://schemas.microsoft.com/office/powerpoint/2015/main" val="1"/>
+              </p:ext>
+            </p:extLst>
+          </p:nvPr>
+        </p:nvSpPr>
+        <p:spPr>
+          <a:xfrm>
+            <a:off x="0" y="4055533"/>
+            <a:ext cx="12192000" cy="2802467"/>
+          </a:xfrm>
+          <a:custGeom>
+            <a:avLst/>
+            <a:gdLst>
+              <a:gd name="connsiteX0" fmla="*/ 1 w 12192000"/>
+              <a:gd name="connsiteY0" fmla="*/ 0 h 2802467"/>
+              <a:gd name="connsiteX1" fmla="*/ 71932 w 12192000"/>
+              <a:gd name="connsiteY1" fmla="*/ 12261 h 2802467"/>
+              <a:gd name="connsiteX2" fmla="*/ 282848 w 12192000"/>
+              <a:gd name="connsiteY2" fmla="*/ 48342 h 2802467"/>
+              <a:gd name="connsiteX3" fmla="*/ 436464 w 12192000"/>
+              <a:gd name="connsiteY3" fmla="*/ 73565 h 2802467"/>
+              <a:gd name="connsiteX4" fmla="*/ 619339 w 12192000"/>
+              <a:gd name="connsiteY4" fmla="*/ 100188 h 2802467"/>
+              <a:gd name="connsiteX5" fmla="*/ 836351 w 12192000"/>
+              <a:gd name="connsiteY5" fmla="*/ 132066 h 2802467"/>
+              <a:gd name="connsiteX6" fmla="*/ 1076528 w 12192000"/>
+              <a:gd name="connsiteY6" fmla="*/ 165696 h 2802467"/>
+              <a:gd name="connsiteX7" fmla="*/ 1347183 w 12192000"/>
+              <a:gd name="connsiteY7" fmla="*/ 201077 h 2802467"/>
+              <a:gd name="connsiteX8" fmla="*/ 1642223 w 12192000"/>
+              <a:gd name="connsiteY8" fmla="*/ 238560 h 2802467"/>
+              <a:gd name="connsiteX9" fmla="*/ 1962864 w 12192000"/>
+              <a:gd name="connsiteY9" fmla="*/ 276043 h 2802467"/>
+              <a:gd name="connsiteX10" fmla="*/ 2304232 w 12192000"/>
+              <a:gd name="connsiteY10" fmla="*/ 314226 h 2802467"/>
+              <a:gd name="connsiteX11" fmla="*/ 2672421 w 12192000"/>
+              <a:gd name="connsiteY11" fmla="*/ 349608 h 2802467"/>
+              <a:gd name="connsiteX12" fmla="*/ 3057678 w 12192000"/>
+              <a:gd name="connsiteY12" fmla="*/ 383587 h 2802467"/>
+              <a:gd name="connsiteX13" fmla="*/ 3464881 w 12192000"/>
+              <a:gd name="connsiteY13" fmla="*/ 414415 h 2802467"/>
+              <a:gd name="connsiteX14" fmla="*/ 3889152 w 12192000"/>
+              <a:gd name="connsiteY14" fmla="*/ 443840 h 2802467"/>
+              <a:gd name="connsiteX15" fmla="*/ 4331710 w 12192000"/>
+              <a:gd name="connsiteY15" fmla="*/ 471515 h 2802467"/>
+              <a:gd name="connsiteX16" fmla="*/ 4558476 w 12192000"/>
+              <a:gd name="connsiteY16" fmla="*/ 481323 h 2802467"/>
+              <a:gd name="connsiteX17" fmla="*/ 4790118 w 12192000"/>
+              <a:gd name="connsiteY17" fmla="*/ 492183 h 2802467"/>
+              <a:gd name="connsiteX18" fmla="*/ 5025418 w 12192000"/>
+              <a:gd name="connsiteY18" fmla="*/ 502342 h 2802467"/>
+              <a:gd name="connsiteX19" fmla="*/ 5261937 w 12192000"/>
+              <a:gd name="connsiteY19" fmla="*/ 508998 h 2802467"/>
+              <a:gd name="connsiteX20" fmla="*/ 5503332 w 12192000"/>
+              <a:gd name="connsiteY20" fmla="*/ 514953 h 2802467"/>
+              <a:gd name="connsiteX21" fmla="*/ 5747166 w 12192000"/>
+              <a:gd name="connsiteY21" fmla="*/ 521259 h 2802467"/>
+              <a:gd name="connsiteX22" fmla="*/ 5995877 w 12192000"/>
+              <a:gd name="connsiteY22" fmla="*/ 525462 h 2802467"/>
+              <a:gd name="connsiteX23" fmla="*/ 6247026 w 12192000"/>
+              <a:gd name="connsiteY23" fmla="*/ 525462 h 2802467"/>
+              <a:gd name="connsiteX24" fmla="*/ 6500613 w 12192000"/>
+              <a:gd name="connsiteY24" fmla="*/ 527564 h 2802467"/>
+              <a:gd name="connsiteX25" fmla="*/ 6756639 w 12192000"/>
+              <a:gd name="connsiteY25" fmla="*/ 525462 h 2802467"/>
+              <a:gd name="connsiteX26" fmla="*/ 7016322 w 12192000"/>
+              <a:gd name="connsiteY26" fmla="*/ 521259 h 2802467"/>
+              <a:gd name="connsiteX27" fmla="*/ 7276005 w 12192000"/>
+              <a:gd name="connsiteY27" fmla="*/ 517405 h 2802467"/>
+              <a:gd name="connsiteX28" fmla="*/ 7539345 w 12192000"/>
+              <a:gd name="connsiteY28" fmla="*/ 508998 h 2802467"/>
+              <a:gd name="connsiteX29" fmla="*/ 7805124 w 12192000"/>
+              <a:gd name="connsiteY29" fmla="*/ 500240 h 2802467"/>
+              <a:gd name="connsiteX30" fmla="*/ 8070903 w 12192000"/>
+              <a:gd name="connsiteY30" fmla="*/ 490081 h 2802467"/>
+              <a:gd name="connsiteX31" fmla="*/ 8339121 w 12192000"/>
+              <a:gd name="connsiteY31" fmla="*/ 475719 h 2802467"/>
+              <a:gd name="connsiteX32" fmla="*/ 8609776 w 12192000"/>
+              <a:gd name="connsiteY32" fmla="*/ 458553 h 2802467"/>
+              <a:gd name="connsiteX33" fmla="*/ 8881651 w 12192000"/>
+              <a:gd name="connsiteY33" fmla="*/ 442089 h 2802467"/>
+              <a:gd name="connsiteX34" fmla="*/ 9153526 w 12192000"/>
+              <a:gd name="connsiteY34" fmla="*/ 421070 h 2802467"/>
+              <a:gd name="connsiteX35" fmla="*/ 9429058 w 12192000"/>
+              <a:gd name="connsiteY35" fmla="*/ 395848 h 2802467"/>
+              <a:gd name="connsiteX36" fmla="*/ 9700933 w 12192000"/>
+              <a:gd name="connsiteY36" fmla="*/ 370626 h 2802467"/>
+              <a:gd name="connsiteX37" fmla="*/ 9977684 w 12192000"/>
+              <a:gd name="connsiteY37" fmla="*/ 341550 h 2802467"/>
+              <a:gd name="connsiteX38" fmla="*/ 10255655 w 12192000"/>
+              <a:gd name="connsiteY38" fmla="*/ 309672 h 2802467"/>
+              <a:gd name="connsiteX39" fmla="*/ 10529968 w 12192000"/>
+              <a:gd name="connsiteY39" fmla="*/ 276043 h 2802467"/>
+              <a:gd name="connsiteX40" fmla="*/ 10807939 w 12192000"/>
+              <a:gd name="connsiteY40" fmla="*/ 236808 h 2802467"/>
+              <a:gd name="connsiteX41" fmla="*/ 11084690 w 12192000"/>
+              <a:gd name="connsiteY41" fmla="*/ 194771 h 2802467"/>
+              <a:gd name="connsiteX42" fmla="*/ 11362661 w 12192000"/>
+              <a:gd name="connsiteY42" fmla="*/ 153085 h 2802467"/>
+              <a:gd name="connsiteX43" fmla="*/ 11639412 w 12192000"/>
+              <a:gd name="connsiteY43" fmla="*/ 104392 h 2802467"/>
+              <a:gd name="connsiteX44" fmla="*/ 11914945 w 12192000"/>
+              <a:gd name="connsiteY44" fmla="*/ 54648 h 2802467"/>
+              <a:gd name="connsiteX45" fmla="*/ 12191696 w 12192000"/>
+              <a:gd name="connsiteY45" fmla="*/ 2452 h 2802467"/>
+              <a:gd name="connsiteX46" fmla="*/ 12191696 w 12192000"/>
+              <a:gd name="connsiteY46" fmla="*/ 2236410 h 2802467"/>
+              <a:gd name="connsiteX47" fmla="*/ 12192000 w 12192000"/>
+              <a:gd name="connsiteY47" fmla="*/ 2236410 h 2802467"/>
+              <a:gd name="connsiteX48" fmla="*/ 12192000 w 12192000"/>
+              <a:gd name="connsiteY48" fmla="*/ 2802467 h 2802467"/>
+              <a:gd name="connsiteX49" fmla="*/ 12191696 w 12192000"/>
+              <a:gd name="connsiteY49" fmla="*/ 2802467 h 2802467"/>
+              <a:gd name="connsiteX50" fmla="*/ 0 w 12192000"/>
+              <a:gd name="connsiteY50" fmla="*/ 2802467 h 2802467"/>
+              <a:gd name="connsiteX51" fmla="*/ 0 w 12192000"/>
+              <a:gd name="connsiteY51" fmla="*/ 2236410 h 2802467"/>
+              <a:gd name="connsiteX52" fmla="*/ 1 w 12192000"/>
+              <a:gd name="connsiteY52" fmla="*/ 2236410 h 2802467"/>
+            </a:gdLst>
+            <a:ahLst/>
+            <a:cxnLst>
+              <a:cxn ang="0">
+                <a:pos x="connsiteX0" y="connsiteY0"/>
+              </a:cxn>
+              <a:cxn ang="0">
+                <a:pos x="connsiteX1" y="connsiteY1"/>
+              </a:cxn>
+              <a:cxn ang="0">
+                <a:pos x="connsiteX2" y="connsiteY2"/>
+              </a:cxn>
+              <a:cxn ang="0">
+                <a:pos x="connsiteX3" y="connsiteY3"/>
+              </a:cxn>
+              <a:cxn ang="0">
+                <a:pos x="connsiteX4" y="connsiteY4"/>
+              </a:cxn>
+              <a:cxn ang="0">
+                <a:pos x="connsiteX5" y="connsiteY5"/>
+              </a:cxn>
+              <a:cxn ang="0">
+                <a:pos x="connsiteX6" y="connsiteY6"/>
+              </a:cxn>
+              <a:cxn ang="0">
+                <a:pos x="connsiteX7" y="connsiteY7"/>
+              </a:cxn>
+              <a:cxn ang="0">
+                <a:pos x="connsiteX8" y="connsiteY8"/>
+              </a:cxn>
+              <a:cxn ang="0">
+                <a:pos x="connsiteX9" y="connsiteY9"/>
+              </a:cxn>
+              <a:cxn ang="0">
+                <a:pos x="connsiteX10" y="connsiteY10"/>
+              </a:cxn>
+              <a:cxn ang="0">
+                <a:pos x="connsiteX11" y="connsiteY11"/>
+              </a:cxn>
+              <a:cxn ang="0">
+                <a:pos x="connsiteX12" y="connsiteY12"/>
+              </a:cxn>
+              <a:cxn ang="0">
+                <a:pos x="connsiteX13" y="connsiteY13"/>
+              </a:cxn>
+              <a:cxn ang="0">
+                <a:pos x="connsiteX14" y="connsiteY14"/>
+              </a:cxn>
+              <a:cxn ang="0">
+                <a:pos x="connsiteX15" y="connsiteY15"/>
+              </a:cxn>
+              <a:cxn ang="0">
+                <a:pos x="connsiteX16" y="connsiteY16"/>
+              </a:cxn>
+              <a:cxn ang="0">
+                <a:pos x="connsiteX17" y="connsiteY17"/>
+              </a:cxn>
+              <a:cxn ang="0">
+                <a:pos x="connsiteX18" y="connsiteY18"/>
+              </a:cxn>
+              <a:cxn ang="0">
+                <a:pos x="connsiteX19" y="connsiteY19"/>
+              </a:cxn>
+              <a:cxn ang="0">
+                <a:pos x="connsiteX20" y="connsiteY20"/>
+              </a:cxn>
+              <a:cxn ang="0">
+                <a:pos x="connsiteX21" y="connsiteY21"/>
+              </a:cxn>
+              <a:cxn ang="0">
+                <a:pos x="connsiteX22" y="connsiteY22"/>
+              </a:cxn>
+              <a:cxn ang="0">
+                <a:pos x="connsiteX23" y="connsiteY23"/>
+              </a:cxn>
+              <a:cxn ang="0">
+                <a:pos x="connsiteX24" y="connsiteY24"/>
+              </a:cxn>
+              <a:cxn ang="0">
+                <a:pos x="connsiteX25" y="connsiteY25"/>
+              </a:cxn>
+              <a:cxn ang="0">
+                <a:pos x="connsiteX26" y="connsiteY26"/>
+              </a:cxn>
+              <a:cxn ang="0">
+                <a:pos x="connsiteX27" y="connsiteY27"/>
+              </a:cxn>
+              <a:cxn ang="0">
+                <a:pos x="connsiteX28" y="connsiteY28"/>
+              </a:cxn>
+              <a:cxn ang="0">
+                <a:pos x="connsiteX29" y="connsiteY29"/>
+              </a:cxn>
+              <a:cxn ang="0">
+                <a:pos x="connsiteX30" y="connsiteY30"/>
+              </a:cxn>
+              <a:cxn ang="0">
+                <a:pos x="connsiteX31" y="connsiteY31"/>
+              </a:cxn>
+              <a:cxn ang="0">
+                <a:pos x="connsiteX32" y="connsiteY32"/>
+              </a:cxn>
+              <a:cxn ang="0">
+                <a:pos x="connsiteX33" y="connsiteY33"/>
+              </a:cxn>
+              <a:cxn ang="0">
+                <a:pos x="connsiteX34" y="connsiteY34"/>
+              </a:cxn>
+              <a:cxn ang="0">
+                <a:pos x="connsiteX35" y="connsiteY35"/>
+              </a:cxn>
+              <a:cxn ang="0">
+                <a:pos x="connsiteX36" y="connsiteY36"/>
+              </a:cxn>
+              <a:cxn ang="0">
+                <a:pos x="connsiteX37" y="connsiteY37"/>
+              </a:cxn>
+              <a:cxn ang="0">
+                <a:pos x="connsiteX38" y="connsiteY38"/>
+              </a:cxn>
+              <a:cxn ang="0">
+                <a:pos x="connsiteX39" y="connsiteY39"/>
+              </a:cxn>
+              <a:cxn ang="0">
+                <a:pos x="connsiteX40" y="connsiteY40"/>
+              </a:cxn>
+              <a:cxn ang="0">
+                <a:pos x="connsiteX41" y="connsiteY41"/>
+              </a:cxn>
+              <a:cxn ang="0">
+                <a:pos x="connsiteX42" y="connsiteY42"/>
+              </a:cxn>
+              <a:cxn ang="0">
+                <a:pos x="connsiteX43" y="connsiteY43"/>
+              </a:cxn>
+              <a:cxn ang="0">
+                <a:pos x="connsiteX44" y="connsiteY44"/>
+              </a:cxn>
+              <a:cxn ang="0">
+                <a:pos x="connsiteX45" y="connsiteY45"/>
+              </a:cxn>
+              <a:cxn ang="0">
+                <a:pos x="connsiteX46" y="connsiteY46"/>
+              </a:cxn>
+              <a:cxn ang="0">
+                <a:pos x="connsiteX47" y="connsiteY47"/>
+              </a:cxn>
+              <a:cxn ang="0">
+                <a:pos x="connsiteX48" y="connsiteY48"/>
+              </a:cxn>
+              <a:cxn ang="0">
+                <a:pos x="connsiteX49" y="connsiteY49"/>
+              </a:cxn>
+              <a:cxn ang="0">
+                <a:pos x="connsiteX50" y="connsiteY50"/>
+              </a:cxn>
+              <a:cxn ang="0">
+                <a:pos x="connsiteX51" y="connsiteY51"/>
+              </a:cxn>
+              <a:cxn ang="0">
+                <a:pos x="connsiteX52" y="connsiteY52"/>
+              </a:cxn>
+            </a:cxnLst>
+            <a:rect l="l" t="t" r="r" b="b"/>
+            <a:pathLst>
+              <a:path w="12192000" h="2802467">
+                <a:moveTo>
+                  <a:pt x="1" y="0"/>
+                </a:moveTo>
+                <a:lnTo>
+                  <a:pt x="71932" y="12261"/>
+                </a:lnTo>
+                <a:lnTo>
+                  <a:pt x="282848" y="48342"/>
+                </a:lnTo>
+                <a:lnTo>
+                  <a:pt x="436464" y="73565"/>
+                </a:lnTo>
+                <a:lnTo>
+                  <a:pt x="619339" y="100188"/>
+                </a:lnTo>
+                <a:lnTo>
+                  <a:pt x="836351" y="132066"/>
+                </a:lnTo>
+                <a:lnTo>
+                  <a:pt x="1076528" y="165696"/>
+                </a:lnTo>
+                <a:lnTo>
+                  <a:pt x="1347183" y="201077"/>
+                </a:lnTo>
+                <a:lnTo>
+                  <a:pt x="1642223" y="238560"/>
+                </a:lnTo>
+                <a:lnTo>
+                  <a:pt x="1962864" y="276043"/>
+                </a:lnTo>
+                <a:lnTo>
+                  <a:pt x="2304232" y="314226"/>
+                </a:lnTo>
+                <a:lnTo>
+                  <a:pt x="2672421" y="349608"/>
+                </a:lnTo>
+                <a:lnTo>
+                  <a:pt x="3057678" y="383587"/>
+                </a:lnTo>
+                <a:lnTo>
+                  <a:pt x="3464881" y="414415"/>
+                </a:lnTo>
+                <a:lnTo>
+                  <a:pt x="3889152" y="443840"/>
+                </a:lnTo>
+                <a:lnTo>
+                  <a:pt x="4331710" y="471515"/>
+                </a:lnTo>
+                <a:lnTo>
+                  <a:pt x="4558476" y="481323"/>
+                </a:lnTo>
+                <a:lnTo>
+                  <a:pt x="4790118" y="492183"/>
+                </a:lnTo>
+                <a:lnTo>
+                  <a:pt x="5025418" y="502342"/>
+                </a:lnTo>
+                <a:lnTo>
+                  <a:pt x="5261937" y="508998"/>
+                </a:lnTo>
+                <a:lnTo>
+                  <a:pt x="5503332" y="514953"/>
+                </a:lnTo>
+                <a:lnTo>
+                  <a:pt x="5747166" y="521259"/>
+                </a:lnTo>
+                <a:lnTo>
+                  <a:pt x="5995877" y="525462"/>
+                </a:lnTo>
+                <a:lnTo>
+                  <a:pt x="6247026" y="525462"/>
+                </a:lnTo>
+                <a:lnTo>
+                  <a:pt x="6500613" y="527564"/>
+                </a:lnTo>
+                <a:lnTo>
+                  <a:pt x="6756639" y="525462"/>
+                </a:lnTo>
+                <a:lnTo>
+                  <a:pt x="7016322" y="521259"/>
+                </a:lnTo>
+                <a:lnTo>
+                  <a:pt x="7276005" y="517405"/>
+                </a:lnTo>
+                <a:lnTo>
+                  <a:pt x="7539345" y="508998"/>
+                </a:lnTo>
+                <a:lnTo>
+                  <a:pt x="7805124" y="500240"/>
+                </a:lnTo>
+                <a:lnTo>
+                  <a:pt x="8070903" y="490081"/>
+                </a:lnTo>
+                <a:lnTo>
+                  <a:pt x="8339121" y="475719"/>
+                </a:lnTo>
+                <a:lnTo>
+                  <a:pt x="8609776" y="458553"/>
+                </a:lnTo>
+                <a:lnTo>
+                  <a:pt x="8881651" y="442089"/>
+                </a:lnTo>
+                <a:lnTo>
+                  <a:pt x="9153526" y="421070"/>
+                </a:lnTo>
+                <a:lnTo>
+                  <a:pt x="9429058" y="395848"/>
+                </a:lnTo>
+                <a:lnTo>
+                  <a:pt x="9700933" y="370626"/>
+                </a:lnTo>
+                <a:lnTo>
+                  <a:pt x="9977684" y="341550"/>
+                </a:lnTo>
+                <a:lnTo>
+                  <a:pt x="10255655" y="309672"/>
+                </a:lnTo>
+                <a:lnTo>
+                  <a:pt x="10529968" y="276043"/>
+                </a:lnTo>
+                <a:lnTo>
+                  <a:pt x="10807939" y="236808"/>
+                </a:lnTo>
+                <a:lnTo>
+                  <a:pt x="11084690" y="194771"/>
+                </a:lnTo>
+                <a:lnTo>
+                  <a:pt x="11362661" y="153085"/>
+                </a:lnTo>
+                <a:lnTo>
+                  <a:pt x="11639412" y="104392"/>
+                </a:lnTo>
+                <a:lnTo>
+                  <a:pt x="11914945" y="54648"/>
+                </a:lnTo>
+                <a:lnTo>
+                  <a:pt x="12191696" y="2452"/>
+                </a:lnTo>
+                <a:lnTo>
+                  <a:pt x="12191696" y="2236410"/>
+                </a:lnTo>
+                <a:lnTo>
+                  <a:pt x="12192000" y="2236410"/>
+                </a:lnTo>
+                <a:lnTo>
+                  <a:pt x="12192000" y="2802467"/>
+                </a:lnTo>
+                <a:lnTo>
+                  <a:pt x="12191696" y="2802467"/>
+                </a:lnTo>
+                <a:lnTo>
+                  <a:pt x="0" y="2802467"/>
+                </a:lnTo>
+                <a:lnTo>
+                  <a:pt x="0" y="2236410"/>
+                </a:lnTo>
+                <a:lnTo>
+                  <a:pt x="1" y="2236410"/>
+                </a:lnTo>
+                <a:close/>
+              </a:path>
+            </a:pathLst>
+          </a:custGeom>
+          <a:solidFill>
+            <a:schemeClr val="tx2"/>
+          </a:solidFill>
+          <a:ln>
+            <a:noFill/>
+          </a:ln>
+        </p:spPr>
+        <p:style>
+          <a:lnRef idx="2">
+            <a:schemeClr val="accent1">
+              <a:shade val="50000"/>
+            </a:schemeClr>
+          </a:lnRef>
+          <a:fillRef idx="1003">
+            <a:schemeClr val="dk2"/>
+          </a:fillRef>
+          <a:effectRef idx="0">
+            <a:schemeClr val="accent1"/>
+          </a:effectRef>
+          <a:fontRef idx="minor">
+            <a:schemeClr val="lt1"/>
+          </a:fontRef>
+        </p:style>
+        <p:txBody>
+          <a:bodyPr rtlCol="0" anchor="ctr"/>
+          <a:lstStyle/>
+          <a:p>
+            <a:pPr algn="ctr"/>
+            <a:endParaRPr lang="en-US"/>
+          </a:p>
+        </p:txBody>
+      </p:sp>
+      <p:sp>
+        <p:nvSpPr>
+          <p:cNvPr id="2" name="Titel 1">
+            <a:extLst>
+              <a:ext uri="{FF2B5EF4-FFF2-40B4-BE49-F238E27FC236}">
+                <a16:creationId xmlns:a16="http://schemas.microsoft.com/office/drawing/2014/main" id="{7389C3CF-2B13-449B-9DC5-21E02C83B8B0}"/>
+              </a:ext>
+            </a:extLst>
+          </p:cNvPr>
+          <p:cNvSpPr>
+            <a:spLocks noGrp="1"/>
+          </p:cNvSpPr>
+          <p:nvPr>
+            <p:ph type="title"/>
+          </p:nvPr>
+        </p:nvSpPr>
+        <p:spPr>
+          <a:xfrm>
+            <a:off x="965505" y="623571"/>
+            <a:ext cx="10260990" cy="3523885"/>
+          </a:xfrm>
+        </p:spPr>
+        <p:txBody>
+          <a:bodyPr vert="horz" lIns="91440" tIns="45720" rIns="91440" bIns="45720" rtlCol="0" anchor="b">
+            <a:normAutofit/>
+          </a:bodyPr>
+          <a:lstStyle/>
+          <a:p>
+            <a:pPr algn="ctr"/>
+            <a:r>
+              <a:rPr lang="en-US" sz="8000" b="0" i="0" kern="1200" dirty="0" err="1">
+                <a:solidFill>
+                  <a:schemeClr val="tx2"/>
+                </a:solidFill>
+                <a:latin typeface="+mj-lt"/>
+                <a:ea typeface="+mj-ea"/>
+                <a:cs typeface="+mj-cs"/>
+              </a:rPr>
+              <a:t>Vielen</a:t>
+            </a:r>
+            <a:r>
+              <a:rPr lang="en-US" sz="8000" b="0" i="0" kern="1200" dirty="0">
+                <a:solidFill>
+                  <a:schemeClr val="tx2"/>
+                </a:solidFill>
+                <a:latin typeface="+mj-lt"/>
+                <a:ea typeface="+mj-ea"/>
+                <a:cs typeface="+mj-cs"/>
+              </a:rPr>
+              <a:t> Dank </a:t>
+            </a:r>
+            <a:r>
+              <a:rPr lang="en-US" sz="8000" b="0" i="0" kern="1200" dirty="0" err="1">
+                <a:solidFill>
+                  <a:schemeClr val="tx2"/>
+                </a:solidFill>
+                <a:latin typeface="+mj-lt"/>
+                <a:ea typeface="+mj-ea"/>
+                <a:cs typeface="+mj-cs"/>
+              </a:rPr>
+              <a:t>für</a:t>
+            </a:r>
+            <a:r>
+              <a:rPr lang="en-US" sz="8000" b="0" i="0" kern="1200" dirty="0">
+                <a:solidFill>
+                  <a:schemeClr val="tx2"/>
+                </a:solidFill>
+                <a:latin typeface="+mj-lt"/>
+                <a:ea typeface="+mj-ea"/>
+                <a:cs typeface="+mj-cs"/>
+              </a:rPr>
+              <a:t> </a:t>
+            </a:r>
+            <a:r>
+              <a:rPr lang="en-US" sz="8000" b="0" i="0" kern="1200" dirty="0" err="1">
+                <a:solidFill>
+                  <a:schemeClr val="tx2"/>
+                </a:solidFill>
+                <a:latin typeface="+mj-lt"/>
+                <a:ea typeface="+mj-ea"/>
+                <a:cs typeface="+mj-cs"/>
+              </a:rPr>
+              <a:t>Ihre</a:t>
+            </a:r>
+            <a:r>
+              <a:rPr lang="en-US" sz="8000" b="0" i="0" kern="1200" dirty="0">
+                <a:solidFill>
+                  <a:schemeClr val="tx2"/>
+                </a:solidFill>
+                <a:latin typeface="+mj-lt"/>
+                <a:ea typeface="+mj-ea"/>
+                <a:cs typeface="+mj-cs"/>
+              </a:rPr>
+              <a:t> </a:t>
+            </a:r>
+            <a:r>
+              <a:rPr lang="en-US" sz="8000" b="0" i="0" kern="1200" dirty="0" err="1">
+                <a:solidFill>
+                  <a:schemeClr val="tx2"/>
+                </a:solidFill>
+                <a:latin typeface="+mj-lt"/>
+                <a:ea typeface="+mj-ea"/>
+                <a:cs typeface="+mj-cs"/>
+              </a:rPr>
+              <a:t>Aufmerksamkeit</a:t>
+            </a:r>
+            <a:endParaRPr lang="en-US" sz="8000" b="0" i="0" kern="1200" dirty="0">
+              <a:solidFill>
+                <a:schemeClr val="tx2"/>
+              </a:solidFill>
+              <a:latin typeface="+mj-lt"/>
+              <a:ea typeface="+mj-ea"/>
+              <a:cs typeface="+mj-cs"/>
+            </a:endParaRPr>
+          </a:p>
+        </p:txBody>
+      </p:sp>
+    </p:spTree>
+    <p:extLst>
+      <p:ext uri="{BB962C8B-B14F-4D97-AF65-F5344CB8AC3E}">
+        <p14:creationId xmlns:p14="http://schemas.microsoft.com/office/powerpoint/2010/main" val="3212191183"/>
+      </p:ext>
+    </p:extLst>
+  </p:cSld>
+  <p:clrMapOvr>
+    <a:masterClrMapping/>
+  </p:clrMapOvr>
+</p:sld>
+</file>
+
 <file path=ppt/slides/slide2.xml><?xml version="1.0" encoding="utf-8"?>
 <p:sld xmlns:a="http://schemas.openxmlformats.org/drawingml/2006/main" xmlns:r="http://schemas.openxmlformats.org/officeDocument/2006/relationships" xmlns:p="http://schemas.openxmlformats.org/presentationml/2006/main">
   <p:cSld>
@@ -6119,7 +10200,10 @@
           <a:bodyPr/>
           <a:lstStyle/>
           <a:p>
-            <a:endParaRPr lang="de-DE"/>
+            <a:r>
+              <a:rPr lang="de-DE" dirty="0"/>
+              <a:t>Inhaltsverzeichnis</a:t>
+            </a:r>
           </a:p>
         </p:txBody>
       </p:sp>
@@ -6144,7 +10228,67 @@
           <a:bodyPr/>
           <a:lstStyle/>
           <a:p>
-            <a:endParaRPr lang="de-DE"/>
+            <a:r>
+              <a:rPr lang="de-DE" dirty="0"/>
+              <a:t>Backend</a:t>
+            </a:r>
+          </a:p>
+          <a:p>
+            <a:pPr lvl="1"/>
+            <a:r>
+              <a:rPr lang="de-DE" dirty="0"/>
+              <a:t>Architektur</a:t>
+            </a:r>
+          </a:p>
+          <a:p>
+            <a:pPr lvl="1"/>
+            <a:r>
+              <a:rPr lang="de-DE" dirty="0"/>
+              <a:t>Strukturierung</a:t>
+            </a:r>
+          </a:p>
+          <a:p>
+            <a:pPr lvl="1"/>
+            <a:r>
+              <a:rPr lang="de-DE" dirty="0"/>
+              <a:t>Probleme</a:t>
+            </a:r>
+          </a:p>
+          <a:p>
+            <a:r>
+              <a:rPr lang="de-DE" dirty="0"/>
+              <a:t>Frontend</a:t>
+            </a:r>
+          </a:p>
+          <a:p>
+            <a:pPr lvl="1"/>
+            <a:r>
+              <a:rPr lang="de-DE" dirty="0"/>
+              <a:t>Architektur</a:t>
+            </a:r>
+          </a:p>
+          <a:p>
+            <a:pPr lvl="1"/>
+            <a:r>
+              <a:rPr lang="de-DE" dirty="0"/>
+              <a:t>Probleme</a:t>
+            </a:r>
+          </a:p>
+          <a:p>
+            <a:r>
+              <a:rPr lang="de-DE" dirty="0"/>
+              <a:t>Umsetzung</a:t>
+            </a:r>
+          </a:p>
+          <a:p>
+            <a:r>
+              <a:rPr lang="de-DE" dirty="0" err="1"/>
+              <a:t>Resilience</a:t>
+            </a:r>
+            <a:r>
+              <a:rPr lang="de-DE" dirty="0"/>
+              <a:t>-Pattern</a:t>
+            </a:r>
           </a:p>
         </p:txBody>
       </p:sp>
@@ -6152,6 +10296,3078 @@
     <p:extLst>
       <p:ext uri="{BB962C8B-B14F-4D97-AF65-F5344CB8AC3E}">
         <p14:creationId xmlns:p14="http://schemas.microsoft.com/office/powerpoint/2010/main" val="3282842273"/>
+      </p:ext>
+    </p:extLst>
+  </p:cSld>
+  <p:clrMapOvr>
+    <a:masterClrMapping/>
+  </p:clrMapOvr>
+</p:sld>
+</file>
+
+<file path=ppt/slides/slide3.xml><?xml version="1.0" encoding="utf-8"?>
+<p:sld xmlns:a="http://schemas.openxmlformats.org/drawingml/2006/main" xmlns:r="http://schemas.openxmlformats.org/officeDocument/2006/relationships" xmlns:p="http://schemas.openxmlformats.org/presentationml/2006/main">
+  <p:cSld>
+    <p:bg>
+      <p:bgPr>
+        <a:blipFill rotWithShape="1">
+          <a:blip r:embed="rId2">
+            <a:duotone>
+              <a:schemeClr val="bg2">
+                <a:shade val="69000"/>
+                <a:hueMod val="108000"/>
+                <a:satMod val="164000"/>
+                <a:lumMod val="74000"/>
+              </a:schemeClr>
+              <a:schemeClr val="bg2">
+                <a:tint val="96000"/>
+                <a:hueMod val="88000"/>
+                <a:satMod val="140000"/>
+                <a:lumMod val="132000"/>
+              </a:schemeClr>
+            </a:duotone>
+          </a:blip>
+          <a:stretch/>
+        </a:blipFill>
+        <a:effectLst/>
+      </p:bgPr>
+    </p:bg>
+    <p:spTree>
+      <p:nvGrpSpPr>
+        <p:cNvPr id="1" name=""/>
+        <p:cNvGrpSpPr/>
+        <p:nvPr/>
+      </p:nvGrpSpPr>
+      <p:grpSpPr>
+        <a:xfrm>
+          <a:off x="0" y="0"/>
+          <a:ext cx="0" cy="0"/>
+          <a:chOff x="0" y="0"/>
+          <a:chExt cx="0" cy="0"/>
+        </a:xfrm>
+      </p:grpSpPr>
+      <p:pic>
+        <p:nvPicPr>
+          <p:cNvPr id="8" name="Picture 7">
+            <a:extLst>
+              <a:ext uri="{FF2B5EF4-FFF2-40B4-BE49-F238E27FC236}">
+                <a16:creationId xmlns:a16="http://schemas.microsoft.com/office/drawing/2014/main" id="{91B28F63-CF00-448F-B141-FE33C33B1891}"/>
+              </a:ext>
+              <a:ext uri="{C183D7F6-B498-43B3-948B-1728B52AA6E4}">
+                <adec:decorative xmlns:adec="http://schemas.microsoft.com/office/drawing/2017/decorative" val="1"/>
+              </a:ext>
+            </a:extLst>
+          </p:cNvPr>
+          <p:cNvPicPr>
+            <a:picLocks noGrp="1" noRot="1" noChangeAspect="1" noMove="1" noResize="1" noEditPoints="1" noAdjustHandles="1" noChangeArrowheads="1" noChangeShapeType="1" noCrop="1"/>
+          </p:cNvPicPr>
+          <p:nvPr>
+            <p:extLst>
+              <p:ext uri="{386F3935-93C4-4BCD-93E2-E3B085C9AB24}">
+                <p16:designElem xmlns:p16="http://schemas.microsoft.com/office/powerpoint/2015/main" val="1"/>
+              </p:ext>
+            </p:extLst>
+          </p:nvPr>
+        </p:nvPicPr>
+        <p:blipFill rotWithShape="1">
+          <a:blip r:embed="rId3">
+            <a:extLst>
+              <a:ext uri="{28A0092B-C50C-407E-A947-70E740481C1C}">
+                <a14:useLocalDpi xmlns:a14="http://schemas.microsoft.com/office/drawing/2010/main" val="0"/>
+              </a:ext>
+            </a:extLst>
+          </a:blip>
+          <a:srcRect l="3613"/>
+          <a:stretch/>
+        </p:blipFill>
+        <p:spPr>
+          <a:xfrm>
+            <a:off x="0" y="2669685"/>
+            <a:ext cx="4037012" cy="4188315"/>
+          </a:xfrm>
+          <a:prstGeom prst="rect">
+            <a:avLst/>
+          </a:prstGeom>
+        </p:spPr>
+      </p:pic>
+      <p:pic>
+        <p:nvPicPr>
+          <p:cNvPr id="10" name="Picture 9">
+            <a:extLst>
+              <a:ext uri="{FF2B5EF4-FFF2-40B4-BE49-F238E27FC236}">
+                <a16:creationId xmlns:a16="http://schemas.microsoft.com/office/drawing/2014/main" id="{2AE609E2-8522-44E4-9077-980E5BCF3E14}"/>
+              </a:ext>
+              <a:ext uri="{C183D7F6-B498-43B3-948B-1728B52AA6E4}">
+                <adec:decorative xmlns:adec="http://schemas.microsoft.com/office/drawing/2017/decorative" val="1"/>
+              </a:ext>
+            </a:extLst>
+          </p:cNvPr>
+          <p:cNvPicPr>
+            <a:picLocks noGrp="1" noRot="1" noChangeAspect="1" noMove="1" noResize="1" noEditPoints="1" noAdjustHandles="1" noChangeArrowheads="1" noChangeShapeType="1" noCrop="1"/>
+          </p:cNvPicPr>
+          <p:nvPr>
+            <p:extLst>
+              <p:ext uri="{386F3935-93C4-4BCD-93E2-E3B085C9AB24}">
+                <p16:designElem xmlns:p16="http://schemas.microsoft.com/office/powerpoint/2015/main" val="1"/>
+              </p:ext>
+            </p:extLst>
+          </p:nvPr>
+        </p:nvPicPr>
+        <p:blipFill rotWithShape="1">
+          <a:blip r:embed="rId4">
+            <a:extLst>
+              <a:ext uri="{28A0092B-C50C-407E-A947-70E740481C1C}">
+                <a14:useLocalDpi xmlns:a14="http://schemas.microsoft.com/office/drawing/2010/main" val="0"/>
+              </a:ext>
+            </a:extLst>
+          </a:blip>
+          <a:srcRect l="35640"/>
+          <a:stretch/>
+        </p:blipFill>
+        <p:spPr>
+          <a:xfrm>
+            <a:off x="0" y="2892347"/>
+            <a:ext cx="1522412" cy="2365453"/>
+          </a:xfrm>
+          <a:prstGeom prst="rect">
+            <a:avLst/>
+          </a:prstGeom>
+        </p:spPr>
+      </p:pic>
+      <p:sp>
+        <p:nvSpPr>
+          <p:cNvPr id="12" name="Oval 11">
+            <a:extLst>
+              <a:ext uri="{FF2B5EF4-FFF2-40B4-BE49-F238E27FC236}">
+                <a16:creationId xmlns:a16="http://schemas.microsoft.com/office/drawing/2014/main" id="{4FA533C5-33E3-4611-AF9F-72811D8B26A6}"/>
+              </a:ext>
+              <a:ext uri="{C183D7F6-B498-43B3-948B-1728B52AA6E4}">
+                <adec:decorative xmlns:adec="http://schemas.microsoft.com/office/drawing/2017/decorative" val="1"/>
+              </a:ext>
+            </a:extLst>
+          </p:cNvPr>
+          <p:cNvSpPr>
+            <a:spLocks noGrp="1" noRot="1" noChangeAspect="1" noMove="1" noResize="1" noEditPoints="1" noAdjustHandles="1" noChangeArrowheads="1" noChangeShapeType="1" noTextEdit="1"/>
+          </p:cNvSpPr>
+          <p:nvPr>
+            <p:extLst>
+              <p:ext uri="{386F3935-93C4-4BCD-93E2-E3B085C9AB24}">
+                <p16:designElem xmlns:p16="http://schemas.microsoft.com/office/powerpoint/2015/main" val="1"/>
+              </p:ext>
+            </p:extLst>
+          </p:nvPr>
+        </p:nvSpPr>
+        <p:spPr>
+          <a:xfrm>
+            <a:off x="8609012" y="1676400"/>
+            <a:ext cx="2819400" cy="2819400"/>
+          </a:xfrm>
+          <a:prstGeom prst="ellipse">
+            <a:avLst/>
+          </a:prstGeom>
+          <a:gradFill flip="none" rotWithShape="1">
+            <a:gsLst>
+              <a:gs pos="0">
+                <a:schemeClr val="bg2">
+                  <a:lumMod val="60000"/>
+                  <a:lumOff val="40000"/>
+                  <a:alpha val="7000"/>
+                </a:schemeClr>
+              </a:gs>
+              <a:gs pos="69000">
+                <a:schemeClr val="bg2">
+                  <a:lumMod val="60000"/>
+                  <a:lumOff val="40000"/>
+                  <a:alpha val="0"/>
+                </a:schemeClr>
+              </a:gs>
+              <a:gs pos="36000">
+                <a:schemeClr val="bg2">
+                  <a:lumMod val="60000"/>
+                  <a:lumOff val="40000"/>
+                  <a:alpha val="6000"/>
+                </a:schemeClr>
+              </a:gs>
+            </a:gsLst>
+            <a:path path="circle">
+              <a:fillToRect l="50000" t="50000" r="50000" b="50000"/>
+            </a:path>
+            <a:tileRect/>
+          </a:gradFill>
+          <a:ln>
+            <a:noFill/>
+          </a:ln>
+          <a:effectLst/>
+        </p:spPr>
+        <p:style>
+          <a:lnRef idx="1">
+            <a:schemeClr val="accent1"/>
+          </a:lnRef>
+          <a:fillRef idx="3">
+            <a:schemeClr val="accent1"/>
+          </a:fillRef>
+          <a:effectRef idx="2">
+            <a:schemeClr val="accent1"/>
+          </a:effectRef>
+          <a:fontRef idx="minor">
+            <a:schemeClr val="lt1"/>
+          </a:fontRef>
+        </p:style>
+      </p:sp>
+      <p:pic>
+        <p:nvPicPr>
+          <p:cNvPr id="14" name="Picture 13">
+            <a:extLst>
+              <a:ext uri="{FF2B5EF4-FFF2-40B4-BE49-F238E27FC236}">
+                <a16:creationId xmlns:a16="http://schemas.microsoft.com/office/drawing/2014/main" id="{8949AD42-25FD-4C3D-9EEE-B7FEC5809988}"/>
+              </a:ext>
+              <a:ext uri="{C183D7F6-B498-43B3-948B-1728B52AA6E4}">
+                <adec:decorative xmlns:adec="http://schemas.microsoft.com/office/drawing/2017/decorative" val="1"/>
+              </a:ext>
+            </a:extLst>
+          </p:cNvPr>
+          <p:cNvPicPr>
+            <a:picLocks noGrp="1" noRot="1" noChangeAspect="1" noMove="1" noResize="1" noEditPoints="1" noAdjustHandles="1" noChangeArrowheads="1" noChangeShapeType="1" noCrop="1"/>
+          </p:cNvPicPr>
+          <p:nvPr>
+            <p:extLst>
+              <p:ext uri="{386F3935-93C4-4BCD-93E2-E3B085C9AB24}">
+                <p16:designElem xmlns:p16="http://schemas.microsoft.com/office/powerpoint/2015/main" val="1"/>
+              </p:ext>
+            </p:extLst>
+          </p:nvPr>
+        </p:nvPicPr>
+        <p:blipFill rotWithShape="1">
+          <a:blip r:embed="rId5">
+            <a:extLst>
+              <a:ext uri="{28A0092B-C50C-407E-A947-70E740481C1C}">
+                <a14:useLocalDpi xmlns:a14="http://schemas.microsoft.com/office/drawing/2010/main" val="0"/>
+              </a:ext>
+            </a:extLst>
+          </a:blip>
+          <a:srcRect t="28813"/>
+          <a:stretch/>
+        </p:blipFill>
+        <p:spPr>
+          <a:xfrm>
+            <a:off x="7999412" y="0"/>
+            <a:ext cx="1603387" cy="1141407"/>
+          </a:xfrm>
+          <a:prstGeom prst="rect">
+            <a:avLst/>
+          </a:prstGeom>
+        </p:spPr>
+      </p:pic>
+      <p:pic>
+        <p:nvPicPr>
+          <p:cNvPr id="16" name="Picture 15">
+            <a:extLst>
+              <a:ext uri="{FF2B5EF4-FFF2-40B4-BE49-F238E27FC236}">
+                <a16:creationId xmlns:a16="http://schemas.microsoft.com/office/drawing/2014/main" id="{6AC7D913-60B7-4603-881B-831DA5D3A940}"/>
+              </a:ext>
+              <a:ext uri="{C183D7F6-B498-43B3-948B-1728B52AA6E4}">
+                <adec:decorative xmlns:adec="http://schemas.microsoft.com/office/drawing/2017/decorative" val="1"/>
+              </a:ext>
+            </a:extLst>
+          </p:cNvPr>
+          <p:cNvPicPr>
+            <a:picLocks noGrp="1" noRot="1" noChangeAspect="1" noMove="1" noResize="1" noEditPoints="1" noAdjustHandles="1" noChangeArrowheads="1" noChangeShapeType="1" noCrop="1"/>
+          </p:cNvPicPr>
+          <p:nvPr>
+            <p:extLst>
+              <p:ext uri="{386F3935-93C4-4BCD-93E2-E3B085C9AB24}">
+                <p16:designElem xmlns:p16="http://schemas.microsoft.com/office/powerpoint/2015/main" val="1"/>
+              </p:ext>
+            </p:extLst>
+          </p:nvPr>
+        </p:nvPicPr>
+        <p:blipFill rotWithShape="1">
+          <a:blip r:embed="rId6">
+            <a:extLst>
+              <a:ext uri="{28A0092B-C50C-407E-A947-70E740481C1C}">
+                <a14:useLocalDpi xmlns:a14="http://schemas.microsoft.com/office/drawing/2010/main" val="0"/>
+              </a:ext>
+            </a:extLst>
+          </a:blip>
+          <a:srcRect b="23320"/>
+          <a:stretch/>
+        </p:blipFill>
+        <p:spPr>
+          <a:xfrm>
+            <a:off x="8605878" y="6096000"/>
+            <a:ext cx="993734" cy="762000"/>
+          </a:xfrm>
+          <a:prstGeom prst="rect">
+            <a:avLst/>
+          </a:prstGeom>
+        </p:spPr>
+      </p:pic>
+      <p:sp>
+        <p:nvSpPr>
+          <p:cNvPr id="18" name="Rectangle 17">
+            <a:extLst>
+              <a:ext uri="{FF2B5EF4-FFF2-40B4-BE49-F238E27FC236}">
+                <a16:creationId xmlns:a16="http://schemas.microsoft.com/office/drawing/2014/main" id="{87F0FDC4-AD8C-47D9-9131-623C98ADB0AE}"/>
+              </a:ext>
+              <a:ext uri="{C183D7F6-B498-43B3-948B-1728B52AA6E4}">
+                <adec:decorative xmlns:adec="http://schemas.microsoft.com/office/drawing/2017/decorative" val="1"/>
+              </a:ext>
+            </a:extLst>
+          </p:cNvPr>
+          <p:cNvSpPr>
+            <a:spLocks noGrp="1" noRot="1" noChangeAspect="1" noMove="1" noResize="1" noEditPoints="1" noAdjustHandles="1" noChangeArrowheads="1" noChangeShapeType="1" noTextEdit="1"/>
+          </p:cNvSpPr>
+          <p:nvPr>
+            <p:extLst>
+              <p:ext uri="{386F3935-93C4-4BCD-93E2-E3B085C9AB24}">
+                <p16:designElem xmlns:p16="http://schemas.microsoft.com/office/powerpoint/2015/main" val="1"/>
+              </p:ext>
+            </p:extLst>
+          </p:nvPr>
+        </p:nvSpPr>
+        <p:spPr>
+          <a:xfrm>
+            <a:off x="10437812" y="0"/>
+            <a:ext cx="685800" cy="1143000"/>
+          </a:xfrm>
+          <a:prstGeom prst="rect">
+            <a:avLst/>
+          </a:prstGeom>
+          <a:solidFill>
+            <a:schemeClr val="accent1"/>
+          </a:solidFill>
+          <a:ln>
+            <a:noFill/>
+          </a:ln>
+        </p:spPr>
+        <p:style>
+          <a:lnRef idx="1">
+            <a:schemeClr val="accent1"/>
+          </a:lnRef>
+          <a:fillRef idx="3">
+            <a:schemeClr val="accent1"/>
+          </a:fillRef>
+          <a:effectRef idx="2">
+            <a:schemeClr val="accent1"/>
+          </a:effectRef>
+          <a:fontRef idx="minor">
+            <a:schemeClr val="lt1"/>
+          </a:fontRef>
+        </p:style>
+      </p:sp>
+      <p:sp useBgFill="1">
+        <p:nvSpPr>
+          <p:cNvPr id="20" name="Rectangle 19">
+            <a:extLst>
+              <a:ext uri="{FF2B5EF4-FFF2-40B4-BE49-F238E27FC236}">
+                <a16:creationId xmlns:a16="http://schemas.microsoft.com/office/drawing/2014/main" id="{C28D0172-F2E0-4763-9C35-F022664959D8}"/>
+              </a:ext>
+              <a:ext uri="{C183D7F6-B498-43B3-948B-1728B52AA6E4}">
+                <adec:decorative xmlns:adec="http://schemas.microsoft.com/office/drawing/2017/decorative" val="1"/>
+              </a:ext>
+            </a:extLst>
+          </p:cNvPr>
+          <p:cNvSpPr>
+            <a:spLocks noGrp="1" noRot="1" noChangeAspect="1" noMove="1" noResize="1" noEditPoints="1" noAdjustHandles="1" noChangeArrowheads="1" noChangeShapeType="1" noTextEdit="1"/>
+          </p:cNvSpPr>
+          <p:nvPr>
+            <p:extLst>
+              <p:ext uri="{386F3935-93C4-4BCD-93E2-E3B085C9AB24}">
+                <p16:designElem xmlns:p16="http://schemas.microsoft.com/office/powerpoint/2015/main" val="1"/>
+              </p:ext>
+            </p:extLst>
+          </p:nvPr>
+        </p:nvSpPr>
+        <p:spPr>
+          <a:xfrm>
+            <a:off x="0" y="-5"/>
+            <a:ext cx="12191695" cy="4730744"/>
+          </a:xfrm>
+          <a:prstGeom prst="rect">
+            <a:avLst/>
+          </a:prstGeom>
+          <a:ln>
+            <a:noFill/>
+          </a:ln>
+        </p:spPr>
+        <p:style>
+          <a:lnRef idx="2">
+            <a:schemeClr val="accent1">
+              <a:shade val="50000"/>
+            </a:schemeClr>
+          </a:lnRef>
+          <a:fillRef idx="1">
+            <a:schemeClr val="accent1"/>
+          </a:fillRef>
+          <a:effectRef idx="0">
+            <a:schemeClr val="accent1"/>
+          </a:effectRef>
+          <a:fontRef idx="minor">
+            <a:schemeClr val="lt1"/>
+          </a:fontRef>
+        </p:style>
+        <p:txBody>
+          <a:bodyPr rtlCol="0" anchor="ctr"/>
+          <a:lstStyle/>
+          <a:p>
+            <a:pPr algn="ctr"/>
+            <a:endParaRPr lang="en-US"/>
+          </a:p>
+        </p:txBody>
+      </p:sp>
+      <p:sp>
+        <p:nvSpPr>
+          <p:cNvPr id="22" name="Freeform 16">
+            <a:extLst>
+              <a:ext uri="{FF2B5EF4-FFF2-40B4-BE49-F238E27FC236}">
+                <a16:creationId xmlns:a16="http://schemas.microsoft.com/office/drawing/2014/main" id="{9F2851FB-E841-4509-8A6D-A416376EA380}"/>
+              </a:ext>
+              <a:ext uri="{C183D7F6-B498-43B3-948B-1728B52AA6E4}">
+                <adec:decorative xmlns:adec="http://schemas.microsoft.com/office/drawing/2017/decorative" val="1"/>
+              </a:ext>
+            </a:extLst>
+          </p:cNvPr>
+          <p:cNvSpPr>
+            <a:spLocks noGrp="1" noRot="1" noChangeAspect="1" noMove="1" noResize="1" noEditPoints="1" noAdjustHandles="1" noChangeArrowheads="1" noChangeShapeType="1" noTextEdit="1"/>
+          </p:cNvSpPr>
+          <p:nvPr>
+            <p:extLst>
+              <p:ext uri="{386F3935-93C4-4BCD-93E2-E3B085C9AB24}">
+                <p16:designElem xmlns:p16="http://schemas.microsoft.com/office/powerpoint/2015/main" val="1"/>
+              </p:ext>
+            </p:extLst>
+          </p:nvPr>
+        </p:nvSpPr>
+        <p:spPr>
+          <a:xfrm>
+            <a:off x="8719939" y="3753695"/>
+            <a:ext cx="3472060" cy="825932"/>
+          </a:xfrm>
+          <a:custGeom>
+            <a:avLst/>
+            <a:gdLst>
+              <a:gd name="connsiteX0" fmla="*/ 3470310 w 3472060"/>
+              <a:gd name="connsiteY0" fmla="*/ 0 h 825932"/>
+              <a:gd name="connsiteX1" fmla="*/ 3472060 w 3472060"/>
+              <a:gd name="connsiteY1" fmla="*/ 12850 h 825932"/>
+              <a:gd name="connsiteX2" fmla="*/ 3472060 w 3472060"/>
+              <a:gd name="connsiteY2" fmla="*/ 480529 h 825932"/>
+              <a:gd name="connsiteX3" fmla="*/ 3363699 w 3472060"/>
+              <a:gd name="connsiteY3" fmla="*/ 498471 h 825932"/>
+              <a:gd name="connsiteX4" fmla="*/ 42060 w 3472060"/>
+              <a:gd name="connsiteY4" fmla="*/ 824486 h 825932"/>
+              <a:gd name="connsiteX5" fmla="*/ 0 w 3472060"/>
+              <a:gd name="connsiteY5" fmla="*/ 758452 h 825932"/>
+              <a:gd name="connsiteX6" fmla="*/ 188014 w 3472060"/>
+              <a:gd name="connsiteY6" fmla="*/ 735602 h 825932"/>
+              <a:gd name="connsiteX7" fmla="*/ 284087 w 3472060"/>
+              <a:gd name="connsiteY7" fmla="*/ 722590 h 825932"/>
+              <a:gd name="connsiteX8" fmla="*/ 382288 w 3472060"/>
+              <a:gd name="connsiteY8" fmla="*/ 709392 h 825932"/>
+              <a:gd name="connsiteX9" fmla="*/ 481858 w 3472060"/>
+              <a:gd name="connsiteY9" fmla="*/ 695774 h 825932"/>
+              <a:gd name="connsiteX10" fmla="*/ 581897 w 3472060"/>
+              <a:gd name="connsiteY10" fmla="*/ 680711 h 825932"/>
+              <a:gd name="connsiteX11" fmla="*/ 683670 w 3472060"/>
+              <a:gd name="connsiteY11" fmla="*/ 665256 h 825932"/>
+              <a:gd name="connsiteX12" fmla="*/ 787206 w 3472060"/>
+              <a:gd name="connsiteY12" fmla="*/ 649587 h 825932"/>
+              <a:gd name="connsiteX13" fmla="*/ 892019 w 3472060"/>
+              <a:gd name="connsiteY13" fmla="*/ 632968 h 825932"/>
+              <a:gd name="connsiteX14" fmla="*/ 997620 w 3472060"/>
+              <a:gd name="connsiteY14" fmla="*/ 614667 h 825932"/>
+              <a:gd name="connsiteX15" fmla="*/ 1104727 w 3472060"/>
+              <a:gd name="connsiteY15" fmla="*/ 596741 h 825932"/>
+              <a:gd name="connsiteX16" fmla="*/ 1212669 w 3472060"/>
+              <a:gd name="connsiteY16" fmla="*/ 577397 h 825932"/>
+              <a:gd name="connsiteX17" fmla="*/ 1321506 w 3472060"/>
+              <a:gd name="connsiteY17" fmla="*/ 556988 h 825932"/>
+              <a:gd name="connsiteX18" fmla="*/ 1430709 w 3472060"/>
+              <a:gd name="connsiteY18" fmla="*/ 536607 h 825932"/>
+              <a:gd name="connsiteX19" fmla="*/ 1541050 w 3472060"/>
+              <a:gd name="connsiteY19" fmla="*/ 514481 h 825932"/>
+              <a:gd name="connsiteX20" fmla="*/ 1652805 w 3472060"/>
+              <a:gd name="connsiteY20" fmla="*/ 492202 h 825932"/>
+              <a:gd name="connsiteX21" fmla="*/ 1763708 w 3472060"/>
+              <a:gd name="connsiteY21" fmla="*/ 469161 h 825932"/>
+              <a:gd name="connsiteX22" fmla="*/ 1875795 w 3472060"/>
+              <a:gd name="connsiteY22" fmla="*/ 444641 h 825932"/>
+              <a:gd name="connsiteX23" fmla="*/ 1989128 w 3472060"/>
+              <a:gd name="connsiteY23" fmla="*/ 418995 h 825932"/>
+              <a:gd name="connsiteX24" fmla="*/ 2102476 w 3472060"/>
+              <a:gd name="connsiteY24" fmla="*/ 393438 h 825932"/>
+              <a:gd name="connsiteX25" fmla="*/ 2215549 w 3472060"/>
+              <a:gd name="connsiteY25" fmla="*/ 366291 h 825932"/>
+              <a:gd name="connsiteX26" fmla="*/ 2330490 w 3472060"/>
+              <a:gd name="connsiteY26" fmla="*/ 337455 h 825932"/>
+              <a:gd name="connsiteX27" fmla="*/ 2443333 w 3472060"/>
+              <a:gd name="connsiteY27" fmla="*/ 308983 h 825932"/>
+              <a:gd name="connsiteX28" fmla="*/ 2558014 w 3472060"/>
+              <a:gd name="connsiteY28" fmla="*/ 278646 h 825932"/>
+              <a:gd name="connsiteX29" fmla="*/ 2673621 w 3472060"/>
+              <a:gd name="connsiteY29" fmla="*/ 247421 h 825932"/>
+              <a:gd name="connsiteX30" fmla="*/ 2787008 w 3472060"/>
+              <a:gd name="connsiteY30" fmla="*/ 215853 h 825932"/>
+              <a:gd name="connsiteX31" fmla="*/ 2901442 w 3472060"/>
+              <a:gd name="connsiteY31" fmla="*/ 182011 h 825932"/>
+              <a:gd name="connsiteX32" fmla="*/ 3015722 w 3472060"/>
+              <a:gd name="connsiteY32" fmla="*/ 147286 h 825932"/>
+              <a:gd name="connsiteX33" fmla="*/ 3130018 w 3472060"/>
+              <a:gd name="connsiteY33" fmla="*/ 112649 h 825932"/>
+              <a:gd name="connsiteX34" fmla="*/ 3243551 w 3472060"/>
+              <a:gd name="connsiteY34" fmla="*/ 75688 h 825932"/>
+              <a:gd name="connsiteX35" fmla="*/ 3356992 w 3472060"/>
+              <a:gd name="connsiteY35" fmla="*/ 38197 h 825932"/>
+              <a:gd name="connsiteX36" fmla="*/ 3470310 w 3472060"/>
+              <a:gd name="connsiteY36" fmla="*/ 0 h 825932"/>
+            </a:gdLst>
+            <a:ahLst/>
+            <a:cxnLst>
+              <a:cxn ang="0">
+                <a:pos x="connsiteX0" y="connsiteY0"/>
+              </a:cxn>
+              <a:cxn ang="0">
+                <a:pos x="connsiteX1" y="connsiteY1"/>
+              </a:cxn>
+              <a:cxn ang="0">
+                <a:pos x="connsiteX2" y="connsiteY2"/>
+              </a:cxn>
+              <a:cxn ang="0">
+                <a:pos x="connsiteX3" y="connsiteY3"/>
+              </a:cxn>
+              <a:cxn ang="0">
+                <a:pos x="connsiteX4" y="connsiteY4"/>
+              </a:cxn>
+              <a:cxn ang="0">
+                <a:pos x="connsiteX5" y="connsiteY5"/>
+              </a:cxn>
+              <a:cxn ang="0">
+                <a:pos x="connsiteX6" y="connsiteY6"/>
+              </a:cxn>
+              <a:cxn ang="0">
+                <a:pos x="connsiteX7" y="connsiteY7"/>
+              </a:cxn>
+              <a:cxn ang="0">
+                <a:pos x="connsiteX8" y="connsiteY8"/>
+              </a:cxn>
+              <a:cxn ang="0">
+                <a:pos x="connsiteX9" y="connsiteY9"/>
+              </a:cxn>
+              <a:cxn ang="0">
+                <a:pos x="connsiteX10" y="connsiteY10"/>
+              </a:cxn>
+              <a:cxn ang="0">
+                <a:pos x="connsiteX11" y="connsiteY11"/>
+              </a:cxn>
+              <a:cxn ang="0">
+                <a:pos x="connsiteX12" y="connsiteY12"/>
+              </a:cxn>
+              <a:cxn ang="0">
+                <a:pos x="connsiteX13" y="connsiteY13"/>
+              </a:cxn>
+              <a:cxn ang="0">
+                <a:pos x="connsiteX14" y="connsiteY14"/>
+              </a:cxn>
+              <a:cxn ang="0">
+                <a:pos x="connsiteX15" y="connsiteY15"/>
+              </a:cxn>
+              <a:cxn ang="0">
+                <a:pos x="connsiteX16" y="connsiteY16"/>
+              </a:cxn>
+              <a:cxn ang="0">
+                <a:pos x="connsiteX17" y="connsiteY17"/>
+              </a:cxn>
+              <a:cxn ang="0">
+                <a:pos x="connsiteX18" y="connsiteY18"/>
+              </a:cxn>
+              <a:cxn ang="0">
+                <a:pos x="connsiteX19" y="connsiteY19"/>
+              </a:cxn>
+              <a:cxn ang="0">
+                <a:pos x="connsiteX20" y="connsiteY20"/>
+              </a:cxn>
+              <a:cxn ang="0">
+                <a:pos x="connsiteX21" y="connsiteY21"/>
+              </a:cxn>
+              <a:cxn ang="0">
+                <a:pos x="connsiteX22" y="connsiteY22"/>
+              </a:cxn>
+              <a:cxn ang="0">
+                <a:pos x="connsiteX23" y="connsiteY23"/>
+              </a:cxn>
+              <a:cxn ang="0">
+                <a:pos x="connsiteX24" y="connsiteY24"/>
+              </a:cxn>
+              <a:cxn ang="0">
+                <a:pos x="connsiteX25" y="connsiteY25"/>
+              </a:cxn>
+              <a:cxn ang="0">
+                <a:pos x="connsiteX26" y="connsiteY26"/>
+              </a:cxn>
+              <a:cxn ang="0">
+                <a:pos x="connsiteX27" y="connsiteY27"/>
+              </a:cxn>
+              <a:cxn ang="0">
+                <a:pos x="connsiteX28" y="connsiteY28"/>
+              </a:cxn>
+              <a:cxn ang="0">
+                <a:pos x="connsiteX29" y="connsiteY29"/>
+              </a:cxn>
+              <a:cxn ang="0">
+                <a:pos x="connsiteX30" y="connsiteY30"/>
+              </a:cxn>
+              <a:cxn ang="0">
+                <a:pos x="connsiteX31" y="connsiteY31"/>
+              </a:cxn>
+              <a:cxn ang="0">
+                <a:pos x="connsiteX32" y="connsiteY32"/>
+              </a:cxn>
+              <a:cxn ang="0">
+                <a:pos x="connsiteX33" y="connsiteY33"/>
+              </a:cxn>
+              <a:cxn ang="0">
+                <a:pos x="connsiteX34" y="connsiteY34"/>
+              </a:cxn>
+              <a:cxn ang="0">
+                <a:pos x="connsiteX35" y="connsiteY35"/>
+              </a:cxn>
+              <a:cxn ang="0">
+                <a:pos x="connsiteX36" y="connsiteY36"/>
+              </a:cxn>
+            </a:cxnLst>
+            <a:rect l="l" t="t" r="r" b="b"/>
+            <a:pathLst>
+              <a:path w="3472060" h="825932">
+                <a:moveTo>
+                  <a:pt x="3470310" y="0"/>
+                </a:moveTo>
+                <a:lnTo>
+                  <a:pt x="3472060" y="12850"/>
+                </a:lnTo>
+                <a:lnTo>
+                  <a:pt x="3472060" y="480529"/>
+                </a:lnTo>
+                <a:lnTo>
+                  <a:pt x="3363699" y="498471"/>
+                </a:lnTo>
+                <a:cubicBezTo>
+                  <a:pt x="2435623" y="645518"/>
+                  <a:pt x="603076" y="844866"/>
+                  <a:pt x="42060" y="824486"/>
+                </a:cubicBezTo>
+                <a:cubicBezTo>
+                  <a:pt x="28151" y="802425"/>
+                  <a:pt x="13909" y="780513"/>
+                  <a:pt x="0" y="758452"/>
+                </a:cubicBezTo>
+                <a:lnTo>
+                  <a:pt x="188014" y="735602"/>
+                </a:lnTo>
+                <a:lnTo>
+                  <a:pt x="284087" y="722590"/>
+                </a:lnTo>
+                <a:lnTo>
+                  <a:pt x="382288" y="709392"/>
+                </a:lnTo>
+                <a:lnTo>
+                  <a:pt x="481858" y="695774"/>
+                </a:lnTo>
+                <a:lnTo>
+                  <a:pt x="581897" y="680711"/>
+                </a:lnTo>
+                <a:lnTo>
+                  <a:pt x="683670" y="665256"/>
+                </a:lnTo>
+                <a:lnTo>
+                  <a:pt x="787206" y="649587"/>
+                </a:lnTo>
+                <a:lnTo>
+                  <a:pt x="892019" y="632968"/>
+                </a:lnTo>
+                <a:lnTo>
+                  <a:pt x="997620" y="614667"/>
+                </a:lnTo>
+                <a:lnTo>
+                  <a:pt x="1104727" y="596741"/>
+                </a:lnTo>
+                <a:lnTo>
+                  <a:pt x="1212669" y="577397"/>
+                </a:lnTo>
+                <a:lnTo>
+                  <a:pt x="1321506" y="556988"/>
+                </a:lnTo>
+                <a:lnTo>
+                  <a:pt x="1430709" y="536607"/>
+                </a:lnTo>
+                <a:lnTo>
+                  <a:pt x="1541050" y="514481"/>
+                </a:lnTo>
+                <a:lnTo>
+                  <a:pt x="1652805" y="492202"/>
+                </a:lnTo>
+                <a:lnTo>
+                  <a:pt x="1763708" y="469161"/>
+                </a:lnTo>
+                <a:lnTo>
+                  <a:pt x="1875795" y="444641"/>
+                </a:lnTo>
+                <a:lnTo>
+                  <a:pt x="1989128" y="418995"/>
+                </a:lnTo>
+                <a:lnTo>
+                  <a:pt x="2102476" y="393438"/>
+                </a:lnTo>
+                <a:lnTo>
+                  <a:pt x="2215549" y="366291"/>
+                </a:lnTo>
+                <a:lnTo>
+                  <a:pt x="2330490" y="337455"/>
+                </a:lnTo>
+                <a:lnTo>
+                  <a:pt x="2443333" y="308983"/>
+                </a:lnTo>
+                <a:lnTo>
+                  <a:pt x="2558014" y="278646"/>
+                </a:lnTo>
+                <a:lnTo>
+                  <a:pt x="2673621" y="247421"/>
+                </a:lnTo>
+                <a:lnTo>
+                  <a:pt x="2787008" y="215853"/>
+                </a:lnTo>
+                <a:lnTo>
+                  <a:pt x="2901442" y="182011"/>
+                </a:lnTo>
+                <a:lnTo>
+                  <a:pt x="3015722" y="147286"/>
+                </a:lnTo>
+                <a:lnTo>
+                  <a:pt x="3130018" y="112649"/>
+                </a:lnTo>
+                <a:lnTo>
+                  <a:pt x="3243551" y="75688"/>
+                </a:lnTo>
+                <a:lnTo>
+                  <a:pt x="3356992" y="38197"/>
+                </a:lnTo>
+                <a:lnTo>
+                  <a:pt x="3470310" y="0"/>
+                </a:lnTo>
+                <a:close/>
+              </a:path>
+            </a:pathLst>
+          </a:custGeom>
+          <a:solidFill>
+            <a:schemeClr val="tx1">
+              <a:alpha val="20000"/>
+            </a:schemeClr>
+          </a:solidFill>
+          <a:ln>
+            <a:noFill/>
+          </a:ln>
+        </p:spPr>
+        <p:txBody>
+          <a:bodyPr rtlCol="0" anchor="ctr"/>
+          <a:lstStyle/>
+          <a:p>
+            <a:pPr algn="ctr"/>
+            <a:endParaRPr lang="en-US">
+              <a:solidFill>
+                <a:schemeClr val="tx1"/>
+              </a:solidFill>
+            </a:endParaRPr>
+          </a:p>
+        </p:txBody>
+      </p:sp>
+      <p:sp>
+        <p:nvSpPr>
+          <p:cNvPr id="24" name="Freeform: Shape 23">
+            <a:extLst>
+              <a:ext uri="{FF2B5EF4-FFF2-40B4-BE49-F238E27FC236}">
+                <a16:creationId xmlns:a16="http://schemas.microsoft.com/office/drawing/2014/main" id="{DF6FB2B2-CE21-407F-B22E-302DADC2C3D3}"/>
+              </a:ext>
+              <a:ext uri="{C183D7F6-B498-43B3-948B-1728B52AA6E4}">
+                <adec:decorative xmlns:adec="http://schemas.microsoft.com/office/drawing/2017/decorative" val="1"/>
+              </a:ext>
+            </a:extLst>
+          </p:cNvPr>
+          <p:cNvSpPr>
+            <a:spLocks noGrp="1" noRot="1" noChangeAspect="1" noMove="1" noResize="1" noEditPoints="1" noAdjustHandles="1" noChangeArrowheads="1" noChangeShapeType="1" noTextEdit="1"/>
+          </p:cNvSpPr>
+          <p:nvPr>
+            <p:extLst>
+              <p:ext uri="{386F3935-93C4-4BCD-93E2-E3B085C9AB24}">
+                <p16:designElem xmlns:p16="http://schemas.microsoft.com/office/powerpoint/2015/main" val="1"/>
+              </p:ext>
+            </p:extLst>
+          </p:nvPr>
+        </p:nvSpPr>
+        <p:spPr>
+          <a:xfrm>
+            <a:off x="0" y="4055533"/>
+            <a:ext cx="12192000" cy="2802467"/>
+          </a:xfrm>
+          <a:custGeom>
+            <a:avLst/>
+            <a:gdLst>
+              <a:gd name="connsiteX0" fmla="*/ 1 w 12192000"/>
+              <a:gd name="connsiteY0" fmla="*/ 0 h 2802467"/>
+              <a:gd name="connsiteX1" fmla="*/ 71932 w 12192000"/>
+              <a:gd name="connsiteY1" fmla="*/ 12261 h 2802467"/>
+              <a:gd name="connsiteX2" fmla="*/ 282848 w 12192000"/>
+              <a:gd name="connsiteY2" fmla="*/ 48342 h 2802467"/>
+              <a:gd name="connsiteX3" fmla="*/ 436464 w 12192000"/>
+              <a:gd name="connsiteY3" fmla="*/ 73565 h 2802467"/>
+              <a:gd name="connsiteX4" fmla="*/ 619339 w 12192000"/>
+              <a:gd name="connsiteY4" fmla="*/ 100188 h 2802467"/>
+              <a:gd name="connsiteX5" fmla="*/ 836351 w 12192000"/>
+              <a:gd name="connsiteY5" fmla="*/ 132066 h 2802467"/>
+              <a:gd name="connsiteX6" fmla="*/ 1076528 w 12192000"/>
+              <a:gd name="connsiteY6" fmla="*/ 165696 h 2802467"/>
+              <a:gd name="connsiteX7" fmla="*/ 1347183 w 12192000"/>
+              <a:gd name="connsiteY7" fmla="*/ 201077 h 2802467"/>
+              <a:gd name="connsiteX8" fmla="*/ 1642223 w 12192000"/>
+              <a:gd name="connsiteY8" fmla="*/ 238560 h 2802467"/>
+              <a:gd name="connsiteX9" fmla="*/ 1962864 w 12192000"/>
+              <a:gd name="connsiteY9" fmla="*/ 276043 h 2802467"/>
+              <a:gd name="connsiteX10" fmla="*/ 2304232 w 12192000"/>
+              <a:gd name="connsiteY10" fmla="*/ 314226 h 2802467"/>
+              <a:gd name="connsiteX11" fmla="*/ 2672421 w 12192000"/>
+              <a:gd name="connsiteY11" fmla="*/ 349608 h 2802467"/>
+              <a:gd name="connsiteX12" fmla="*/ 3057678 w 12192000"/>
+              <a:gd name="connsiteY12" fmla="*/ 383587 h 2802467"/>
+              <a:gd name="connsiteX13" fmla="*/ 3464881 w 12192000"/>
+              <a:gd name="connsiteY13" fmla="*/ 414415 h 2802467"/>
+              <a:gd name="connsiteX14" fmla="*/ 3889152 w 12192000"/>
+              <a:gd name="connsiteY14" fmla="*/ 443840 h 2802467"/>
+              <a:gd name="connsiteX15" fmla="*/ 4331710 w 12192000"/>
+              <a:gd name="connsiteY15" fmla="*/ 471515 h 2802467"/>
+              <a:gd name="connsiteX16" fmla="*/ 4558476 w 12192000"/>
+              <a:gd name="connsiteY16" fmla="*/ 481323 h 2802467"/>
+              <a:gd name="connsiteX17" fmla="*/ 4790118 w 12192000"/>
+              <a:gd name="connsiteY17" fmla="*/ 492183 h 2802467"/>
+              <a:gd name="connsiteX18" fmla="*/ 5025418 w 12192000"/>
+              <a:gd name="connsiteY18" fmla="*/ 502342 h 2802467"/>
+              <a:gd name="connsiteX19" fmla="*/ 5261937 w 12192000"/>
+              <a:gd name="connsiteY19" fmla="*/ 508998 h 2802467"/>
+              <a:gd name="connsiteX20" fmla="*/ 5503332 w 12192000"/>
+              <a:gd name="connsiteY20" fmla="*/ 514953 h 2802467"/>
+              <a:gd name="connsiteX21" fmla="*/ 5747166 w 12192000"/>
+              <a:gd name="connsiteY21" fmla="*/ 521259 h 2802467"/>
+              <a:gd name="connsiteX22" fmla="*/ 5995877 w 12192000"/>
+              <a:gd name="connsiteY22" fmla="*/ 525462 h 2802467"/>
+              <a:gd name="connsiteX23" fmla="*/ 6247026 w 12192000"/>
+              <a:gd name="connsiteY23" fmla="*/ 525462 h 2802467"/>
+              <a:gd name="connsiteX24" fmla="*/ 6500613 w 12192000"/>
+              <a:gd name="connsiteY24" fmla="*/ 527564 h 2802467"/>
+              <a:gd name="connsiteX25" fmla="*/ 6756639 w 12192000"/>
+              <a:gd name="connsiteY25" fmla="*/ 525462 h 2802467"/>
+              <a:gd name="connsiteX26" fmla="*/ 7016322 w 12192000"/>
+              <a:gd name="connsiteY26" fmla="*/ 521259 h 2802467"/>
+              <a:gd name="connsiteX27" fmla="*/ 7276005 w 12192000"/>
+              <a:gd name="connsiteY27" fmla="*/ 517405 h 2802467"/>
+              <a:gd name="connsiteX28" fmla="*/ 7539345 w 12192000"/>
+              <a:gd name="connsiteY28" fmla="*/ 508998 h 2802467"/>
+              <a:gd name="connsiteX29" fmla="*/ 7805124 w 12192000"/>
+              <a:gd name="connsiteY29" fmla="*/ 500240 h 2802467"/>
+              <a:gd name="connsiteX30" fmla="*/ 8070903 w 12192000"/>
+              <a:gd name="connsiteY30" fmla="*/ 490081 h 2802467"/>
+              <a:gd name="connsiteX31" fmla="*/ 8339121 w 12192000"/>
+              <a:gd name="connsiteY31" fmla="*/ 475719 h 2802467"/>
+              <a:gd name="connsiteX32" fmla="*/ 8609776 w 12192000"/>
+              <a:gd name="connsiteY32" fmla="*/ 458553 h 2802467"/>
+              <a:gd name="connsiteX33" fmla="*/ 8881651 w 12192000"/>
+              <a:gd name="connsiteY33" fmla="*/ 442089 h 2802467"/>
+              <a:gd name="connsiteX34" fmla="*/ 9153526 w 12192000"/>
+              <a:gd name="connsiteY34" fmla="*/ 421070 h 2802467"/>
+              <a:gd name="connsiteX35" fmla="*/ 9429058 w 12192000"/>
+              <a:gd name="connsiteY35" fmla="*/ 395848 h 2802467"/>
+              <a:gd name="connsiteX36" fmla="*/ 9700933 w 12192000"/>
+              <a:gd name="connsiteY36" fmla="*/ 370626 h 2802467"/>
+              <a:gd name="connsiteX37" fmla="*/ 9977684 w 12192000"/>
+              <a:gd name="connsiteY37" fmla="*/ 341550 h 2802467"/>
+              <a:gd name="connsiteX38" fmla="*/ 10255655 w 12192000"/>
+              <a:gd name="connsiteY38" fmla="*/ 309672 h 2802467"/>
+              <a:gd name="connsiteX39" fmla="*/ 10529968 w 12192000"/>
+              <a:gd name="connsiteY39" fmla="*/ 276043 h 2802467"/>
+              <a:gd name="connsiteX40" fmla="*/ 10807939 w 12192000"/>
+              <a:gd name="connsiteY40" fmla="*/ 236808 h 2802467"/>
+              <a:gd name="connsiteX41" fmla="*/ 11084690 w 12192000"/>
+              <a:gd name="connsiteY41" fmla="*/ 194771 h 2802467"/>
+              <a:gd name="connsiteX42" fmla="*/ 11362661 w 12192000"/>
+              <a:gd name="connsiteY42" fmla="*/ 153085 h 2802467"/>
+              <a:gd name="connsiteX43" fmla="*/ 11639412 w 12192000"/>
+              <a:gd name="connsiteY43" fmla="*/ 104392 h 2802467"/>
+              <a:gd name="connsiteX44" fmla="*/ 11914945 w 12192000"/>
+              <a:gd name="connsiteY44" fmla="*/ 54648 h 2802467"/>
+              <a:gd name="connsiteX45" fmla="*/ 12191696 w 12192000"/>
+              <a:gd name="connsiteY45" fmla="*/ 2452 h 2802467"/>
+              <a:gd name="connsiteX46" fmla="*/ 12191696 w 12192000"/>
+              <a:gd name="connsiteY46" fmla="*/ 2236410 h 2802467"/>
+              <a:gd name="connsiteX47" fmla="*/ 12192000 w 12192000"/>
+              <a:gd name="connsiteY47" fmla="*/ 2236410 h 2802467"/>
+              <a:gd name="connsiteX48" fmla="*/ 12192000 w 12192000"/>
+              <a:gd name="connsiteY48" fmla="*/ 2802467 h 2802467"/>
+              <a:gd name="connsiteX49" fmla="*/ 12191696 w 12192000"/>
+              <a:gd name="connsiteY49" fmla="*/ 2802467 h 2802467"/>
+              <a:gd name="connsiteX50" fmla="*/ 0 w 12192000"/>
+              <a:gd name="connsiteY50" fmla="*/ 2802467 h 2802467"/>
+              <a:gd name="connsiteX51" fmla="*/ 0 w 12192000"/>
+              <a:gd name="connsiteY51" fmla="*/ 2236410 h 2802467"/>
+              <a:gd name="connsiteX52" fmla="*/ 1 w 12192000"/>
+              <a:gd name="connsiteY52" fmla="*/ 2236410 h 2802467"/>
+            </a:gdLst>
+            <a:ahLst/>
+            <a:cxnLst>
+              <a:cxn ang="0">
+                <a:pos x="connsiteX0" y="connsiteY0"/>
+              </a:cxn>
+              <a:cxn ang="0">
+                <a:pos x="connsiteX1" y="connsiteY1"/>
+              </a:cxn>
+              <a:cxn ang="0">
+                <a:pos x="connsiteX2" y="connsiteY2"/>
+              </a:cxn>
+              <a:cxn ang="0">
+                <a:pos x="connsiteX3" y="connsiteY3"/>
+              </a:cxn>
+              <a:cxn ang="0">
+                <a:pos x="connsiteX4" y="connsiteY4"/>
+              </a:cxn>
+              <a:cxn ang="0">
+                <a:pos x="connsiteX5" y="connsiteY5"/>
+              </a:cxn>
+              <a:cxn ang="0">
+                <a:pos x="connsiteX6" y="connsiteY6"/>
+              </a:cxn>
+              <a:cxn ang="0">
+                <a:pos x="connsiteX7" y="connsiteY7"/>
+              </a:cxn>
+              <a:cxn ang="0">
+                <a:pos x="connsiteX8" y="connsiteY8"/>
+              </a:cxn>
+              <a:cxn ang="0">
+                <a:pos x="connsiteX9" y="connsiteY9"/>
+              </a:cxn>
+              <a:cxn ang="0">
+                <a:pos x="connsiteX10" y="connsiteY10"/>
+              </a:cxn>
+              <a:cxn ang="0">
+                <a:pos x="connsiteX11" y="connsiteY11"/>
+              </a:cxn>
+              <a:cxn ang="0">
+                <a:pos x="connsiteX12" y="connsiteY12"/>
+              </a:cxn>
+              <a:cxn ang="0">
+                <a:pos x="connsiteX13" y="connsiteY13"/>
+              </a:cxn>
+              <a:cxn ang="0">
+                <a:pos x="connsiteX14" y="connsiteY14"/>
+              </a:cxn>
+              <a:cxn ang="0">
+                <a:pos x="connsiteX15" y="connsiteY15"/>
+              </a:cxn>
+              <a:cxn ang="0">
+                <a:pos x="connsiteX16" y="connsiteY16"/>
+              </a:cxn>
+              <a:cxn ang="0">
+                <a:pos x="connsiteX17" y="connsiteY17"/>
+              </a:cxn>
+              <a:cxn ang="0">
+                <a:pos x="connsiteX18" y="connsiteY18"/>
+              </a:cxn>
+              <a:cxn ang="0">
+                <a:pos x="connsiteX19" y="connsiteY19"/>
+              </a:cxn>
+              <a:cxn ang="0">
+                <a:pos x="connsiteX20" y="connsiteY20"/>
+              </a:cxn>
+              <a:cxn ang="0">
+                <a:pos x="connsiteX21" y="connsiteY21"/>
+              </a:cxn>
+              <a:cxn ang="0">
+                <a:pos x="connsiteX22" y="connsiteY22"/>
+              </a:cxn>
+              <a:cxn ang="0">
+                <a:pos x="connsiteX23" y="connsiteY23"/>
+              </a:cxn>
+              <a:cxn ang="0">
+                <a:pos x="connsiteX24" y="connsiteY24"/>
+              </a:cxn>
+              <a:cxn ang="0">
+                <a:pos x="connsiteX25" y="connsiteY25"/>
+              </a:cxn>
+              <a:cxn ang="0">
+                <a:pos x="connsiteX26" y="connsiteY26"/>
+              </a:cxn>
+              <a:cxn ang="0">
+                <a:pos x="connsiteX27" y="connsiteY27"/>
+              </a:cxn>
+              <a:cxn ang="0">
+                <a:pos x="connsiteX28" y="connsiteY28"/>
+              </a:cxn>
+              <a:cxn ang="0">
+                <a:pos x="connsiteX29" y="connsiteY29"/>
+              </a:cxn>
+              <a:cxn ang="0">
+                <a:pos x="connsiteX30" y="connsiteY30"/>
+              </a:cxn>
+              <a:cxn ang="0">
+                <a:pos x="connsiteX31" y="connsiteY31"/>
+              </a:cxn>
+              <a:cxn ang="0">
+                <a:pos x="connsiteX32" y="connsiteY32"/>
+              </a:cxn>
+              <a:cxn ang="0">
+                <a:pos x="connsiteX33" y="connsiteY33"/>
+              </a:cxn>
+              <a:cxn ang="0">
+                <a:pos x="connsiteX34" y="connsiteY34"/>
+              </a:cxn>
+              <a:cxn ang="0">
+                <a:pos x="connsiteX35" y="connsiteY35"/>
+              </a:cxn>
+              <a:cxn ang="0">
+                <a:pos x="connsiteX36" y="connsiteY36"/>
+              </a:cxn>
+              <a:cxn ang="0">
+                <a:pos x="connsiteX37" y="connsiteY37"/>
+              </a:cxn>
+              <a:cxn ang="0">
+                <a:pos x="connsiteX38" y="connsiteY38"/>
+              </a:cxn>
+              <a:cxn ang="0">
+                <a:pos x="connsiteX39" y="connsiteY39"/>
+              </a:cxn>
+              <a:cxn ang="0">
+                <a:pos x="connsiteX40" y="connsiteY40"/>
+              </a:cxn>
+              <a:cxn ang="0">
+                <a:pos x="connsiteX41" y="connsiteY41"/>
+              </a:cxn>
+              <a:cxn ang="0">
+                <a:pos x="connsiteX42" y="connsiteY42"/>
+              </a:cxn>
+              <a:cxn ang="0">
+                <a:pos x="connsiteX43" y="connsiteY43"/>
+              </a:cxn>
+              <a:cxn ang="0">
+                <a:pos x="connsiteX44" y="connsiteY44"/>
+              </a:cxn>
+              <a:cxn ang="0">
+                <a:pos x="connsiteX45" y="connsiteY45"/>
+              </a:cxn>
+              <a:cxn ang="0">
+                <a:pos x="connsiteX46" y="connsiteY46"/>
+              </a:cxn>
+              <a:cxn ang="0">
+                <a:pos x="connsiteX47" y="connsiteY47"/>
+              </a:cxn>
+              <a:cxn ang="0">
+                <a:pos x="connsiteX48" y="connsiteY48"/>
+              </a:cxn>
+              <a:cxn ang="0">
+                <a:pos x="connsiteX49" y="connsiteY49"/>
+              </a:cxn>
+              <a:cxn ang="0">
+                <a:pos x="connsiteX50" y="connsiteY50"/>
+              </a:cxn>
+              <a:cxn ang="0">
+                <a:pos x="connsiteX51" y="connsiteY51"/>
+              </a:cxn>
+              <a:cxn ang="0">
+                <a:pos x="connsiteX52" y="connsiteY52"/>
+              </a:cxn>
+            </a:cxnLst>
+            <a:rect l="l" t="t" r="r" b="b"/>
+            <a:pathLst>
+              <a:path w="12192000" h="2802467">
+                <a:moveTo>
+                  <a:pt x="1" y="0"/>
+                </a:moveTo>
+                <a:lnTo>
+                  <a:pt x="71932" y="12261"/>
+                </a:lnTo>
+                <a:lnTo>
+                  <a:pt x="282848" y="48342"/>
+                </a:lnTo>
+                <a:lnTo>
+                  <a:pt x="436464" y="73565"/>
+                </a:lnTo>
+                <a:lnTo>
+                  <a:pt x="619339" y="100188"/>
+                </a:lnTo>
+                <a:lnTo>
+                  <a:pt x="836351" y="132066"/>
+                </a:lnTo>
+                <a:lnTo>
+                  <a:pt x="1076528" y="165696"/>
+                </a:lnTo>
+                <a:lnTo>
+                  <a:pt x="1347183" y="201077"/>
+                </a:lnTo>
+                <a:lnTo>
+                  <a:pt x="1642223" y="238560"/>
+                </a:lnTo>
+                <a:lnTo>
+                  <a:pt x="1962864" y="276043"/>
+                </a:lnTo>
+                <a:lnTo>
+                  <a:pt x="2304232" y="314226"/>
+                </a:lnTo>
+                <a:lnTo>
+                  <a:pt x="2672421" y="349608"/>
+                </a:lnTo>
+                <a:lnTo>
+                  <a:pt x="3057678" y="383587"/>
+                </a:lnTo>
+                <a:lnTo>
+                  <a:pt x="3464881" y="414415"/>
+                </a:lnTo>
+                <a:lnTo>
+                  <a:pt x="3889152" y="443840"/>
+                </a:lnTo>
+                <a:lnTo>
+                  <a:pt x="4331710" y="471515"/>
+                </a:lnTo>
+                <a:lnTo>
+                  <a:pt x="4558476" y="481323"/>
+                </a:lnTo>
+                <a:lnTo>
+                  <a:pt x="4790118" y="492183"/>
+                </a:lnTo>
+                <a:lnTo>
+                  <a:pt x="5025418" y="502342"/>
+                </a:lnTo>
+                <a:lnTo>
+                  <a:pt x="5261937" y="508998"/>
+                </a:lnTo>
+                <a:lnTo>
+                  <a:pt x="5503332" y="514953"/>
+                </a:lnTo>
+                <a:lnTo>
+                  <a:pt x="5747166" y="521259"/>
+                </a:lnTo>
+                <a:lnTo>
+                  <a:pt x="5995877" y="525462"/>
+                </a:lnTo>
+                <a:lnTo>
+                  <a:pt x="6247026" y="525462"/>
+                </a:lnTo>
+                <a:lnTo>
+                  <a:pt x="6500613" y="527564"/>
+                </a:lnTo>
+                <a:lnTo>
+                  <a:pt x="6756639" y="525462"/>
+                </a:lnTo>
+                <a:lnTo>
+                  <a:pt x="7016322" y="521259"/>
+                </a:lnTo>
+                <a:lnTo>
+                  <a:pt x="7276005" y="517405"/>
+                </a:lnTo>
+                <a:lnTo>
+                  <a:pt x="7539345" y="508998"/>
+                </a:lnTo>
+                <a:lnTo>
+                  <a:pt x="7805124" y="500240"/>
+                </a:lnTo>
+                <a:lnTo>
+                  <a:pt x="8070903" y="490081"/>
+                </a:lnTo>
+                <a:lnTo>
+                  <a:pt x="8339121" y="475719"/>
+                </a:lnTo>
+                <a:lnTo>
+                  <a:pt x="8609776" y="458553"/>
+                </a:lnTo>
+                <a:lnTo>
+                  <a:pt x="8881651" y="442089"/>
+                </a:lnTo>
+                <a:lnTo>
+                  <a:pt x="9153526" y="421070"/>
+                </a:lnTo>
+                <a:lnTo>
+                  <a:pt x="9429058" y="395848"/>
+                </a:lnTo>
+                <a:lnTo>
+                  <a:pt x="9700933" y="370626"/>
+                </a:lnTo>
+                <a:lnTo>
+                  <a:pt x="9977684" y="341550"/>
+                </a:lnTo>
+                <a:lnTo>
+                  <a:pt x="10255655" y="309672"/>
+                </a:lnTo>
+                <a:lnTo>
+                  <a:pt x="10529968" y="276043"/>
+                </a:lnTo>
+                <a:lnTo>
+                  <a:pt x="10807939" y="236808"/>
+                </a:lnTo>
+                <a:lnTo>
+                  <a:pt x="11084690" y="194771"/>
+                </a:lnTo>
+                <a:lnTo>
+                  <a:pt x="11362661" y="153085"/>
+                </a:lnTo>
+                <a:lnTo>
+                  <a:pt x="11639412" y="104392"/>
+                </a:lnTo>
+                <a:lnTo>
+                  <a:pt x="11914945" y="54648"/>
+                </a:lnTo>
+                <a:lnTo>
+                  <a:pt x="12191696" y="2452"/>
+                </a:lnTo>
+                <a:lnTo>
+                  <a:pt x="12191696" y="2236410"/>
+                </a:lnTo>
+                <a:lnTo>
+                  <a:pt x="12192000" y="2236410"/>
+                </a:lnTo>
+                <a:lnTo>
+                  <a:pt x="12192000" y="2802467"/>
+                </a:lnTo>
+                <a:lnTo>
+                  <a:pt x="12191696" y="2802467"/>
+                </a:lnTo>
+                <a:lnTo>
+                  <a:pt x="0" y="2802467"/>
+                </a:lnTo>
+                <a:lnTo>
+                  <a:pt x="0" y="2236410"/>
+                </a:lnTo>
+                <a:lnTo>
+                  <a:pt x="1" y="2236410"/>
+                </a:lnTo>
+                <a:close/>
+              </a:path>
+            </a:pathLst>
+          </a:custGeom>
+          <a:solidFill>
+            <a:schemeClr val="tx2"/>
+          </a:solidFill>
+          <a:ln>
+            <a:noFill/>
+          </a:ln>
+        </p:spPr>
+        <p:style>
+          <a:lnRef idx="2">
+            <a:schemeClr val="accent1">
+              <a:shade val="50000"/>
+            </a:schemeClr>
+          </a:lnRef>
+          <a:fillRef idx="1003">
+            <a:schemeClr val="dk2"/>
+          </a:fillRef>
+          <a:effectRef idx="0">
+            <a:schemeClr val="accent1"/>
+          </a:effectRef>
+          <a:fontRef idx="minor">
+            <a:schemeClr val="lt1"/>
+          </a:fontRef>
+        </p:style>
+        <p:txBody>
+          <a:bodyPr rtlCol="0" anchor="ctr"/>
+          <a:lstStyle/>
+          <a:p>
+            <a:pPr algn="ctr"/>
+            <a:endParaRPr lang="en-US"/>
+          </a:p>
+        </p:txBody>
+      </p:sp>
+      <p:sp>
+        <p:nvSpPr>
+          <p:cNvPr id="2" name="Titel 1">
+            <a:extLst>
+              <a:ext uri="{FF2B5EF4-FFF2-40B4-BE49-F238E27FC236}">
+                <a16:creationId xmlns:a16="http://schemas.microsoft.com/office/drawing/2014/main" id="{3FDB6779-6FD1-4325-91B2-8AF85746C8B0}"/>
+              </a:ext>
+            </a:extLst>
+          </p:cNvPr>
+          <p:cNvSpPr>
+            <a:spLocks noGrp="1"/>
+          </p:cNvSpPr>
+          <p:nvPr>
+            <p:ph type="title"/>
+          </p:nvPr>
+        </p:nvSpPr>
+        <p:spPr>
+          <a:xfrm>
+            <a:off x="965505" y="623571"/>
+            <a:ext cx="10260990" cy="3523885"/>
+          </a:xfrm>
+        </p:spPr>
+        <p:txBody>
+          <a:bodyPr vert="horz" lIns="91440" tIns="45720" rIns="91440" bIns="45720" rtlCol="0" anchor="b">
+            <a:normAutofit/>
+          </a:bodyPr>
+          <a:lstStyle/>
+          <a:p>
+            <a:pPr algn="ctr"/>
+            <a:r>
+              <a:rPr lang="en-US" sz="8000" b="0" i="0" kern="1200" dirty="0">
+                <a:solidFill>
+                  <a:schemeClr val="tx2"/>
+                </a:solidFill>
+                <a:latin typeface="+mj-lt"/>
+                <a:ea typeface="+mj-ea"/>
+                <a:cs typeface="+mj-cs"/>
+              </a:rPr>
+              <a:t>Backend</a:t>
+            </a:r>
+          </a:p>
+        </p:txBody>
+      </p:sp>
+    </p:spTree>
+    <p:extLst>
+      <p:ext uri="{BB962C8B-B14F-4D97-AF65-F5344CB8AC3E}">
+        <p14:creationId xmlns:p14="http://schemas.microsoft.com/office/powerpoint/2010/main" val="2203757533"/>
+      </p:ext>
+    </p:extLst>
+  </p:cSld>
+  <p:clrMapOvr>
+    <a:masterClrMapping/>
+  </p:clrMapOvr>
+</p:sld>
+</file>
+
+<file path=ppt/slides/slide4.xml><?xml version="1.0" encoding="utf-8"?>
+<p:sld xmlns:a="http://schemas.openxmlformats.org/drawingml/2006/main" xmlns:r="http://schemas.openxmlformats.org/officeDocument/2006/relationships" xmlns:p="http://schemas.openxmlformats.org/presentationml/2006/main">
+  <p:cSld>
+    <p:spTree>
+      <p:nvGrpSpPr>
+        <p:cNvPr id="1" name=""/>
+        <p:cNvGrpSpPr/>
+        <p:nvPr/>
+      </p:nvGrpSpPr>
+      <p:grpSpPr>
+        <a:xfrm>
+          <a:off x="0" y="0"/>
+          <a:ext cx="0" cy="0"/>
+          <a:chOff x="0" y="0"/>
+          <a:chExt cx="0" cy="0"/>
+        </a:xfrm>
+      </p:grpSpPr>
+      <p:sp>
+        <p:nvSpPr>
+          <p:cNvPr id="2" name="Titel 1">
+            <a:extLst>
+              <a:ext uri="{FF2B5EF4-FFF2-40B4-BE49-F238E27FC236}">
+                <a16:creationId xmlns:a16="http://schemas.microsoft.com/office/drawing/2014/main" id="{8DFC2AE1-1F83-4EFD-B2C2-B5C692173824}"/>
+              </a:ext>
+            </a:extLst>
+          </p:cNvPr>
+          <p:cNvSpPr>
+            <a:spLocks noGrp="1"/>
+          </p:cNvSpPr>
+          <p:nvPr>
+            <p:ph type="title"/>
+          </p:nvPr>
+        </p:nvSpPr>
+        <p:spPr/>
+        <p:txBody>
+          <a:bodyPr/>
+          <a:lstStyle/>
+          <a:p>
+            <a:r>
+              <a:rPr lang="de-DE" dirty="0"/>
+              <a:t>Architektur</a:t>
+            </a:r>
+          </a:p>
+        </p:txBody>
+      </p:sp>
+      <p:sp>
+        <p:nvSpPr>
+          <p:cNvPr id="3" name="Inhaltsplatzhalter 2">
+            <a:extLst>
+              <a:ext uri="{FF2B5EF4-FFF2-40B4-BE49-F238E27FC236}">
+                <a16:creationId xmlns:a16="http://schemas.microsoft.com/office/drawing/2014/main" id="{E77757C4-16A9-4776-9512-428754CB3774}"/>
+              </a:ext>
+            </a:extLst>
+          </p:cNvPr>
+          <p:cNvSpPr>
+            <a:spLocks noGrp="1"/>
+          </p:cNvSpPr>
+          <p:nvPr>
+            <p:ph idx="1"/>
+          </p:nvPr>
+        </p:nvSpPr>
+        <p:spPr/>
+        <p:txBody>
+          <a:bodyPr/>
+          <a:lstStyle/>
+          <a:p>
+            <a:endParaRPr lang="de-DE"/>
+          </a:p>
+        </p:txBody>
+      </p:sp>
+    </p:spTree>
+    <p:extLst>
+      <p:ext uri="{BB962C8B-B14F-4D97-AF65-F5344CB8AC3E}">
+        <p14:creationId xmlns:p14="http://schemas.microsoft.com/office/powerpoint/2010/main" val="1543600831"/>
+      </p:ext>
+    </p:extLst>
+  </p:cSld>
+  <p:clrMapOvr>
+    <a:masterClrMapping/>
+  </p:clrMapOvr>
+</p:sld>
+</file>
+
+<file path=ppt/slides/slide5.xml><?xml version="1.0" encoding="utf-8"?>
+<p:sld xmlns:a="http://schemas.openxmlformats.org/drawingml/2006/main" xmlns:r="http://schemas.openxmlformats.org/officeDocument/2006/relationships" xmlns:p="http://schemas.openxmlformats.org/presentationml/2006/main">
+  <p:cSld>
+    <p:spTree>
+      <p:nvGrpSpPr>
+        <p:cNvPr id="1" name=""/>
+        <p:cNvGrpSpPr/>
+        <p:nvPr/>
+      </p:nvGrpSpPr>
+      <p:grpSpPr>
+        <a:xfrm>
+          <a:off x="0" y="0"/>
+          <a:ext cx="0" cy="0"/>
+          <a:chOff x="0" y="0"/>
+          <a:chExt cx="0" cy="0"/>
+        </a:xfrm>
+      </p:grpSpPr>
+      <p:sp>
+        <p:nvSpPr>
+          <p:cNvPr id="2" name="Titel 1">
+            <a:extLst>
+              <a:ext uri="{FF2B5EF4-FFF2-40B4-BE49-F238E27FC236}">
+                <a16:creationId xmlns:a16="http://schemas.microsoft.com/office/drawing/2014/main" id="{8034BEF9-3EAA-4D84-8457-D01DCC9B7841}"/>
+              </a:ext>
+            </a:extLst>
+          </p:cNvPr>
+          <p:cNvSpPr>
+            <a:spLocks noGrp="1"/>
+          </p:cNvSpPr>
+          <p:nvPr>
+            <p:ph type="title"/>
+          </p:nvPr>
+        </p:nvSpPr>
+        <p:spPr/>
+        <p:txBody>
+          <a:bodyPr/>
+          <a:lstStyle/>
+          <a:p>
+            <a:r>
+              <a:rPr lang="de-DE" dirty="0"/>
+              <a:t>Strukturierung</a:t>
+            </a:r>
+          </a:p>
+        </p:txBody>
+      </p:sp>
+      <p:sp>
+        <p:nvSpPr>
+          <p:cNvPr id="3" name="Inhaltsplatzhalter 2">
+            <a:extLst>
+              <a:ext uri="{FF2B5EF4-FFF2-40B4-BE49-F238E27FC236}">
+                <a16:creationId xmlns:a16="http://schemas.microsoft.com/office/drawing/2014/main" id="{892280C1-0E63-4AE2-9F54-CFFAF20DCC7F}"/>
+              </a:ext>
+            </a:extLst>
+          </p:cNvPr>
+          <p:cNvSpPr>
+            <a:spLocks noGrp="1"/>
+          </p:cNvSpPr>
+          <p:nvPr>
+            <p:ph idx="1"/>
+          </p:nvPr>
+        </p:nvSpPr>
+        <p:spPr/>
+        <p:txBody>
+          <a:bodyPr/>
+          <a:lstStyle/>
+          <a:p>
+            <a:endParaRPr lang="de-DE"/>
+          </a:p>
+        </p:txBody>
+      </p:sp>
+    </p:spTree>
+    <p:extLst>
+      <p:ext uri="{BB962C8B-B14F-4D97-AF65-F5344CB8AC3E}">
+        <p14:creationId xmlns:p14="http://schemas.microsoft.com/office/powerpoint/2010/main" val="2830718480"/>
+      </p:ext>
+    </p:extLst>
+  </p:cSld>
+  <p:clrMapOvr>
+    <a:masterClrMapping/>
+  </p:clrMapOvr>
+</p:sld>
+</file>
+
+<file path=ppt/slides/slide6.xml><?xml version="1.0" encoding="utf-8"?>
+<p:sld xmlns:a="http://schemas.openxmlformats.org/drawingml/2006/main" xmlns:r="http://schemas.openxmlformats.org/officeDocument/2006/relationships" xmlns:p="http://schemas.openxmlformats.org/presentationml/2006/main">
+  <p:cSld>
+    <p:spTree>
+      <p:nvGrpSpPr>
+        <p:cNvPr id="1" name=""/>
+        <p:cNvGrpSpPr/>
+        <p:nvPr/>
+      </p:nvGrpSpPr>
+      <p:grpSpPr>
+        <a:xfrm>
+          <a:off x="0" y="0"/>
+          <a:ext cx="0" cy="0"/>
+          <a:chOff x="0" y="0"/>
+          <a:chExt cx="0" cy="0"/>
+        </a:xfrm>
+      </p:grpSpPr>
+      <p:sp>
+        <p:nvSpPr>
+          <p:cNvPr id="2" name="Titel 1">
+            <a:extLst>
+              <a:ext uri="{FF2B5EF4-FFF2-40B4-BE49-F238E27FC236}">
+                <a16:creationId xmlns:a16="http://schemas.microsoft.com/office/drawing/2014/main" id="{8A7A77D0-C56C-42B3-8F22-436F32B7867E}"/>
+              </a:ext>
+            </a:extLst>
+          </p:cNvPr>
+          <p:cNvSpPr>
+            <a:spLocks noGrp="1"/>
+          </p:cNvSpPr>
+          <p:nvPr>
+            <p:ph type="title"/>
+          </p:nvPr>
+        </p:nvSpPr>
+        <p:spPr/>
+        <p:txBody>
+          <a:bodyPr/>
+          <a:lstStyle/>
+          <a:p>
+            <a:r>
+              <a:rPr lang="de-DE" dirty="0"/>
+              <a:t>Probleme</a:t>
+            </a:r>
+          </a:p>
+        </p:txBody>
+      </p:sp>
+      <p:sp>
+        <p:nvSpPr>
+          <p:cNvPr id="3" name="Inhaltsplatzhalter 2">
+            <a:extLst>
+              <a:ext uri="{FF2B5EF4-FFF2-40B4-BE49-F238E27FC236}">
+                <a16:creationId xmlns:a16="http://schemas.microsoft.com/office/drawing/2014/main" id="{A6FE3130-82F9-4009-BD5E-973D41FD4936}"/>
+              </a:ext>
+            </a:extLst>
+          </p:cNvPr>
+          <p:cNvSpPr>
+            <a:spLocks noGrp="1"/>
+          </p:cNvSpPr>
+          <p:nvPr>
+            <p:ph idx="1"/>
+          </p:nvPr>
+        </p:nvSpPr>
+        <p:spPr/>
+        <p:txBody>
+          <a:bodyPr/>
+          <a:lstStyle/>
+          <a:p>
+            <a:endParaRPr lang="de-DE"/>
+          </a:p>
+        </p:txBody>
+      </p:sp>
+    </p:spTree>
+    <p:extLst>
+      <p:ext uri="{BB962C8B-B14F-4D97-AF65-F5344CB8AC3E}">
+        <p14:creationId xmlns:p14="http://schemas.microsoft.com/office/powerpoint/2010/main" val="2950306790"/>
+      </p:ext>
+    </p:extLst>
+  </p:cSld>
+  <p:clrMapOvr>
+    <a:masterClrMapping/>
+  </p:clrMapOvr>
+</p:sld>
+</file>
+
+<file path=ppt/slides/slide7.xml><?xml version="1.0" encoding="utf-8"?>
+<p:sld xmlns:a="http://schemas.openxmlformats.org/drawingml/2006/main" xmlns:r="http://schemas.openxmlformats.org/officeDocument/2006/relationships" xmlns:p="http://schemas.openxmlformats.org/presentationml/2006/main">
+  <p:cSld>
+    <p:bg>
+      <p:bgPr>
+        <a:blipFill rotWithShape="1">
+          <a:blip r:embed="rId2">
+            <a:duotone>
+              <a:schemeClr val="bg2">
+                <a:shade val="69000"/>
+                <a:hueMod val="108000"/>
+                <a:satMod val="164000"/>
+                <a:lumMod val="74000"/>
+              </a:schemeClr>
+              <a:schemeClr val="bg2">
+                <a:tint val="96000"/>
+                <a:hueMod val="88000"/>
+                <a:satMod val="140000"/>
+                <a:lumMod val="132000"/>
+              </a:schemeClr>
+            </a:duotone>
+          </a:blip>
+          <a:stretch/>
+        </a:blipFill>
+        <a:effectLst/>
+      </p:bgPr>
+    </p:bg>
+    <p:spTree>
+      <p:nvGrpSpPr>
+        <p:cNvPr id="1" name=""/>
+        <p:cNvGrpSpPr/>
+        <p:nvPr/>
+      </p:nvGrpSpPr>
+      <p:grpSpPr>
+        <a:xfrm>
+          <a:off x="0" y="0"/>
+          <a:ext cx="0" cy="0"/>
+          <a:chOff x="0" y="0"/>
+          <a:chExt cx="0" cy="0"/>
+        </a:xfrm>
+      </p:grpSpPr>
+      <p:pic>
+        <p:nvPicPr>
+          <p:cNvPr id="8" name="Picture 7">
+            <a:extLst>
+              <a:ext uri="{FF2B5EF4-FFF2-40B4-BE49-F238E27FC236}">
+                <a16:creationId xmlns:a16="http://schemas.microsoft.com/office/drawing/2014/main" id="{91B28F63-CF00-448F-B141-FE33C33B1891}"/>
+              </a:ext>
+              <a:ext uri="{C183D7F6-B498-43B3-948B-1728B52AA6E4}">
+                <adec:decorative xmlns:adec="http://schemas.microsoft.com/office/drawing/2017/decorative" val="1"/>
+              </a:ext>
+            </a:extLst>
+          </p:cNvPr>
+          <p:cNvPicPr>
+            <a:picLocks noGrp="1" noRot="1" noChangeAspect="1" noMove="1" noResize="1" noEditPoints="1" noAdjustHandles="1" noChangeArrowheads="1" noChangeShapeType="1" noCrop="1"/>
+          </p:cNvPicPr>
+          <p:nvPr>
+            <p:extLst>
+              <p:ext uri="{386F3935-93C4-4BCD-93E2-E3B085C9AB24}">
+                <p16:designElem xmlns:p16="http://schemas.microsoft.com/office/powerpoint/2015/main" val="1"/>
+              </p:ext>
+            </p:extLst>
+          </p:nvPr>
+        </p:nvPicPr>
+        <p:blipFill rotWithShape="1">
+          <a:blip r:embed="rId3">
+            <a:extLst>
+              <a:ext uri="{28A0092B-C50C-407E-A947-70E740481C1C}">
+                <a14:useLocalDpi xmlns:a14="http://schemas.microsoft.com/office/drawing/2010/main" val="0"/>
+              </a:ext>
+            </a:extLst>
+          </a:blip>
+          <a:srcRect l="3613"/>
+          <a:stretch/>
+        </p:blipFill>
+        <p:spPr>
+          <a:xfrm>
+            <a:off x="0" y="2669685"/>
+            <a:ext cx="4037012" cy="4188315"/>
+          </a:xfrm>
+          <a:prstGeom prst="rect">
+            <a:avLst/>
+          </a:prstGeom>
+        </p:spPr>
+      </p:pic>
+      <p:pic>
+        <p:nvPicPr>
+          <p:cNvPr id="10" name="Picture 9">
+            <a:extLst>
+              <a:ext uri="{FF2B5EF4-FFF2-40B4-BE49-F238E27FC236}">
+                <a16:creationId xmlns:a16="http://schemas.microsoft.com/office/drawing/2014/main" id="{2AE609E2-8522-44E4-9077-980E5BCF3E14}"/>
+              </a:ext>
+              <a:ext uri="{C183D7F6-B498-43B3-948B-1728B52AA6E4}">
+                <adec:decorative xmlns:adec="http://schemas.microsoft.com/office/drawing/2017/decorative" val="1"/>
+              </a:ext>
+            </a:extLst>
+          </p:cNvPr>
+          <p:cNvPicPr>
+            <a:picLocks noGrp="1" noRot="1" noChangeAspect="1" noMove="1" noResize="1" noEditPoints="1" noAdjustHandles="1" noChangeArrowheads="1" noChangeShapeType="1" noCrop="1"/>
+          </p:cNvPicPr>
+          <p:nvPr>
+            <p:extLst>
+              <p:ext uri="{386F3935-93C4-4BCD-93E2-E3B085C9AB24}">
+                <p16:designElem xmlns:p16="http://schemas.microsoft.com/office/powerpoint/2015/main" val="1"/>
+              </p:ext>
+            </p:extLst>
+          </p:nvPr>
+        </p:nvPicPr>
+        <p:blipFill rotWithShape="1">
+          <a:blip r:embed="rId4">
+            <a:extLst>
+              <a:ext uri="{28A0092B-C50C-407E-A947-70E740481C1C}">
+                <a14:useLocalDpi xmlns:a14="http://schemas.microsoft.com/office/drawing/2010/main" val="0"/>
+              </a:ext>
+            </a:extLst>
+          </a:blip>
+          <a:srcRect l="35640"/>
+          <a:stretch/>
+        </p:blipFill>
+        <p:spPr>
+          <a:xfrm>
+            <a:off x="0" y="2892347"/>
+            <a:ext cx="1522412" cy="2365453"/>
+          </a:xfrm>
+          <a:prstGeom prst="rect">
+            <a:avLst/>
+          </a:prstGeom>
+        </p:spPr>
+      </p:pic>
+      <p:sp>
+        <p:nvSpPr>
+          <p:cNvPr id="12" name="Oval 11">
+            <a:extLst>
+              <a:ext uri="{FF2B5EF4-FFF2-40B4-BE49-F238E27FC236}">
+                <a16:creationId xmlns:a16="http://schemas.microsoft.com/office/drawing/2014/main" id="{4FA533C5-33E3-4611-AF9F-72811D8B26A6}"/>
+              </a:ext>
+              <a:ext uri="{C183D7F6-B498-43B3-948B-1728B52AA6E4}">
+                <adec:decorative xmlns:adec="http://schemas.microsoft.com/office/drawing/2017/decorative" val="1"/>
+              </a:ext>
+            </a:extLst>
+          </p:cNvPr>
+          <p:cNvSpPr>
+            <a:spLocks noGrp="1" noRot="1" noChangeAspect="1" noMove="1" noResize="1" noEditPoints="1" noAdjustHandles="1" noChangeArrowheads="1" noChangeShapeType="1" noTextEdit="1"/>
+          </p:cNvSpPr>
+          <p:nvPr>
+            <p:extLst>
+              <p:ext uri="{386F3935-93C4-4BCD-93E2-E3B085C9AB24}">
+                <p16:designElem xmlns:p16="http://schemas.microsoft.com/office/powerpoint/2015/main" val="1"/>
+              </p:ext>
+            </p:extLst>
+          </p:nvPr>
+        </p:nvSpPr>
+        <p:spPr>
+          <a:xfrm>
+            <a:off x="8609012" y="1676400"/>
+            <a:ext cx="2819400" cy="2819400"/>
+          </a:xfrm>
+          <a:prstGeom prst="ellipse">
+            <a:avLst/>
+          </a:prstGeom>
+          <a:gradFill flip="none" rotWithShape="1">
+            <a:gsLst>
+              <a:gs pos="0">
+                <a:schemeClr val="bg2">
+                  <a:lumMod val="60000"/>
+                  <a:lumOff val="40000"/>
+                  <a:alpha val="7000"/>
+                </a:schemeClr>
+              </a:gs>
+              <a:gs pos="69000">
+                <a:schemeClr val="bg2">
+                  <a:lumMod val="60000"/>
+                  <a:lumOff val="40000"/>
+                  <a:alpha val="0"/>
+                </a:schemeClr>
+              </a:gs>
+              <a:gs pos="36000">
+                <a:schemeClr val="bg2">
+                  <a:lumMod val="60000"/>
+                  <a:lumOff val="40000"/>
+                  <a:alpha val="6000"/>
+                </a:schemeClr>
+              </a:gs>
+            </a:gsLst>
+            <a:path path="circle">
+              <a:fillToRect l="50000" t="50000" r="50000" b="50000"/>
+            </a:path>
+            <a:tileRect/>
+          </a:gradFill>
+          <a:ln>
+            <a:noFill/>
+          </a:ln>
+          <a:effectLst/>
+        </p:spPr>
+        <p:style>
+          <a:lnRef idx="1">
+            <a:schemeClr val="accent1"/>
+          </a:lnRef>
+          <a:fillRef idx="3">
+            <a:schemeClr val="accent1"/>
+          </a:fillRef>
+          <a:effectRef idx="2">
+            <a:schemeClr val="accent1"/>
+          </a:effectRef>
+          <a:fontRef idx="minor">
+            <a:schemeClr val="lt1"/>
+          </a:fontRef>
+        </p:style>
+      </p:sp>
+      <p:pic>
+        <p:nvPicPr>
+          <p:cNvPr id="14" name="Picture 13">
+            <a:extLst>
+              <a:ext uri="{FF2B5EF4-FFF2-40B4-BE49-F238E27FC236}">
+                <a16:creationId xmlns:a16="http://schemas.microsoft.com/office/drawing/2014/main" id="{8949AD42-25FD-4C3D-9EEE-B7FEC5809988}"/>
+              </a:ext>
+              <a:ext uri="{C183D7F6-B498-43B3-948B-1728B52AA6E4}">
+                <adec:decorative xmlns:adec="http://schemas.microsoft.com/office/drawing/2017/decorative" val="1"/>
+              </a:ext>
+            </a:extLst>
+          </p:cNvPr>
+          <p:cNvPicPr>
+            <a:picLocks noGrp="1" noRot="1" noChangeAspect="1" noMove="1" noResize="1" noEditPoints="1" noAdjustHandles="1" noChangeArrowheads="1" noChangeShapeType="1" noCrop="1"/>
+          </p:cNvPicPr>
+          <p:nvPr>
+            <p:extLst>
+              <p:ext uri="{386F3935-93C4-4BCD-93E2-E3B085C9AB24}">
+                <p16:designElem xmlns:p16="http://schemas.microsoft.com/office/powerpoint/2015/main" val="1"/>
+              </p:ext>
+            </p:extLst>
+          </p:nvPr>
+        </p:nvPicPr>
+        <p:blipFill rotWithShape="1">
+          <a:blip r:embed="rId5">
+            <a:extLst>
+              <a:ext uri="{28A0092B-C50C-407E-A947-70E740481C1C}">
+                <a14:useLocalDpi xmlns:a14="http://schemas.microsoft.com/office/drawing/2010/main" val="0"/>
+              </a:ext>
+            </a:extLst>
+          </a:blip>
+          <a:srcRect t="28813"/>
+          <a:stretch/>
+        </p:blipFill>
+        <p:spPr>
+          <a:xfrm>
+            <a:off x="7999412" y="0"/>
+            <a:ext cx="1603387" cy="1141407"/>
+          </a:xfrm>
+          <a:prstGeom prst="rect">
+            <a:avLst/>
+          </a:prstGeom>
+        </p:spPr>
+      </p:pic>
+      <p:pic>
+        <p:nvPicPr>
+          <p:cNvPr id="16" name="Picture 15">
+            <a:extLst>
+              <a:ext uri="{FF2B5EF4-FFF2-40B4-BE49-F238E27FC236}">
+                <a16:creationId xmlns:a16="http://schemas.microsoft.com/office/drawing/2014/main" id="{6AC7D913-60B7-4603-881B-831DA5D3A940}"/>
+              </a:ext>
+              <a:ext uri="{C183D7F6-B498-43B3-948B-1728B52AA6E4}">
+                <adec:decorative xmlns:adec="http://schemas.microsoft.com/office/drawing/2017/decorative" val="1"/>
+              </a:ext>
+            </a:extLst>
+          </p:cNvPr>
+          <p:cNvPicPr>
+            <a:picLocks noGrp="1" noRot="1" noChangeAspect="1" noMove="1" noResize="1" noEditPoints="1" noAdjustHandles="1" noChangeArrowheads="1" noChangeShapeType="1" noCrop="1"/>
+          </p:cNvPicPr>
+          <p:nvPr>
+            <p:extLst>
+              <p:ext uri="{386F3935-93C4-4BCD-93E2-E3B085C9AB24}">
+                <p16:designElem xmlns:p16="http://schemas.microsoft.com/office/powerpoint/2015/main" val="1"/>
+              </p:ext>
+            </p:extLst>
+          </p:nvPr>
+        </p:nvPicPr>
+        <p:blipFill rotWithShape="1">
+          <a:blip r:embed="rId6">
+            <a:extLst>
+              <a:ext uri="{28A0092B-C50C-407E-A947-70E740481C1C}">
+                <a14:useLocalDpi xmlns:a14="http://schemas.microsoft.com/office/drawing/2010/main" val="0"/>
+              </a:ext>
+            </a:extLst>
+          </a:blip>
+          <a:srcRect b="23320"/>
+          <a:stretch/>
+        </p:blipFill>
+        <p:spPr>
+          <a:xfrm>
+            <a:off x="8605878" y="6096000"/>
+            <a:ext cx="993734" cy="762000"/>
+          </a:xfrm>
+          <a:prstGeom prst="rect">
+            <a:avLst/>
+          </a:prstGeom>
+        </p:spPr>
+      </p:pic>
+      <p:sp>
+        <p:nvSpPr>
+          <p:cNvPr id="18" name="Rectangle 17">
+            <a:extLst>
+              <a:ext uri="{FF2B5EF4-FFF2-40B4-BE49-F238E27FC236}">
+                <a16:creationId xmlns:a16="http://schemas.microsoft.com/office/drawing/2014/main" id="{87F0FDC4-AD8C-47D9-9131-623C98ADB0AE}"/>
+              </a:ext>
+              <a:ext uri="{C183D7F6-B498-43B3-948B-1728B52AA6E4}">
+                <adec:decorative xmlns:adec="http://schemas.microsoft.com/office/drawing/2017/decorative" val="1"/>
+              </a:ext>
+            </a:extLst>
+          </p:cNvPr>
+          <p:cNvSpPr>
+            <a:spLocks noGrp="1" noRot="1" noChangeAspect="1" noMove="1" noResize="1" noEditPoints="1" noAdjustHandles="1" noChangeArrowheads="1" noChangeShapeType="1" noTextEdit="1"/>
+          </p:cNvSpPr>
+          <p:nvPr>
+            <p:extLst>
+              <p:ext uri="{386F3935-93C4-4BCD-93E2-E3B085C9AB24}">
+                <p16:designElem xmlns:p16="http://schemas.microsoft.com/office/powerpoint/2015/main" val="1"/>
+              </p:ext>
+            </p:extLst>
+          </p:nvPr>
+        </p:nvSpPr>
+        <p:spPr>
+          <a:xfrm>
+            <a:off x="10437812" y="0"/>
+            <a:ext cx="685800" cy="1143000"/>
+          </a:xfrm>
+          <a:prstGeom prst="rect">
+            <a:avLst/>
+          </a:prstGeom>
+          <a:solidFill>
+            <a:schemeClr val="accent1"/>
+          </a:solidFill>
+          <a:ln>
+            <a:noFill/>
+          </a:ln>
+        </p:spPr>
+        <p:style>
+          <a:lnRef idx="1">
+            <a:schemeClr val="accent1"/>
+          </a:lnRef>
+          <a:fillRef idx="3">
+            <a:schemeClr val="accent1"/>
+          </a:fillRef>
+          <a:effectRef idx="2">
+            <a:schemeClr val="accent1"/>
+          </a:effectRef>
+          <a:fontRef idx="minor">
+            <a:schemeClr val="lt1"/>
+          </a:fontRef>
+        </p:style>
+      </p:sp>
+      <p:sp useBgFill="1">
+        <p:nvSpPr>
+          <p:cNvPr id="20" name="Rectangle 19">
+            <a:extLst>
+              <a:ext uri="{FF2B5EF4-FFF2-40B4-BE49-F238E27FC236}">
+                <a16:creationId xmlns:a16="http://schemas.microsoft.com/office/drawing/2014/main" id="{C28D0172-F2E0-4763-9C35-F022664959D8}"/>
+              </a:ext>
+              <a:ext uri="{C183D7F6-B498-43B3-948B-1728B52AA6E4}">
+                <adec:decorative xmlns:adec="http://schemas.microsoft.com/office/drawing/2017/decorative" val="1"/>
+              </a:ext>
+            </a:extLst>
+          </p:cNvPr>
+          <p:cNvSpPr>
+            <a:spLocks noGrp="1" noRot="1" noChangeAspect="1" noMove="1" noResize="1" noEditPoints="1" noAdjustHandles="1" noChangeArrowheads="1" noChangeShapeType="1" noTextEdit="1"/>
+          </p:cNvSpPr>
+          <p:nvPr>
+            <p:extLst>
+              <p:ext uri="{386F3935-93C4-4BCD-93E2-E3B085C9AB24}">
+                <p16:designElem xmlns:p16="http://schemas.microsoft.com/office/powerpoint/2015/main" val="1"/>
+              </p:ext>
+            </p:extLst>
+          </p:nvPr>
+        </p:nvSpPr>
+        <p:spPr>
+          <a:xfrm>
+            <a:off x="0" y="-5"/>
+            <a:ext cx="12191695" cy="4730744"/>
+          </a:xfrm>
+          <a:prstGeom prst="rect">
+            <a:avLst/>
+          </a:prstGeom>
+          <a:ln>
+            <a:noFill/>
+          </a:ln>
+        </p:spPr>
+        <p:style>
+          <a:lnRef idx="2">
+            <a:schemeClr val="accent1">
+              <a:shade val="50000"/>
+            </a:schemeClr>
+          </a:lnRef>
+          <a:fillRef idx="1">
+            <a:schemeClr val="accent1"/>
+          </a:fillRef>
+          <a:effectRef idx="0">
+            <a:schemeClr val="accent1"/>
+          </a:effectRef>
+          <a:fontRef idx="minor">
+            <a:schemeClr val="lt1"/>
+          </a:fontRef>
+        </p:style>
+        <p:txBody>
+          <a:bodyPr rtlCol="0" anchor="ctr"/>
+          <a:lstStyle/>
+          <a:p>
+            <a:pPr algn="ctr"/>
+            <a:endParaRPr lang="en-US"/>
+          </a:p>
+        </p:txBody>
+      </p:sp>
+      <p:sp>
+        <p:nvSpPr>
+          <p:cNvPr id="22" name="Freeform 16">
+            <a:extLst>
+              <a:ext uri="{FF2B5EF4-FFF2-40B4-BE49-F238E27FC236}">
+                <a16:creationId xmlns:a16="http://schemas.microsoft.com/office/drawing/2014/main" id="{9F2851FB-E841-4509-8A6D-A416376EA380}"/>
+              </a:ext>
+              <a:ext uri="{C183D7F6-B498-43B3-948B-1728B52AA6E4}">
+                <adec:decorative xmlns:adec="http://schemas.microsoft.com/office/drawing/2017/decorative" val="1"/>
+              </a:ext>
+            </a:extLst>
+          </p:cNvPr>
+          <p:cNvSpPr>
+            <a:spLocks noGrp="1" noRot="1" noChangeAspect="1" noMove="1" noResize="1" noEditPoints="1" noAdjustHandles="1" noChangeArrowheads="1" noChangeShapeType="1" noTextEdit="1"/>
+          </p:cNvSpPr>
+          <p:nvPr>
+            <p:extLst>
+              <p:ext uri="{386F3935-93C4-4BCD-93E2-E3B085C9AB24}">
+                <p16:designElem xmlns:p16="http://schemas.microsoft.com/office/powerpoint/2015/main" val="1"/>
+              </p:ext>
+            </p:extLst>
+          </p:nvPr>
+        </p:nvSpPr>
+        <p:spPr>
+          <a:xfrm>
+            <a:off x="8719939" y="3753695"/>
+            <a:ext cx="3472060" cy="825932"/>
+          </a:xfrm>
+          <a:custGeom>
+            <a:avLst/>
+            <a:gdLst>
+              <a:gd name="connsiteX0" fmla="*/ 3470310 w 3472060"/>
+              <a:gd name="connsiteY0" fmla="*/ 0 h 825932"/>
+              <a:gd name="connsiteX1" fmla="*/ 3472060 w 3472060"/>
+              <a:gd name="connsiteY1" fmla="*/ 12850 h 825932"/>
+              <a:gd name="connsiteX2" fmla="*/ 3472060 w 3472060"/>
+              <a:gd name="connsiteY2" fmla="*/ 480529 h 825932"/>
+              <a:gd name="connsiteX3" fmla="*/ 3363699 w 3472060"/>
+              <a:gd name="connsiteY3" fmla="*/ 498471 h 825932"/>
+              <a:gd name="connsiteX4" fmla="*/ 42060 w 3472060"/>
+              <a:gd name="connsiteY4" fmla="*/ 824486 h 825932"/>
+              <a:gd name="connsiteX5" fmla="*/ 0 w 3472060"/>
+              <a:gd name="connsiteY5" fmla="*/ 758452 h 825932"/>
+              <a:gd name="connsiteX6" fmla="*/ 188014 w 3472060"/>
+              <a:gd name="connsiteY6" fmla="*/ 735602 h 825932"/>
+              <a:gd name="connsiteX7" fmla="*/ 284087 w 3472060"/>
+              <a:gd name="connsiteY7" fmla="*/ 722590 h 825932"/>
+              <a:gd name="connsiteX8" fmla="*/ 382288 w 3472060"/>
+              <a:gd name="connsiteY8" fmla="*/ 709392 h 825932"/>
+              <a:gd name="connsiteX9" fmla="*/ 481858 w 3472060"/>
+              <a:gd name="connsiteY9" fmla="*/ 695774 h 825932"/>
+              <a:gd name="connsiteX10" fmla="*/ 581897 w 3472060"/>
+              <a:gd name="connsiteY10" fmla="*/ 680711 h 825932"/>
+              <a:gd name="connsiteX11" fmla="*/ 683670 w 3472060"/>
+              <a:gd name="connsiteY11" fmla="*/ 665256 h 825932"/>
+              <a:gd name="connsiteX12" fmla="*/ 787206 w 3472060"/>
+              <a:gd name="connsiteY12" fmla="*/ 649587 h 825932"/>
+              <a:gd name="connsiteX13" fmla="*/ 892019 w 3472060"/>
+              <a:gd name="connsiteY13" fmla="*/ 632968 h 825932"/>
+              <a:gd name="connsiteX14" fmla="*/ 997620 w 3472060"/>
+              <a:gd name="connsiteY14" fmla="*/ 614667 h 825932"/>
+              <a:gd name="connsiteX15" fmla="*/ 1104727 w 3472060"/>
+              <a:gd name="connsiteY15" fmla="*/ 596741 h 825932"/>
+              <a:gd name="connsiteX16" fmla="*/ 1212669 w 3472060"/>
+              <a:gd name="connsiteY16" fmla="*/ 577397 h 825932"/>
+              <a:gd name="connsiteX17" fmla="*/ 1321506 w 3472060"/>
+              <a:gd name="connsiteY17" fmla="*/ 556988 h 825932"/>
+              <a:gd name="connsiteX18" fmla="*/ 1430709 w 3472060"/>
+              <a:gd name="connsiteY18" fmla="*/ 536607 h 825932"/>
+              <a:gd name="connsiteX19" fmla="*/ 1541050 w 3472060"/>
+              <a:gd name="connsiteY19" fmla="*/ 514481 h 825932"/>
+              <a:gd name="connsiteX20" fmla="*/ 1652805 w 3472060"/>
+              <a:gd name="connsiteY20" fmla="*/ 492202 h 825932"/>
+              <a:gd name="connsiteX21" fmla="*/ 1763708 w 3472060"/>
+              <a:gd name="connsiteY21" fmla="*/ 469161 h 825932"/>
+              <a:gd name="connsiteX22" fmla="*/ 1875795 w 3472060"/>
+              <a:gd name="connsiteY22" fmla="*/ 444641 h 825932"/>
+              <a:gd name="connsiteX23" fmla="*/ 1989128 w 3472060"/>
+              <a:gd name="connsiteY23" fmla="*/ 418995 h 825932"/>
+              <a:gd name="connsiteX24" fmla="*/ 2102476 w 3472060"/>
+              <a:gd name="connsiteY24" fmla="*/ 393438 h 825932"/>
+              <a:gd name="connsiteX25" fmla="*/ 2215549 w 3472060"/>
+              <a:gd name="connsiteY25" fmla="*/ 366291 h 825932"/>
+              <a:gd name="connsiteX26" fmla="*/ 2330490 w 3472060"/>
+              <a:gd name="connsiteY26" fmla="*/ 337455 h 825932"/>
+              <a:gd name="connsiteX27" fmla="*/ 2443333 w 3472060"/>
+              <a:gd name="connsiteY27" fmla="*/ 308983 h 825932"/>
+              <a:gd name="connsiteX28" fmla="*/ 2558014 w 3472060"/>
+              <a:gd name="connsiteY28" fmla="*/ 278646 h 825932"/>
+              <a:gd name="connsiteX29" fmla="*/ 2673621 w 3472060"/>
+              <a:gd name="connsiteY29" fmla="*/ 247421 h 825932"/>
+              <a:gd name="connsiteX30" fmla="*/ 2787008 w 3472060"/>
+              <a:gd name="connsiteY30" fmla="*/ 215853 h 825932"/>
+              <a:gd name="connsiteX31" fmla="*/ 2901442 w 3472060"/>
+              <a:gd name="connsiteY31" fmla="*/ 182011 h 825932"/>
+              <a:gd name="connsiteX32" fmla="*/ 3015722 w 3472060"/>
+              <a:gd name="connsiteY32" fmla="*/ 147286 h 825932"/>
+              <a:gd name="connsiteX33" fmla="*/ 3130018 w 3472060"/>
+              <a:gd name="connsiteY33" fmla="*/ 112649 h 825932"/>
+              <a:gd name="connsiteX34" fmla="*/ 3243551 w 3472060"/>
+              <a:gd name="connsiteY34" fmla="*/ 75688 h 825932"/>
+              <a:gd name="connsiteX35" fmla="*/ 3356992 w 3472060"/>
+              <a:gd name="connsiteY35" fmla="*/ 38197 h 825932"/>
+              <a:gd name="connsiteX36" fmla="*/ 3470310 w 3472060"/>
+              <a:gd name="connsiteY36" fmla="*/ 0 h 825932"/>
+            </a:gdLst>
+            <a:ahLst/>
+            <a:cxnLst>
+              <a:cxn ang="0">
+                <a:pos x="connsiteX0" y="connsiteY0"/>
+              </a:cxn>
+              <a:cxn ang="0">
+                <a:pos x="connsiteX1" y="connsiteY1"/>
+              </a:cxn>
+              <a:cxn ang="0">
+                <a:pos x="connsiteX2" y="connsiteY2"/>
+              </a:cxn>
+              <a:cxn ang="0">
+                <a:pos x="connsiteX3" y="connsiteY3"/>
+              </a:cxn>
+              <a:cxn ang="0">
+                <a:pos x="connsiteX4" y="connsiteY4"/>
+              </a:cxn>
+              <a:cxn ang="0">
+                <a:pos x="connsiteX5" y="connsiteY5"/>
+              </a:cxn>
+              <a:cxn ang="0">
+                <a:pos x="connsiteX6" y="connsiteY6"/>
+              </a:cxn>
+              <a:cxn ang="0">
+                <a:pos x="connsiteX7" y="connsiteY7"/>
+              </a:cxn>
+              <a:cxn ang="0">
+                <a:pos x="connsiteX8" y="connsiteY8"/>
+              </a:cxn>
+              <a:cxn ang="0">
+                <a:pos x="connsiteX9" y="connsiteY9"/>
+              </a:cxn>
+              <a:cxn ang="0">
+                <a:pos x="connsiteX10" y="connsiteY10"/>
+              </a:cxn>
+              <a:cxn ang="0">
+                <a:pos x="connsiteX11" y="connsiteY11"/>
+              </a:cxn>
+              <a:cxn ang="0">
+                <a:pos x="connsiteX12" y="connsiteY12"/>
+              </a:cxn>
+              <a:cxn ang="0">
+                <a:pos x="connsiteX13" y="connsiteY13"/>
+              </a:cxn>
+              <a:cxn ang="0">
+                <a:pos x="connsiteX14" y="connsiteY14"/>
+              </a:cxn>
+              <a:cxn ang="0">
+                <a:pos x="connsiteX15" y="connsiteY15"/>
+              </a:cxn>
+              <a:cxn ang="0">
+                <a:pos x="connsiteX16" y="connsiteY16"/>
+              </a:cxn>
+              <a:cxn ang="0">
+                <a:pos x="connsiteX17" y="connsiteY17"/>
+              </a:cxn>
+              <a:cxn ang="0">
+                <a:pos x="connsiteX18" y="connsiteY18"/>
+              </a:cxn>
+              <a:cxn ang="0">
+                <a:pos x="connsiteX19" y="connsiteY19"/>
+              </a:cxn>
+              <a:cxn ang="0">
+                <a:pos x="connsiteX20" y="connsiteY20"/>
+              </a:cxn>
+              <a:cxn ang="0">
+                <a:pos x="connsiteX21" y="connsiteY21"/>
+              </a:cxn>
+              <a:cxn ang="0">
+                <a:pos x="connsiteX22" y="connsiteY22"/>
+              </a:cxn>
+              <a:cxn ang="0">
+                <a:pos x="connsiteX23" y="connsiteY23"/>
+              </a:cxn>
+              <a:cxn ang="0">
+                <a:pos x="connsiteX24" y="connsiteY24"/>
+              </a:cxn>
+              <a:cxn ang="0">
+                <a:pos x="connsiteX25" y="connsiteY25"/>
+              </a:cxn>
+              <a:cxn ang="0">
+                <a:pos x="connsiteX26" y="connsiteY26"/>
+              </a:cxn>
+              <a:cxn ang="0">
+                <a:pos x="connsiteX27" y="connsiteY27"/>
+              </a:cxn>
+              <a:cxn ang="0">
+                <a:pos x="connsiteX28" y="connsiteY28"/>
+              </a:cxn>
+              <a:cxn ang="0">
+                <a:pos x="connsiteX29" y="connsiteY29"/>
+              </a:cxn>
+              <a:cxn ang="0">
+                <a:pos x="connsiteX30" y="connsiteY30"/>
+              </a:cxn>
+              <a:cxn ang="0">
+                <a:pos x="connsiteX31" y="connsiteY31"/>
+              </a:cxn>
+              <a:cxn ang="0">
+                <a:pos x="connsiteX32" y="connsiteY32"/>
+              </a:cxn>
+              <a:cxn ang="0">
+                <a:pos x="connsiteX33" y="connsiteY33"/>
+              </a:cxn>
+              <a:cxn ang="0">
+                <a:pos x="connsiteX34" y="connsiteY34"/>
+              </a:cxn>
+              <a:cxn ang="0">
+                <a:pos x="connsiteX35" y="connsiteY35"/>
+              </a:cxn>
+              <a:cxn ang="0">
+                <a:pos x="connsiteX36" y="connsiteY36"/>
+              </a:cxn>
+            </a:cxnLst>
+            <a:rect l="l" t="t" r="r" b="b"/>
+            <a:pathLst>
+              <a:path w="3472060" h="825932">
+                <a:moveTo>
+                  <a:pt x="3470310" y="0"/>
+                </a:moveTo>
+                <a:lnTo>
+                  <a:pt x="3472060" y="12850"/>
+                </a:lnTo>
+                <a:lnTo>
+                  <a:pt x="3472060" y="480529"/>
+                </a:lnTo>
+                <a:lnTo>
+                  <a:pt x="3363699" y="498471"/>
+                </a:lnTo>
+                <a:cubicBezTo>
+                  <a:pt x="2435623" y="645518"/>
+                  <a:pt x="603076" y="844866"/>
+                  <a:pt x="42060" y="824486"/>
+                </a:cubicBezTo>
+                <a:cubicBezTo>
+                  <a:pt x="28151" y="802425"/>
+                  <a:pt x="13909" y="780513"/>
+                  <a:pt x="0" y="758452"/>
+                </a:cubicBezTo>
+                <a:lnTo>
+                  <a:pt x="188014" y="735602"/>
+                </a:lnTo>
+                <a:lnTo>
+                  <a:pt x="284087" y="722590"/>
+                </a:lnTo>
+                <a:lnTo>
+                  <a:pt x="382288" y="709392"/>
+                </a:lnTo>
+                <a:lnTo>
+                  <a:pt x="481858" y="695774"/>
+                </a:lnTo>
+                <a:lnTo>
+                  <a:pt x="581897" y="680711"/>
+                </a:lnTo>
+                <a:lnTo>
+                  <a:pt x="683670" y="665256"/>
+                </a:lnTo>
+                <a:lnTo>
+                  <a:pt x="787206" y="649587"/>
+                </a:lnTo>
+                <a:lnTo>
+                  <a:pt x="892019" y="632968"/>
+                </a:lnTo>
+                <a:lnTo>
+                  <a:pt x="997620" y="614667"/>
+                </a:lnTo>
+                <a:lnTo>
+                  <a:pt x="1104727" y="596741"/>
+                </a:lnTo>
+                <a:lnTo>
+                  <a:pt x="1212669" y="577397"/>
+                </a:lnTo>
+                <a:lnTo>
+                  <a:pt x="1321506" y="556988"/>
+                </a:lnTo>
+                <a:lnTo>
+                  <a:pt x="1430709" y="536607"/>
+                </a:lnTo>
+                <a:lnTo>
+                  <a:pt x="1541050" y="514481"/>
+                </a:lnTo>
+                <a:lnTo>
+                  <a:pt x="1652805" y="492202"/>
+                </a:lnTo>
+                <a:lnTo>
+                  <a:pt x="1763708" y="469161"/>
+                </a:lnTo>
+                <a:lnTo>
+                  <a:pt x="1875795" y="444641"/>
+                </a:lnTo>
+                <a:lnTo>
+                  <a:pt x="1989128" y="418995"/>
+                </a:lnTo>
+                <a:lnTo>
+                  <a:pt x="2102476" y="393438"/>
+                </a:lnTo>
+                <a:lnTo>
+                  <a:pt x="2215549" y="366291"/>
+                </a:lnTo>
+                <a:lnTo>
+                  <a:pt x="2330490" y="337455"/>
+                </a:lnTo>
+                <a:lnTo>
+                  <a:pt x="2443333" y="308983"/>
+                </a:lnTo>
+                <a:lnTo>
+                  <a:pt x="2558014" y="278646"/>
+                </a:lnTo>
+                <a:lnTo>
+                  <a:pt x="2673621" y="247421"/>
+                </a:lnTo>
+                <a:lnTo>
+                  <a:pt x="2787008" y="215853"/>
+                </a:lnTo>
+                <a:lnTo>
+                  <a:pt x="2901442" y="182011"/>
+                </a:lnTo>
+                <a:lnTo>
+                  <a:pt x="3015722" y="147286"/>
+                </a:lnTo>
+                <a:lnTo>
+                  <a:pt x="3130018" y="112649"/>
+                </a:lnTo>
+                <a:lnTo>
+                  <a:pt x="3243551" y="75688"/>
+                </a:lnTo>
+                <a:lnTo>
+                  <a:pt x="3356992" y="38197"/>
+                </a:lnTo>
+                <a:lnTo>
+                  <a:pt x="3470310" y="0"/>
+                </a:lnTo>
+                <a:close/>
+              </a:path>
+            </a:pathLst>
+          </a:custGeom>
+          <a:solidFill>
+            <a:schemeClr val="tx1">
+              <a:alpha val="20000"/>
+            </a:schemeClr>
+          </a:solidFill>
+          <a:ln>
+            <a:noFill/>
+          </a:ln>
+        </p:spPr>
+        <p:txBody>
+          <a:bodyPr rtlCol="0" anchor="ctr"/>
+          <a:lstStyle/>
+          <a:p>
+            <a:pPr algn="ctr"/>
+            <a:endParaRPr lang="en-US">
+              <a:solidFill>
+                <a:schemeClr val="tx1"/>
+              </a:solidFill>
+            </a:endParaRPr>
+          </a:p>
+        </p:txBody>
+      </p:sp>
+      <p:sp>
+        <p:nvSpPr>
+          <p:cNvPr id="24" name="Freeform: Shape 23">
+            <a:extLst>
+              <a:ext uri="{FF2B5EF4-FFF2-40B4-BE49-F238E27FC236}">
+                <a16:creationId xmlns:a16="http://schemas.microsoft.com/office/drawing/2014/main" id="{DF6FB2B2-CE21-407F-B22E-302DADC2C3D3}"/>
+              </a:ext>
+              <a:ext uri="{C183D7F6-B498-43B3-948B-1728B52AA6E4}">
+                <adec:decorative xmlns:adec="http://schemas.microsoft.com/office/drawing/2017/decorative" val="1"/>
+              </a:ext>
+            </a:extLst>
+          </p:cNvPr>
+          <p:cNvSpPr>
+            <a:spLocks noGrp="1" noRot="1" noChangeAspect="1" noMove="1" noResize="1" noEditPoints="1" noAdjustHandles="1" noChangeArrowheads="1" noChangeShapeType="1" noTextEdit="1"/>
+          </p:cNvSpPr>
+          <p:nvPr>
+            <p:extLst>
+              <p:ext uri="{386F3935-93C4-4BCD-93E2-E3B085C9AB24}">
+                <p16:designElem xmlns:p16="http://schemas.microsoft.com/office/powerpoint/2015/main" val="1"/>
+              </p:ext>
+            </p:extLst>
+          </p:nvPr>
+        </p:nvSpPr>
+        <p:spPr>
+          <a:xfrm>
+            <a:off x="0" y="4055533"/>
+            <a:ext cx="12192000" cy="2802467"/>
+          </a:xfrm>
+          <a:custGeom>
+            <a:avLst/>
+            <a:gdLst>
+              <a:gd name="connsiteX0" fmla="*/ 1 w 12192000"/>
+              <a:gd name="connsiteY0" fmla="*/ 0 h 2802467"/>
+              <a:gd name="connsiteX1" fmla="*/ 71932 w 12192000"/>
+              <a:gd name="connsiteY1" fmla="*/ 12261 h 2802467"/>
+              <a:gd name="connsiteX2" fmla="*/ 282848 w 12192000"/>
+              <a:gd name="connsiteY2" fmla="*/ 48342 h 2802467"/>
+              <a:gd name="connsiteX3" fmla="*/ 436464 w 12192000"/>
+              <a:gd name="connsiteY3" fmla="*/ 73565 h 2802467"/>
+              <a:gd name="connsiteX4" fmla="*/ 619339 w 12192000"/>
+              <a:gd name="connsiteY4" fmla="*/ 100188 h 2802467"/>
+              <a:gd name="connsiteX5" fmla="*/ 836351 w 12192000"/>
+              <a:gd name="connsiteY5" fmla="*/ 132066 h 2802467"/>
+              <a:gd name="connsiteX6" fmla="*/ 1076528 w 12192000"/>
+              <a:gd name="connsiteY6" fmla="*/ 165696 h 2802467"/>
+              <a:gd name="connsiteX7" fmla="*/ 1347183 w 12192000"/>
+              <a:gd name="connsiteY7" fmla="*/ 201077 h 2802467"/>
+              <a:gd name="connsiteX8" fmla="*/ 1642223 w 12192000"/>
+              <a:gd name="connsiteY8" fmla="*/ 238560 h 2802467"/>
+              <a:gd name="connsiteX9" fmla="*/ 1962864 w 12192000"/>
+              <a:gd name="connsiteY9" fmla="*/ 276043 h 2802467"/>
+              <a:gd name="connsiteX10" fmla="*/ 2304232 w 12192000"/>
+              <a:gd name="connsiteY10" fmla="*/ 314226 h 2802467"/>
+              <a:gd name="connsiteX11" fmla="*/ 2672421 w 12192000"/>
+              <a:gd name="connsiteY11" fmla="*/ 349608 h 2802467"/>
+              <a:gd name="connsiteX12" fmla="*/ 3057678 w 12192000"/>
+              <a:gd name="connsiteY12" fmla="*/ 383587 h 2802467"/>
+              <a:gd name="connsiteX13" fmla="*/ 3464881 w 12192000"/>
+              <a:gd name="connsiteY13" fmla="*/ 414415 h 2802467"/>
+              <a:gd name="connsiteX14" fmla="*/ 3889152 w 12192000"/>
+              <a:gd name="connsiteY14" fmla="*/ 443840 h 2802467"/>
+              <a:gd name="connsiteX15" fmla="*/ 4331710 w 12192000"/>
+              <a:gd name="connsiteY15" fmla="*/ 471515 h 2802467"/>
+              <a:gd name="connsiteX16" fmla="*/ 4558476 w 12192000"/>
+              <a:gd name="connsiteY16" fmla="*/ 481323 h 2802467"/>
+              <a:gd name="connsiteX17" fmla="*/ 4790118 w 12192000"/>
+              <a:gd name="connsiteY17" fmla="*/ 492183 h 2802467"/>
+              <a:gd name="connsiteX18" fmla="*/ 5025418 w 12192000"/>
+              <a:gd name="connsiteY18" fmla="*/ 502342 h 2802467"/>
+              <a:gd name="connsiteX19" fmla="*/ 5261937 w 12192000"/>
+              <a:gd name="connsiteY19" fmla="*/ 508998 h 2802467"/>
+              <a:gd name="connsiteX20" fmla="*/ 5503332 w 12192000"/>
+              <a:gd name="connsiteY20" fmla="*/ 514953 h 2802467"/>
+              <a:gd name="connsiteX21" fmla="*/ 5747166 w 12192000"/>
+              <a:gd name="connsiteY21" fmla="*/ 521259 h 2802467"/>
+              <a:gd name="connsiteX22" fmla="*/ 5995877 w 12192000"/>
+              <a:gd name="connsiteY22" fmla="*/ 525462 h 2802467"/>
+              <a:gd name="connsiteX23" fmla="*/ 6247026 w 12192000"/>
+              <a:gd name="connsiteY23" fmla="*/ 525462 h 2802467"/>
+              <a:gd name="connsiteX24" fmla="*/ 6500613 w 12192000"/>
+              <a:gd name="connsiteY24" fmla="*/ 527564 h 2802467"/>
+              <a:gd name="connsiteX25" fmla="*/ 6756639 w 12192000"/>
+              <a:gd name="connsiteY25" fmla="*/ 525462 h 2802467"/>
+              <a:gd name="connsiteX26" fmla="*/ 7016322 w 12192000"/>
+              <a:gd name="connsiteY26" fmla="*/ 521259 h 2802467"/>
+              <a:gd name="connsiteX27" fmla="*/ 7276005 w 12192000"/>
+              <a:gd name="connsiteY27" fmla="*/ 517405 h 2802467"/>
+              <a:gd name="connsiteX28" fmla="*/ 7539345 w 12192000"/>
+              <a:gd name="connsiteY28" fmla="*/ 508998 h 2802467"/>
+              <a:gd name="connsiteX29" fmla="*/ 7805124 w 12192000"/>
+              <a:gd name="connsiteY29" fmla="*/ 500240 h 2802467"/>
+              <a:gd name="connsiteX30" fmla="*/ 8070903 w 12192000"/>
+              <a:gd name="connsiteY30" fmla="*/ 490081 h 2802467"/>
+              <a:gd name="connsiteX31" fmla="*/ 8339121 w 12192000"/>
+              <a:gd name="connsiteY31" fmla="*/ 475719 h 2802467"/>
+              <a:gd name="connsiteX32" fmla="*/ 8609776 w 12192000"/>
+              <a:gd name="connsiteY32" fmla="*/ 458553 h 2802467"/>
+              <a:gd name="connsiteX33" fmla="*/ 8881651 w 12192000"/>
+              <a:gd name="connsiteY33" fmla="*/ 442089 h 2802467"/>
+              <a:gd name="connsiteX34" fmla="*/ 9153526 w 12192000"/>
+              <a:gd name="connsiteY34" fmla="*/ 421070 h 2802467"/>
+              <a:gd name="connsiteX35" fmla="*/ 9429058 w 12192000"/>
+              <a:gd name="connsiteY35" fmla="*/ 395848 h 2802467"/>
+              <a:gd name="connsiteX36" fmla="*/ 9700933 w 12192000"/>
+              <a:gd name="connsiteY36" fmla="*/ 370626 h 2802467"/>
+              <a:gd name="connsiteX37" fmla="*/ 9977684 w 12192000"/>
+              <a:gd name="connsiteY37" fmla="*/ 341550 h 2802467"/>
+              <a:gd name="connsiteX38" fmla="*/ 10255655 w 12192000"/>
+              <a:gd name="connsiteY38" fmla="*/ 309672 h 2802467"/>
+              <a:gd name="connsiteX39" fmla="*/ 10529968 w 12192000"/>
+              <a:gd name="connsiteY39" fmla="*/ 276043 h 2802467"/>
+              <a:gd name="connsiteX40" fmla="*/ 10807939 w 12192000"/>
+              <a:gd name="connsiteY40" fmla="*/ 236808 h 2802467"/>
+              <a:gd name="connsiteX41" fmla="*/ 11084690 w 12192000"/>
+              <a:gd name="connsiteY41" fmla="*/ 194771 h 2802467"/>
+              <a:gd name="connsiteX42" fmla="*/ 11362661 w 12192000"/>
+              <a:gd name="connsiteY42" fmla="*/ 153085 h 2802467"/>
+              <a:gd name="connsiteX43" fmla="*/ 11639412 w 12192000"/>
+              <a:gd name="connsiteY43" fmla="*/ 104392 h 2802467"/>
+              <a:gd name="connsiteX44" fmla="*/ 11914945 w 12192000"/>
+              <a:gd name="connsiteY44" fmla="*/ 54648 h 2802467"/>
+              <a:gd name="connsiteX45" fmla="*/ 12191696 w 12192000"/>
+              <a:gd name="connsiteY45" fmla="*/ 2452 h 2802467"/>
+              <a:gd name="connsiteX46" fmla="*/ 12191696 w 12192000"/>
+              <a:gd name="connsiteY46" fmla="*/ 2236410 h 2802467"/>
+              <a:gd name="connsiteX47" fmla="*/ 12192000 w 12192000"/>
+              <a:gd name="connsiteY47" fmla="*/ 2236410 h 2802467"/>
+              <a:gd name="connsiteX48" fmla="*/ 12192000 w 12192000"/>
+              <a:gd name="connsiteY48" fmla="*/ 2802467 h 2802467"/>
+              <a:gd name="connsiteX49" fmla="*/ 12191696 w 12192000"/>
+              <a:gd name="connsiteY49" fmla="*/ 2802467 h 2802467"/>
+              <a:gd name="connsiteX50" fmla="*/ 0 w 12192000"/>
+              <a:gd name="connsiteY50" fmla="*/ 2802467 h 2802467"/>
+              <a:gd name="connsiteX51" fmla="*/ 0 w 12192000"/>
+              <a:gd name="connsiteY51" fmla="*/ 2236410 h 2802467"/>
+              <a:gd name="connsiteX52" fmla="*/ 1 w 12192000"/>
+              <a:gd name="connsiteY52" fmla="*/ 2236410 h 2802467"/>
+            </a:gdLst>
+            <a:ahLst/>
+            <a:cxnLst>
+              <a:cxn ang="0">
+                <a:pos x="connsiteX0" y="connsiteY0"/>
+              </a:cxn>
+              <a:cxn ang="0">
+                <a:pos x="connsiteX1" y="connsiteY1"/>
+              </a:cxn>
+              <a:cxn ang="0">
+                <a:pos x="connsiteX2" y="connsiteY2"/>
+              </a:cxn>
+              <a:cxn ang="0">
+                <a:pos x="connsiteX3" y="connsiteY3"/>
+              </a:cxn>
+              <a:cxn ang="0">
+                <a:pos x="connsiteX4" y="connsiteY4"/>
+              </a:cxn>
+              <a:cxn ang="0">
+                <a:pos x="connsiteX5" y="connsiteY5"/>
+              </a:cxn>
+              <a:cxn ang="0">
+                <a:pos x="connsiteX6" y="connsiteY6"/>
+              </a:cxn>
+              <a:cxn ang="0">
+                <a:pos x="connsiteX7" y="connsiteY7"/>
+              </a:cxn>
+              <a:cxn ang="0">
+                <a:pos x="connsiteX8" y="connsiteY8"/>
+              </a:cxn>
+              <a:cxn ang="0">
+                <a:pos x="connsiteX9" y="connsiteY9"/>
+              </a:cxn>
+              <a:cxn ang="0">
+                <a:pos x="connsiteX10" y="connsiteY10"/>
+              </a:cxn>
+              <a:cxn ang="0">
+                <a:pos x="connsiteX11" y="connsiteY11"/>
+              </a:cxn>
+              <a:cxn ang="0">
+                <a:pos x="connsiteX12" y="connsiteY12"/>
+              </a:cxn>
+              <a:cxn ang="0">
+                <a:pos x="connsiteX13" y="connsiteY13"/>
+              </a:cxn>
+              <a:cxn ang="0">
+                <a:pos x="connsiteX14" y="connsiteY14"/>
+              </a:cxn>
+              <a:cxn ang="0">
+                <a:pos x="connsiteX15" y="connsiteY15"/>
+              </a:cxn>
+              <a:cxn ang="0">
+                <a:pos x="connsiteX16" y="connsiteY16"/>
+              </a:cxn>
+              <a:cxn ang="0">
+                <a:pos x="connsiteX17" y="connsiteY17"/>
+              </a:cxn>
+              <a:cxn ang="0">
+                <a:pos x="connsiteX18" y="connsiteY18"/>
+              </a:cxn>
+              <a:cxn ang="0">
+                <a:pos x="connsiteX19" y="connsiteY19"/>
+              </a:cxn>
+              <a:cxn ang="0">
+                <a:pos x="connsiteX20" y="connsiteY20"/>
+              </a:cxn>
+              <a:cxn ang="0">
+                <a:pos x="connsiteX21" y="connsiteY21"/>
+              </a:cxn>
+              <a:cxn ang="0">
+                <a:pos x="connsiteX22" y="connsiteY22"/>
+              </a:cxn>
+              <a:cxn ang="0">
+                <a:pos x="connsiteX23" y="connsiteY23"/>
+              </a:cxn>
+              <a:cxn ang="0">
+                <a:pos x="connsiteX24" y="connsiteY24"/>
+              </a:cxn>
+              <a:cxn ang="0">
+                <a:pos x="connsiteX25" y="connsiteY25"/>
+              </a:cxn>
+              <a:cxn ang="0">
+                <a:pos x="connsiteX26" y="connsiteY26"/>
+              </a:cxn>
+              <a:cxn ang="0">
+                <a:pos x="connsiteX27" y="connsiteY27"/>
+              </a:cxn>
+              <a:cxn ang="0">
+                <a:pos x="connsiteX28" y="connsiteY28"/>
+              </a:cxn>
+              <a:cxn ang="0">
+                <a:pos x="connsiteX29" y="connsiteY29"/>
+              </a:cxn>
+              <a:cxn ang="0">
+                <a:pos x="connsiteX30" y="connsiteY30"/>
+              </a:cxn>
+              <a:cxn ang="0">
+                <a:pos x="connsiteX31" y="connsiteY31"/>
+              </a:cxn>
+              <a:cxn ang="0">
+                <a:pos x="connsiteX32" y="connsiteY32"/>
+              </a:cxn>
+              <a:cxn ang="0">
+                <a:pos x="connsiteX33" y="connsiteY33"/>
+              </a:cxn>
+              <a:cxn ang="0">
+                <a:pos x="connsiteX34" y="connsiteY34"/>
+              </a:cxn>
+              <a:cxn ang="0">
+                <a:pos x="connsiteX35" y="connsiteY35"/>
+              </a:cxn>
+              <a:cxn ang="0">
+                <a:pos x="connsiteX36" y="connsiteY36"/>
+              </a:cxn>
+              <a:cxn ang="0">
+                <a:pos x="connsiteX37" y="connsiteY37"/>
+              </a:cxn>
+              <a:cxn ang="0">
+                <a:pos x="connsiteX38" y="connsiteY38"/>
+              </a:cxn>
+              <a:cxn ang="0">
+                <a:pos x="connsiteX39" y="connsiteY39"/>
+              </a:cxn>
+              <a:cxn ang="0">
+                <a:pos x="connsiteX40" y="connsiteY40"/>
+              </a:cxn>
+              <a:cxn ang="0">
+                <a:pos x="connsiteX41" y="connsiteY41"/>
+              </a:cxn>
+              <a:cxn ang="0">
+                <a:pos x="connsiteX42" y="connsiteY42"/>
+              </a:cxn>
+              <a:cxn ang="0">
+                <a:pos x="connsiteX43" y="connsiteY43"/>
+              </a:cxn>
+              <a:cxn ang="0">
+                <a:pos x="connsiteX44" y="connsiteY44"/>
+              </a:cxn>
+              <a:cxn ang="0">
+                <a:pos x="connsiteX45" y="connsiteY45"/>
+              </a:cxn>
+              <a:cxn ang="0">
+                <a:pos x="connsiteX46" y="connsiteY46"/>
+              </a:cxn>
+              <a:cxn ang="0">
+                <a:pos x="connsiteX47" y="connsiteY47"/>
+              </a:cxn>
+              <a:cxn ang="0">
+                <a:pos x="connsiteX48" y="connsiteY48"/>
+              </a:cxn>
+              <a:cxn ang="0">
+                <a:pos x="connsiteX49" y="connsiteY49"/>
+              </a:cxn>
+              <a:cxn ang="0">
+                <a:pos x="connsiteX50" y="connsiteY50"/>
+              </a:cxn>
+              <a:cxn ang="0">
+                <a:pos x="connsiteX51" y="connsiteY51"/>
+              </a:cxn>
+              <a:cxn ang="0">
+                <a:pos x="connsiteX52" y="connsiteY52"/>
+              </a:cxn>
+            </a:cxnLst>
+            <a:rect l="l" t="t" r="r" b="b"/>
+            <a:pathLst>
+              <a:path w="12192000" h="2802467">
+                <a:moveTo>
+                  <a:pt x="1" y="0"/>
+                </a:moveTo>
+                <a:lnTo>
+                  <a:pt x="71932" y="12261"/>
+                </a:lnTo>
+                <a:lnTo>
+                  <a:pt x="282848" y="48342"/>
+                </a:lnTo>
+                <a:lnTo>
+                  <a:pt x="436464" y="73565"/>
+                </a:lnTo>
+                <a:lnTo>
+                  <a:pt x="619339" y="100188"/>
+                </a:lnTo>
+                <a:lnTo>
+                  <a:pt x="836351" y="132066"/>
+                </a:lnTo>
+                <a:lnTo>
+                  <a:pt x="1076528" y="165696"/>
+                </a:lnTo>
+                <a:lnTo>
+                  <a:pt x="1347183" y="201077"/>
+                </a:lnTo>
+                <a:lnTo>
+                  <a:pt x="1642223" y="238560"/>
+                </a:lnTo>
+                <a:lnTo>
+                  <a:pt x="1962864" y="276043"/>
+                </a:lnTo>
+                <a:lnTo>
+                  <a:pt x="2304232" y="314226"/>
+                </a:lnTo>
+                <a:lnTo>
+                  <a:pt x="2672421" y="349608"/>
+                </a:lnTo>
+                <a:lnTo>
+                  <a:pt x="3057678" y="383587"/>
+                </a:lnTo>
+                <a:lnTo>
+                  <a:pt x="3464881" y="414415"/>
+                </a:lnTo>
+                <a:lnTo>
+                  <a:pt x="3889152" y="443840"/>
+                </a:lnTo>
+                <a:lnTo>
+                  <a:pt x="4331710" y="471515"/>
+                </a:lnTo>
+                <a:lnTo>
+                  <a:pt x="4558476" y="481323"/>
+                </a:lnTo>
+                <a:lnTo>
+                  <a:pt x="4790118" y="492183"/>
+                </a:lnTo>
+                <a:lnTo>
+                  <a:pt x="5025418" y="502342"/>
+                </a:lnTo>
+                <a:lnTo>
+                  <a:pt x="5261937" y="508998"/>
+                </a:lnTo>
+                <a:lnTo>
+                  <a:pt x="5503332" y="514953"/>
+                </a:lnTo>
+                <a:lnTo>
+                  <a:pt x="5747166" y="521259"/>
+                </a:lnTo>
+                <a:lnTo>
+                  <a:pt x="5995877" y="525462"/>
+                </a:lnTo>
+                <a:lnTo>
+                  <a:pt x="6247026" y="525462"/>
+                </a:lnTo>
+                <a:lnTo>
+                  <a:pt x="6500613" y="527564"/>
+                </a:lnTo>
+                <a:lnTo>
+                  <a:pt x="6756639" y="525462"/>
+                </a:lnTo>
+                <a:lnTo>
+                  <a:pt x="7016322" y="521259"/>
+                </a:lnTo>
+                <a:lnTo>
+                  <a:pt x="7276005" y="517405"/>
+                </a:lnTo>
+                <a:lnTo>
+                  <a:pt x="7539345" y="508998"/>
+                </a:lnTo>
+                <a:lnTo>
+                  <a:pt x="7805124" y="500240"/>
+                </a:lnTo>
+                <a:lnTo>
+                  <a:pt x="8070903" y="490081"/>
+                </a:lnTo>
+                <a:lnTo>
+                  <a:pt x="8339121" y="475719"/>
+                </a:lnTo>
+                <a:lnTo>
+                  <a:pt x="8609776" y="458553"/>
+                </a:lnTo>
+                <a:lnTo>
+                  <a:pt x="8881651" y="442089"/>
+                </a:lnTo>
+                <a:lnTo>
+                  <a:pt x="9153526" y="421070"/>
+                </a:lnTo>
+                <a:lnTo>
+                  <a:pt x="9429058" y="395848"/>
+                </a:lnTo>
+                <a:lnTo>
+                  <a:pt x="9700933" y="370626"/>
+                </a:lnTo>
+                <a:lnTo>
+                  <a:pt x="9977684" y="341550"/>
+                </a:lnTo>
+                <a:lnTo>
+                  <a:pt x="10255655" y="309672"/>
+                </a:lnTo>
+                <a:lnTo>
+                  <a:pt x="10529968" y="276043"/>
+                </a:lnTo>
+                <a:lnTo>
+                  <a:pt x="10807939" y="236808"/>
+                </a:lnTo>
+                <a:lnTo>
+                  <a:pt x="11084690" y="194771"/>
+                </a:lnTo>
+                <a:lnTo>
+                  <a:pt x="11362661" y="153085"/>
+                </a:lnTo>
+                <a:lnTo>
+                  <a:pt x="11639412" y="104392"/>
+                </a:lnTo>
+                <a:lnTo>
+                  <a:pt x="11914945" y="54648"/>
+                </a:lnTo>
+                <a:lnTo>
+                  <a:pt x="12191696" y="2452"/>
+                </a:lnTo>
+                <a:lnTo>
+                  <a:pt x="12191696" y="2236410"/>
+                </a:lnTo>
+                <a:lnTo>
+                  <a:pt x="12192000" y="2236410"/>
+                </a:lnTo>
+                <a:lnTo>
+                  <a:pt x="12192000" y="2802467"/>
+                </a:lnTo>
+                <a:lnTo>
+                  <a:pt x="12191696" y="2802467"/>
+                </a:lnTo>
+                <a:lnTo>
+                  <a:pt x="0" y="2802467"/>
+                </a:lnTo>
+                <a:lnTo>
+                  <a:pt x="0" y="2236410"/>
+                </a:lnTo>
+                <a:lnTo>
+                  <a:pt x="1" y="2236410"/>
+                </a:lnTo>
+                <a:close/>
+              </a:path>
+            </a:pathLst>
+          </a:custGeom>
+          <a:solidFill>
+            <a:schemeClr val="tx2"/>
+          </a:solidFill>
+          <a:ln>
+            <a:noFill/>
+          </a:ln>
+        </p:spPr>
+        <p:style>
+          <a:lnRef idx="2">
+            <a:schemeClr val="accent1">
+              <a:shade val="50000"/>
+            </a:schemeClr>
+          </a:lnRef>
+          <a:fillRef idx="1003">
+            <a:schemeClr val="dk2"/>
+          </a:fillRef>
+          <a:effectRef idx="0">
+            <a:schemeClr val="accent1"/>
+          </a:effectRef>
+          <a:fontRef idx="minor">
+            <a:schemeClr val="lt1"/>
+          </a:fontRef>
+        </p:style>
+        <p:txBody>
+          <a:bodyPr rtlCol="0" anchor="ctr"/>
+          <a:lstStyle/>
+          <a:p>
+            <a:pPr algn="ctr"/>
+            <a:endParaRPr lang="en-US"/>
+          </a:p>
+        </p:txBody>
+      </p:sp>
+      <p:sp>
+        <p:nvSpPr>
+          <p:cNvPr id="2" name="Titel 1">
+            <a:extLst>
+              <a:ext uri="{FF2B5EF4-FFF2-40B4-BE49-F238E27FC236}">
+                <a16:creationId xmlns:a16="http://schemas.microsoft.com/office/drawing/2014/main" id="{7584A85E-D4CA-46E6-A3FC-8E5FFAC10D77}"/>
+              </a:ext>
+            </a:extLst>
+          </p:cNvPr>
+          <p:cNvSpPr>
+            <a:spLocks noGrp="1"/>
+          </p:cNvSpPr>
+          <p:nvPr>
+            <p:ph type="title"/>
+          </p:nvPr>
+        </p:nvSpPr>
+        <p:spPr>
+          <a:xfrm>
+            <a:off x="965505" y="623571"/>
+            <a:ext cx="10260990" cy="3523885"/>
+          </a:xfrm>
+        </p:spPr>
+        <p:txBody>
+          <a:bodyPr vert="horz" lIns="91440" tIns="45720" rIns="91440" bIns="45720" rtlCol="0" anchor="b">
+            <a:normAutofit/>
+          </a:bodyPr>
+          <a:lstStyle/>
+          <a:p>
+            <a:pPr algn="ctr"/>
+            <a:r>
+              <a:rPr lang="de-DE" sz="8000" dirty="0"/>
+              <a:t>Frontend</a:t>
+            </a:r>
+            <a:endParaRPr lang="en-US" sz="8000" b="0" i="0" kern="1200" dirty="0">
+              <a:solidFill>
+                <a:schemeClr val="tx2"/>
+              </a:solidFill>
+              <a:latin typeface="+mj-lt"/>
+              <a:ea typeface="+mj-ea"/>
+              <a:cs typeface="+mj-cs"/>
+            </a:endParaRPr>
+          </a:p>
+        </p:txBody>
+      </p:sp>
+    </p:spTree>
+    <p:extLst>
+      <p:ext uri="{BB962C8B-B14F-4D97-AF65-F5344CB8AC3E}">
+        <p14:creationId xmlns:p14="http://schemas.microsoft.com/office/powerpoint/2010/main" val="1752442417"/>
+      </p:ext>
+    </p:extLst>
+  </p:cSld>
+  <p:clrMapOvr>
+    <a:masterClrMapping/>
+  </p:clrMapOvr>
+</p:sld>
+</file>
+
+<file path=ppt/slides/slide8.xml><?xml version="1.0" encoding="utf-8"?>
+<p:sld xmlns:a="http://schemas.openxmlformats.org/drawingml/2006/main" xmlns:r="http://schemas.openxmlformats.org/officeDocument/2006/relationships" xmlns:p="http://schemas.openxmlformats.org/presentationml/2006/main">
+  <p:cSld>
+    <p:spTree>
+      <p:nvGrpSpPr>
+        <p:cNvPr id="1" name=""/>
+        <p:cNvGrpSpPr/>
+        <p:nvPr/>
+      </p:nvGrpSpPr>
+      <p:grpSpPr>
+        <a:xfrm>
+          <a:off x="0" y="0"/>
+          <a:ext cx="0" cy="0"/>
+          <a:chOff x="0" y="0"/>
+          <a:chExt cx="0" cy="0"/>
+        </a:xfrm>
+      </p:grpSpPr>
+      <p:sp>
+        <p:nvSpPr>
+          <p:cNvPr id="2" name="Titel 1">
+            <a:extLst>
+              <a:ext uri="{FF2B5EF4-FFF2-40B4-BE49-F238E27FC236}">
+                <a16:creationId xmlns:a16="http://schemas.microsoft.com/office/drawing/2014/main" id="{61381218-6C52-426C-BD2B-13A4DD5B9756}"/>
+              </a:ext>
+            </a:extLst>
+          </p:cNvPr>
+          <p:cNvSpPr>
+            <a:spLocks noGrp="1"/>
+          </p:cNvSpPr>
+          <p:nvPr>
+            <p:ph type="title"/>
+          </p:nvPr>
+        </p:nvSpPr>
+        <p:spPr/>
+        <p:txBody>
+          <a:bodyPr/>
+          <a:lstStyle/>
+          <a:p>
+            <a:r>
+              <a:rPr lang="de-DE" dirty="0"/>
+              <a:t>Architektur</a:t>
+            </a:r>
+          </a:p>
+        </p:txBody>
+      </p:sp>
+      <p:sp>
+        <p:nvSpPr>
+          <p:cNvPr id="3" name="Inhaltsplatzhalter 2">
+            <a:extLst>
+              <a:ext uri="{FF2B5EF4-FFF2-40B4-BE49-F238E27FC236}">
+                <a16:creationId xmlns:a16="http://schemas.microsoft.com/office/drawing/2014/main" id="{73B604E8-C08B-4515-83D6-F07E9192E3D1}"/>
+              </a:ext>
+            </a:extLst>
+          </p:cNvPr>
+          <p:cNvSpPr>
+            <a:spLocks noGrp="1"/>
+          </p:cNvSpPr>
+          <p:nvPr>
+            <p:ph idx="1"/>
+          </p:nvPr>
+        </p:nvSpPr>
+        <p:spPr/>
+        <p:txBody>
+          <a:bodyPr/>
+          <a:lstStyle/>
+          <a:p>
+            <a:endParaRPr lang="de-DE"/>
+          </a:p>
+        </p:txBody>
+      </p:sp>
+    </p:spTree>
+    <p:extLst>
+      <p:ext uri="{BB962C8B-B14F-4D97-AF65-F5344CB8AC3E}">
+        <p14:creationId xmlns:p14="http://schemas.microsoft.com/office/powerpoint/2010/main" val="1155329097"/>
+      </p:ext>
+    </p:extLst>
+  </p:cSld>
+  <p:clrMapOvr>
+    <a:masterClrMapping/>
+  </p:clrMapOvr>
+</p:sld>
+</file>
+
+<file path=ppt/slides/slide9.xml><?xml version="1.0" encoding="utf-8"?>
+<p:sld xmlns:a="http://schemas.openxmlformats.org/drawingml/2006/main" xmlns:r="http://schemas.openxmlformats.org/officeDocument/2006/relationships" xmlns:p="http://schemas.openxmlformats.org/presentationml/2006/main">
+  <p:cSld>
+    <p:spTree>
+      <p:nvGrpSpPr>
+        <p:cNvPr id="1" name=""/>
+        <p:cNvGrpSpPr/>
+        <p:nvPr/>
+      </p:nvGrpSpPr>
+      <p:grpSpPr>
+        <a:xfrm>
+          <a:off x="0" y="0"/>
+          <a:ext cx="0" cy="0"/>
+          <a:chOff x="0" y="0"/>
+          <a:chExt cx="0" cy="0"/>
+        </a:xfrm>
+      </p:grpSpPr>
+      <p:sp>
+        <p:nvSpPr>
+          <p:cNvPr id="2" name="Titel 1">
+            <a:extLst>
+              <a:ext uri="{FF2B5EF4-FFF2-40B4-BE49-F238E27FC236}">
+                <a16:creationId xmlns:a16="http://schemas.microsoft.com/office/drawing/2014/main" id="{C81C8090-414E-4BB6-98C5-2E415AC87A5E}"/>
+              </a:ext>
+            </a:extLst>
+          </p:cNvPr>
+          <p:cNvSpPr>
+            <a:spLocks noGrp="1"/>
+          </p:cNvSpPr>
+          <p:nvPr>
+            <p:ph type="title"/>
+          </p:nvPr>
+        </p:nvSpPr>
+        <p:spPr/>
+        <p:txBody>
+          <a:bodyPr/>
+          <a:lstStyle/>
+          <a:p>
+            <a:r>
+              <a:rPr lang="de-DE" dirty="0"/>
+              <a:t>Probleme</a:t>
+            </a:r>
+          </a:p>
+        </p:txBody>
+      </p:sp>
+      <p:sp>
+        <p:nvSpPr>
+          <p:cNvPr id="3" name="Inhaltsplatzhalter 2">
+            <a:extLst>
+              <a:ext uri="{FF2B5EF4-FFF2-40B4-BE49-F238E27FC236}">
+                <a16:creationId xmlns:a16="http://schemas.microsoft.com/office/drawing/2014/main" id="{274454BA-C21F-4FBB-B3CD-5CFAC3B27085}"/>
+              </a:ext>
+            </a:extLst>
+          </p:cNvPr>
+          <p:cNvSpPr>
+            <a:spLocks noGrp="1"/>
+          </p:cNvSpPr>
+          <p:nvPr>
+            <p:ph idx="1"/>
+          </p:nvPr>
+        </p:nvSpPr>
+        <p:spPr/>
+        <p:txBody>
+          <a:bodyPr/>
+          <a:lstStyle/>
+          <a:p>
+            <a:endParaRPr lang="de-DE"/>
+          </a:p>
+        </p:txBody>
+      </p:sp>
+    </p:spTree>
+    <p:extLst>
+      <p:ext uri="{BB962C8B-B14F-4D97-AF65-F5344CB8AC3E}">
+        <p14:creationId xmlns:p14="http://schemas.microsoft.com/office/powerpoint/2010/main" val="2142043492"/>
       </p:ext>
     </p:extLst>
   </p:cSld>

--- a/GCA_Abschlusspraesi_Szablewski_Linnenbaum.pptx
+++ b/GCA_Abschlusspraesi_Szablewski_Linnenbaum.pptx
@@ -15,8 +15,14 @@
     <p:sldId id="263" r:id="rId9"/>
     <p:sldId id="264" r:id="rId10"/>
     <p:sldId id="266" r:id="rId11"/>
-    <p:sldId id="265" r:id="rId12"/>
-    <p:sldId id="267" r:id="rId13"/>
+    <p:sldId id="273" r:id="rId12"/>
+    <p:sldId id="265" r:id="rId13"/>
+    <p:sldId id="268" r:id="rId14"/>
+    <p:sldId id="269" r:id="rId15"/>
+    <p:sldId id="270" r:id="rId16"/>
+    <p:sldId id="271" r:id="rId17"/>
+    <p:sldId id="272" r:id="rId18"/>
+    <p:sldId id="267" r:id="rId19"/>
   </p:sldIdLst>
   <p:sldSz cx="12192000" cy="6858000"/>
   <p:notesSz cx="6858000" cy="9144000"/>
@@ -7435,6 +7441,105 @@
 <file path=ppt/slides/slide11.xml><?xml version="1.0" encoding="utf-8"?>
 <p:sld xmlns:a="http://schemas.openxmlformats.org/drawingml/2006/main" xmlns:r="http://schemas.openxmlformats.org/officeDocument/2006/relationships" xmlns:p="http://schemas.openxmlformats.org/presentationml/2006/main">
   <p:cSld>
+    <p:spTree>
+      <p:nvGrpSpPr>
+        <p:cNvPr id="1" name=""/>
+        <p:cNvGrpSpPr/>
+        <p:nvPr/>
+      </p:nvGrpSpPr>
+      <p:grpSpPr>
+        <a:xfrm>
+          <a:off x="0" y="0"/>
+          <a:ext cx="0" cy="0"/>
+          <a:chOff x="0" y="0"/>
+          <a:chExt cx="0" cy="0"/>
+        </a:xfrm>
+      </p:grpSpPr>
+      <p:sp>
+        <p:nvSpPr>
+          <p:cNvPr id="2" name="Titel 1">
+            <a:extLst>
+              <a:ext uri="{FF2B5EF4-FFF2-40B4-BE49-F238E27FC236}">
+                <a16:creationId xmlns:a16="http://schemas.microsoft.com/office/drawing/2014/main" id="{1BCC2914-9975-450B-A86D-A4794D7CA2B4}"/>
+              </a:ext>
+            </a:extLst>
+          </p:cNvPr>
+          <p:cNvSpPr>
+            <a:spLocks noGrp="1"/>
+          </p:cNvSpPr>
+          <p:nvPr>
+            <p:ph type="title"/>
+          </p:nvPr>
+        </p:nvSpPr>
+        <p:spPr/>
+        <p:txBody>
+          <a:bodyPr/>
+          <a:lstStyle/>
+          <a:p>
+            <a:r>
+              <a:rPr lang="de-DE" dirty="0"/>
+              <a:t>Umsetzung</a:t>
+            </a:r>
+          </a:p>
+        </p:txBody>
+      </p:sp>
+      <p:sp>
+        <p:nvSpPr>
+          <p:cNvPr id="3" name="Inhaltsplatzhalter 2">
+            <a:extLst>
+              <a:ext uri="{FF2B5EF4-FFF2-40B4-BE49-F238E27FC236}">
+                <a16:creationId xmlns:a16="http://schemas.microsoft.com/office/drawing/2014/main" id="{6889D9FE-B354-445A-AB3E-1EB87AD8600B}"/>
+              </a:ext>
+            </a:extLst>
+          </p:cNvPr>
+          <p:cNvSpPr>
+            <a:spLocks noGrp="1"/>
+          </p:cNvSpPr>
+          <p:nvPr>
+            <p:ph idx="1"/>
+          </p:nvPr>
+        </p:nvSpPr>
+        <p:spPr/>
+        <p:txBody>
+          <a:bodyPr/>
+          <a:lstStyle/>
+          <a:p>
+            <a:r>
+              <a:rPr lang="de-DE" dirty="0"/>
+              <a:t>Aufteilung in Backend und Frontend</a:t>
+            </a:r>
+          </a:p>
+          <a:p>
+            <a:r>
+              <a:rPr lang="de-DE" dirty="0"/>
+              <a:t>Probleme bei Zusammenführung</a:t>
+            </a:r>
+          </a:p>
+          <a:p>
+            <a:pPr lvl="1"/>
+            <a:r>
+              <a:rPr lang="de-DE" dirty="0"/>
+              <a:t>Lösung: Gemeinsame Session bei Bildschirmübertragung</a:t>
+            </a:r>
+          </a:p>
+        </p:txBody>
+      </p:sp>
+    </p:spTree>
+    <p:extLst>
+      <p:ext uri="{BB962C8B-B14F-4D97-AF65-F5344CB8AC3E}">
+        <p14:creationId xmlns:p14="http://schemas.microsoft.com/office/powerpoint/2010/main" val="477739504"/>
+      </p:ext>
+    </p:extLst>
+  </p:cSld>
+  <p:clrMapOvr>
+    <a:masterClrMapping/>
+  </p:clrMapOvr>
+</p:sld>
+</file>
+
+<file path=ppt/slides/slide12.xml><?xml version="1.0" encoding="utf-8"?>
+<p:sld xmlns:a="http://schemas.openxmlformats.org/drawingml/2006/main" xmlns:r="http://schemas.openxmlformats.org/officeDocument/2006/relationships" xmlns:p="http://schemas.openxmlformats.org/presentationml/2006/main">
+  <p:cSld>
     <p:bg>
       <p:bgPr>
         <a:blipFill rotWithShape="1">
@@ -8760,7 +8865,429 @@
 </p:sld>
 </file>
 
-<file path=ppt/slides/slide12.xml><?xml version="1.0" encoding="utf-8"?>
+<file path=ppt/slides/slide13.xml><?xml version="1.0" encoding="utf-8"?>
+<p:sld xmlns:a="http://schemas.openxmlformats.org/drawingml/2006/main" xmlns:r="http://schemas.openxmlformats.org/officeDocument/2006/relationships" xmlns:p="http://schemas.openxmlformats.org/presentationml/2006/main">
+  <p:cSld>
+    <p:spTree>
+      <p:nvGrpSpPr>
+        <p:cNvPr id="1" name=""/>
+        <p:cNvGrpSpPr/>
+        <p:nvPr/>
+      </p:nvGrpSpPr>
+      <p:grpSpPr>
+        <a:xfrm>
+          <a:off x="0" y="0"/>
+          <a:ext cx="0" cy="0"/>
+          <a:chOff x="0" y="0"/>
+          <a:chExt cx="0" cy="0"/>
+        </a:xfrm>
+      </p:grpSpPr>
+      <p:sp>
+        <p:nvSpPr>
+          <p:cNvPr id="2" name="Titel 1">
+            <a:extLst>
+              <a:ext uri="{FF2B5EF4-FFF2-40B4-BE49-F238E27FC236}">
+                <a16:creationId xmlns:a16="http://schemas.microsoft.com/office/drawing/2014/main" id="{04F51D90-6984-42CC-B8DD-D45322279FD7}"/>
+              </a:ext>
+            </a:extLst>
+          </p:cNvPr>
+          <p:cNvSpPr>
+            <a:spLocks noGrp="1"/>
+          </p:cNvSpPr>
+          <p:nvPr>
+            <p:ph type="title"/>
+          </p:nvPr>
+        </p:nvSpPr>
+        <p:spPr/>
+        <p:txBody>
+          <a:bodyPr/>
+          <a:lstStyle/>
+          <a:p>
+            <a:r>
+              <a:rPr lang="de-DE" dirty="0"/>
+              <a:t>Timeout</a:t>
+            </a:r>
+          </a:p>
+        </p:txBody>
+      </p:sp>
+      <p:sp>
+        <p:nvSpPr>
+          <p:cNvPr id="3" name="Inhaltsplatzhalter 2">
+            <a:extLst>
+              <a:ext uri="{FF2B5EF4-FFF2-40B4-BE49-F238E27FC236}">
+                <a16:creationId xmlns:a16="http://schemas.microsoft.com/office/drawing/2014/main" id="{3504DE11-7DD6-430B-9B45-0BB3CDB65230}"/>
+              </a:ext>
+            </a:extLst>
+          </p:cNvPr>
+          <p:cNvSpPr>
+            <a:spLocks noGrp="1"/>
+          </p:cNvSpPr>
+          <p:nvPr>
+            <p:ph idx="1"/>
+          </p:nvPr>
+        </p:nvSpPr>
+        <p:spPr/>
+        <p:txBody>
+          <a:bodyPr/>
+          <a:lstStyle/>
+          <a:p>
+            <a:endParaRPr lang="de-DE"/>
+          </a:p>
+        </p:txBody>
+      </p:sp>
+    </p:spTree>
+    <p:extLst>
+      <p:ext uri="{BB962C8B-B14F-4D97-AF65-F5344CB8AC3E}">
+        <p14:creationId xmlns:p14="http://schemas.microsoft.com/office/powerpoint/2010/main" val="2062457752"/>
+      </p:ext>
+    </p:extLst>
+  </p:cSld>
+  <p:clrMapOvr>
+    <a:masterClrMapping/>
+  </p:clrMapOvr>
+</p:sld>
+</file>
+
+<file path=ppt/slides/slide14.xml><?xml version="1.0" encoding="utf-8"?>
+<p:sld xmlns:a="http://schemas.openxmlformats.org/drawingml/2006/main" xmlns:r="http://schemas.openxmlformats.org/officeDocument/2006/relationships" xmlns:p="http://schemas.openxmlformats.org/presentationml/2006/main">
+  <p:cSld>
+    <p:spTree>
+      <p:nvGrpSpPr>
+        <p:cNvPr id="1" name=""/>
+        <p:cNvGrpSpPr/>
+        <p:nvPr/>
+      </p:nvGrpSpPr>
+      <p:grpSpPr>
+        <a:xfrm>
+          <a:off x="0" y="0"/>
+          <a:ext cx="0" cy="0"/>
+          <a:chOff x="0" y="0"/>
+          <a:chExt cx="0" cy="0"/>
+        </a:xfrm>
+      </p:grpSpPr>
+      <p:sp>
+        <p:nvSpPr>
+          <p:cNvPr id="2" name="Titel 1">
+            <a:extLst>
+              <a:ext uri="{FF2B5EF4-FFF2-40B4-BE49-F238E27FC236}">
+                <a16:creationId xmlns:a16="http://schemas.microsoft.com/office/drawing/2014/main" id="{C4F8DFF0-7AB5-4F16-AC01-DAC119B93549}"/>
+              </a:ext>
+            </a:extLst>
+          </p:cNvPr>
+          <p:cNvSpPr>
+            <a:spLocks noGrp="1"/>
+          </p:cNvSpPr>
+          <p:nvPr>
+            <p:ph type="title"/>
+          </p:nvPr>
+        </p:nvSpPr>
+        <p:spPr/>
+        <p:txBody>
+          <a:bodyPr/>
+          <a:lstStyle/>
+          <a:p>
+            <a:r>
+              <a:rPr lang="de-DE" dirty="0" err="1"/>
+              <a:t>Retry</a:t>
+            </a:r>
+            <a:endParaRPr lang="de-DE" dirty="0"/>
+          </a:p>
+        </p:txBody>
+      </p:sp>
+      <p:sp>
+        <p:nvSpPr>
+          <p:cNvPr id="3" name="Inhaltsplatzhalter 2">
+            <a:extLst>
+              <a:ext uri="{FF2B5EF4-FFF2-40B4-BE49-F238E27FC236}">
+                <a16:creationId xmlns:a16="http://schemas.microsoft.com/office/drawing/2014/main" id="{472444AA-9815-466D-8396-E95EB594BF2B}"/>
+              </a:ext>
+            </a:extLst>
+          </p:cNvPr>
+          <p:cNvSpPr>
+            <a:spLocks noGrp="1"/>
+          </p:cNvSpPr>
+          <p:nvPr>
+            <p:ph idx="1"/>
+          </p:nvPr>
+        </p:nvSpPr>
+        <p:spPr/>
+        <p:txBody>
+          <a:bodyPr/>
+          <a:lstStyle/>
+          <a:p>
+            <a:endParaRPr lang="de-DE"/>
+          </a:p>
+        </p:txBody>
+      </p:sp>
+    </p:spTree>
+    <p:extLst>
+      <p:ext uri="{BB962C8B-B14F-4D97-AF65-F5344CB8AC3E}">
+        <p14:creationId xmlns:p14="http://schemas.microsoft.com/office/powerpoint/2010/main" val="2161468308"/>
+      </p:ext>
+    </p:extLst>
+  </p:cSld>
+  <p:clrMapOvr>
+    <a:masterClrMapping/>
+  </p:clrMapOvr>
+</p:sld>
+</file>
+
+<file path=ppt/slides/slide15.xml><?xml version="1.0" encoding="utf-8"?>
+<p:sld xmlns:a="http://schemas.openxmlformats.org/drawingml/2006/main" xmlns:r="http://schemas.openxmlformats.org/officeDocument/2006/relationships" xmlns:p="http://schemas.openxmlformats.org/presentationml/2006/main">
+  <p:cSld>
+    <p:spTree>
+      <p:nvGrpSpPr>
+        <p:cNvPr id="1" name=""/>
+        <p:cNvGrpSpPr/>
+        <p:nvPr/>
+      </p:nvGrpSpPr>
+      <p:grpSpPr>
+        <a:xfrm>
+          <a:off x="0" y="0"/>
+          <a:ext cx="0" cy="0"/>
+          <a:chOff x="0" y="0"/>
+          <a:chExt cx="0" cy="0"/>
+        </a:xfrm>
+      </p:grpSpPr>
+      <p:sp>
+        <p:nvSpPr>
+          <p:cNvPr id="2" name="Titel 1">
+            <a:extLst>
+              <a:ext uri="{FF2B5EF4-FFF2-40B4-BE49-F238E27FC236}">
+                <a16:creationId xmlns:a16="http://schemas.microsoft.com/office/drawing/2014/main" id="{CAB67902-E7F1-4765-B897-2442768A55EC}"/>
+              </a:ext>
+            </a:extLst>
+          </p:cNvPr>
+          <p:cNvSpPr>
+            <a:spLocks noGrp="1"/>
+          </p:cNvSpPr>
+          <p:nvPr>
+            <p:ph type="title"/>
+          </p:nvPr>
+        </p:nvSpPr>
+        <p:spPr/>
+        <p:txBody>
+          <a:bodyPr/>
+          <a:lstStyle/>
+          <a:p>
+            <a:r>
+              <a:rPr lang="de-DE" dirty="0"/>
+              <a:t>Circuit </a:t>
+            </a:r>
+            <a:r>
+              <a:rPr lang="de-DE" dirty="0" err="1"/>
+              <a:t>Breaker</a:t>
+            </a:r>
+            <a:endParaRPr lang="de-DE" dirty="0"/>
+          </a:p>
+        </p:txBody>
+      </p:sp>
+      <p:sp>
+        <p:nvSpPr>
+          <p:cNvPr id="3" name="Inhaltsplatzhalter 2">
+            <a:extLst>
+              <a:ext uri="{FF2B5EF4-FFF2-40B4-BE49-F238E27FC236}">
+                <a16:creationId xmlns:a16="http://schemas.microsoft.com/office/drawing/2014/main" id="{6908AD4F-910F-4036-B337-B5304BFD9112}"/>
+              </a:ext>
+            </a:extLst>
+          </p:cNvPr>
+          <p:cNvSpPr>
+            <a:spLocks noGrp="1"/>
+          </p:cNvSpPr>
+          <p:nvPr>
+            <p:ph idx="1"/>
+          </p:nvPr>
+        </p:nvSpPr>
+        <p:spPr/>
+        <p:txBody>
+          <a:bodyPr/>
+          <a:lstStyle/>
+          <a:p>
+            <a:endParaRPr lang="de-DE"/>
+          </a:p>
+        </p:txBody>
+      </p:sp>
+    </p:spTree>
+    <p:extLst>
+      <p:ext uri="{BB962C8B-B14F-4D97-AF65-F5344CB8AC3E}">
+        <p14:creationId xmlns:p14="http://schemas.microsoft.com/office/powerpoint/2010/main" val="4097433282"/>
+      </p:ext>
+    </p:extLst>
+  </p:cSld>
+  <p:clrMapOvr>
+    <a:masterClrMapping/>
+  </p:clrMapOvr>
+</p:sld>
+</file>
+
+<file path=ppt/slides/slide16.xml><?xml version="1.0" encoding="utf-8"?>
+<p:sld xmlns:a="http://schemas.openxmlformats.org/drawingml/2006/main" xmlns:r="http://schemas.openxmlformats.org/officeDocument/2006/relationships" xmlns:p="http://schemas.openxmlformats.org/presentationml/2006/main">
+  <p:cSld>
+    <p:spTree>
+      <p:nvGrpSpPr>
+        <p:cNvPr id="1" name=""/>
+        <p:cNvGrpSpPr/>
+        <p:nvPr/>
+      </p:nvGrpSpPr>
+      <p:grpSpPr>
+        <a:xfrm>
+          <a:off x="0" y="0"/>
+          <a:ext cx="0" cy="0"/>
+          <a:chOff x="0" y="0"/>
+          <a:chExt cx="0" cy="0"/>
+        </a:xfrm>
+      </p:grpSpPr>
+      <p:sp>
+        <p:nvSpPr>
+          <p:cNvPr id="2" name="Titel 1">
+            <a:extLst>
+              <a:ext uri="{FF2B5EF4-FFF2-40B4-BE49-F238E27FC236}">
+                <a16:creationId xmlns:a16="http://schemas.microsoft.com/office/drawing/2014/main" id="{D8853C72-30F2-4C77-8235-420B985832EA}"/>
+              </a:ext>
+            </a:extLst>
+          </p:cNvPr>
+          <p:cNvSpPr>
+            <a:spLocks noGrp="1"/>
+          </p:cNvSpPr>
+          <p:nvPr>
+            <p:ph type="title"/>
+          </p:nvPr>
+        </p:nvSpPr>
+        <p:spPr/>
+        <p:txBody>
+          <a:bodyPr/>
+          <a:lstStyle/>
+          <a:p>
+            <a:r>
+              <a:rPr lang="de-DE" dirty="0" err="1"/>
+              <a:t>Bulkhead</a:t>
+            </a:r>
+            <a:endParaRPr lang="de-DE" dirty="0"/>
+          </a:p>
+        </p:txBody>
+      </p:sp>
+      <p:sp>
+        <p:nvSpPr>
+          <p:cNvPr id="3" name="Inhaltsplatzhalter 2">
+            <a:extLst>
+              <a:ext uri="{FF2B5EF4-FFF2-40B4-BE49-F238E27FC236}">
+                <a16:creationId xmlns:a16="http://schemas.microsoft.com/office/drawing/2014/main" id="{330D2DD0-5A94-455E-9BEC-368097784390}"/>
+              </a:ext>
+            </a:extLst>
+          </p:cNvPr>
+          <p:cNvSpPr>
+            <a:spLocks noGrp="1"/>
+          </p:cNvSpPr>
+          <p:nvPr>
+            <p:ph idx="1"/>
+          </p:nvPr>
+        </p:nvSpPr>
+        <p:spPr/>
+        <p:txBody>
+          <a:bodyPr/>
+          <a:lstStyle/>
+          <a:p>
+            <a:endParaRPr lang="de-DE"/>
+          </a:p>
+        </p:txBody>
+      </p:sp>
+    </p:spTree>
+    <p:extLst>
+      <p:ext uri="{BB962C8B-B14F-4D97-AF65-F5344CB8AC3E}">
+        <p14:creationId xmlns:p14="http://schemas.microsoft.com/office/powerpoint/2010/main" val="1710499444"/>
+      </p:ext>
+    </p:extLst>
+  </p:cSld>
+  <p:clrMapOvr>
+    <a:masterClrMapping/>
+  </p:clrMapOvr>
+</p:sld>
+</file>
+
+<file path=ppt/slides/slide17.xml><?xml version="1.0" encoding="utf-8"?>
+<p:sld xmlns:a="http://schemas.openxmlformats.org/drawingml/2006/main" xmlns:r="http://schemas.openxmlformats.org/officeDocument/2006/relationships" xmlns:p="http://schemas.openxmlformats.org/presentationml/2006/main">
+  <p:cSld>
+    <p:spTree>
+      <p:nvGrpSpPr>
+        <p:cNvPr id="1" name=""/>
+        <p:cNvGrpSpPr/>
+        <p:nvPr/>
+      </p:nvGrpSpPr>
+      <p:grpSpPr>
+        <a:xfrm>
+          <a:off x="0" y="0"/>
+          <a:ext cx="0" cy="0"/>
+          <a:chOff x="0" y="0"/>
+          <a:chExt cx="0" cy="0"/>
+        </a:xfrm>
+      </p:grpSpPr>
+      <p:sp>
+        <p:nvSpPr>
+          <p:cNvPr id="2" name="Titel 1">
+            <a:extLst>
+              <a:ext uri="{FF2B5EF4-FFF2-40B4-BE49-F238E27FC236}">
+                <a16:creationId xmlns:a16="http://schemas.microsoft.com/office/drawing/2014/main" id="{862E71A0-348F-4C97-892A-91EF2CD84B57}"/>
+              </a:ext>
+            </a:extLst>
+          </p:cNvPr>
+          <p:cNvSpPr>
+            <a:spLocks noGrp="1"/>
+          </p:cNvSpPr>
+          <p:nvPr>
+            <p:ph type="title"/>
+          </p:nvPr>
+        </p:nvSpPr>
+        <p:spPr/>
+        <p:txBody>
+          <a:bodyPr/>
+          <a:lstStyle/>
+          <a:p>
+            <a:r>
+              <a:rPr lang="de-DE" dirty="0"/>
+              <a:t>Rate Limiter</a:t>
+            </a:r>
+          </a:p>
+        </p:txBody>
+      </p:sp>
+      <p:sp>
+        <p:nvSpPr>
+          <p:cNvPr id="3" name="Inhaltsplatzhalter 2">
+            <a:extLst>
+              <a:ext uri="{FF2B5EF4-FFF2-40B4-BE49-F238E27FC236}">
+                <a16:creationId xmlns:a16="http://schemas.microsoft.com/office/drawing/2014/main" id="{86CDEA14-C46B-4160-BA90-BCC48EA474C9}"/>
+              </a:ext>
+            </a:extLst>
+          </p:cNvPr>
+          <p:cNvSpPr>
+            <a:spLocks noGrp="1"/>
+          </p:cNvSpPr>
+          <p:nvPr>
+            <p:ph idx="1"/>
+          </p:nvPr>
+        </p:nvSpPr>
+        <p:spPr/>
+        <p:txBody>
+          <a:bodyPr/>
+          <a:lstStyle/>
+          <a:p>
+            <a:endParaRPr lang="de-DE"/>
+          </a:p>
+        </p:txBody>
+      </p:sp>
+    </p:spTree>
+    <p:extLst>
+      <p:ext uri="{BB962C8B-B14F-4D97-AF65-F5344CB8AC3E}">
+        <p14:creationId xmlns:p14="http://schemas.microsoft.com/office/powerpoint/2010/main" val="1225276061"/>
+      </p:ext>
+    </p:extLst>
+  </p:cSld>
+  <p:clrMapOvr>
+    <a:masterClrMapping/>
+  </p:clrMapOvr>
+</p:sld>
+</file>
+
+<file path=ppt/slides/slide18.xml><?xml version="1.0" encoding="utf-8"?>
 <p:sld xmlns:a="http://schemas.openxmlformats.org/drawingml/2006/main" xmlns:r="http://schemas.openxmlformats.org/officeDocument/2006/relationships" xmlns:p="http://schemas.openxmlformats.org/presentationml/2006/main">
   <p:cSld>
     <p:bg>
@@ -11699,7 +12226,43 @@
           <a:bodyPr/>
           <a:lstStyle/>
           <a:p>
-            <a:endParaRPr lang="de-DE"/>
+            <a:r>
+              <a:rPr lang="de-DE" dirty="0"/>
+              <a:t>Aufteilung in Microservices:</a:t>
+            </a:r>
+          </a:p>
+          <a:p>
+            <a:pPr lvl="1"/>
+            <a:r>
+              <a:rPr lang="de-DE" dirty="0" err="1"/>
+              <a:t>Cart</a:t>
+            </a:r>
+            <a:endParaRPr lang="de-DE" dirty="0"/>
+          </a:p>
+          <a:p>
+            <a:pPr lvl="1"/>
+            <a:r>
+              <a:rPr lang="de-DE" dirty="0" err="1"/>
+              <a:t>Checkout</a:t>
+            </a:r>
+            <a:endParaRPr lang="de-DE" dirty="0"/>
+          </a:p>
+          <a:p>
+            <a:pPr lvl="1"/>
+            <a:r>
+              <a:rPr lang="de-DE" dirty="0"/>
+              <a:t>Catalog</a:t>
+            </a:r>
+          </a:p>
+          <a:p>
+            <a:pPr lvl="1"/>
+            <a:r>
+              <a:rPr lang="de-DE" dirty="0"/>
+              <a:t>Shipping</a:t>
+            </a:r>
+          </a:p>
+          <a:p>
+            <a:endParaRPr lang="de-DE" dirty="0"/>
           </a:p>
         </p:txBody>
       </p:sp>
@@ -13277,7 +13840,7 @@
           <a:bodyPr/>
           <a:lstStyle/>
           <a:p>
-            <a:endParaRPr lang="de-DE"/>
+            <a:endParaRPr lang="de-DE" dirty="0"/>
           </a:p>
         </p:txBody>
       </p:sp>

--- a/GCA_Abschlusspraesi_Szablewski_Linnenbaum.pptx
+++ b/GCA_Abschlusspraesi_Szablewski_Linnenbaum.pptx
@@ -8,21 +8,32 @@
     <p:sldId id="256" r:id="rId2"/>
     <p:sldId id="257" r:id="rId3"/>
     <p:sldId id="258" r:id="rId4"/>
-    <p:sldId id="259" r:id="rId5"/>
-    <p:sldId id="260" r:id="rId6"/>
-    <p:sldId id="261" r:id="rId7"/>
-    <p:sldId id="262" r:id="rId8"/>
-    <p:sldId id="263" r:id="rId9"/>
-    <p:sldId id="264" r:id="rId10"/>
-    <p:sldId id="266" r:id="rId11"/>
-    <p:sldId id="273" r:id="rId12"/>
-    <p:sldId id="265" r:id="rId13"/>
-    <p:sldId id="268" r:id="rId14"/>
-    <p:sldId id="269" r:id="rId15"/>
-    <p:sldId id="270" r:id="rId16"/>
-    <p:sldId id="271" r:id="rId17"/>
-    <p:sldId id="272" r:id="rId18"/>
-    <p:sldId id="267" r:id="rId19"/>
+    <p:sldId id="260" r:id="rId5"/>
+    <p:sldId id="259" r:id="rId6"/>
+    <p:sldId id="285" r:id="rId7"/>
+    <p:sldId id="284" r:id="rId8"/>
+    <p:sldId id="262" r:id="rId9"/>
+    <p:sldId id="283" r:id="rId10"/>
+    <p:sldId id="263" r:id="rId11"/>
+    <p:sldId id="278" r:id="rId12"/>
+    <p:sldId id="279" r:id="rId13"/>
+    <p:sldId id="280" r:id="rId14"/>
+    <p:sldId id="282" r:id="rId15"/>
+    <p:sldId id="281" r:id="rId16"/>
+    <p:sldId id="264" r:id="rId17"/>
+    <p:sldId id="266" r:id="rId18"/>
+    <p:sldId id="286" r:id="rId19"/>
+    <p:sldId id="274" r:id="rId20"/>
+    <p:sldId id="275" r:id="rId21"/>
+    <p:sldId id="288" r:id="rId22"/>
+    <p:sldId id="289" r:id="rId23"/>
+    <p:sldId id="276" r:id="rId24"/>
+    <p:sldId id="287" r:id="rId25"/>
+    <p:sldId id="265" r:id="rId26"/>
+    <p:sldId id="269" r:id="rId27"/>
+    <p:sldId id="270" r:id="rId28"/>
+    <p:sldId id="272" r:id="rId29"/>
+    <p:sldId id="267" r:id="rId30"/>
   </p:sldIdLst>
   <p:sldSz cx="12192000" cy="6858000"/>
   <p:notesSz cx="6858000" cy="9144000"/>
@@ -315,7 +326,7 @@
           <a:p>
             <a:fld id="{4AAD347D-5ACD-4C99-B74B-A9C85AD731AF}" type="datetimeFigureOut">
               <a:rPr lang="en-US" dirty="0"/>
-              <a:t>7/19/2020</a:t>
+              <a:t>7/20/2020</a:t>
             </a:fld>
             <a:endParaRPr lang="en-US" dirty="0"/>
           </a:p>
@@ -585,7 +596,7 @@
           <a:p>
             <a:fld id="{4509A250-FF31-4206-8172-F9D3106AACB1}" type="datetimeFigureOut">
               <a:rPr lang="en-US" dirty="0"/>
-              <a:t>7/19/2020</a:t>
+              <a:t>7/20/2020</a:t>
             </a:fld>
             <a:endParaRPr lang="en-US" dirty="0"/>
           </a:p>
@@ -774,7 +785,7 @@
           <a:p>
             <a:fld id="{4509A250-FF31-4206-8172-F9D3106AACB1}" type="datetimeFigureOut">
               <a:rPr lang="en-US" dirty="0"/>
-              <a:t>7/19/2020</a:t>
+              <a:t>7/20/2020</a:t>
             </a:fld>
             <a:endParaRPr lang="en-US" dirty="0"/>
           </a:p>
@@ -1042,7 +1053,7 @@
           <a:p>
             <a:fld id="{4509A250-FF31-4206-8172-F9D3106AACB1}" type="datetimeFigureOut">
               <a:rPr lang="en-US" dirty="0"/>
-              <a:t>7/19/2020</a:t>
+              <a:t>7/20/2020</a:t>
             </a:fld>
             <a:endParaRPr lang="en-US" dirty="0"/>
           </a:p>
@@ -1378,7 +1389,7 @@
           <a:p>
             <a:fld id="{4509A250-FF31-4206-8172-F9D3106AACB1}" type="datetimeFigureOut">
               <a:rPr lang="en-US" dirty="0"/>
-              <a:t>7/19/2020</a:t>
+              <a:t>7/20/2020</a:t>
             </a:fld>
             <a:endParaRPr lang="en-US" dirty="0"/>
           </a:p>
@@ -1996,7 +2007,7 @@
           <a:p>
             <a:fld id="{4509A250-FF31-4206-8172-F9D3106AACB1}" type="datetimeFigureOut">
               <a:rPr lang="en-US" dirty="0"/>
-              <a:t>7/19/2020</a:t>
+              <a:t>7/20/2020</a:t>
             </a:fld>
             <a:endParaRPr lang="en-US" dirty="0"/>
           </a:p>
@@ -2851,7 +2862,7 @@
           <a:p>
             <a:fld id="{4509A250-FF31-4206-8172-F9D3106AACB1}" type="datetimeFigureOut">
               <a:rPr lang="en-US" dirty="0"/>
-              <a:t>7/19/2020</a:t>
+              <a:t>7/20/2020</a:t>
             </a:fld>
             <a:endParaRPr lang="en-US" dirty="0"/>
           </a:p>
@@ -3016,7 +3027,7 @@
           <a:p>
             <a:fld id="{4509A250-FF31-4206-8172-F9D3106AACB1}" type="datetimeFigureOut">
               <a:rPr lang="en-US" dirty="0"/>
-              <a:t>7/19/2020</a:t>
+              <a:t>7/20/2020</a:t>
             </a:fld>
             <a:endParaRPr lang="en-US" dirty="0"/>
           </a:p>
@@ -3191,7 +3202,7 @@
           <a:p>
             <a:fld id="{4509A250-FF31-4206-8172-F9D3106AACB1}" type="datetimeFigureOut">
               <a:rPr lang="en-US" dirty="0"/>
-              <a:t>7/19/2020</a:t>
+              <a:t>7/20/2020</a:t>
             </a:fld>
             <a:endParaRPr lang="en-US" dirty="0"/>
           </a:p>
@@ -3356,7 +3367,7 @@
           <a:p>
             <a:fld id="{4509A250-FF31-4206-8172-F9D3106AACB1}" type="datetimeFigureOut">
               <a:rPr lang="en-US" dirty="0"/>
-              <a:t>7/19/2020</a:t>
+              <a:t>7/20/2020</a:t>
             </a:fld>
             <a:endParaRPr lang="en-US" dirty="0"/>
           </a:p>
@@ -3598,7 +3609,7 @@
           <a:p>
             <a:fld id="{9796027F-7875-4030-9381-8BD8C4F21935}" type="datetimeFigureOut">
               <a:rPr lang="en-US" dirty="0"/>
-              <a:t>7/19/2020</a:t>
+              <a:t>7/20/2020</a:t>
             </a:fld>
             <a:endParaRPr lang="en-US" dirty="0"/>
           </a:p>
@@ -3885,7 +3896,7 @@
           <a:p>
             <a:fld id="{9796027F-7875-4030-9381-8BD8C4F21935}" type="datetimeFigureOut">
               <a:rPr lang="en-US" dirty="0"/>
-              <a:t>7/19/2020</a:t>
+              <a:t>7/20/2020</a:t>
             </a:fld>
             <a:endParaRPr lang="en-US" dirty="0"/>
           </a:p>
@@ -4324,7 +4335,7 @@
           <a:p>
             <a:fld id="{9796027F-7875-4030-9381-8BD8C4F21935}" type="datetimeFigureOut">
               <a:rPr lang="en-US" dirty="0"/>
-              <a:t>7/19/2020</a:t>
+              <a:t>7/20/2020</a:t>
             </a:fld>
             <a:endParaRPr lang="en-US" dirty="0"/>
           </a:p>
@@ -4437,7 +4448,7 @@
           <a:p>
             <a:fld id="{4509A250-FF31-4206-8172-F9D3106AACB1}" type="datetimeFigureOut">
               <a:rPr lang="en-US" dirty="0"/>
-              <a:t>7/19/2020</a:t>
+              <a:t>7/20/2020</a:t>
             </a:fld>
             <a:endParaRPr lang="en-US" dirty="0"/>
           </a:p>
@@ -4527,7 +4538,7 @@
           <a:p>
             <a:fld id="{4509A250-FF31-4206-8172-F9D3106AACB1}" type="datetimeFigureOut">
               <a:rPr lang="en-US" dirty="0"/>
-              <a:t>7/19/2020</a:t>
+              <a:t>7/20/2020</a:t>
             </a:fld>
             <a:endParaRPr lang="en-US" dirty="0"/>
           </a:p>
@@ -4801,7 +4812,7 @@
           <a:p>
             <a:fld id="{4509A250-FF31-4206-8172-F9D3106AACB1}" type="datetimeFigureOut">
               <a:rPr lang="en-US" dirty="0"/>
-              <a:t>7/19/2020</a:t>
+              <a:t>7/20/2020</a:t>
             </a:fld>
             <a:endParaRPr lang="en-US" dirty="0"/>
           </a:p>
@@ -5071,7 +5082,7 @@
           <a:p>
             <a:fld id="{4509A250-FF31-4206-8172-F9D3106AACB1}" type="datetimeFigureOut">
               <a:rPr lang="en-US" dirty="0"/>
-              <a:t>7/19/2020</a:t>
+              <a:t>7/20/2020</a:t>
             </a:fld>
             <a:endParaRPr lang="en-US" dirty="0"/>
           </a:p>
@@ -5495,7 +5506,7 @@
           <a:p>
             <a:fld id="{4AAD347D-5ACD-4C99-B74B-A9C85AD731AF}" type="datetimeFigureOut">
               <a:rPr lang="en-US" dirty="0"/>
-              <a:t>7/19/2020</a:t>
+              <a:t>7/20/2020</a:t>
             </a:fld>
             <a:endParaRPr lang="en-US" dirty="0"/>
           </a:p>
@@ -6105,6 +6116,587 @@
 <file path=ppt/slides/slide10.xml><?xml version="1.0" encoding="utf-8"?>
 <p:sld xmlns:a="http://schemas.openxmlformats.org/drawingml/2006/main" xmlns:r="http://schemas.openxmlformats.org/officeDocument/2006/relationships" xmlns:p="http://schemas.openxmlformats.org/presentationml/2006/main">
   <p:cSld>
+    <p:spTree>
+      <p:nvGrpSpPr>
+        <p:cNvPr id="1" name=""/>
+        <p:cNvGrpSpPr/>
+        <p:nvPr/>
+      </p:nvGrpSpPr>
+      <p:grpSpPr>
+        <a:xfrm>
+          <a:off x="0" y="0"/>
+          <a:ext cx="0" cy="0"/>
+          <a:chOff x="0" y="0"/>
+          <a:chExt cx="0" cy="0"/>
+        </a:xfrm>
+      </p:grpSpPr>
+      <p:sp>
+        <p:nvSpPr>
+          <p:cNvPr id="2" name="Titel 1">
+            <a:extLst>
+              <a:ext uri="{FF2B5EF4-FFF2-40B4-BE49-F238E27FC236}">
+                <a16:creationId xmlns:a16="http://schemas.microsoft.com/office/drawing/2014/main" id="{61381218-6C52-426C-BD2B-13A4DD5B9756}"/>
+              </a:ext>
+            </a:extLst>
+          </p:cNvPr>
+          <p:cNvSpPr>
+            <a:spLocks noGrp="1"/>
+          </p:cNvSpPr>
+          <p:nvPr>
+            <p:ph type="title"/>
+          </p:nvPr>
+        </p:nvSpPr>
+        <p:spPr/>
+        <p:txBody>
+          <a:bodyPr/>
+          <a:lstStyle/>
+          <a:p>
+            <a:r>
+              <a:rPr lang="de-DE" dirty="0"/>
+              <a:t>Aufbau</a:t>
+            </a:r>
+          </a:p>
+        </p:txBody>
+      </p:sp>
+      <p:sp>
+        <p:nvSpPr>
+          <p:cNvPr id="3" name="Inhaltsplatzhalter 2">
+            <a:extLst>
+              <a:ext uri="{FF2B5EF4-FFF2-40B4-BE49-F238E27FC236}">
+                <a16:creationId xmlns:a16="http://schemas.microsoft.com/office/drawing/2014/main" id="{73B604E8-C08B-4515-83D6-F07E9192E3D1}"/>
+              </a:ext>
+            </a:extLst>
+          </p:cNvPr>
+          <p:cNvSpPr>
+            <a:spLocks noGrp="1"/>
+          </p:cNvSpPr>
+          <p:nvPr>
+            <p:ph idx="1"/>
+          </p:nvPr>
+        </p:nvSpPr>
+        <p:spPr/>
+        <p:txBody>
+          <a:bodyPr/>
+          <a:lstStyle/>
+          <a:p>
+            <a:r>
+              <a:rPr lang="de-DE" dirty="0"/>
+              <a:t>Default-Page </a:t>
+            </a:r>
+            <a:r>
+              <a:rPr lang="de-DE" dirty="0">
+                <a:sym typeface="Wingdings" panose="05000000000000000000" pitchFamily="2" charset="2"/>
+              </a:rPr>
+              <a:t></a:t>
+            </a:r>
+            <a:r>
+              <a:rPr lang="de-DE" dirty="0"/>
+              <a:t> stellt Header zur Verfügung</a:t>
+            </a:r>
+          </a:p>
+        </p:txBody>
+      </p:sp>
+      <p:pic>
+        <p:nvPicPr>
+          <p:cNvPr id="5" name="Grafik 4">
+            <a:extLst>
+              <a:ext uri="{FF2B5EF4-FFF2-40B4-BE49-F238E27FC236}">
+                <a16:creationId xmlns:a16="http://schemas.microsoft.com/office/drawing/2014/main" id="{7532301E-45CB-4752-83FD-F758AF07AC79}"/>
+              </a:ext>
+            </a:extLst>
+          </p:cNvPr>
+          <p:cNvPicPr>
+            <a:picLocks noChangeAspect="1"/>
+          </p:cNvPicPr>
+          <p:nvPr/>
+        </p:nvPicPr>
+        <p:blipFill>
+          <a:blip r:embed="rId2"/>
+          <a:stretch>
+            <a:fillRect/>
+          </a:stretch>
+        </p:blipFill>
+        <p:spPr>
+          <a:xfrm>
+            <a:off x="646111" y="2743400"/>
+            <a:ext cx="10402957" cy="3762100"/>
+          </a:xfrm>
+          <a:prstGeom prst="rect">
+            <a:avLst/>
+          </a:prstGeom>
+        </p:spPr>
+      </p:pic>
+    </p:spTree>
+    <p:extLst>
+      <p:ext uri="{BB962C8B-B14F-4D97-AF65-F5344CB8AC3E}">
+        <p14:creationId xmlns:p14="http://schemas.microsoft.com/office/powerpoint/2010/main" val="1155329097"/>
+      </p:ext>
+    </p:extLst>
+  </p:cSld>
+  <p:clrMapOvr>
+    <a:masterClrMapping/>
+  </p:clrMapOvr>
+</p:sld>
+</file>
+
+<file path=ppt/slides/slide11.xml><?xml version="1.0" encoding="utf-8"?>
+<p:sld xmlns:a="http://schemas.openxmlformats.org/drawingml/2006/main" xmlns:r="http://schemas.openxmlformats.org/officeDocument/2006/relationships" xmlns:p="http://schemas.openxmlformats.org/presentationml/2006/main">
+  <p:cSld>
+    <p:spTree>
+      <p:nvGrpSpPr>
+        <p:cNvPr id="1" name=""/>
+        <p:cNvGrpSpPr/>
+        <p:nvPr/>
+      </p:nvGrpSpPr>
+      <p:grpSpPr>
+        <a:xfrm>
+          <a:off x="0" y="0"/>
+          <a:ext cx="0" cy="0"/>
+          <a:chOff x="0" y="0"/>
+          <a:chExt cx="0" cy="0"/>
+        </a:xfrm>
+      </p:grpSpPr>
+      <p:sp>
+        <p:nvSpPr>
+          <p:cNvPr id="2" name="Titel 1">
+            <a:extLst>
+              <a:ext uri="{FF2B5EF4-FFF2-40B4-BE49-F238E27FC236}">
+                <a16:creationId xmlns:a16="http://schemas.microsoft.com/office/drawing/2014/main" id="{61381218-6C52-426C-BD2B-13A4DD5B9756}"/>
+              </a:ext>
+            </a:extLst>
+          </p:cNvPr>
+          <p:cNvSpPr>
+            <a:spLocks noGrp="1"/>
+          </p:cNvSpPr>
+          <p:nvPr>
+            <p:ph type="title"/>
+          </p:nvPr>
+        </p:nvSpPr>
+        <p:spPr/>
+        <p:txBody>
+          <a:bodyPr/>
+          <a:lstStyle/>
+          <a:p>
+            <a:r>
+              <a:rPr lang="de-DE" dirty="0"/>
+              <a:t>Aufbau</a:t>
+            </a:r>
+          </a:p>
+        </p:txBody>
+      </p:sp>
+      <p:sp>
+        <p:nvSpPr>
+          <p:cNvPr id="3" name="Inhaltsplatzhalter 2">
+            <a:extLst>
+              <a:ext uri="{FF2B5EF4-FFF2-40B4-BE49-F238E27FC236}">
+                <a16:creationId xmlns:a16="http://schemas.microsoft.com/office/drawing/2014/main" id="{73B604E8-C08B-4515-83D6-F07E9192E3D1}"/>
+              </a:ext>
+            </a:extLst>
+          </p:cNvPr>
+          <p:cNvSpPr>
+            <a:spLocks noGrp="1"/>
+          </p:cNvSpPr>
+          <p:nvPr>
+            <p:ph idx="1"/>
+          </p:nvPr>
+        </p:nvSpPr>
+        <p:spPr>
+          <a:xfrm>
+            <a:off x="1103312" y="1416814"/>
+            <a:ext cx="8946541" cy="4195481"/>
+          </a:xfrm>
+        </p:spPr>
+        <p:txBody>
+          <a:bodyPr/>
+          <a:lstStyle/>
+          <a:p>
+            <a:r>
+              <a:rPr lang="de-DE" dirty="0"/>
+              <a:t>Home-Komponente </a:t>
+            </a:r>
+            <a:r>
+              <a:rPr lang="de-DE" dirty="0">
+                <a:sym typeface="Wingdings" panose="05000000000000000000" pitchFamily="2" charset="2"/>
+              </a:rPr>
+              <a:t> stellt die Produktübersicht dar</a:t>
+            </a:r>
+            <a:endParaRPr lang="de-DE" dirty="0"/>
+          </a:p>
+        </p:txBody>
+      </p:sp>
+      <p:pic>
+        <p:nvPicPr>
+          <p:cNvPr id="5" name="Grafik 4" descr="Ein Bild, das Screenshot enthält.&#10;&#10;Automatisch generierte Beschreibung">
+            <a:extLst>
+              <a:ext uri="{FF2B5EF4-FFF2-40B4-BE49-F238E27FC236}">
+                <a16:creationId xmlns:a16="http://schemas.microsoft.com/office/drawing/2014/main" id="{7F77577F-FA58-4B0D-A62B-DC6C94EEDB68}"/>
+              </a:ext>
+            </a:extLst>
+          </p:cNvPr>
+          <p:cNvPicPr>
+            <a:picLocks noChangeAspect="1"/>
+          </p:cNvPicPr>
+          <p:nvPr/>
+        </p:nvPicPr>
+        <p:blipFill>
+          <a:blip r:embed="rId2"/>
+          <a:stretch>
+            <a:fillRect/>
+          </a:stretch>
+        </p:blipFill>
+        <p:spPr>
+          <a:xfrm>
+            <a:off x="646111" y="1928048"/>
+            <a:ext cx="10167663" cy="4596642"/>
+          </a:xfrm>
+          <a:prstGeom prst="rect">
+            <a:avLst/>
+          </a:prstGeom>
+        </p:spPr>
+      </p:pic>
+    </p:spTree>
+    <p:extLst>
+      <p:ext uri="{BB962C8B-B14F-4D97-AF65-F5344CB8AC3E}">
+        <p14:creationId xmlns:p14="http://schemas.microsoft.com/office/powerpoint/2010/main" val="2453601234"/>
+      </p:ext>
+    </p:extLst>
+  </p:cSld>
+  <p:clrMapOvr>
+    <a:masterClrMapping/>
+  </p:clrMapOvr>
+</p:sld>
+</file>
+
+<file path=ppt/slides/slide12.xml><?xml version="1.0" encoding="utf-8"?>
+<p:sld xmlns:a="http://schemas.openxmlformats.org/drawingml/2006/main" xmlns:r="http://schemas.openxmlformats.org/officeDocument/2006/relationships" xmlns:p="http://schemas.openxmlformats.org/presentationml/2006/main">
+  <p:cSld>
+    <p:spTree>
+      <p:nvGrpSpPr>
+        <p:cNvPr id="1" name=""/>
+        <p:cNvGrpSpPr/>
+        <p:nvPr/>
+      </p:nvGrpSpPr>
+      <p:grpSpPr>
+        <a:xfrm>
+          <a:off x="0" y="0"/>
+          <a:ext cx="0" cy="0"/>
+          <a:chOff x="0" y="0"/>
+          <a:chExt cx="0" cy="0"/>
+        </a:xfrm>
+      </p:grpSpPr>
+      <p:sp>
+        <p:nvSpPr>
+          <p:cNvPr id="2" name="Titel 1">
+            <a:extLst>
+              <a:ext uri="{FF2B5EF4-FFF2-40B4-BE49-F238E27FC236}">
+                <a16:creationId xmlns:a16="http://schemas.microsoft.com/office/drawing/2014/main" id="{61381218-6C52-426C-BD2B-13A4DD5B9756}"/>
+              </a:ext>
+            </a:extLst>
+          </p:cNvPr>
+          <p:cNvSpPr>
+            <a:spLocks noGrp="1"/>
+          </p:cNvSpPr>
+          <p:nvPr>
+            <p:ph type="title"/>
+          </p:nvPr>
+        </p:nvSpPr>
+        <p:spPr/>
+        <p:txBody>
+          <a:bodyPr/>
+          <a:lstStyle/>
+          <a:p>
+            <a:r>
+              <a:rPr lang="de-DE" dirty="0"/>
+              <a:t>Aufbau</a:t>
+            </a:r>
+          </a:p>
+        </p:txBody>
+      </p:sp>
+      <p:sp>
+        <p:nvSpPr>
+          <p:cNvPr id="3" name="Inhaltsplatzhalter 2">
+            <a:extLst>
+              <a:ext uri="{FF2B5EF4-FFF2-40B4-BE49-F238E27FC236}">
+                <a16:creationId xmlns:a16="http://schemas.microsoft.com/office/drawing/2014/main" id="{73B604E8-C08B-4515-83D6-F07E9192E3D1}"/>
+              </a:ext>
+            </a:extLst>
+          </p:cNvPr>
+          <p:cNvSpPr>
+            <a:spLocks noGrp="1"/>
+          </p:cNvSpPr>
+          <p:nvPr>
+            <p:ph idx="1"/>
+          </p:nvPr>
+        </p:nvSpPr>
+        <p:spPr>
+          <a:xfrm>
+            <a:off x="1104293" y="1536083"/>
+            <a:ext cx="8946541" cy="4195481"/>
+          </a:xfrm>
+        </p:spPr>
+        <p:txBody>
+          <a:bodyPr/>
+          <a:lstStyle/>
+          <a:p>
+            <a:r>
+              <a:rPr lang="de-DE" dirty="0" err="1"/>
+              <a:t>Cart</a:t>
+            </a:r>
+            <a:r>
+              <a:rPr lang="de-DE" dirty="0"/>
+              <a:t>-Komponente </a:t>
+            </a:r>
+            <a:r>
+              <a:rPr lang="de-DE" dirty="0">
+                <a:sym typeface="Wingdings" panose="05000000000000000000" pitchFamily="2" charset="2"/>
+              </a:rPr>
+              <a:t> stellt Warenkorb dar</a:t>
+            </a:r>
+            <a:endParaRPr lang="de-DE" dirty="0"/>
+          </a:p>
+        </p:txBody>
+      </p:sp>
+      <p:pic>
+        <p:nvPicPr>
+          <p:cNvPr id="5" name="Grafik 4" descr="Ein Bild, das Screenshot enthält.&#10;&#10;Automatisch generierte Beschreibung">
+            <a:extLst>
+              <a:ext uri="{FF2B5EF4-FFF2-40B4-BE49-F238E27FC236}">
+                <a16:creationId xmlns:a16="http://schemas.microsoft.com/office/drawing/2014/main" id="{CA6BD6C4-586C-4C4A-805F-B80FBA7BF3C8}"/>
+              </a:ext>
+            </a:extLst>
+          </p:cNvPr>
+          <p:cNvPicPr>
+            <a:picLocks noChangeAspect="1"/>
+          </p:cNvPicPr>
+          <p:nvPr/>
+        </p:nvPicPr>
+        <p:blipFill>
+          <a:blip r:embed="rId2"/>
+          <a:stretch>
+            <a:fillRect/>
+          </a:stretch>
+        </p:blipFill>
+        <p:spPr>
+          <a:xfrm>
+            <a:off x="646111" y="1974574"/>
+            <a:ext cx="10131832" cy="4574426"/>
+          </a:xfrm>
+          <a:prstGeom prst="rect">
+            <a:avLst/>
+          </a:prstGeom>
+        </p:spPr>
+      </p:pic>
+    </p:spTree>
+    <p:extLst>
+      <p:ext uri="{BB962C8B-B14F-4D97-AF65-F5344CB8AC3E}">
+        <p14:creationId xmlns:p14="http://schemas.microsoft.com/office/powerpoint/2010/main" val="2586971740"/>
+      </p:ext>
+    </p:extLst>
+  </p:cSld>
+  <p:clrMapOvr>
+    <a:masterClrMapping/>
+  </p:clrMapOvr>
+</p:sld>
+</file>
+
+<file path=ppt/slides/slide13.xml><?xml version="1.0" encoding="utf-8"?>
+<p:sld xmlns:a="http://schemas.openxmlformats.org/drawingml/2006/main" xmlns:r="http://schemas.openxmlformats.org/officeDocument/2006/relationships" xmlns:p="http://schemas.openxmlformats.org/presentationml/2006/main">
+  <p:cSld>
+    <p:spTree>
+      <p:nvGrpSpPr>
+        <p:cNvPr id="1" name=""/>
+        <p:cNvGrpSpPr/>
+        <p:nvPr/>
+      </p:nvGrpSpPr>
+      <p:grpSpPr>
+        <a:xfrm>
+          <a:off x="0" y="0"/>
+          <a:ext cx="0" cy="0"/>
+          <a:chOff x="0" y="0"/>
+          <a:chExt cx="0" cy="0"/>
+        </a:xfrm>
+      </p:grpSpPr>
+      <p:sp>
+        <p:nvSpPr>
+          <p:cNvPr id="2" name="Titel 1">
+            <a:extLst>
+              <a:ext uri="{FF2B5EF4-FFF2-40B4-BE49-F238E27FC236}">
+                <a16:creationId xmlns:a16="http://schemas.microsoft.com/office/drawing/2014/main" id="{61381218-6C52-426C-BD2B-13A4DD5B9756}"/>
+              </a:ext>
+            </a:extLst>
+          </p:cNvPr>
+          <p:cNvSpPr>
+            <a:spLocks noGrp="1"/>
+          </p:cNvSpPr>
+          <p:nvPr>
+            <p:ph type="title"/>
+          </p:nvPr>
+        </p:nvSpPr>
+        <p:spPr/>
+        <p:txBody>
+          <a:bodyPr/>
+          <a:lstStyle/>
+          <a:p>
+            <a:r>
+              <a:rPr lang="de-DE" dirty="0"/>
+              <a:t>Aufbau</a:t>
+            </a:r>
+          </a:p>
+        </p:txBody>
+      </p:sp>
+      <p:sp>
+        <p:nvSpPr>
+          <p:cNvPr id="3" name="Inhaltsplatzhalter 2">
+            <a:extLst>
+              <a:ext uri="{FF2B5EF4-FFF2-40B4-BE49-F238E27FC236}">
+                <a16:creationId xmlns:a16="http://schemas.microsoft.com/office/drawing/2014/main" id="{73B604E8-C08B-4515-83D6-F07E9192E3D1}"/>
+              </a:ext>
+            </a:extLst>
+          </p:cNvPr>
+          <p:cNvSpPr>
+            <a:spLocks noGrp="1"/>
+          </p:cNvSpPr>
+          <p:nvPr>
+            <p:ph idx="1"/>
+          </p:nvPr>
+        </p:nvSpPr>
+        <p:spPr>
+          <a:xfrm>
+            <a:off x="1104293" y="1496326"/>
+            <a:ext cx="8946541" cy="4195481"/>
+          </a:xfrm>
+        </p:spPr>
+        <p:txBody>
+          <a:bodyPr/>
+          <a:lstStyle/>
+          <a:p>
+            <a:r>
+              <a:rPr lang="de-DE" dirty="0"/>
+              <a:t>Order-</a:t>
+            </a:r>
+            <a:r>
+              <a:rPr lang="de-DE" dirty="0" err="1"/>
+              <a:t>Confirm</a:t>
+            </a:r>
+            <a:r>
+              <a:rPr lang="de-DE" dirty="0"/>
+              <a:t>-Komponente </a:t>
+            </a:r>
+            <a:r>
+              <a:rPr lang="de-DE" dirty="0">
+                <a:sym typeface="Wingdings" panose="05000000000000000000" pitchFamily="2" charset="2"/>
+              </a:rPr>
+              <a:t> stellt Bestellbestätigung dar</a:t>
+            </a:r>
+            <a:endParaRPr lang="de-DE" dirty="0"/>
+          </a:p>
+        </p:txBody>
+      </p:sp>
+      <p:pic>
+        <p:nvPicPr>
+          <p:cNvPr id="5" name="Grafik 4" descr="Ein Bild, das Screenshot enthält.&#10;&#10;Automatisch generierte Beschreibung">
+            <a:extLst>
+              <a:ext uri="{FF2B5EF4-FFF2-40B4-BE49-F238E27FC236}">
+                <a16:creationId xmlns:a16="http://schemas.microsoft.com/office/drawing/2014/main" id="{67A4978D-85B4-467B-94CA-7C677205C936}"/>
+              </a:ext>
+            </a:extLst>
+          </p:cNvPr>
+          <p:cNvPicPr>
+            <a:picLocks noChangeAspect="1"/>
+          </p:cNvPicPr>
+          <p:nvPr/>
+        </p:nvPicPr>
+        <p:blipFill>
+          <a:blip r:embed="rId2"/>
+          <a:stretch>
+            <a:fillRect/>
+          </a:stretch>
+        </p:blipFill>
+        <p:spPr>
+          <a:xfrm>
+            <a:off x="646111" y="1889691"/>
+            <a:ext cx="10199150" cy="4621922"/>
+          </a:xfrm>
+          <a:prstGeom prst="rect">
+            <a:avLst/>
+          </a:prstGeom>
+        </p:spPr>
+      </p:pic>
+    </p:spTree>
+    <p:extLst>
+      <p:ext uri="{BB962C8B-B14F-4D97-AF65-F5344CB8AC3E}">
+        <p14:creationId xmlns:p14="http://schemas.microsoft.com/office/powerpoint/2010/main" val="511103399"/>
+      </p:ext>
+    </p:extLst>
+  </p:cSld>
+  <p:clrMapOvr>
+    <a:masterClrMapping/>
+  </p:clrMapOvr>
+</p:sld>
+</file>
+
+<file path=ppt/slides/slide14.xml><?xml version="1.0" encoding="utf-8"?>
+<p:sld xmlns:a="http://schemas.openxmlformats.org/drawingml/2006/main" xmlns:r="http://schemas.openxmlformats.org/officeDocument/2006/relationships" xmlns:p="http://schemas.openxmlformats.org/presentationml/2006/main">
+  <p:cSld>
+    <p:spTree>
+      <p:nvGrpSpPr>
+        <p:cNvPr id="1" name=""/>
+        <p:cNvGrpSpPr/>
+        <p:nvPr/>
+      </p:nvGrpSpPr>
+      <p:grpSpPr>
+        <a:xfrm>
+          <a:off x="0" y="0"/>
+          <a:ext cx="0" cy="0"/>
+          <a:chOff x="0" y="0"/>
+          <a:chExt cx="0" cy="0"/>
+        </a:xfrm>
+      </p:grpSpPr>
+      <p:pic>
+        <p:nvPicPr>
+          <p:cNvPr id="5" name="Inhaltsplatzhalter 4" descr="Ein Bild, das Screenshot enthält.&#10;&#10;Automatisch generierte Beschreibung">
+            <a:extLst>
+              <a:ext uri="{FF2B5EF4-FFF2-40B4-BE49-F238E27FC236}">
+                <a16:creationId xmlns:a16="http://schemas.microsoft.com/office/drawing/2014/main" id="{A445181E-B862-4EAC-A082-7E53E571AEB9}"/>
+              </a:ext>
+            </a:extLst>
+          </p:cNvPr>
+          <p:cNvPicPr>
+            <a:picLocks noGrp="1" noChangeAspect="1"/>
+          </p:cNvPicPr>
+          <p:nvPr>
+            <p:ph idx="1"/>
+          </p:nvPr>
+        </p:nvPicPr>
+        <p:blipFill>
+          <a:blip r:embed="rId2"/>
+          <a:stretch>
+            <a:fillRect/>
+          </a:stretch>
+        </p:blipFill>
+        <p:spPr>
+          <a:xfrm>
+            <a:off x="818391" y="1806866"/>
+            <a:ext cx="10055018" cy="4529385"/>
+          </a:xfrm>
+        </p:spPr>
+      </p:pic>
+    </p:spTree>
+    <p:extLst>
+      <p:ext uri="{BB962C8B-B14F-4D97-AF65-F5344CB8AC3E}">
+        <p14:creationId xmlns:p14="http://schemas.microsoft.com/office/powerpoint/2010/main" val="3493078672"/>
+      </p:ext>
+    </p:extLst>
+  </p:cSld>
+  <p:clrMapOvr>
+    <a:masterClrMapping/>
+  </p:clrMapOvr>
+</p:sld>
+</file>
+
+<file path=ppt/slides/slide15.xml><?xml version="1.0" encoding="utf-8"?>
+<p:sld xmlns:a="http://schemas.openxmlformats.org/drawingml/2006/main" xmlns:r="http://schemas.openxmlformats.org/officeDocument/2006/relationships" xmlns:p="http://schemas.openxmlformats.org/presentationml/2006/main">
+  <p:cSld>
     <p:bg>
       <p:bgPr>
         <a:blipFill rotWithShape="1">
@@ -7404,15 +7996,8 @@
           <a:p>
             <a:pPr algn="ctr"/>
             <a:r>
-              <a:rPr lang="en-US" sz="8000" b="0" i="0" kern="1200" dirty="0" err="1">
-                <a:solidFill>
-                  <a:schemeClr val="tx2"/>
-                </a:solidFill>
-                <a:latin typeface="+mj-lt"/>
-                <a:ea typeface="+mj-ea"/>
-                <a:cs typeface="+mj-cs"/>
-              </a:rPr>
-              <a:t>Umsetzung</a:t>
+              <a:rPr lang="en-US" sz="8000" dirty="0" err="1"/>
+              <a:t>Probleme</a:t>
             </a:r>
             <a:endParaRPr lang="en-US" sz="8000" b="0" i="0" kern="1200" dirty="0">
               <a:solidFill>
@@ -7428,7 +8013,7 @@
     </p:spTree>
     <p:extLst>
       <p:ext uri="{BB962C8B-B14F-4D97-AF65-F5344CB8AC3E}">
-        <p14:creationId xmlns:p14="http://schemas.microsoft.com/office/powerpoint/2010/main" val="68926543"/>
+        <p14:creationId xmlns:p14="http://schemas.microsoft.com/office/powerpoint/2010/main" val="3125497789"/>
       </p:ext>
     </p:extLst>
   </p:cSld>
@@ -7438,7 +8023,7 @@
 </p:sld>
 </file>
 
-<file path=ppt/slides/slide11.xml><?xml version="1.0" encoding="utf-8"?>
+<file path=ppt/slides/slide16.xml><?xml version="1.0" encoding="utf-8"?>
 <p:sld xmlns:a="http://schemas.openxmlformats.org/drawingml/2006/main" xmlns:r="http://schemas.openxmlformats.org/officeDocument/2006/relationships" xmlns:p="http://schemas.openxmlformats.org/presentationml/2006/main">
   <p:cSld>
     <p:spTree>
@@ -7460,7 +8045,7 @@
           <p:cNvPr id="2" name="Titel 1">
             <a:extLst>
               <a:ext uri="{FF2B5EF4-FFF2-40B4-BE49-F238E27FC236}">
-                <a16:creationId xmlns:a16="http://schemas.microsoft.com/office/drawing/2014/main" id="{1BCC2914-9975-450B-A86D-A4794D7CA2B4}"/>
+                <a16:creationId xmlns:a16="http://schemas.microsoft.com/office/drawing/2014/main" id="{C81C8090-414E-4BB6-98C5-2E415AC87A5E}"/>
               </a:ext>
             </a:extLst>
           </p:cNvPr>
@@ -7478,7 +8063,7 @@
           <a:p>
             <a:r>
               <a:rPr lang="de-DE" dirty="0"/>
-              <a:t>Umsetzung</a:t>
+              <a:t>Probleme</a:t>
             </a:r>
           </a:p>
         </p:txBody>
@@ -7488,7 +8073,7 @@
           <p:cNvPr id="3" name="Inhaltsplatzhalter 2">
             <a:extLst>
               <a:ext uri="{FF2B5EF4-FFF2-40B4-BE49-F238E27FC236}">
-                <a16:creationId xmlns:a16="http://schemas.microsoft.com/office/drawing/2014/main" id="{6889D9FE-B354-445A-AB3E-1EB87AD8600B}"/>
+                <a16:creationId xmlns:a16="http://schemas.microsoft.com/office/drawing/2014/main" id="{274454BA-C21F-4FBB-B3CD-5CFAC3B27085}"/>
               </a:ext>
             </a:extLst>
           </p:cNvPr>
@@ -7506,28 +8091,45 @@
           <a:p>
             <a:r>
               <a:rPr lang="de-DE" dirty="0"/>
-              <a:t>Aufteilung in Backend und Frontend</a:t>
+              <a:t>Angular JS</a:t>
             </a:r>
           </a:p>
           <a:p>
             <a:r>
               <a:rPr lang="de-DE" dirty="0"/>
-              <a:t>Probleme bei Zusammenführung</a:t>
-            </a:r>
-          </a:p>
-          <a:p>
-            <a:pPr lvl="1"/>
+              <a:t>Spring, aber schnell verständlich</a:t>
+            </a:r>
+          </a:p>
+          <a:p>
             <a:r>
               <a:rPr lang="de-DE" dirty="0"/>
-              <a:t>Lösung: Gemeinsame Session bei Bildschirmübertragung</a:t>
-            </a:r>
+              <a:t>Keine API Doku für Spring Boot</a:t>
+            </a:r>
+          </a:p>
+          <a:p>
+            <a:r>
+              <a:rPr lang="de-DE" dirty="0"/>
+              <a:t>Generelle Kommunikation/Verfügbarkeit der Anwendungen untereinander kompliziert zu überschauen</a:t>
+            </a:r>
+          </a:p>
+          <a:p>
+            <a:pPr marL="0" indent="0">
+              <a:buNone/>
+            </a:pPr>
+            <a:endParaRPr lang="de-DE" dirty="0"/>
+          </a:p>
+          <a:p>
+            <a:endParaRPr lang="de-DE" dirty="0"/>
+          </a:p>
+          <a:p>
+            <a:endParaRPr lang="de-DE" dirty="0"/>
           </a:p>
         </p:txBody>
       </p:sp>
     </p:spTree>
     <p:extLst>
       <p:ext uri="{BB962C8B-B14F-4D97-AF65-F5344CB8AC3E}">
-        <p14:creationId xmlns:p14="http://schemas.microsoft.com/office/powerpoint/2010/main" val="477739504"/>
+        <p14:creationId xmlns:p14="http://schemas.microsoft.com/office/powerpoint/2010/main" val="2142043492"/>
       </p:ext>
     </p:extLst>
   </p:cSld>
@@ -7537,7 +8139,7 @@
 </p:sld>
 </file>
 
-<file path=ppt/slides/slide12.xml><?xml version="1.0" encoding="utf-8"?>
+<file path=ppt/slides/slide17.xml><?xml version="1.0" encoding="utf-8"?>
 <p:sld xmlns:a="http://schemas.openxmlformats.org/drawingml/2006/main" xmlns:r="http://schemas.openxmlformats.org/officeDocument/2006/relationships" xmlns:p="http://schemas.openxmlformats.org/presentationml/2006/main">
   <p:cSld>
     <p:bg>
@@ -8814,7 +9416,7 @@
           <p:cNvPr id="2" name="Titel 1">
             <a:extLst>
               <a:ext uri="{FF2B5EF4-FFF2-40B4-BE49-F238E27FC236}">
-                <a16:creationId xmlns:a16="http://schemas.microsoft.com/office/drawing/2014/main" id="{4B4E3E01-1CAF-4176-97A4-969669340DCB}"/>
+                <a16:creationId xmlns:a16="http://schemas.microsoft.com/office/drawing/2014/main" id="{53B80C15-B514-404A-A69B-547B38E8D1C7}"/>
               </a:ext>
             </a:extLst>
           </p:cNvPr>
@@ -8839,7 +9441,7 @@
           <a:p>
             <a:pPr algn="ctr"/>
             <a:r>
-              <a:rPr lang="en-US" sz="8000" b="0" i="0" kern="1200" dirty="0">
+              <a:rPr lang="en-US" sz="8000" b="0" i="0" kern="1200" dirty="0" err="1">
                 <a:solidFill>
                   <a:schemeClr val="tx2"/>
                 </a:solidFill>
@@ -8847,15 +9449,23 @@
                 <a:ea typeface="+mj-ea"/>
                 <a:cs typeface="+mj-cs"/>
               </a:rPr>
-              <a:t>Resilience-Pattern</a:t>
-            </a:r>
+              <a:t>Umsetzung</a:t>
+            </a:r>
+            <a:endParaRPr lang="en-US" sz="8000" b="0" i="0" kern="1200" dirty="0">
+              <a:solidFill>
+                <a:schemeClr val="tx2"/>
+              </a:solidFill>
+              <a:latin typeface="+mj-lt"/>
+              <a:ea typeface="+mj-ea"/>
+              <a:cs typeface="+mj-cs"/>
+            </a:endParaRPr>
           </a:p>
         </p:txBody>
       </p:sp>
     </p:spTree>
     <p:extLst>
       <p:ext uri="{BB962C8B-B14F-4D97-AF65-F5344CB8AC3E}">
-        <p14:creationId xmlns:p14="http://schemas.microsoft.com/office/powerpoint/2010/main" val="132596113"/>
+        <p14:creationId xmlns:p14="http://schemas.microsoft.com/office/powerpoint/2010/main" val="68926543"/>
       </p:ext>
     </p:extLst>
   </p:cSld>
@@ -8865,7 +9475,7 @@
 </p:sld>
 </file>
 
-<file path=ppt/slides/slide13.xml><?xml version="1.0" encoding="utf-8"?>
+<file path=ppt/slides/slide18.xml><?xml version="1.0" encoding="utf-8"?>
 <p:sld xmlns:a="http://schemas.openxmlformats.org/drawingml/2006/main" xmlns:r="http://schemas.openxmlformats.org/officeDocument/2006/relationships" xmlns:p="http://schemas.openxmlformats.org/presentationml/2006/main">
   <p:cSld>
     <p:spTree>
@@ -8887,7 +9497,7 @@
           <p:cNvPr id="2" name="Titel 1">
             <a:extLst>
               <a:ext uri="{FF2B5EF4-FFF2-40B4-BE49-F238E27FC236}">
-                <a16:creationId xmlns:a16="http://schemas.microsoft.com/office/drawing/2014/main" id="{04F51D90-6984-42CC-B8DD-D45322279FD7}"/>
+                <a16:creationId xmlns:a16="http://schemas.microsoft.com/office/drawing/2014/main" id="{31860654-0944-4E49-8E53-C12011406456}"/>
               </a:ext>
             </a:extLst>
           </p:cNvPr>
@@ -8905,7 +9515,7 @@
           <a:p>
             <a:r>
               <a:rPr lang="de-DE" dirty="0"/>
-              <a:t>Timeout</a:t>
+              <a:t>Umsetzung</a:t>
             </a:r>
           </a:p>
         </p:txBody>
@@ -8915,7 +9525,7 @@
           <p:cNvPr id="3" name="Inhaltsplatzhalter 2">
             <a:extLst>
               <a:ext uri="{FF2B5EF4-FFF2-40B4-BE49-F238E27FC236}">
-                <a16:creationId xmlns:a16="http://schemas.microsoft.com/office/drawing/2014/main" id="{3504DE11-7DD6-430B-9B45-0BB3CDB65230}"/>
+                <a16:creationId xmlns:a16="http://schemas.microsoft.com/office/drawing/2014/main" id="{A1E31838-AB50-4F23-B78E-74B88B9306BB}"/>
               </a:ext>
             </a:extLst>
           </p:cNvPr>
@@ -8931,14 +9541,43 @@
           <a:bodyPr/>
           <a:lstStyle/>
           <a:p>
-            <a:endParaRPr lang="de-DE"/>
+            <a:r>
+              <a:rPr lang="de-DE" dirty="0"/>
+              <a:t>Aufteilung untereinander in Frontend und in Backend</a:t>
+            </a:r>
+          </a:p>
+          <a:p>
+            <a:endParaRPr lang="de-DE" dirty="0"/>
+          </a:p>
+          <a:p>
+            <a:r>
+              <a:rPr lang="de-DE" dirty="0"/>
+              <a:t>Zusammenführung der Komponenten etwas schwierig</a:t>
+            </a:r>
+          </a:p>
+          <a:p>
+            <a:endParaRPr lang="de-DE" dirty="0"/>
+          </a:p>
+          <a:p>
+            <a:r>
+              <a:rPr lang="de-DE" dirty="0"/>
+              <a:t>Lösung: Zusammenarbeit über </a:t>
+            </a:r>
+            <a:r>
+              <a:rPr lang="de-DE" dirty="0" err="1"/>
+              <a:t>Discord</a:t>
+            </a:r>
+            <a:r>
+              <a:rPr lang="de-DE" dirty="0"/>
+              <a:t> mit Bildschirmübertragung</a:t>
+            </a:r>
           </a:p>
         </p:txBody>
       </p:sp>
     </p:spTree>
     <p:extLst>
       <p:ext uri="{BB962C8B-B14F-4D97-AF65-F5344CB8AC3E}">
-        <p14:creationId xmlns:p14="http://schemas.microsoft.com/office/powerpoint/2010/main" val="2062457752"/>
+        <p14:creationId xmlns:p14="http://schemas.microsoft.com/office/powerpoint/2010/main" val="4275758121"/>
       </p:ext>
     </p:extLst>
   </p:cSld>
@@ -8948,346 +9587,7 @@
 </p:sld>
 </file>
 
-<file path=ppt/slides/slide14.xml><?xml version="1.0" encoding="utf-8"?>
-<p:sld xmlns:a="http://schemas.openxmlformats.org/drawingml/2006/main" xmlns:r="http://schemas.openxmlformats.org/officeDocument/2006/relationships" xmlns:p="http://schemas.openxmlformats.org/presentationml/2006/main">
-  <p:cSld>
-    <p:spTree>
-      <p:nvGrpSpPr>
-        <p:cNvPr id="1" name=""/>
-        <p:cNvGrpSpPr/>
-        <p:nvPr/>
-      </p:nvGrpSpPr>
-      <p:grpSpPr>
-        <a:xfrm>
-          <a:off x="0" y="0"/>
-          <a:ext cx="0" cy="0"/>
-          <a:chOff x="0" y="0"/>
-          <a:chExt cx="0" cy="0"/>
-        </a:xfrm>
-      </p:grpSpPr>
-      <p:sp>
-        <p:nvSpPr>
-          <p:cNvPr id="2" name="Titel 1">
-            <a:extLst>
-              <a:ext uri="{FF2B5EF4-FFF2-40B4-BE49-F238E27FC236}">
-                <a16:creationId xmlns:a16="http://schemas.microsoft.com/office/drawing/2014/main" id="{C4F8DFF0-7AB5-4F16-AC01-DAC119B93549}"/>
-              </a:ext>
-            </a:extLst>
-          </p:cNvPr>
-          <p:cNvSpPr>
-            <a:spLocks noGrp="1"/>
-          </p:cNvSpPr>
-          <p:nvPr>
-            <p:ph type="title"/>
-          </p:nvPr>
-        </p:nvSpPr>
-        <p:spPr/>
-        <p:txBody>
-          <a:bodyPr/>
-          <a:lstStyle/>
-          <a:p>
-            <a:r>
-              <a:rPr lang="de-DE" dirty="0" err="1"/>
-              <a:t>Retry</a:t>
-            </a:r>
-            <a:endParaRPr lang="de-DE" dirty="0"/>
-          </a:p>
-        </p:txBody>
-      </p:sp>
-      <p:sp>
-        <p:nvSpPr>
-          <p:cNvPr id="3" name="Inhaltsplatzhalter 2">
-            <a:extLst>
-              <a:ext uri="{FF2B5EF4-FFF2-40B4-BE49-F238E27FC236}">
-                <a16:creationId xmlns:a16="http://schemas.microsoft.com/office/drawing/2014/main" id="{472444AA-9815-466D-8396-E95EB594BF2B}"/>
-              </a:ext>
-            </a:extLst>
-          </p:cNvPr>
-          <p:cNvSpPr>
-            <a:spLocks noGrp="1"/>
-          </p:cNvSpPr>
-          <p:nvPr>
-            <p:ph idx="1"/>
-          </p:nvPr>
-        </p:nvSpPr>
-        <p:spPr/>
-        <p:txBody>
-          <a:bodyPr/>
-          <a:lstStyle/>
-          <a:p>
-            <a:endParaRPr lang="de-DE"/>
-          </a:p>
-        </p:txBody>
-      </p:sp>
-    </p:spTree>
-    <p:extLst>
-      <p:ext uri="{BB962C8B-B14F-4D97-AF65-F5344CB8AC3E}">
-        <p14:creationId xmlns:p14="http://schemas.microsoft.com/office/powerpoint/2010/main" val="2161468308"/>
-      </p:ext>
-    </p:extLst>
-  </p:cSld>
-  <p:clrMapOvr>
-    <a:masterClrMapping/>
-  </p:clrMapOvr>
-</p:sld>
-</file>
-
-<file path=ppt/slides/slide15.xml><?xml version="1.0" encoding="utf-8"?>
-<p:sld xmlns:a="http://schemas.openxmlformats.org/drawingml/2006/main" xmlns:r="http://schemas.openxmlformats.org/officeDocument/2006/relationships" xmlns:p="http://schemas.openxmlformats.org/presentationml/2006/main">
-  <p:cSld>
-    <p:spTree>
-      <p:nvGrpSpPr>
-        <p:cNvPr id="1" name=""/>
-        <p:cNvGrpSpPr/>
-        <p:nvPr/>
-      </p:nvGrpSpPr>
-      <p:grpSpPr>
-        <a:xfrm>
-          <a:off x="0" y="0"/>
-          <a:ext cx="0" cy="0"/>
-          <a:chOff x="0" y="0"/>
-          <a:chExt cx="0" cy="0"/>
-        </a:xfrm>
-      </p:grpSpPr>
-      <p:sp>
-        <p:nvSpPr>
-          <p:cNvPr id="2" name="Titel 1">
-            <a:extLst>
-              <a:ext uri="{FF2B5EF4-FFF2-40B4-BE49-F238E27FC236}">
-                <a16:creationId xmlns:a16="http://schemas.microsoft.com/office/drawing/2014/main" id="{CAB67902-E7F1-4765-B897-2442768A55EC}"/>
-              </a:ext>
-            </a:extLst>
-          </p:cNvPr>
-          <p:cNvSpPr>
-            <a:spLocks noGrp="1"/>
-          </p:cNvSpPr>
-          <p:nvPr>
-            <p:ph type="title"/>
-          </p:nvPr>
-        </p:nvSpPr>
-        <p:spPr/>
-        <p:txBody>
-          <a:bodyPr/>
-          <a:lstStyle/>
-          <a:p>
-            <a:r>
-              <a:rPr lang="de-DE" dirty="0"/>
-              <a:t>Circuit </a:t>
-            </a:r>
-            <a:r>
-              <a:rPr lang="de-DE" dirty="0" err="1"/>
-              <a:t>Breaker</a:t>
-            </a:r>
-            <a:endParaRPr lang="de-DE" dirty="0"/>
-          </a:p>
-        </p:txBody>
-      </p:sp>
-      <p:sp>
-        <p:nvSpPr>
-          <p:cNvPr id="3" name="Inhaltsplatzhalter 2">
-            <a:extLst>
-              <a:ext uri="{FF2B5EF4-FFF2-40B4-BE49-F238E27FC236}">
-                <a16:creationId xmlns:a16="http://schemas.microsoft.com/office/drawing/2014/main" id="{6908AD4F-910F-4036-B337-B5304BFD9112}"/>
-              </a:ext>
-            </a:extLst>
-          </p:cNvPr>
-          <p:cNvSpPr>
-            <a:spLocks noGrp="1"/>
-          </p:cNvSpPr>
-          <p:nvPr>
-            <p:ph idx="1"/>
-          </p:nvPr>
-        </p:nvSpPr>
-        <p:spPr/>
-        <p:txBody>
-          <a:bodyPr/>
-          <a:lstStyle/>
-          <a:p>
-            <a:endParaRPr lang="de-DE"/>
-          </a:p>
-        </p:txBody>
-      </p:sp>
-    </p:spTree>
-    <p:extLst>
-      <p:ext uri="{BB962C8B-B14F-4D97-AF65-F5344CB8AC3E}">
-        <p14:creationId xmlns:p14="http://schemas.microsoft.com/office/powerpoint/2010/main" val="4097433282"/>
-      </p:ext>
-    </p:extLst>
-  </p:cSld>
-  <p:clrMapOvr>
-    <a:masterClrMapping/>
-  </p:clrMapOvr>
-</p:sld>
-</file>
-
-<file path=ppt/slides/slide16.xml><?xml version="1.0" encoding="utf-8"?>
-<p:sld xmlns:a="http://schemas.openxmlformats.org/drawingml/2006/main" xmlns:r="http://schemas.openxmlformats.org/officeDocument/2006/relationships" xmlns:p="http://schemas.openxmlformats.org/presentationml/2006/main">
-  <p:cSld>
-    <p:spTree>
-      <p:nvGrpSpPr>
-        <p:cNvPr id="1" name=""/>
-        <p:cNvGrpSpPr/>
-        <p:nvPr/>
-      </p:nvGrpSpPr>
-      <p:grpSpPr>
-        <a:xfrm>
-          <a:off x="0" y="0"/>
-          <a:ext cx="0" cy="0"/>
-          <a:chOff x="0" y="0"/>
-          <a:chExt cx="0" cy="0"/>
-        </a:xfrm>
-      </p:grpSpPr>
-      <p:sp>
-        <p:nvSpPr>
-          <p:cNvPr id="2" name="Titel 1">
-            <a:extLst>
-              <a:ext uri="{FF2B5EF4-FFF2-40B4-BE49-F238E27FC236}">
-                <a16:creationId xmlns:a16="http://schemas.microsoft.com/office/drawing/2014/main" id="{D8853C72-30F2-4C77-8235-420B985832EA}"/>
-              </a:ext>
-            </a:extLst>
-          </p:cNvPr>
-          <p:cNvSpPr>
-            <a:spLocks noGrp="1"/>
-          </p:cNvSpPr>
-          <p:nvPr>
-            <p:ph type="title"/>
-          </p:nvPr>
-        </p:nvSpPr>
-        <p:spPr/>
-        <p:txBody>
-          <a:bodyPr/>
-          <a:lstStyle/>
-          <a:p>
-            <a:r>
-              <a:rPr lang="de-DE" dirty="0" err="1"/>
-              <a:t>Bulkhead</a:t>
-            </a:r>
-            <a:endParaRPr lang="de-DE" dirty="0"/>
-          </a:p>
-        </p:txBody>
-      </p:sp>
-      <p:sp>
-        <p:nvSpPr>
-          <p:cNvPr id="3" name="Inhaltsplatzhalter 2">
-            <a:extLst>
-              <a:ext uri="{FF2B5EF4-FFF2-40B4-BE49-F238E27FC236}">
-                <a16:creationId xmlns:a16="http://schemas.microsoft.com/office/drawing/2014/main" id="{330D2DD0-5A94-455E-9BEC-368097784390}"/>
-              </a:ext>
-            </a:extLst>
-          </p:cNvPr>
-          <p:cNvSpPr>
-            <a:spLocks noGrp="1"/>
-          </p:cNvSpPr>
-          <p:nvPr>
-            <p:ph idx="1"/>
-          </p:nvPr>
-        </p:nvSpPr>
-        <p:spPr/>
-        <p:txBody>
-          <a:bodyPr/>
-          <a:lstStyle/>
-          <a:p>
-            <a:endParaRPr lang="de-DE"/>
-          </a:p>
-        </p:txBody>
-      </p:sp>
-    </p:spTree>
-    <p:extLst>
-      <p:ext uri="{BB962C8B-B14F-4D97-AF65-F5344CB8AC3E}">
-        <p14:creationId xmlns:p14="http://schemas.microsoft.com/office/powerpoint/2010/main" val="1710499444"/>
-      </p:ext>
-    </p:extLst>
-  </p:cSld>
-  <p:clrMapOvr>
-    <a:masterClrMapping/>
-  </p:clrMapOvr>
-</p:sld>
-</file>
-
-<file path=ppt/slides/slide17.xml><?xml version="1.0" encoding="utf-8"?>
-<p:sld xmlns:a="http://schemas.openxmlformats.org/drawingml/2006/main" xmlns:r="http://schemas.openxmlformats.org/officeDocument/2006/relationships" xmlns:p="http://schemas.openxmlformats.org/presentationml/2006/main">
-  <p:cSld>
-    <p:spTree>
-      <p:nvGrpSpPr>
-        <p:cNvPr id="1" name=""/>
-        <p:cNvGrpSpPr/>
-        <p:nvPr/>
-      </p:nvGrpSpPr>
-      <p:grpSpPr>
-        <a:xfrm>
-          <a:off x="0" y="0"/>
-          <a:ext cx="0" cy="0"/>
-          <a:chOff x="0" y="0"/>
-          <a:chExt cx="0" cy="0"/>
-        </a:xfrm>
-      </p:grpSpPr>
-      <p:sp>
-        <p:nvSpPr>
-          <p:cNvPr id="2" name="Titel 1">
-            <a:extLst>
-              <a:ext uri="{FF2B5EF4-FFF2-40B4-BE49-F238E27FC236}">
-                <a16:creationId xmlns:a16="http://schemas.microsoft.com/office/drawing/2014/main" id="{862E71A0-348F-4C97-892A-91EF2CD84B57}"/>
-              </a:ext>
-            </a:extLst>
-          </p:cNvPr>
-          <p:cNvSpPr>
-            <a:spLocks noGrp="1"/>
-          </p:cNvSpPr>
-          <p:nvPr>
-            <p:ph type="title"/>
-          </p:nvPr>
-        </p:nvSpPr>
-        <p:spPr/>
-        <p:txBody>
-          <a:bodyPr/>
-          <a:lstStyle/>
-          <a:p>
-            <a:r>
-              <a:rPr lang="de-DE" dirty="0"/>
-              <a:t>Rate Limiter</a:t>
-            </a:r>
-          </a:p>
-        </p:txBody>
-      </p:sp>
-      <p:sp>
-        <p:nvSpPr>
-          <p:cNvPr id="3" name="Inhaltsplatzhalter 2">
-            <a:extLst>
-              <a:ext uri="{FF2B5EF4-FFF2-40B4-BE49-F238E27FC236}">
-                <a16:creationId xmlns:a16="http://schemas.microsoft.com/office/drawing/2014/main" id="{86CDEA14-C46B-4160-BA90-BCC48EA474C9}"/>
-              </a:ext>
-            </a:extLst>
-          </p:cNvPr>
-          <p:cNvSpPr>
-            <a:spLocks noGrp="1"/>
-          </p:cNvSpPr>
-          <p:nvPr>
-            <p:ph idx="1"/>
-          </p:nvPr>
-        </p:nvSpPr>
-        <p:spPr/>
-        <p:txBody>
-          <a:bodyPr/>
-          <a:lstStyle/>
-          <a:p>
-            <a:endParaRPr lang="de-DE"/>
-          </a:p>
-        </p:txBody>
-      </p:sp>
-    </p:spTree>
-    <p:extLst>
-      <p:ext uri="{BB962C8B-B14F-4D97-AF65-F5344CB8AC3E}">
-        <p14:creationId xmlns:p14="http://schemas.microsoft.com/office/powerpoint/2010/main" val="1225276061"/>
-      </p:ext>
-    </p:extLst>
-  </p:cSld>
-  <p:clrMapOvr>
-    <a:masterClrMapping/>
-  </p:clrMapOvr>
-</p:sld>
-</file>
-
-<file path=ppt/slides/slide18.xml><?xml version="1.0" encoding="utf-8"?>
+<file path=ppt/slides/slide19.xml><?xml version="1.0" encoding="utf-8"?>
 <p:sld xmlns:a="http://schemas.openxmlformats.org/drawingml/2006/main" xmlns:r="http://schemas.openxmlformats.org/officeDocument/2006/relationships" xmlns:p="http://schemas.openxmlformats.org/presentationml/2006/main">
   <p:cSld>
     <p:bg>
@@ -10564,7 +10864,7 @@
           <p:cNvPr id="2" name="Titel 1">
             <a:extLst>
               <a:ext uri="{FF2B5EF4-FFF2-40B4-BE49-F238E27FC236}">
-                <a16:creationId xmlns:a16="http://schemas.microsoft.com/office/drawing/2014/main" id="{7389C3CF-2B13-449B-9DC5-21E02C83B8B0}"/>
+                <a16:creationId xmlns:a16="http://schemas.microsoft.com/office/drawing/2014/main" id="{39E910E5-1494-45E0-BEBD-42516D37ACF4}"/>
               </a:ext>
             </a:extLst>
           </p:cNvPr>
@@ -10589,17 +10889,6 @@
           <a:p>
             <a:pPr algn="ctr"/>
             <a:r>
-              <a:rPr lang="en-US" sz="8000" b="0" i="0" kern="1200" dirty="0" err="1">
-                <a:solidFill>
-                  <a:schemeClr val="tx2"/>
-                </a:solidFill>
-                <a:latin typeface="+mj-lt"/>
-                <a:ea typeface="+mj-ea"/>
-                <a:cs typeface="+mj-cs"/>
-              </a:rPr>
-              <a:t>Vielen</a:t>
-            </a:r>
-            <a:r>
               <a:rPr lang="en-US" sz="8000" b="0" i="0" kern="1200" dirty="0">
                 <a:solidFill>
                   <a:schemeClr val="tx2"/>
@@ -10608,78 +10897,15 @@
                 <a:ea typeface="+mj-ea"/>
                 <a:cs typeface="+mj-cs"/>
               </a:rPr>
-              <a:t> Dank </a:t>
-            </a:r>
-            <a:r>
-              <a:rPr lang="en-US" sz="8000" b="0" i="0" kern="1200" dirty="0" err="1">
-                <a:solidFill>
-                  <a:schemeClr val="tx2"/>
-                </a:solidFill>
-                <a:latin typeface="+mj-lt"/>
-                <a:ea typeface="+mj-ea"/>
-                <a:cs typeface="+mj-cs"/>
-              </a:rPr>
-              <a:t>für</a:t>
-            </a:r>
-            <a:r>
-              <a:rPr lang="en-US" sz="8000" b="0" i="0" kern="1200" dirty="0">
-                <a:solidFill>
-                  <a:schemeClr val="tx2"/>
-                </a:solidFill>
-                <a:latin typeface="+mj-lt"/>
-                <a:ea typeface="+mj-ea"/>
-                <a:cs typeface="+mj-cs"/>
-              </a:rPr>
-              <a:t> </a:t>
-            </a:r>
-            <a:r>
-              <a:rPr lang="en-US" sz="8000" b="0" i="0" kern="1200" dirty="0" err="1">
-                <a:solidFill>
-                  <a:schemeClr val="tx2"/>
-                </a:solidFill>
-                <a:latin typeface="+mj-lt"/>
-                <a:ea typeface="+mj-ea"/>
-                <a:cs typeface="+mj-cs"/>
-              </a:rPr>
-              <a:t>Ihre</a:t>
-            </a:r>
-            <a:r>
-              <a:rPr lang="en-US" sz="8000" b="0" i="0" kern="1200" dirty="0">
-                <a:solidFill>
-                  <a:schemeClr val="tx2"/>
-                </a:solidFill>
-                <a:latin typeface="+mj-lt"/>
-                <a:ea typeface="+mj-ea"/>
-                <a:cs typeface="+mj-cs"/>
-              </a:rPr>
-              <a:t> </a:t>
-            </a:r>
-            <a:r>
-              <a:rPr lang="en-US" sz="8000" b="0" i="0" kern="1200" dirty="0" err="1">
-                <a:solidFill>
-                  <a:schemeClr val="tx2"/>
-                </a:solidFill>
-                <a:latin typeface="+mj-lt"/>
-                <a:ea typeface="+mj-ea"/>
-                <a:cs typeface="+mj-cs"/>
-              </a:rPr>
-              <a:t>Aufmerksamkeit</a:t>
-            </a:r>
-            <a:endParaRPr lang="en-US" sz="8000" b="0" i="0" kern="1200" dirty="0">
-              <a:solidFill>
-                <a:schemeClr val="tx2"/>
-              </a:solidFill>
-              <a:latin typeface="+mj-lt"/>
-              <a:ea typeface="+mj-ea"/>
-              <a:cs typeface="+mj-cs"/>
-            </a:endParaRPr>
+              <a:t>Deployment</a:t>
+            </a:r>
           </a:p>
         </p:txBody>
       </p:sp>
     </p:spTree>
     <p:extLst>
       <p:ext uri="{BB962C8B-B14F-4D97-AF65-F5344CB8AC3E}">
-        <p14:creationId xmlns:p14="http://schemas.microsoft.com/office/powerpoint/2010/main" val="3212191183"/>
+        <p14:creationId xmlns:p14="http://schemas.microsoft.com/office/powerpoint/2010/main" val="1198355097"/>
       </p:ext>
     </p:extLst>
   </p:cSld>
@@ -10752,7 +10978,9 @@
         </p:nvSpPr>
         <p:spPr/>
         <p:txBody>
-          <a:bodyPr/>
+          <a:bodyPr>
+            <a:normAutofit fontScale="85000" lnSpcReduction="20000"/>
+          </a:bodyPr>
           <a:lstStyle/>
           <a:p>
             <a:r>
@@ -10764,18 +10992,37 @@
             <a:pPr lvl="1"/>
             <a:r>
               <a:rPr lang="de-DE" dirty="0"/>
+              <a:t>Struktur</a:t>
+            </a:r>
+          </a:p>
+          <a:p>
+            <a:pPr lvl="1"/>
+            <a:r>
+              <a:rPr lang="de-DE" dirty="0"/>
               <a:t>Architektur</a:t>
             </a:r>
           </a:p>
           <a:p>
+            <a:r>
+              <a:rPr lang="de-DE" dirty="0"/>
+              <a:t>Frontend</a:t>
+            </a:r>
+          </a:p>
+          <a:p>
             <a:pPr lvl="1"/>
             <a:r>
               <a:rPr lang="de-DE" dirty="0"/>
-              <a:t>Strukturierung</a:t>
+              <a:t>Struktur</a:t>
             </a:r>
           </a:p>
           <a:p>
             <a:pPr lvl="1"/>
+            <a:r>
+              <a:rPr lang="de-DE" dirty="0"/>
+              <a:t>Aufbau</a:t>
+            </a:r>
+          </a:p>
+          <a:p>
             <a:r>
               <a:rPr lang="de-DE" dirty="0"/>
               <a:t>Probleme</a:t>
@@ -10784,28 +11031,42 @@
           <a:p>
             <a:r>
               <a:rPr lang="de-DE" dirty="0"/>
-              <a:t>Frontend</a:t>
-            </a:r>
+              <a:t>Umsetzung</a:t>
+            </a:r>
+          </a:p>
+          <a:p>
+            <a:r>
+              <a:rPr lang="de-DE" dirty="0" err="1"/>
+              <a:t>Deployment</a:t>
+            </a:r>
+            <a:endParaRPr lang="de-DE" dirty="0"/>
           </a:p>
           <a:p>
             <a:pPr lvl="1"/>
             <a:r>
+              <a:rPr lang="de-DE" dirty="0" err="1"/>
+              <a:t>Kubernetes</a:t>
+            </a:r>
+            <a:endParaRPr lang="de-DE" dirty="0"/>
+          </a:p>
+          <a:p>
+            <a:pPr lvl="1"/>
+            <a:r>
               <a:rPr lang="de-DE" dirty="0"/>
-              <a:t>Architektur</a:t>
+              <a:t>Helm</a:t>
             </a:r>
           </a:p>
           <a:p>
             <a:pPr lvl="1"/>
             <a:r>
               <a:rPr lang="de-DE" dirty="0"/>
-              <a:t>Probleme</a:t>
-            </a:r>
-          </a:p>
-          <a:p>
-            <a:r>
-              <a:rPr lang="de-DE" dirty="0"/>
-              <a:t>Umsetzung</a:t>
-            </a:r>
+              <a:t>Probleme beim </a:t>
+            </a:r>
+            <a:r>
+              <a:rPr lang="de-DE" dirty="0" err="1"/>
+              <a:t>Deployment</a:t>
+            </a:r>
+            <a:endParaRPr lang="de-DE" dirty="0"/>
           </a:p>
           <a:p>
             <a:r>
@@ -10832,7 +11093,693 @@
 </p:sld>
 </file>
 
-<file path=ppt/slides/slide3.xml><?xml version="1.0" encoding="utf-8"?>
+<file path=ppt/slides/slide20.xml><?xml version="1.0" encoding="utf-8"?>
+<p:sld xmlns:a="http://schemas.openxmlformats.org/drawingml/2006/main" xmlns:r="http://schemas.openxmlformats.org/officeDocument/2006/relationships" xmlns:p="http://schemas.openxmlformats.org/presentationml/2006/main">
+  <p:cSld>
+    <p:spTree>
+      <p:nvGrpSpPr>
+        <p:cNvPr id="1" name=""/>
+        <p:cNvGrpSpPr/>
+        <p:nvPr/>
+      </p:nvGrpSpPr>
+      <p:grpSpPr>
+        <a:xfrm>
+          <a:off x="0" y="0"/>
+          <a:ext cx="0" cy="0"/>
+          <a:chOff x="0" y="0"/>
+          <a:chExt cx="0" cy="0"/>
+        </a:xfrm>
+      </p:grpSpPr>
+      <p:sp>
+        <p:nvSpPr>
+          <p:cNvPr id="2" name="Titel 1">
+            <a:extLst>
+              <a:ext uri="{FF2B5EF4-FFF2-40B4-BE49-F238E27FC236}">
+                <a16:creationId xmlns:a16="http://schemas.microsoft.com/office/drawing/2014/main" id="{DFF7C9AD-D30E-49E7-800C-8C27DD83E95C}"/>
+              </a:ext>
+            </a:extLst>
+          </p:cNvPr>
+          <p:cNvSpPr>
+            <a:spLocks noGrp="1"/>
+          </p:cNvSpPr>
+          <p:nvPr>
+            <p:ph type="title"/>
+          </p:nvPr>
+        </p:nvSpPr>
+        <p:spPr/>
+        <p:txBody>
+          <a:bodyPr/>
+          <a:lstStyle/>
+          <a:p>
+            <a:r>
+              <a:rPr lang="de-DE" dirty="0" err="1"/>
+              <a:t>Kubernetes</a:t>
+            </a:r>
+            <a:endParaRPr lang="de-DE" dirty="0"/>
+          </a:p>
+        </p:txBody>
+      </p:sp>
+      <p:sp>
+        <p:nvSpPr>
+          <p:cNvPr id="3" name="Inhaltsplatzhalter 2">
+            <a:extLst>
+              <a:ext uri="{FF2B5EF4-FFF2-40B4-BE49-F238E27FC236}">
+                <a16:creationId xmlns:a16="http://schemas.microsoft.com/office/drawing/2014/main" id="{CF84F7C5-1ED2-4660-8479-C98E17216FDE}"/>
+              </a:ext>
+            </a:extLst>
+          </p:cNvPr>
+          <p:cNvSpPr>
+            <a:spLocks noGrp="1"/>
+          </p:cNvSpPr>
+          <p:nvPr>
+            <p:ph idx="1"/>
+          </p:nvPr>
+        </p:nvSpPr>
+        <p:spPr/>
+        <p:txBody>
+          <a:bodyPr/>
+          <a:lstStyle/>
+          <a:p>
+            <a:r>
+              <a:rPr lang="de-DE" dirty="0"/>
+              <a:t>Neue Technik, sehr umfangreich</a:t>
+            </a:r>
+          </a:p>
+          <a:p>
+            <a:endParaRPr lang="de-DE" dirty="0"/>
+          </a:p>
+        </p:txBody>
+      </p:sp>
+      <p:pic>
+        <p:nvPicPr>
+          <p:cNvPr id="5" name="Grafik 4">
+            <a:extLst>
+              <a:ext uri="{FF2B5EF4-FFF2-40B4-BE49-F238E27FC236}">
+                <a16:creationId xmlns:a16="http://schemas.microsoft.com/office/drawing/2014/main" id="{4967CEB5-420B-428D-AC6F-71F6805071F1}"/>
+              </a:ext>
+            </a:extLst>
+          </p:cNvPr>
+          <p:cNvPicPr>
+            <a:picLocks noChangeAspect="1"/>
+          </p:cNvPicPr>
+          <p:nvPr/>
+        </p:nvPicPr>
+        <p:blipFill>
+          <a:blip r:embed="rId2"/>
+          <a:stretch>
+            <a:fillRect/>
+          </a:stretch>
+        </p:blipFill>
+        <p:spPr>
+          <a:xfrm>
+            <a:off x="6778014" y="2051591"/>
+            <a:ext cx="2981741" cy="2953162"/>
+          </a:xfrm>
+          <a:prstGeom prst="rect">
+            <a:avLst/>
+          </a:prstGeom>
+        </p:spPr>
+      </p:pic>
+    </p:spTree>
+    <p:extLst>
+      <p:ext uri="{BB962C8B-B14F-4D97-AF65-F5344CB8AC3E}">
+        <p14:creationId xmlns:p14="http://schemas.microsoft.com/office/powerpoint/2010/main" val="315008425"/>
+      </p:ext>
+    </p:extLst>
+  </p:cSld>
+  <p:clrMapOvr>
+    <a:masterClrMapping/>
+  </p:clrMapOvr>
+</p:sld>
+</file>
+
+<file path=ppt/slides/slide21.xml><?xml version="1.0" encoding="utf-8"?>
+<p:sld xmlns:a="http://schemas.openxmlformats.org/drawingml/2006/main" xmlns:r="http://schemas.openxmlformats.org/officeDocument/2006/relationships" xmlns:p="http://schemas.openxmlformats.org/presentationml/2006/main">
+  <p:cSld>
+    <p:spTree>
+      <p:nvGrpSpPr>
+        <p:cNvPr id="1" name=""/>
+        <p:cNvGrpSpPr/>
+        <p:nvPr/>
+      </p:nvGrpSpPr>
+      <p:grpSpPr>
+        <a:xfrm>
+          <a:off x="0" y="0"/>
+          <a:ext cx="0" cy="0"/>
+          <a:chOff x="0" y="0"/>
+          <a:chExt cx="0" cy="0"/>
+        </a:xfrm>
+      </p:grpSpPr>
+      <p:sp>
+        <p:nvSpPr>
+          <p:cNvPr id="2" name="Titel 1">
+            <a:extLst>
+              <a:ext uri="{FF2B5EF4-FFF2-40B4-BE49-F238E27FC236}">
+                <a16:creationId xmlns:a16="http://schemas.microsoft.com/office/drawing/2014/main" id="{5961F85D-ED94-4D07-8C5C-2E8FA9253114}"/>
+              </a:ext>
+            </a:extLst>
+          </p:cNvPr>
+          <p:cNvSpPr>
+            <a:spLocks noGrp="1"/>
+          </p:cNvSpPr>
+          <p:nvPr>
+            <p:ph type="title"/>
+          </p:nvPr>
+        </p:nvSpPr>
+        <p:spPr/>
+        <p:txBody>
+          <a:bodyPr/>
+          <a:lstStyle/>
+          <a:p>
+            <a:r>
+              <a:rPr lang="de-DE" dirty="0" err="1"/>
+              <a:t>Kubernetes</a:t>
+            </a:r>
+            <a:endParaRPr lang="de-DE" dirty="0"/>
+          </a:p>
+        </p:txBody>
+      </p:sp>
+      <p:sp>
+        <p:nvSpPr>
+          <p:cNvPr id="3" name="Inhaltsplatzhalter 2">
+            <a:extLst>
+              <a:ext uri="{FF2B5EF4-FFF2-40B4-BE49-F238E27FC236}">
+                <a16:creationId xmlns:a16="http://schemas.microsoft.com/office/drawing/2014/main" id="{C4EA64D0-2433-4E22-860A-E9BF097FED23}"/>
+              </a:ext>
+            </a:extLst>
+          </p:cNvPr>
+          <p:cNvSpPr>
+            <a:spLocks noGrp="1"/>
+          </p:cNvSpPr>
+          <p:nvPr>
+            <p:ph idx="1"/>
+          </p:nvPr>
+        </p:nvSpPr>
+        <p:spPr/>
+        <p:txBody>
+          <a:bodyPr/>
+          <a:lstStyle/>
+          <a:p>
+            <a:r>
+              <a:rPr lang="de-DE" dirty="0"/>
+              <a:t>Basic Authentication in Datei abgelegt</a:t>
+            </a:r>
+          </a:p>
+          <a:p>
+            <a:r>
+              <a:rPr lang="de-DE" dirty="0" err="1"/>
+              <a:t>secrets.yaml</a:t>
+            </a:r>
+            <a:endParaRPr lang="de-DE" dirty="0"/>
+          </a:p>
+        </p:txBody>
+      </p:sp>
+      <p:pic>
+        <p:nvPicPr>
+          <p:cNvPr id="7" name="Grafik 6">
+            <a:extLst>
+              <a:ext uri="{FF2B5EF4-FFF2-40B4-BE49-F238E27FC236}">
+                <a16:creationId xmlns:a16="http://schemas.microsoft.com/office/drawing/2014/main" id="{46E3D3F2-9E54-404C-81A4-7FBEC4120CF2}"/>
+              </a:ext>
+            </a:extLst>
+          </p:cNvPr>
+          <p:cNvPicPr>
+            <a:picLocks noChangeAspect="1"/>
+          </p:cNvPicPr>
+          <p:nvPr/>
+        </p:nvPicPr>
+        <p:blipFill>
+          <a:blip r:embed="rId2"/>
+          <a:stretch>
+            <a:fillRect/>
+          </a:stretch>
+        </p:blipFill>
+        <p:spPr>
+          <a:xfrm>
+            <a:off x="6471399" y="1912883"/>
+            <a:ext cx="3105583" cy="3781953"/>
+          </a:xfrm>
+          <a:prstGeom prst="rect">
+            <a:avLst/>
+          </a:prstGeom>
+        </p:spPr>
+      </p:pic>
+    </p:spTree>
+    <p:extLst>
+      <p:ext uri="{BB962C8B-B14F-4D97-AF65-F5344CB8AC3E}">
+        <p14:creationId xmlns:p14="http://schemas.microsoft.com/office/powerpoint/2010/main" val="1516858955"/>
+      </p:ext>
+    </p:extLst>
+  </p:cSld>
+  <p:clrMapOvr>
+    <a:masterClrMapping/>
+  </p:clrMapOvr>
+</p:sld>
+</file>
+
+<file path=ppt/slides/slide22.xml><?xml version="1.0" encoding="utf-8"?>
+<p:sld xmlns:a="http://schemas.openxmlformats.org/drawingml/2006/main" xmlns:r="http://schemas.openxmlformats.org/officeDocument/2006/relationships" xmlns:p="http://schemas.openxmlformats.org/presentationml/2006/main">
+  <p:cSld>
+    <p:spTree>
+      <p:nvGrpSpPr>
+        <p:cNvPr id="1" name=""/>
+        <p:cNvGrpSpPr/>
+        <p:nvPr/>
+      </p:nvGrpSpPr>
+      <p:grpSpPr>
+        <a:xfrm>
+          <a:off x="0" y="0"/>
+          <a:ext cx="0" cy="0"/>
+          <a:chOff x="0" y="0"/>
+          <a:chExt cx="0" cy="0"/>
+        </a:xfrm>
+      </p:grpSpPr>
+      <p:sp>
+        <p:nvSpPr>
+          <p:cNvPr id="2" name="Titel 1">
+            <a:extLst>
+              <a:ext uri="{FF2B5EF4-FFF2-40B4-BE49-F238E27FC236}">
+                <a16:creationId xmlns:a16="http://schemas.microsoft.com/office/drawing/2014/main" id="{CF382D18-7135-426C-BD64-1B7A5060E24E}"/>
+              </a:ext>
+            </a:extLst>
+          </p:cNvPr>
+          <p:cNvSpPr>
+            <a:spLocks noGrp="1"/>
+          </p:cNvSpPr>
+          <p:nvPr>
+            <p:ph type="title"/>
+          </p:nvPr>
+        </p:nvSpPr>
+        <p:spPr/>
+        <p:txBody>
+          <a:bodyPr/>
+          <a:lstStyle/>
+          <a:p>
+            <a:r>
+              <a:rPr lang="de-DE" dirty="0" err="1"/>
+              <a:t>Kubernetes</a:t>
+            </a:r>
+            <a:endParaRPr lang="de-DE" dirty="0"/>
+          </a:p>
+        </p:txBody>
+      </p:sp>
+      <p:sp>
+        <p:nvSpPr>
+          <p:cNvPr id="3" name="Inhaltsplatzhalter 2">
+            <a:extLst>
+              <a:ext uri="{FF2B5EF4-FFF2-40B4-BE49-F238E27FC236}">
+                <a16:creationId xmlns:a16="http://schemas.microsoft.com/office/drawing/2014/main" id="{4CCA331D-EDCC-4775-8E54-19F2888E0F5B}"/>
+              </a:ext>
+            </a:extLst>
+          </p:cNvPr>
+          <p:cNvSpPr>
+            <a:spLocks noGrp="1"/>
+          </p:cNvSpPr>
+          <p:nvPr>
+            <p:ph idx="1"/>
+          </p:nvPr>
+        </p:nvSpPr>
+        <p:spPr/>
+        <p:txBody>
+          <a:bodyPr/>
+          <a:lstStyle/>
+          <a:p>
+            <a:r>
+              <a:rPr lang="de-DE" dirty="0"/>
+              <a:t>Konfiguration der einzelnen Services:</a:t>
+            </a:r>
+          </a:p>
+          <a:p>
+            <a:r>
+              <a:rPr lang="de-DE" dirty="0" err="1"/>
+              <a:t>values.yaml</a:t>
+            </a:r>
+            <a:endParaRPr lang="de-DE" dirty="0"/>
+          </a:p>
+          <a:p>
+            <a:pPr lvl="1"/>
+            <a:r>
+              <a:rPr lang="de-DE" dirty="0"/>
+              <a:t>Beispiel </a:t>
+            </a:r>
+            <a:r>
+              <a:rPr lang="de-DE" dirty="0" err="1"/>
+              <a:t>catalog</a:t>
+            </a:r>
+            <a:endParaRPr lang="de-DE" dirty="0"/>
+          </a:p>
+        </p:txBody>
+      </p:sp>
+      <p:pic>
+        <p:nvPicPr>
+          <p:cNvPr id="5" name="Grafik 4">
+            <a:extLst>
+              <a:ext uri="{FF2B5EF4-FFF2-40B4-BE49-F238E27FC236}">
+                <a16:creationId xmlns:a16="http://schemas.microsoft.com/office/drawing/2014/main" id="{B600178D-85DC-474E-8A8B-AC5281B06626}"/>
+              </a:ext>
+            </a:extLst>
+          </p:cNvPr>
+          <p:cNvPicPr>
+            <a:picLocks noChangeAspect="1"/>
+          </p:cNvPicPr>
+          <p:nvPr/>
+        </p:nvPicPr>
+        <p:blipFill>
+          <a:blip r:embed="rId2"/>
+          <a:stretch>
+            <a:fillRect/>
+          </a:stretch>
+        </p:blipFill>
+        <p:spPr>
+          <a:xfrm>
+            <a:off x="6326955" y="2098244"/>
+            <a:ext cx="3667637" cy="3829584"/>
+          </a:xfrm>
+          <a:prstGeom prst="rect">
+            <a:avLst/>
+          </a:prstGeom>
+        </p:spPr>
+      </p:pic>
+    </p:spTree>
+    <p:extLst>
+      <p:ext uri="{BB962C8B-B14F-4D97-AF65-F5344CB8AC3E}">
+        <p14:creationId xmlns:p14="http://schemas.microsoft.com/office/powerpoint/2010/main" val="2566629846"/>
+      </p:ext>
+    </p:extLst>
+  </p:cSld>
+  <p:clrMapOvr>
+    <a:masterClrMapping/>
+  </p:clrMapOvr>
+</p:sld>
+</file>
+
+<file path=ppt/slides/slide23.xml><?xml version="1.0" encoding="utf-8"?>
+<p:sld xmlns:a="http://schemas.openxmlformats.org/drawingml/2006/main" xmlns:r="http://schemas.openxmlformats.org/officeDocument/2006/relationships" xmlns:p="http://schemas.openxmlformats.org/presentationml/2006/main">
+  <p:cSld>
+    <p:spTree>
+      <p:nvGrpSpPr>
+        <p:cNvPr id="1" name=""/>
+        <p:cNvGrpSpPr/>
+        <p:nvPr/>
+      </p:nvGrpSpPr>
+      <p:grpSpPr>
+        <a:xfrm>
+          <a:off x="0" y="0"/>
+          <a:ext cx="0" cy="0"/>
+          <a:chOff x="0" y="0"/>
+          <a:chExt cx="0" cy="0"/>
+        </a:xfrm>
+      </p:grpSpPr>
+      <p:sp>
+        <p:nvSpPr>
+          <p:cNvPr id="2" name="Titel 1">
+            <a:extLst>
+              <a:ext uri="{FF2B5EF4-FFF2-40B4-BE49-F238E27FC236}">
+                <a16:creationId xmlns:a16="http://schemas.microsoft.com/office/drawing/2014/main" id="{046DD62F-56B1-4625-BEFA-624465C2E47B}"/>
+              </a:ext>
+            </a:extLst>
+          </p:cNvPr>
+          <p:cNvSpPr>
+            <a:spLocks noGrp="1"/>
+          </p:cNvSpPr>
+          <p:nvPr>
+            <p:ph type="title"/>
+          </p:nvPr>
+        </p:nvSpPr>
+        <p:spPr/>
+        <p:txBody>
+          <a:bodyPr/>
+          <a:lstStyle/>
+          <a:p>
+            <a:r>
+              <a:rPr lang="de-DE" dirty="0"/>
+              <a:t>Helm</a:t>
+            </a:r>
+          </a:p>
+        </p:txBody>
+      </p:sp>
+      <p:sp>
+        <p:nvSpPr>
+          <p:cNvPr id="3" name="Inhaltsplatzhalter 2">
+            <a:extLst>
+              <a:ext uri="{FF2B5EF4-FFF2-40B4-BE49-F238E27FC236}">
+                <a16:creationId xmlns:a16="http://schemas.microsoft.com/office/drawing/2014/main" id="{9FC597DC-32FB-4F9B-BF8E-E10BD5424364}"/>
+              </a:ext>
+            </a:extLst>
+          </p:cNvPr>
+          <p:cNvSpPr>
+            <a:spLocks noGrp="1"/>
+          </p:cNvSpPr>
+          <p:nvPr>
+            <p:ph idx="1"/>
+          </p:nvPr>
+        </p:nvSpPr>
+        <p:spPr/>
+        <p:txBody>
+          <a:bodyPr/>
+          <a:lstStyle/>
+          <a:p>
+            <a:r>
+              <a:rPr lang="de-DE" dirty="0"/>
+              <a:t>Neue Technik, sehr umfangreich</a:t>
+            </a:r>
+          </a:p>
+          <a:p>
+            <a:r>
+              <a:rPr lang="de-DE" dirty="0"/>
+              <a:t>Praktisch um bei </a:t>
+            </a:r>
+            <a:r>
+              <a:rPr lang="de-DE" dirty="0" err="1"/>
+              <a:t>Kubernetes</a:t>
+            </a:r>
+            <a:r>
+              <a:rPr lang="de-DE" dirty="0"/>
+              <a:t> grundlegende Konfiguration zu haben</a:t>
+            </a:r>
+          </a:p>
+          <a:p>
+            <a:endParaRPr lang="de-DE" dirty="0"/>
+          </a:p>
+          <a:p>
+            <a:r>
+              <a:rPr lang="de-DE" dirty="0"/>
+              <a:t>Einfaches </a:t>
+            </a:r>
+            <a:r>
+              <a:rPr lang="de-DE" dirty="0" err="1"/>
+              <a:t>Deployment</a:t>
+            </a:r>
+            <a:r>
+              <a:rPr lang="de-DE" dirty="0"/>
+              <a:t> durch einen Befehl:</a:t>
+            </a:r>
+          </a:p>
+          <a:p>
+            <a:pPr lvl="1"/>
+            <a:r>
+              <a:rPr lang="de-DE" dirty="0" err="1"/>
+              <a:t>helm</a:t>
+            </a:r>
+            <a:r>
+              <a:rPr lang="de-DE" dirty="0"/>
+              <a:t> </a:t>
+            </a:r>
+            <a:r>
+              <a:rPr lang="de-DE" dirty="0" err="1"/>
+              <a:t>install</a:t>
+            </a:r>
+            <a:r>
+              <a:rPr lang="de-DE" dirty="0"/>
+              <a:t> </a:t>
+            </a:r>
+            <a:r>
+              <a:rPr lang="de-DE" dirty="0" err="1"/>
+              <a:t>gca</a:t>
+            </a:r>
+            <a:r>
+              <a:rPr lang="de-DE" dirty="0"/>
+              <a:t> ./</a:t>
+            </a:r>
+            <a:r>
+              <a:rPr lang="de-DE" dirty="0" err="1"/>
+              <a:t>gca</a:t>
+            </a:r>
+            <a:r>
+              <a:rPr lang="de-DE" dirty="0"/>
+              <a:t>-chart</a:t>
+            </a:r>
+          </a:p>
+        </p:txBody>
+      </p:sp>
+    </p:spTree>
+    <p:extLst>
+      <p:ext uri="{BB962C8B-B14F-4D97-AF65-F5344CB8AC3E}">
+        <p14:creationId xmlns:p14="http://schemas.microsoft.com/office/powerpoint/2010/main" val="3146693392"/>
+      </p:ext>
+    </p:extLst>
+  </p:cSld>
+  <p:clrMapOvr>
+    <a:masterClrMapping/>
+  </p:clrMapOvr>
+</p:sld>
+</file>
+
+<file path=ppt/slides/slide24.xml><?xml version="1.0" encoding="utf-8"?>
+<p:sld xmlns:a="http://schemas.openxmlformats.org/drawingml/2006/main" xmlns:r="http://schemas.openxmlformats.org/officeDocument/2006/relationships" xmlns:p="http://schemas.openxmlformats.org/presentationml/2006/main">
+  <p:cSld>
+    <p:spTree>
+      <p:nvGrpSpPr>
+        <p:cNvPr id="1" name=""/>
+        <p:cNvGrpSpPr/>
+        <p:nvPr/>
+      </p:nvGrpSpPr>
+      <p:grpSpPr>
+        <a:xfrm>
+          <a:off x="0" y="0"/>
+          <a:ext cx="0" cy="0"/>
+          <a:chOff x="0" y="0"/>
+          <a:chExt cx="0" cy="0"/>
+        </a:xfrm>
+      </p:grpSpPr>
+      <p:sp>
+        <p:nvSpPr>
+          <p:cNvPr id="2" name="Titel 1">
+            <a:extLst>
+              <a:ext uri="{FF2B5EF4-FFF2-40B4-BE49-F238E27FC236}">
+                <a16:creationId xmlns:a16="http://schemas.microsoft.com/office/drawing/2014/main" id="{9CE2B1BD-FE2B-4F87-8FC3-9C944E2A2564}"/>
+              </a:ext>
+            </a:extLst>
+          </p:cNvPr>
+          <p:cNvSpPr>
+            <a:spLocks noGrp="1"/>
+          </p:cNvSpPr>
+          <p:nvPr>
+            <p:ph type="title"/>
+          </p:nvPr>
+        </p:nvSpPr>
+        <p:spPr/>
+        <p:txBody>
+          <a:bodyPr/>
+          <a:lstStyle/>
+          <a:p>
+            <a:r>
+              <a:rPr lang="de-DE" dirty="0"/>
+              <a:t>Probleme beim </a:t>
+            </a:r>
+            <a:r>
+              <a:rPr lang="de-DE" dirty="0" err="1"/>
+              <a:t>Deployment</a:t>
+            </a:r>
+            <a:endParaRPr lang="de-DE" dirty="0"/>
+          </a:p>
+        </p:txBody>
+      </p:sp>
+      <p:sp>
+        <p:nvSpPr>
+          <p:cNvPr id="3" name="Inhaltsplatzhalter 2">
+            <a:extLst>
+              <a:ext uri="{FF2B5EF4-FFF2-40B4-BE49-F238E27FC236}">
+                <a16:creationId xmlns:a16="http://schemas.microsoft.com/office/drawing/2014/main" id="{0B1EB5E3-7DC2-4150-8A03-0B38A537E8AD}"/>
+              </a:ext>
+            </a:extLst>
+          </p:cNvPr>
+          <p:cNvSpPr>
+            <a:spLocks noGrp="1"/>
+          </p:cNvSpPr>
+          <p:nvPr>
+            <p:ph idx="1"/>
+          </p:nvPr>
+        </p:nvSpPr>
+        <p:spPr/>
+        <p:txBody>
+          <a:bodyPr/>
+          <a:lstStyle/>
+          <a:p>
+            <a:r>
+              <a:rPr lang="de-DE" dirty="0"/>
+              <a:t>Probleme mit </a:t>
+            </a:r>
+            <a:r>
+              <a:rPr lang="de-DE" dirty="0" err="1"/>
+              <a:t>Minikube</a:t>
+            </a:r>
+            <a:endParaRPr lang="de-DE" dirty="0"/>
+          </a:p>
+          <a:p>
+            <a:endParaRPr lang="de-DE" dirty="0"/>
+          </a:p>
+          <a:p>
+            <a:r>
+              <a:rPr lang="de-DE" dirty="0"/>
+              <a:t>Generelle Probleme, da neues Umfeld</a:t>
+            </a:r>
+          </a:p>
+          <a:p>
+            <a:endParaRPr lang="de-DE" dirty="0"/>
+          </a:p>
+          <a:p>
+            <a:r>
+              <a:rPr lang="de-DE" dirty="0"/>
+              <a:t>Ingress war kompliziert ans Laufen zu kommen</a:t>
+            </a:r>
+          </a:p>
+          <a:p>
+            <a:endParaRPr lang="de-DE" dirty="0"/>
+          </a:p>
+          <a:p>
+            <a:r>
+              <a:rPr lang="de-DE" dirty="0"/>
+              <a:t>Teilweise unerklärliche Fehler:</a:t>
+            </a:r>
+          </a:p>
+          <a:p>
+            <a:pPr lvl="1"/>
+            <a:r>
+              <a:rPr lang="de-DE" dirty="0"/>
+              <a:t>Fehler wird geworfen wenn Helm mit bestimmten Namen deployt wird</a:t>
+            </a:r>
+          </a:p>
+          <a:p>
+            <a:pPr lvl="1"/>
+            <a:r>
+              <a:rPr lang="de-DE" dirty="0"/>
+              <a:t>Name „</a:t>
+            </a:r>
+            <a:r>
+              <a:rPr lang="de-DE" dirty="0" err="1"/>
+              <a:t>gca</a:t>
+            </a:r>
+            <a:r>
+              <a:rPr lang="de-DE" dirty="0"/>
+              <a:t>“</a:t>
+            </a:r>
+          </a:p>
+          <a:p>
+            <a:endParaRPr lang="de-DE" dirty="0"/>
+          </a:p>
+          <a:p>
+            <a:endParaRPr lang="de-DE" dirty="0"/>
+          </a:p>
+          <a:p>
+            <a:endParaRPr lang="de-DE" dirty="0"/>
+          </a:p>
+        </p:txBody>
+      </p:sp>
+    </p:spTree>
+    <p:extLst>
+      <p:ext uri="{BB962C8B-B14F-4D97-AF65-F5344CB8AC3E}">
+        <p14:creationId xmlns:p14="http://schemas.microsoft.com/office/powerpoint/2010/main" val="1989758017"/>
+      </p:ext>
+    </p:extLst>
+  </p:cSld>
+  <p:clrMapOvr>
+    <a:masterClrMapping/>
+  </p:clrMapOvr>
+</p:sld>
+</file>
+
+<file path=ppt/slides/slide25.xml><?xml version="1.0" encoding="utf-8"?>
 <p:sld xmlns:a="http://schemas.openxmlformats.org/drawingml/2006/main" xmlns:r="http://schemas.openxmlformats.org/officeDocument/2006/relationships" xmlns:p="http://schemas.openxmlformats.org/presentationml/2006/main">
   <p:cSld>
     <p:bg>
@@ -10875,7 +11822,7 @@
       </p:grpSpPr>
       <p:pic>
         <p:nvPicPr>
-          <p:cNvPr id="8" name="Picture 7">
+          <p:cNvPr id="17" name="Picture 7">
             <a:extLst>
               <a:ext uri="{FF2B5EF4-FFF2-40B4-BE49-F238E27FC236}">
                 <a16:creationId xmlns:a16="http://schemas.microsoft.com/office/drawing/2014/main" id="{91B28F63-CF00-448F-B141-FE33C33B1891}"/>
@@ -10919,7 +11866,7 @@
       </p:pic>
       <p:pic>
         <p:nvPicPr>
-          <p:cNvPr id="10" name="Picture 9">
+          <p:cNvPr id="19" name="Picture 9">
             <a:extLst>
               <a:ext uri="{FF2B5EF4-FFF2-40B4-BE49-F238E27FC236}">
                 <a16:creationId xmlns:a16="http://schemas.microsoft.com/office/drawing/2014/main" id="{2AE609E2-8522-44E4-9077-980E5BCF3E14}"/>
@@ -10963,7 +11910,7 @@
       </p:pic>
       <p:sp>
         <p:nvSpPr>
-          <p:cNvPr id="12" name="Oval 11">
+          <p:cNvPr id="21" name="Oval 11">
             <a:extLst>
               <a:ext uri="{FF2B5EF4-FFF2-40B4-BE49-F238E27FC236}">
                 <a16:creationId xmlns:a16="http://schemas.microsoft.com/office/drawing/2014/main" id="{4FA533C5-33E3-4611-AF9F-72811D8B26A6}"/>
@@ -11043,7 +11990,7 @@
       </p:sp>
       <p:pic>
         <p:nvPicPr>
-          <p:cNvPr id="14" name="Picture 13">
+          <p:cNvPr id="23" name="Picture 13">
             <a:extLst>
               <a:ext uri="{FF2B5EF4-FFF2-40B4-BE49-F238E27FC236}">
                 <a16:creationId xmlns:a16="http://schemas.microsoft.com/office/drawing/2014/main" id="{8949AD42-25FD-4C3D-9EEE-B7FEC5809988}"/>
@@ -12109,7 +13056,7 @@
           <p:cNvPr id="2" name="Titel 1">
             <a:extLst>
               <a:ext uri="{FF2B5EF4-FFF2-40B4-BE49-F238E27FC236}">
-                <a16:creationId xmlns:a16="http://schemas.microsoft.com/office/drawing/2014/main" id="{3FDB6779-6FD1-4325-91B2-8AF85746C8B0}"/>
+                <a16:creationId xmlns:a16="http://schemas.microsoft.com/office/drawing/2014/main" id="{4B4E3E01-1CAF-4176-97A4-969669340DCB}"/>
               </a:ext>
             </a:extLst>
           </p:cNvPr>
@@ -12142,7 +13089,7 @@
                 <a:ea typeface="+mj-ea"/>
                 <a:cs typeface="+mj-cs"/>
               </a:rPr>
-              <a:t>Backend</a:t>
+              <a:t>Resilience-Pattern</a:t>
             </a:r>
           </a:p>
         </p:txBody>
@@ -12150,7 +13097,7 @@
     </p:spTree>
     <p:extLst>
       <p:ext uri="{BB962C8B-B14F-4D97-AF65-F5344CB8AC3E}">
-        <p14:creationId xmlns:p14="http://schemas.microsoft.com/office/powerpoint/2010/main" val="2203757533"/>
+        <p14:creationId xmlns:p14="http://schemas.microsoft.com/office/powerpoint/2010/main" val="132596113"/>
       </p:ext>
     </p:extLst>
   </p:cSld>
@@ -12160,7 +13107,7 @@
 </p:sld>
 </file>
 
-<file path=ppt/slides/slide4.xml><?xml version="1.0" encoding="utf-8"?>
+<file path=ppt/slides/slide26.xml><?xml version="1.0" encoding="utf-8"?>
 <p:sld xmlns:a="http://schemas.openxmlformats.org/drawingml/2006/main" xmlns:r="http://schemas.openxmlformats.org/officeDocument/2006/relationships" xmlns:p="http://schemas.openxmlformats.org/presentationml/2006/main">
   <p:cSld>
     <p:spTree>
@@ -12182,7 +13129,7 @@
           <p:cNvPr id="2" name="Titel 1">
             <a:extLst>
               <a:ext uri="{FF2B5EF4-FFF2-40B4-BE49-F238E27FC236}">
-                <a16:creationId xmlns:a16="http://schemas.microsoft.com/office/drawing/2014/main" id="{8DFC2AE1-1F83-4EFD-B2C2-B5C692173824}"/>
+                <a16:creationId xmlns:a16="http://schemas.microsoft.com/office/drawing/2014/main" id="{C4F8DFF0-7AB5-4F16-AC01-DAC119B93549}"/>
               </a:ext>
             </a:extLst>
           </p:cNvPr>
@@ -12199,77 +13146,46 @@
           <a:lstStyle/>
           <a:p>
             <a:r>
-              <a:rPr lang="de-DE" dirty="0"/>
-              <a:t>Architektur</a:t>
-            </a:r>
+              <a:rPr lang="de-DE" dirty="0" err="1"/>
+              <a:t>Retry</a:t>
+            </a:r>
+            <a:endParaRPr lang="de-DE" dirty="0"/>
           </a:p>
         </p:txBody>
       </p:sp>
-      <p:sp>
-        <p:nvSpPr>
-          <p:cNvPr id="3" name="Inhaltsplatzhalter 2">
+      <p:pic>
+        <p:nvPicPr>
+          <p:cNvPr id="5" name="Inhaltsplatzhalter 4">
             <a:extLst>
               <a:ext uri="{FF2B5EF4-FFF2-40B4-BE49-F238E27FC236}">
-                <a16:creationId xmlns:a16="http://schemas.microsoft.com/office/drawing/2014/main" id="{E77757C4-16A9-4776-9512-428754CB3774}"/>
+                <a16:creationId xmlns:a16="http://schemas.microsoft.com/office/drawing/2014/main" id="{AD62BF59-24EF-4BDA-9AA8-8C57859990BD}"/>
               </a:ext>
             </a:extLst>
           </p:cNvPr>
-          <p:cNvSpPr>
-            <a:spLocks noGrp="1"/>
-          </p:cNvSpPr>
+          <p:cNvPicPr>
+            <a:picLocks noGrp="1" noChangeAspect="1"/>
+          </p:cNvPicPr>
           <p:nvPr>
             <p:ph idx="1"/>
           </p:nvPr>
-        </p:nvSpPr>
-        <p:spPr/>
-        <p:txBody>
-          <a:bodyPr/>
-          <a:lstStyle/>
-          <a:p>
-            <a:r>
-              <a:rPr lang="de-DE" dirty="0"/>
-              <a:t>Aufteilung in Microservices:</a:t>
-            </a:r>
-          </a:p>
-          <a:p>
-            <a:pPr lvl="1"/>
-            <a:r>
-              <a:rPr lang="de-DE" dirty="0" err="1"/>
-              <a:t>Cart</a:t>
-            </a:r>
-            <a:endParaRPr lang="de-DE" dirty="0"/>
-          </a:p>
-          <a:p>
-            <a:pPr lvl="1"/>
-            <a:r>
-              <a:rPr lang="de-DE" dirty="0" err="1"/>
-              <a:t>Checkout</a:t>
-            </a:r>
-            <a:endParaRPr lang="de-DE" dirty="0"/>
-          </a:p>
-          <a:p>
-            <a:pPr lvl="1"/>
-            <a:r>
-              <a:rPr lang="de-DE" dirty="0"/>
-              <a:t>Catalog</a:t>
-            </a:r>
-          </a:p>
-          <a:p>
-            <a:pPr lvl="1"/>
-            <a:r>
-              <a:rPr lang="de-DE" dirty="0"/>
-              <a:t>Shipping</a:t>
-            </a:r>
-          </a:p>
-          <a:p>
-            <a:endParaRPr lang="de-DE" dirty="0"/>
-          </a:p>
-        </p:txBody>
-      </p:sp>
+        </p:nvPicPr>
+        <p:blipFill>
+          <a:blip r:embed="rId2"/>
+          <a:stretch>
+            <a:fillRect/>
+          </a:stretch>
+        </p:blipFill>
+        <p:spPr>
+          <a:xfrm>
+            <a:off x="712373" y="1406971"/>
+            <a:ext cx="10339819" cy="2336768"/>
+          </a:xfrm>
+        </p:spPr>
+      </p:pic>
     </p:spTree>
     <p:extLst>
       <p:ext uri="{BB962C8B-B14F-4D97-AF65-F5344CB8AC3E}">
-        <p14:creationId xmlns:p14="http://schemas.microsoft.com/office/powerpoint/2010/main" val="1543600831"/>
+        <p14:creationId xmlns:p14="http://schemas.microsoft.com/office/powerpoint/2010/main" val="2161468308"/>
       </p:ext>
     </p:extLst>
   </p:cSld>
@@ -12279,7 +13195,7 @@
 </p:sld>
 </file>
 
-<file path=ppt/slides/slide5.xml><?xml version="1.0" encoding="utf-8"?>
+<file path=ppt/slides/slide27.xml><?xml version="1.0" encoding="utf-8"?>
 <p:sld xmlns:a="http://schemas.openxmlformats.org/drawingml/2006/main" xmlns:r="http://schemas.openxmlformats.org/officeDocument/2006/relationships" xmlns:p="http://schemas.openxmlformats.org/presentationml/2006/main">
   <p:cSld>
     <p:spTree>
@@ -12301,7 +13217,7 @@
           <p:cNvPr id="2" name="Titel 1">
             <a:extLst>
               <a:ext uri="{FF2B5EF4-FFF2-40B4-BE49-F238E27FC236}">
-                <a16:creationId xmlns:a16="http://schemas.microsoft.com/office/drawing/2014/main" id="{8034BEF9-3EAA-4D84-8457-D01DCC9B7841}"/>
+                <a16:creationId xmlns:a16="http://schemas.microsoft.com/office/drawing/2014/main" id="{CAB67902-E7F1-4765-B897-2442768A55EC}"/>
               </a:ext>
             </a:extLst>
           </p:cNvPr>
@@ -12319,40 +13235,157 @@
           <a:p>
             <a:r>
               <a:rPr lang="de-DE" dirty="0"/>
-              <a:t>Strukturierung</a:t>
-            </a:r>
+              <a:t>Circuit </a:t>
+            </a:r>
+            <a:r>
+              <a:rPr lang="de-DE" dirty="0" err="1"/>
+              <a:t>Breaker</a:t>
+            </a:r>
+            <a:endParaRPr lang="de-DE" dirty="0"/>
           </a:p>
         </p:txBody>
       </p:sp>
-      <p:sp>
-        <p:nvSpPr>
-          <p:cNvPr id="3" name="Inhaltsplatzhalter 2">
+      <p:pic>
+        <p:nvPicPr>
+          <p:cNvPr id="5" name="Inhaltsplatzhalter 4">
             <a:extLst>
               <a:ext uri="{FF2B5EF4-FFF2-40B4-BE49-F238E27FC236}">
-                <a16:creationId xmlns:a16="http://schemas.microsoft.com/office/drawing/2014/main" id="{892280C1-0E63-4AE2-9F54-CFFAF20DCC7F}"/>
+                <a16:creationId xmlns:a16="http://schemas.microsoft.com/office/drawing/2014/main" id="{A5DC8224-8D12-4678-BF97-B030840770BA}"/>
               </a:ext>
             </a:extLst>
           </p:cNvPr>
-          <p:cNvSpPr>
-            <a:spLocks noGrp="1"/>
-          </p:cNvSpPr>
+          <p:cNvPicPr>
+            <a:picLocks noGrp="1" noChangeAspect="1"/>
+          </p:cNvPicPr>
           <p:nvPr>
             <p:ph idx="1"/>
           </p:nvPr>
-        </p:nvSpPr>
-        <p:spPr/>
+        </p:nvPicPr>
+        <p:blipFill>
+          <a:blip r:embed="rId2"/>
+          <a:stretch>
+            <a:fillRect/>
+          </a:stretch>
+        </p:blipFill>
+        <p:spPr>
+          <a:xfrm>
+            <a:off x="646111" y="1641541"/>
+            <a:ext cx="3849374" cy="1844156"/>
+          </a:xfrm>
+        </p:spPr>
+      </p:pic>
+      <p:pic>
+        <p:nvPicPr>
+          <p:cNvPr id="7" name="Grafik 6">
+            <a:extLst>
+              <a:ext uri="{FF2B5EF4-FFF2-40B4-BE49-F238E27FC236}">
+                <a16:creationId xmlns:a16="http://schemas.microsoft.com/office/drawing/2014/main" id="{DC5AED96-2CA3-4F04-884A-5A0E704973E8}"/>
+              </a:ext>
+            </a:extLst>
+          </p:cNvPr>
+          <p:cNvPicPr>
+            <a:picLocks noChangeAspect="1"/>
+          </p:cNvPicPr>
+          <p:nvPr/>
+        </p:nvPicPr>
+        <p:blipFill>
+          <a:blip r:embed="rId3"/>
+          <a:stretch>
+            <a:fillRect/>
+          </a:stretch>
+        </p:blipFill>
+        <p:spPr>
+          <a:xfrm>
+            <a:off x="198783" y="3893239"/>
+            <a:ext cx="10363200" cy="2734623"/>
+          </a:xfrm>
+          <a:prstGeom prst="rect">
+            <a:avLst/>
+          </a:prstGeom>
+        </p:spPr>
+      </p:pic>
+      <p:sp>
+        <p:nvSpPr>
+          <p:cNvPr id="8" name="Textfeld 7">
+            <a:extLst>
+              <a:ext uri="{FF2B5EF4-FFF2-40B4-BE49-F238E27FC236}">
+                <a16:creationId xmlns:a16="http://schemas.microsoft.com/office/drawing/2014/main" id="{3A80F91F-A6D0-4D37-A610-8F17D3607401}"/>
+              </a:ext>
+            </a:extLst>
+          </p:cNvPr>
+          <p:cNvSpPr txBox="1"/>
+          <p:nvPr/>
+        </p:nvSpPr>
+        <p:spPr>
+          <a:xfrm>
+            <a:off x="801756" y="1272209"/>
+            <a:ext cx="2143536" cy="369332"/>
+          </a:xfrm>
+          <a:prstGeom prst="rect">
+            <a:avLst/>
+          </a:prstGeom>
+          <a:noFill/>
+        </p:spPr>
         <p:txBody>
-          <a:bodyPr/>
+          <a:bodyPr wrap="none" rtlCol="0">
+            <a:spAutoFit/>
+          </a:bodyPr>
           <a:lstStyle/>
           <a:p>
-            <a:endParaRPr lang="de-DE"/>
+            <a:r>
+              <a:rPr lang="de-DE" dirty="0" err="1"/>
+              <a:t>application.yaml</a:t>
+            </a:r>
+            <a:r>
+              <a:rPr lang="de-DE" dirty="0"/>
+              <a:t>:</a:t>
+            </a:r>
+          </a:p>
+        </p:txBody>
+      </p:sp>
+      <p:sp>
+        <p:nvSpPr>
+          <p:cNvPr id="9" name="Textfeld 8">
+            <a:extLst>
+              <a:ext uri="{FF2B5EF4-FFF2-40B4-BE49-F238E27FC236}">
+                <a16:creationId xmlns:a16="http://schemas.microsoft.com/office/drawing/2014/main" id="{FDBFC35C-1197-4339-8134-63BFF53593FD}"/>
+              </a:ext>
+            </a:extLst>
+          </p:cNvPr>
+          <p:cNvSpPr txBox="1"/>
+          <p:nvPr/>
+        </p:nvSpPr>
+        <p:spPr>
+          <a:xfrm>
+            <a:off x="801756" y="3523907"/>
+            <a:ext cx="2452916" cy="369332"/>
+          </a:xfrm>
+          <a:prstGeom prst="rect">
+            <a:avLst/>
+          </a:prstGeom>
+          <a:noFill/>
+        </p:spPr>
+        <p:txBody>
+          <a:bodyPr wrap="none" rtlCol="0">
+            <a:spAutoFit/>
+          </a:bodyPr>
+          <a:lstStyle/>
+          <a:p>
+            <a:r>
+              <a:rPr lang="de-DE" dirty="0" err="1"/>
+              <a:t>CheckoutController</a:t>
+            </a:r>
+            <a:r>
+              <a:rPr lang="de-DE" dirty="0"/>
+              <a:t>:</a:t>
+            </a:r>
           </a:p>
         </p:txBody>
       </p:sp>
     </p:spTree>
     <p:extLst>
       <p:ext uri="{BB962C8B-B14F-4D97-AF65-F5344CB8AC3E}">
-        <p14:creationId xmlns:p14="http://schemas.microsoft.com/office/powerpoint/2010/main" val="2830718480"/>
+        <p14:creationId xmlns:p14="http://schemas.microsoft.com/office/powerpoint/2010/main" val="4097433282"/>
       </p:ext>
     </p:extLst>
   </p:cSld>
@@ -12362,7 +13395,7 @@
 </p:sld>
 </file>
 
-<file path=ppt/slides/slide6.xml><?xml version="1.0" encoding="utf-8"?>
+<file path=ppt/slides/slide28.xml><?xml version="1.0" encoding="utf-8"?>
 <p:sld xmlns:a="http://schemas.openxmlformats.org/drawingml/2006/main" xmlns:r="http://schemas.openxmlformats.org/officeDocument/2006/relationships" xmlns:p="http://schemas.openxmlformats.org/presentationml/2006/main">
   <p:cSld>
     <p:spTree>
@@ -12384,7 +13417,7 @@
           <p:cNvPr id="2" name="Titel 1">
             <a:extLst>
               <a:ext uri="{FF2B5EF4-FFF2-40B4-BE49-F238E27FC236}">
-                <a16:creationId xmlns:a16="http://schemas.microsoft.com/office/drawing/2014/main" id="{8A7A77D0-C56C-42B3-8F22-436F32B7867E}"/>
+                <a16:creationId xmlns:a16="http://schemas.microsoft.com/office/drawing/2014/main" id="{862E71A0-348F-4C97-892A-91EF2CD84B57}"/>
               </a:ext>
             </a:extLst>
           </p:cNvPr>
@@ -12402,40 +13435,152 @@
           <a:p>
             <a:r>
               <a:rPr lang="de-DE" dirty="0"/>
-              <a:t>Probleme</a:t>
+              <a:t>Rate Limiter</a:t>
             </a:r>
           </a:p>
         </p:txBody>
       </p:sp>
-      <p:sp>
-        <p:nvSpPr>
-          <p:cNvPr id="3" name="Inhaltsplatzhalter 2">
+      <p:pic>
+        <p:nvPicPr>
+          <p:cNvPr id="7" name="Inhaltsplatzhalter 6">
             <a:extLst>
               <a:ext uri="{FF2B5EF4-FFF2-40B4-BE49-F238E27FC236}">
-                <a16:creationId xmlns:a16="http://schemas.microsoft.com/office/drawing/2014/main" id="{A6FE3130-82F9-4009-BD5E-973D41FD4936}"/>
+                <a16:creationId xmlns:a16="http://schemas.microsoft.com/office/drawing/2014/main" id="{9FF507FC-CEAD-47AB-98C7-F0C1BB11180A}"/>
               </a:ext>
             </a:extLst>
           </p:cNvPr>
-          <p:cNvSpPr>
-            <a:spLocks noGrp="1"/>
-          </p:cNvSpPr>
+          <p:cNvPicPr>
+            <a:picLocks noGrp="1" noChangeAspect="1"/>
+          </p:cNvPicPr>
           <p:nvPr>
             <p:ph idx="1"/>
           </p:nvPr>
-        </p:nvSpPr>
-        <p:spPr/>
+        </p:nvPicPr>
+        <p:blipFill>
+          <a:blip r:embed="rId2"/>
+          <a:stretch>
+            <a:fillRect/>
+          </a:stretch>
+        </p:blipFill>
+        <p:spPr>
+          <a:xfrm>
+            <a:off x="0" y="3629378"/>
+            <a:ext cx="12192000" cy="2019685"/>
+          </a:xfrm>
+        </p:spPr>
+      </p:pic>
+      <p:pic>
+        <p:nvPicPr>
+          <p:cNvPr id="5" name="Grafik 4">
+            <a:extLst>
+              <a:ext uri="{FF2B5EF4-FFF2-40B4-BE49-F238E27FC236}">
+                <a16:creationId xmlns:a16="http://schemas.microsoft.com/office/drawing/2014/main" id="{6FA5F677-9337-4A69-9580-D27D304ABA9B}"/>
+              </a:ext>
+            </a:extLst>
+          </p:cNvPr>
+          <p:cNvPicPr>
+            <a:picLocks noChangeAspect="1"/>
+          </p:cNvPicPr>
+          <p:nvPr/>
+        </p:nvPicPr>
+        <p:blipFill>
+          <a:blip r:embed="rId3"/>
+          <a:stretch>
+            <a:fillRect/>
+          </a:stretch>
+        </p:blipFill>
+        <p:spPr>
+          <a:xfrm>
+            <a:off x="1176200" y="1853248"/>
+            <a:ext cx="3019846" cy="1181265"/>
+          </a:xfrm>
+          <a:prstGeom prst="rect">
+            <a:avLst/>
+          </a:prstGeom>
+        </p:spPr>
+      </p:pic>
+      <p:sp>
+        <p:nvSpPr>
+          <p:cNvPr id="8" name="Textfeld 7">
+            <a:extLst>
+              <a:ext uri="{FF2B5EF4-FFF2-40B4-BE49-F238E27FC236}">
+                <a16:creationId xmlns:a16="http://schemas.microsoft.com/office/drawing/2014/main" id="{31336798-BCEB-4853-84BA-55F6529C0BF9}"/>
+              </a:ext>
+            </a:extLst>
+          </p:cNvPr>
+          <p:cNvSpPr txBox="1"/>
+          <p:nvPr/>
+        </p:nvSpPr>
+        <p:spPr>
+          <a:xfrm>
+            <a:off x="1053548" y="1371150"/>
+            <a:ext cx="2143536" cy="369332"/>
+          </a:xfrm>
+          <a:prstGeom prst="rect">
+            <a:avLst/>
+          </a:prstGeom>
+          <a:noFill/>
+        </p:spPr>
         <p:txBody>
-          <a:bodyPr/>
+          <a:bodyPr wrap="none" rtlCol="0">
+            <a:spAutoFit/>
+          </a:bodyPr>
           <a:lstStyle/>
           <a:p>
-            <a:endParaRPr lang="de-DE"/>
+            <a:r>
+              <a:rPr lang="de-DE" dirty="0" err="1"/>
+              <a:t>application.yaml</a:t>
+            </a:r>
+            <a:r>
+              <a:rPr lang="de-DE" dirty="0"/>
+              <a:t>:</a:t>
+            </a:r>
+          </a:p>
+        </p:txBody>
+      </p:sp>
+      <p:sp>
+        <p:nvSpPr>
+          <p:cNvPr id="9" name="Textfeld 8">
+            <a:extLst>
+              <a:ext uri="{FF2B5EF4-FFF2-40B4-BE49-F238E27FC236}">
+                <a16:creationId xmlns:a16="http://schemas.microsoft.com/office/drawing/2014/main" id="{F1EF3FA0-D6FD-428A-B033-DE88AF996EA2}"/>
+              </a:ext>
+            </a:extLst>
+          </p:cNvPr>
+          <p:cNvSpPr txBox="1"/>
+          <p:nvPr/>
+        </p:nvSpPr>
+        <p:spPr>
+          <a:xfrm>
+            <a:off x="1053548" y="3228622"/>
+            <a:ext cx="2452916" cy="369332"/>
+          </a:xfrm>
+          <a:prstGeom prst="rect">
+            <a:avLst/>
+          </a:prstGeom>
+          <a:noFill/>
+        </p:spPr>
+        <p:txBody>
+          <a:bodyPr wrap="none" rtlCol="0">
+            <a:spAutoFit/>
+          </a:bodyPr>
+          <a:lstStyle/>
+          <a:p>
+            <a:r>
+              <a:rPr lang="de-DE" dirty="0" err="1"/>
+              <a:t>CheckoutController</a:t>
+            </a:r>
+            <a:r>
+              <a:rPr lang="de-DE" dirty="0"/>
+              <a:t>:</a:t>
+            </a:r>
           </a:p>
         </p:txBody>
       </p:sp>
     </p:spTree>
     <p:extLst>
       <p:ext uri="{BB962C8B-B14F-4D97-AF65-F5344CB8AC3E}">
-        <p14:creationId xmlns:p14="http://schemas.microsoft.com/office/powerpoint/2010/main" val="2950306790"/>
+        <p14:creationId xmlns:p14="http://schemas.microsoft.com/office/powerpoint/2010/main" val="1225276061"/>
       </p:ext>
     </p:extLst>
   </p:cSld>
@@ -12445,7 +13590,7 @@
 </p:sld>
 </file>
 
-<file path=ppt/slides/slide7.xml><?xml version="1.0" encoding="utf-8"?>
+<file path=ppt/slides/slide29.xml><?xml version="1.0" encoding="utf-8"?>
 <p:sld xmlns:a="http://schemas.openxmlformats.org/drawingml/2006/main" xmlns:r="http://schemas.openxmlformats.org/officeDocument/2006/relationships" xmlns:p="http://schemas.openxmlformats.org/presentationml/2006/main">
   <p:cSld>
     <p:bg>
@@ -13722,7 +14867,7 @@
           <p:cNvPr id="2" name="Titel 1">
             <a:extLst>
               <a:ext uri="{FF2B5EF4-FFF2-40B4-BE49-F238E27FC236}">
-                <a16:creationId xmlns:a16="http://schemas.microsoft.com/office/drawing/2014/main" id="{7584A85E-D4CA-46E6-A3FC-8E5FFAC10D77}"/>
+                <a16:creationId xmlns:a16="http://schemas.microsoft.com/office/drawing/2014/main" id="{7389C3CF-2B13-449B-9DC5-21E02C83B8B0}"/>
               </a:ext>
             </a:extLst>
           </p:cNvPr>
@@ -13747,8 +14892,81 @@
           <a:p>
             <a:pPr algn="ctr"/>
             <a:r>
-              <a:rPr lang="de-DE" sz="8000" dirty="0"/>
-              <a:t>Frontend</a:t>
+              <a:rPr lang="en-US" sz="8000" b="0" i="0" kern="1200" dirty="0" err="1">
+                <a:solidFill>
+                  <a:schemeClr val="tx2"/>
+                </a:solidFill>
+                <a:latin typeface="+mj-lt"/>
+                <a:ea typeface="+mj-ea"/>
+                <a:cs typeface="+mj-cs"/>
+              </a:rPr>
+              <a:t>Vielen</a:t>
+            </a:r>
+            <a:r>
+              <a:rPr lang="en-US" sz="8000" b="0" i="0" kern="1200" dirty="0">
+                <a:solidFill>
+                  <a:schemeClr val="tx2"/>
+                </a:solidFill>
+                <a:latin typeface="+mj-lt"/>
+                <a:ea typeface="+mj-ea"/>
+                <a:cs typeface="+mj-cs"/>
+              </a:rPr>
+              <a:t> Dank </a:t>
+            </a:r>
+            <a:r>
+              <a:rPr lang="en-US" sz="8000" b="0" i="0" kern="1200" dirty="0" err="1">
+                <a:solidFill>
+                  <a:schemeClr val="tx2"/>
+                </a:solidFill>
+                <a:latin typeface="+mj-lt"/>
+                <a:ea typeface="+mj-ea"/>
+                <a:cs typeface="+mj-cs"/>
+              </a:rPr>
+              <a:t>für</a:t>
+            </a:r>
+            <a:r>
+              <a:rPr lang="en-US" sz="8000" b="0" i="0" kern="1200" dirty="0">
+                <a:solidFill>
+                  <a:schemeClr val="tx2"/>
+                </a:solidFill>
+                <a:latin typeface="+mj-lt"/>
+                <a:ea typeface="+mj-ea"/>
+                <a:cs typeface="+mj-cs"/>
+              </a:rPr>
+              <a:t> </a:t>
+            </a:r>
+            <a:r>
+              <a:rPr lang="en-US" sz="8000" b="0" i="0" kern="1200" dirty="0" err="1">
+                <a:solidFill>
+                  <a:schemeClr val="tx2"/>
+                </a:solidFill>
+                <a:latin typeface="+mj-lt"/>
+                <a:ea typeface="+mj-ea"/>
+                <a:cs typeface="+mj-cs"/>
+              </a:rPr>
+              <a:t>Ihre</a:t>
+            </a:r>
+            <a:r>
+              <a:rPr lang="en-US" sz="8000" b="0" i="0" kern="1200" dirty="0">
+                <a:solidFill>
+                  <a:schemeClr val="tx2"/>
+                </a:solidFill>
+                <a:latin typeface="+mj-lt"/>
+                <a:ea typeface="+mj-ea"/>
+                <a:cs typeface="+mj-cs"/>
+              </a:rPr>
+              <a:t> </a:t>
+            </a:r>
+            <a:r>
+              <a:rPr lang="en-US" sz="8000" b="0" i="0" kern="1200" dirty="0" err="1">
+                <a:solidFill>
+                  <a:schemeClr val="tx2"/>
+                </a:solidFill>
+                <a:latin typeface="+mj-lt"/>
+                <a:ea typeface="+mj-ea"/>
+                <a:cs typeface="+mj-cs"/>
+              </a:rPr>
+              <a:t>Aufmerksamkeit</a:t>
             </a:r>
             <a:endParaRPr lang="en-US" sz="8000" b="0" i="0" kern="1200" dirty="0">
               <a:solidFill>
@@ -13764,7 +14982,7 @@
     </p:spTree>
     <p:extLst>
       <p:ext uri="{BB962C8B-B14F-4D97-AF65-F5344CB8AC3E}">
-        <p14:creationId xmlns:p14="http://schemas.microsoft.com/office/powerpoint/2010/main" val="1752442417"/>
+        <p14:creationId xmlns:p14="http://schemas.microsoft.com/office/powerpoint/2010/main" val="3212191183"/>
       </p:ext>
     </p:extLst>
   </p:cSld>
@@ -13774,7 +14992,1335 @@
 </p:sld>
 </file>
 
-<file path=ppt/slides/slide8.xml><?xml version="1.0" encoding="utf-8"?>
+<file path=ppt/slides/slide3.xml><?xml version="1.0" encoding="utf-8"?>
+<p:sld xmlns:a="http://schemas.openxmlformats.org/drawingml/2006/main" xmlns:r="http://schemas.openxmlformats.org/officeDocument/2006/relationships" xmlns:p="http://schemas.openxmlformats.org/presentationml/2006/main">
+  <p:cSld>
+    <p:bg>
+      <p:bgPr>
+        <a:blipFill rotWithShape="1">
+          <a:blip r:embed="rId2">
+            <a:duotone>
+              <a:schemeClr val="bg2">
+                <a:shade val="69000"/>
+                <a:hueMod val="108000"/>
+                <a:satMod val="164000"/>
+                <a:lumMod val="74000"/>
+              </a:schemeClr>
+              <a:schemeClr val="bg2">
+                <a:tint val="96000"/>
+                <a:hueMod val="88000"/>
+                <a:satMod val="140000"/>
+                <a:lumMod val="132000"/>
+              </a:schemeClr>
+            </a:duotone>
+          </a:blip>
+          <a:stretch/>
+        </a:blipFill>
+        <a:effectLst/>
+      </p:bgPr>
+    </p:bg>
+    <p:spTree>
+      <p:nvGrpSpPr>
+        <p:cNvPr id="1" name=""/>
+        <p:cNvGrpSpPr/>
+        <p:nvPr/>
+      </p:nvGrpSpPr>
+      <p:grpSpPr>
+        <a:xfrm>
+          <a:off x="0" y="0"/>
+          <a:ext cx="0" cy="0"/>
+          <a:chOff x="0" y="0"/>
+          <a:chExt cx="0" cy="0"/>
+        </a:xfrm>
+      </p:grpSpPr>
+      <p:pic>
+        <p:nvPicPr>
+          <p:cNvPr id="8" name="Picture 7">
+            <a:extLst>
+              <a:ext uri="{FF2B5EF4-FFF2-40B4-BE49-F238E27FC236}">
+                <a16:creationId xmlns:a16="http://schemas.microsoft.com/office/drawing/2014/main" id="{91B28F63-CF00-448F-B141-FE33C33B1891}"/>
+              </a:ext>
+              <a:ext uri="{C183D7F6-B498-43B3-948B-1728B52AA6E4}">
+                <adec:decorative xmlns:adec="http://schemas.microsoft.com/office/drawing/2017/decorative" val="1"/>
+              </a:ext>
+            </a:extLst>
+          </p:cNvPr>
+          <p:cNvPicPr>
+            <a:picLocks noGrp="1" noRot="1" noChangeAspect="1" noMove="1" noResize="1" noEditPoints="1" noAdjustHandles="1" noChangeArrowheads="1" noChangeShapeType="1" noCrop="1"/>
+          </p:cNvPicPr>
+          <p:nvPr>
+            <p:extLst>
+              <p:ext uri="{386F3935-93C4-4BCD-93E2-E3B085C9AB24}">
+                <p16:designElem xmlns:p16="http://schemas.microsoft.com/office/powerpoint/2015/main" val="1"/>
+              </p:ext>
+            </p:extLst>
+          </p:nvPr>
+        </p:nvPicPr>
+        <p:blipFill rotWithShape="1">
+          <a:blip r:embed="rId3">
+            <a:extLst>
+              <a:ext uri="{28A0092B-C50C-407E-A947-70E740481C1C}">
+                <a14:useLocalDpi xmlns:a14="http://schemas.microsoft.com/office/drawing/2010/main" val="0"/>
+              </a:ext>
+            </a:extLst>
+          </a:blip>
+          <a:srcRect l="3613"/>
+          <a:stretch/>
+        </p:blipFill>
+        <p:spPr>
+          <a:xfrm>
+            <a:off x="0" y="2669685"/>
+            <a:ext cx="4037012" cy="4188315"/>
+          </a:xfrm>
+          <a:prstGeom prst="rect">
+            <a:avLst/>
+          </a:prstGeom>
+        </p:spPr>
+      </p:pic>
+      <p:pic>
+        <p:nvPicPr>
+          <p:cNvPr id="10" name="Picture 9">
+            <a:extLst>
+              <a:ext uri="{FF2B5EF4-FFF2-40B4-BE49-F238E27FC236}">
+                <a16:creationId xmlns:a16="http://schemas.microsoft.com/office/drawing/2014/main" id="{2AE609E2-8522-44E4-9077-980E5BCF3E14}"/>
+              </a:ext>
+              <a:ext uri="{C183D7F6-B498-43B3-948B-1728B52AA6E4}">
+                <adec:decorative xmlns:adec="http://schemas.microsoft.com/office/drawing/2017/decorative" val="1"/>
+              </a:ext>
+            </a:extLst>
+          </p:cNvPr>
+          <p:cNvPicPr>
+            <a:picLocks noGrp="1" noRot="1" noChangeAspect="1" noMove="1" noResize="1" noEditPoints="1" noAdjustHandles="1" noChangeArrowheads="1" noChangeShapeType="1" noCrop="1"/>
+          </p:cNvPicPr>
+          <p:nvPr>
+            <p:extLst>
+              <p:ext uri="{386F3935-93C4-4BCD-93E2-E3B085C9AB24}">
+                <p16:designElem xmlns:p16="http://schemas.microsoft.com/office/powerpoint/2015/main" val="1"/>
+              </p:ext>
+            </p:extLst>
+          </p:nvPr>
+        </p:nvPicPr>
+        <p:blipFill rotWithShape="1">
+          <a:blip r:embed="rId4">
+            <a:extLst>
+              <a:ext uri="{28A0092B-C50C-407E-A947-70E740481C1C}">
+                <a14:useLocalDpi xmlns:a14="http://schemas.microsoft.com/office/drawing/2010/main" val="0"/>
+              </a:ext>
+            </a:extLst>
+          </a:blip>
+          <a:srcRect l="35640"/>
+          <a:stretch/>
+        </p:blipFill>
+        <p:spPr>
+          <a:xfrm>
+            <a:off x="0" y="2892347"/>
+            <a:ext cx="1522412" cy="2365453"/>
+          </a:xfrm>
+          <a:prstGeom prst="rect">
+            <a:avLst/>
+          </a:prstGeom>
+        </p:spPr>
+      </p:pic>
+      <p:sp>
+        <p:nvSpPr>
+          <p:cNvPr id="12" name="Oval 11">
+            <a:extLst>
+              <a:ext uri="{FF2B5EF4-FFF2-40B4-BE49-F238E27FC236}">
+                <a16:creationId xmlns:a16="http://schemas.microsoft.com/office/drawing/2014/main" id="{4FA533C5-33E3-4611-AF9F-72811D8B26A6}"/>
+              </a:ext>
+              <a:ext uri="{C183D7F6-B498-43B3-948B-1728B52AA6E4}">
+                <adec:decorative xmlns:adec="http://schemas.microsoft.com/office/drawing/2017/decorative" val="1"/>
+              </a:ext>
+            </a:extLst>
+          </p:cNvPr>
+          <p:cNvSpPr>
+            <a:spLocks noGrp="1" noRot="1" noChangeAspect="1" noMove="1" noResize="1" noEditPoints="1" noAdjustHandles="1" noChangeArrowheads="1" noChangeShapeType="1" noTextEdit="1"/>
+          </p:cNvSpPr>
+          <p:nvPr>
+            <p:extLst>
+              <p:ext uri="{386F3935-93C4-4BCD-93E2-E3B085C9AB24}">
+                <p16:designElem xmlns:p16="http://schemas.microsoft.com/office/powerpoint/2015/main" val="1"/>
+              </p:ext>
+            </p:extLst>
+          </p:nvPr>
+        </p:nvSpPr>
+        <p:spPr>
+          <a:xfrm>
+            <a:off x="8609012" y="1676400"/>
+            <a:ext cx="2819400" cy="2819400"/>
+          </a:xfrm>
+          <a:prstGeom prst="ellipse">
+            <a:avLst/>
+          </a:prstGeom>
+          <a:gradFill flip="none" rotWithShape="1">
+            <a:gsLst>
+              <a:gs pos="0">
+                <a:schemeClr val="bg2">
+                  <a:lumMod val="60000"/>
+                  <a:lumOff val="40000"/>
+                  <a:alpha val="7000"/>
+                </a:schemeClr>
+              </a:gs>
+              <a:gs pos="69000">
+                <a:schemeClr val="bg2">
+                  <a:lumMod val="60000"/>
+                  <a:lumOff val="40000"/>
+                  <a:alpha val="0"/>
+                </a:schemeClr>
+              </a:gs>
+              <a:gs pos="36000">
+                <a:schemeClr val="bg2">
+                  <a:lumMod val="60000"/>
+                  <a:lumOff val="40000"/>
+                  <a:alpha val="6000"/>
+                </a:schemeClr>
+              </a:gs>
+            </a:gsLst>
+            <a:path path="circle">
+              <a:fillToRect l="50000" t="50000" r="50000" b="50000"/>
+            </a:path>
+            <a:tileRect/>
+          </a:gradFill>
+          <a:ln>
+            <a:noFill/>
+          </a:ln>
+          <a:effectLst/>
+        </p:spPr>
+        <p:style>
+          <a:lnRef idx="1">
+            <a:schemeClr val="accent1"/>
+          </a:lnRef>
+          <a:fillRef idx="3">
+            <a:schemeClr val="accent1"/>
+          </a:fillRef>
+          <a:effectRef idx="2">
+            <a:schemeClr val="accent1"/>
+          </a:effectRef>
+          <a:fontRef idx="minor">
+            <a:schemeClr val="lt1"/>
+          </a:fontRef>
+        </p:style>
+      </p:sp>
+      <p:pic>
+        <p:nvPicPr>
+          <p:cNvPr id="14" name="Picture 13">
+            <a:extLst>
+              <a:ext uri="{FF2B5EF4-FFF2-40B4-BE49-F238E27FC236}">
+                <a16:creationId xmlns:a16="http://schemas.microsoft.com/office/drawing/2014/main" id="{8949AD42-25FD-4C3D-9EEE-B7FEC5809988}"/>
+              </a:ext>
+              <a:ext uri="{C183D7F6-B498-43B3-948B-1728B52AA6E4}">
+                <adec:decorative xmlns:adec="http://schemas.microsoft.com/office/drawing/2017/decorative" val="1"/>
+              </a:ext>
+            </a:extLst>
+          </p:cNvPr>
+          <p:cNvPicPr>
+            <a:picLocks noGrp="1" noRot="1" noChangeAspect="1" noMove="1" noResize="1" noEditPoints="1" noAdjustHandles="1" noChangeArrowheads="1" noChangeShapeType="1" noCrop="1"/>
+          </p:cNvPicPr>
+          <p:nvPr>
+            <p:extLst>
+              <p:ext uri="{386F3935-93C4-4BCD-93E2-E3B085C9AB24}">
+                <p16:designElem xmlns:p16="http://schemas.microsoft.com/office/powerpoint/2015/main" val="1"/>
+              </p:ext>
+            </p:extLst>
+          </p:nvPr>
+        </p:nvPicPr>
+        <p:blipFill rotWithShape="1">
+          <a:blip r:embed="rId5">
+            <a:extLst>
+              <a:ext uri="{28A0092B-C50C-407E-A947-70E740481C1C}">
+                <a14:useLocalDpi xmlns:a14="http://schemas.microsoft.com/office/drawing/2010/main" val="0"/>
+              </a:ext>
+            </a:extLst>
+          </a:blip>
+          <a:srcRect t="28813"/>
+          <a:stretch/>
+        </p:blipFill>
+        <p:spPr>
+          <a:xfrm>
+            <a:off x="7999412" y="0"/>
+            <a:ext cx="1603387" cy="1141407"/>
+          </a:xfrm>
+          <a:prstGeom prst="rect">
+            <a:avLst/>
+          </a:prstGeom>
+        </p:spPr>
+      </p:pic>
+      <p:pic>
+        <p:nvPicPr>
+          <p:cNvPr id="16" name="Picture 15">
+            <a:extLst>
+              <a:ext uri="{FF2B5EF4-FFF2-40B4-BE49-F238E27FC236}">
+                <a16:creationId xmlns:a16="http://schemas.microsoft.com/office/drawing/2014/main" id="{6AC7D913-60B7-4603-881B-831DA5D3A940}"/>
+              </a:ext>
+              <a:ext uri="{C183D7F6-B498-43B3-948B-1728B52AA6E4}">
+                <adec:decorative xmlns:adec="http://schemas.microsoft.com/office/drawing/2017/decorative" val="1"/>
+              </a:ext>
+            </a:extLst>
+          </p:cNvPr>
+          <p:cNvPicPr>
+            <a:picLocks noGrp="1" noRot="1" noChangeAspect="1" noMove="1" noResize="1" noEditPoints="1" noAdjustHandles="1" noChangeArrowheads="1" noChangeShapeType="1" noCrop="1"/>
+          </p:cNvPicPr>
+          <p:nvPr>
+            <p:extLst>
+              <p:ext uri="{386F3935-93C4-4BCD-93E2-E3B085C9AB24}">
+                <p16:designElem xmlns:p16="http://schemas.microsoft.com/office/powerpoint/2015/main" val="1"/>
+              </p:ext>
+            </p:extLst>
+          </p:nvPr>
+        </p:nvPicPr>
+        <p:blipFill rotWithShape="1">
+          <a:blip r:embed="rId6">
+            <a:extLst>
+              <a:ext uri="{28A0092B-C50C-407E-A947-70E740481C1C}">
+                <a14:useLocalDpi xmlns:a14="http://schemas.microsoft.com/office/drawing/2010/main" val="0"/>
+              </a:ext>
+            </a:extLst>
+          </a:blip>
+          <a:srcRect b="23320"/>
+          <a:stretch/>
+        </p:blipFill>
+        <p:spPr>
+          <a:xfrm>
+            <a:off x="8605878" y="6096000"/>
+            <a:ext cx="993734" cy="762000"/>
+          </a:xfrm>
+          <a:prstGeom prst="rect">
+            <a:avLst/>
+          </a:prstGeom>
+        </p:spPr>
+      </p:pic>
+      <p:sp>
+        <p:nvSpPr>
+          <p:cNvPr id="18" name="Rectangle 17">
+            <a:extLst>
+              <a:ext uri="{FF2B5EF4-FFF2-40B4-BE49-F238E27FC236}">
+                <a16:creationId xmlns:a16="http://schemas.microsoft.com/office/drawing/2014/main" id="{87F0FDC4-AD8C-47D9-9131-623C98ADB0AE}"/>
+              </a:ext>
+              <a:ext uri="{C183D7F6-B498-43B3-948B-1728B52AA6E4}">
+                <adec:decorative xmlns:adec="http://schemas.microsoft.com/office/drawing/2017/decorative" val="1"/>
+              </a:ext>
+            </a:extLst>
+          </p:cNvPr>
+          <p:cNvSpPr>
+            <a:spLocks noGrp="1" noRot="1" noChangeAspect="1" noMove="1" noResize="1" noEditPoints="1" noAdjustHandles="1" noChangeArrowheads="1" noChangeShapeType="1" noTextEdit="1"/>
+          </p:cNvSpPr>
+          <p:nvPr>
+            <p:extLst>
+              <p:ext uri="{386F3935-93C4-4BCD-93E2-E3B085C9AB24}">
+                <p16:designElem xmlns:p16="http://schemas.microsoft.com/office/powerpoint/2015/main" val="1"/>
+              </p:ext>
+            </p:extLst>
+          </p:nvPr>
+        </p:nvSpPr>
+        <p:spPr>
+          <a:xfrm>
+            <a:off x="10437812" y="0"/>
+            <a:ext cx="685800" cy="1143000"/>
+          </a:xfrm>
+          <a:prstGeom prst="rect">
+            <a:avLst/>
+          </a:prstGeom>
+          <a:solidFill>
+            <a:schemeClr val="accent1"/>
+          </a:solidFill>
+          <a:ln>
+            <a:noFill/>
+          </a:ln>
+        </p:spPr>
+        <p:style>
+          <a:lnRef idx="1">
+            <a:schemeClr val="accent1"/>
+          </a:lnRef>
+          <a:fillRef idx="3">
+            <a:schemeClr val="accent1"/>
+          </a:fillRef>
+          <a:effectRef idx="2">
+            <a:schemeClr val="accent1"/>
+          </a:effectRef>
+          <a:fontRef idx="minor">
+            <a:schemeClr val="lt1"/>
+          </a:fontRef>
+        </p:style>
+      </p:sp>
+      <p:sp useBgFill="1">
+        <p:nvSpPr>
+          <p:cNvPr id="20" name="Rectangle 19">
+            <a:extLst>
+              <a:ext uri="{FF2B5EF4-FFF2-40B4-BE49-F238E27FC236}">
+                <a16:creationId xmlns:a16="http://schemas.microsoft.com/office/drawing/2014/main" id="{C28D0172-F2E0-4763-9C35-F022664959D8}"/>
+              </a:ext>
+              <a:ext uri="{C183D7F6-B498-43B3-948B-1728B52AA6E4}">
+                <adec:decorative xmlns:adec="http://schemas.microsoft.com/office/drawing/2017/decorative" val="1"/>
+              </a:ext>
+            </a:extLst>
+          </p:cNvPr>
+          <p:cNvSpPr>
+            <a:spLocks noGrp="1" noRot="1" noChangeAspect="1" noMove="1" noResize="1" noEditPoints="1" noAdjustHandles="1" noChangeArrowheads="1" noChangeShapeType="1" noTextEdit="1"/>
+          </p:cNvSpPr>
+          <p:nvPr>
+            <p:extLst>
+              <p:ext uri="{386F3935-93C4-4BCD-93E2-E3B085C9AB24}">
+                <p16:designElem xmlns:p16="http://schemas.microsoft.com/office/powerpoint/2015/main" val="1"/>
+              </p:ext>
+            </p:extLst>
+          </p:nvPr>
+        </p:nvSpPr>
+        <p:spPr>
+          <a:xfrm>
+            <a:off x="0" y="-5"/>
+            <a:ext cx="12191695" cy="4730744"/>
+          </a:xfrm>
+          <a:prstGeom prst="rect">
+            <a:avLst/>
+          </a:prstGeom>
+          <a:ln>
+            <a:noFill/>
+          </a:ln>
+        </p:spPr>
+        <p:style>
+          <a:lnRef idx="2">
+            <a:schemeClr val="accent1">
+              <a:shade val="50000"/>
+            </a:schemeClr>
+          </a:lnRef>
+          <a:fillRef idx="1">
+            <a:schemeClr val="accent1"/>
+          </a:fillRef>
+          <a:effectRef idx="0">
+            <a:schemeClr val="accent1"/>
+          </a:effectRef>
+          <a:fontRef idx="minor">
+            <a:schemeClr val="lt1"/>
+          </a:fontRef>
+        </p:style>
+        <p:txBody>
+          <a:bodyPr rtlCol="0" anchor="ctr"/>
+          <a:lstStyle/>
+          <a:p>
+            <a:pPr algn="ctr"/>
+            <a:endParaRPr lang="en-US"/>
+          </a:p>
+        </p:txBody>
+      </p:sp>
+      <p:sp>
+        <p:nvSpPr>
+          <p:cNvPr id="22" name="Freeform 16">
+            <a:extLst>
+              <a:ext uri="{FF2B5EF4-FFF2-40B4-BE49-F238E27FC236}">
+                <a16:creationId xmlns:a16="http://schemas.microsoft.com/office/drawing/2014/main" id="{9F2851FB-E841-4509-8A6D-A416376EA380}"/>
+              </a:ext>
+              <a:ext uri="{C183D7F6-B498-43B3-948B-1728B52AA6E4}">
+                <adec:decorative xmlns:adec="http://schemas.microsoft.com/office/drawing/2017/decorative" val="1"/>
+              </a:ext>
+            </a:extLst>
+          </p:cNvPr>
+          <p:cNvSpPr>
+            <a:spLocks noGrp="1" noRot="1" noChangeAspect="1" noMove="1" noResize="1" noEditPoints="1" noAdjustHandles="1" noChangeArrowheads="1" noChangeShapeType="1" noTextEdit="1"/>
+          </p:cNvSpPr>
+          <p:nvPr>
+            <p:extLst>
+              <p:ext uri="{386F3935-93C4-4BCD-93E2-E3B085C9AB24}">
+                <p16:designElem xmlns:p16="http://schemas.microsoft.com/office/powerpoint/2015/main" val="1"/>
+              </p:ext>
+            </p:extLst>
+          </p:nvPr>
+        </p:nvSpPr>
+        <p:spPr>
+          <a:xfrm>
+            <a:off x="8719939" y="3753695"/>
+            <a:ext cx="3472060" cy="825932"/>
+          </a:xfrm>
+          <a:custGeom>
+            <a:avLst/>
+            <a:gdLst>
+              <a:gd name="connsiteX0" fmla="*/ 3470310 w 3472060"/>
+              <a:gd name="connsiteY0" fmla="*/ 0 h 825932"/>
+              <a:gd name="connsiteX1" fmla="*/ 3472060 w 3472060"/>
+              <a:gd name="connsiteY1" fmla="*/ 12850 h 825932"/>
+              <a:gd name="connsiteX2" fmla="*/ 3472060 w 3472060"/>
+              <a:gd name="connsiteY2" fmla="*/ 480529 h 825932"/>
+              <a:gd name="connsiteX3" fmla="*/ 3363699 w 3472060"/>
+              <a:gd name="connsiteY3" fmla="*/ 498471 h 825932"/>
+              <a:gd name="connsiteX4" fmla="*/ 42060 w 3472060"/>
+              <a:gd name="connsiteY4" fmla="*/ 824486 h 825932"/>
+              <a:gd name="connsiteX5" fmla="*/ 0 w 3472060"/>
+              <a:gd name="connsiteY5" fmla="*/ 758452 h 825932"/>
+              <a:gd name="connsiteX6" fmla="*/ 188014 w 3472060"/>
+              <a:gd name="connsiteY6" fmla="*/ 735602 h 825932"/>
+              <a:gd name="connsiteX7" fmla="*/ 284087 w 3472060"/>
+              <a:gd name="connsiteY7" fmla="*/ 722590 h 825932"/>
+              <a:gd name="connsiteX8" fmla="*/ 382288 w 3472060"/>
+              <a:gd name="connsiteY8" fmla="*/ 709392 h 825932"/>
+              <a:gd name="connsiteX9" fmla="*/ 481858 w 3472060"/>
+              <a:gd name="connsiteY9" fmla="*/ 695774 h 825932"/>
+              <a:gd name="connsiteX10" fmla="*/ 581897 w 3472060"/>
+              <a:gd name="connsiteY10" fmla="*/ 680711 h 825932"/>
+              <a:gd name="connsiteX11" fmla="*/ 683670 w 3472060"/>
+              <a:gd name="connsiteY11" fmla="*/ 665256 h 825932"/>
+              <a:gd name="connsiteX12" fmla="*/ 787206 w 3472060"/>
+              <a:gd name="connsiteY12" fmla="*/ 649587 h 825932"/>
+              <a:gd name="connsiteX13" fmla="*/ 892019 w 3472060"/>
+              <a:gd name="connsiteY13" fmla="*/ 632968 h 825932"/>
+              <a:gd name="connsiteX14" fmla="*/ 997620 w 3472060"/>
+              <a:gd name="connsiteY14" fmla="*/ 614667 h 825932"/>
+              <a:gd name="connsiteX15" fmla="*/ 1104727 w 3472060"/>
+              <a:gd name="connsiteY15" fmla="*/ 596741 h 825932"/>
+              <a:gd name="connsiteX16" fmla="*/ 1212669 w 3472060"/>
+              <a:gd name="connsiteY16" fmla="*/ 577397 h 825932"/>
+              <a:gd name="connsiteX17" fmla="*/ 1321506 w 3472060"/>
+              <a:gd name="connsiteY17" fmla="*/ 556988 h 825932"/>
+              <a:gd name="connsiteX18" fmla="*/ 1430709 w 3472060"/>
+              <a:gd name="connsiteY18" fmla="*/ 536607 h 825932"/>
+              <a:gd name="connsiteX19" fmla="*/ 1541050 w 3472060"/>
+              <a:gd name="connsiteY19" fmla="*/ 514481 h 825932"/>
+              <a:gd name="connsiteX20" fmla="*/ 1652805 w 3472060"/>
+              <a:gd name="connsiteY20" fmla="*/ 492202 h 825932"/>
+              <a:gd name="connsiteX21" fmla="*/ 1763708 w 3472060"/>
+              <a:gd name="connsiteY21" fmla="*/ 469161 h 825932"/>
+              <a:gd name="connsiteX22" fmla="*/ 1875795 w 3472060"/>
+              <a:gd name="connsiteY22" fmla="*/ 444641 h 825932"/>
+              <a:gd name="connsiteX23" fmla="*/ 1989128 w 3472060"/>
+              <a:gd name="connsiteY23" fmla="*/ 418995 h 825932"/>
+              <a:gd name="connsiteX24" fmla="*/ 2102476 w 3472060"/>
+              <a:gd name="connsiteY24" fmla="*/ 393438 h 825932"/>
+              <a:gd name="connsiteX25" fmla="*/ 2215549 w 3472060"/>
+              <a:gd name="connsiteY25" fmla="*/ 366291 h 825932"/>
+              <a:gd name="connsiteX26" fmla="*/ 2330490 w 3472060"/>
+              <a:gd name="connsiteY26" fmla="*/ 337455 h 825932"/>
+              <a:gd name="connsiteX27" fmla="*/ 2443333 w 3472060"/>
+              <a:gd name="connsiteY27" fmla="*/ 308983 h 825932"/>
+              <a:gd name="connsiteX28" fmla="*/ 2558014 w 3472060"/>
+              <a:gd name="connsiteY28" fmla="*/ 278646 h 825932"/>
+              <a:gd name="connsiteX29" fmla="*/ 2673621 w 3472060"/>
+              <a:gd name="connsiteY29" fmla="*/ 247421 h 825932"/>
+              <a:gd name="connsiteX30" fmla="*/ 2787008 w 3472060"/>
+              <a:gd name="connsiteY30" fmla="*/ 215853 h 825932"/>
+              <a:gd name="connsiteX31" fmla="*/ 2901442 w 3472060"/>
+              <a:gd name="connsiteY31" fmla="*/ 182011 h 825932"/>
+              <a:gd name="connsiteX32" fmla="*/ 3015722 w 3472060"/>
+              <a:gd name="connsiteY32" fmla="*/ 147286 h 825932"/>
+              <a:gd name="connsiteX33" fmla="*/ 3130018 w 3472060"/>
+              <a:gd name="connsiteY33" fmla="*/ 112649 h 825932"/>
+              <a:gd name="connsiteX34" fmla="*/ 3243551 w 3472060"/>
+              <a:gd name="connsiteY34" fmla="*/ 75688 h 825932"/>
+              <a:gd name="connsiteX35" fmla="*/ 3356992 w 3472060"/>
+              <a:gd name="connsiteY35" fmla="*/ 38197 h 825932"/>
+              <a:gd name="connsiteX36" fmla="*/ 3470310 w 3472060"/>
+              <a:gd name="connsiteY36" fmla="*/ 0 h 825932"/>
+            </a:gdLst>
+            <a:ahLst/>
+            <a:cxnLst>
+              <a:cxn ang="0">
+                <a:pos x="connsiteX0" y="connsiteY0"/>
+              </a:cxn>
+              <a:cxn ang="0">
+                <a:pos x="connsiteX1" y="connsiteY1"/>
+              </a:cxn>
+              <a:cxn ang="0">
+                <a:pos x="connsiteX2" y="connsiteY2"/>
+              </a:cxn>
+              <a:cxn ang="0">
+                <a:pos x="connsiteX3" y="connsiteY3"/>
+              </a:cxn>
+              <a:cxn ang="0">
+                <a:pos x="connsiteX4" y="connsiteY4"/>
+              </a:cxn>
+              <a:cxn ang="0">
+                <a:pos x="connsiteX5" y="connsiteY5"/>
+              </a:cxn>
+              <a:cxn ang="0">
+                <a:pos x="connsiteX6" y="connsiteY6"/>
+              </a:cxn>
+              <a:cxn ang="0">
+                <a:pos x="connsiteX7" y="connsiteY7"/>
+              </a:cxn>
+              <a:cxn ang="0">
+                <a:pos x="connsiteX8" y="connsiteY8"/>
+              </a:cxn>
+              <a:cxn ang="0">
+                <a:pos x="connsiteX9" y="connsiteY9"/>
+              </a:cxn>
+              <a:cxn ang="0">
+                <a:pos x="connsiteX10" y="connsiteY10"/>
+              </a:cxn>
+              <a:cxn ang="0">
+                <a:pos x="connsiteX11" y="connsiteY11"/>
+              </a:cxn>
+              <a:cxn ang="0">
+                <a:pos x="connsiteX12" y="connsiteY12"/>
+              </a:cxn>
+              <a:cxn ang="0">
+                <a:pos x="connsiteX13" y="connsiteY13"/>
+              </a:cxn>
+              <a:cxn ang="0">
+                <a:pos x="connsiteX14" y="connsiteY14"/>
+              </a:cxn>
+              <a:cxn ang="0">
+                <a:pos x="connsiteX15" y="connsiteY15"/>
+              </a:cxn>
+              <a:cxn ang="0">
+                <a:pos x="connsiteX16" y="connsiteY16"/>
+              </a:cxn>
+              <a:cxn ang="0">
+                <a:pos x="connsiteX17" y="connsiteY17"/>
+              </a:cxn>
+              <a:cxn ang="0">
+                <a:pos x="connsiteX18" y="connsiteY18"/>
+              </a:cxn>
+              <a:cxn ang="0">
+                <a:pos x="connsiteX19" y="connsiteY19"/>
+              </a:cxn>
+              <a:cxn ang="0">
+                <a:pos x="connsiteX20" y="connsiteY20"/>
+              </a:cxn>
+              <a:cxn ang="0">
+                <a:pos x="connsiteX21" y="connsiteY21"/>
+              </a:cxn>
+              <a:cxn ang="0">
+                <a:pos x="connsiteX22" y="connsiteY22"/>
+              </a:cxn>
+              <a:cxn ang="0">
+                <a:pos x="connsiteX23" y="connsiteY23"/>
+              </a:cxn>
+              <a:cxn ang="0">
+                <a:pos x="connsiteX24" y="connsiteY24"/>
+              </a:cxn>
+              <a:cxn ang="0">
+                <a:pos x="connsiteX25" y="connsiteY25"/>
+              </a:cxn>
+              <a:cxn ang="0">
+                <a:pos x="connsiteX26" y="connsiteY26"/>
+              </a:cxn>
+              <a:cxn ang="0">
+                <a:pos x="connsiteX27" y="connsiteY27"/>
+              </a:cxn>
+              <a:cxn ang="0">
+                <a:pos x="connsiteX28" y="connsiteY28"/>
+              </a:cxn>
+              <a:cxn ang="0">
+                <a:pos x="connsiteX29" y="connsiteY29"/>
+              </a:cxn>
+              <a:cxn ang="0">
+                <a:pos x="connsiteX30" y="connsiteY30"/>
+              </a:cxn>
+              <a:cxn ang="0">
+                <a:pos x="connsiteX31" y="connsiteY31"/>
+              </a:cxn>
+              <a:cxn ang="0">
+                <a:pos x="connsiteX32" y="connsiteY32"/>
+              </a:cxn>
+              <a:cxn ang="0">
+                <a:pos x="connsiteX33" y="connsiteY33"/>
+              </a:cxn>
+              <a:cxn ang="0">
+                <a:pos x="connsiteX34" y="connsiteY34"/>
+              </a:cxn>
+              <a:cxn ang="0">
+                <a:pos x="connsiteX35" y="connsiteY35"/>
+              </a:cxn>
+              <a:cxn ang="0">
+                <a:pos x="connsiteX36" y="connsiteY36"/>
+              </a:cxn>
+            </a:cxnLst>
+            <a:rect l="l" t="t" r="r" b="b"/>
+            <a:pathLst>
+              <a:path w="3472060" h="825932">
+                <a:moveTo>
+                  <a:pt x="3470310" y="0"/>
+                </a:moveTo>
+                <a:lnTo>
+                  <a:pt x="3472060" y="12850"/>
+                </a:lnTo>
+                <a:lnTo>
+                  <a:pt x="3472060" y="480529"/>
+                </a:lnTo>
+                <a:lnTo>
+                  <a:pt x="3363699" y="498471"/>
+                </a:lnTo>
+                <a:cubicBezTo>
+                  <a:pt x="2435623" y="645518"/>
+                  <a:pt x="603076" y="844866"/>
+                  <a:pt x="42060" y="824486"/>
+                </a:cubicBezTo>
+                <a:cubicBezTo>
+                  <a:pt x="28151" y="802425"/>
+                  <a:pt x="13909" y="780513"/>
+                  <a:pt x="0" y="758452"/>
+                </a:cubicBezTo>
+                <a:lnTo>
+                  <a:pt x="188014" y="735602"/>
+                </a:lnTo>
+                <a:lnTo>
+                  <a:pt x="284087" y="722590"/>
+                </a:lnTo>
+                <a:lnTo>
+                  <a:pt x="382288" y="709392"/>
+                </a:lnTo>
+                <a:lnTo>
+                  <a:pt x="481858" y="695774"/>
+                </a:lnTo>
+                <a:lnTo>
+                  <a:pt x="581897" y="680711"/>
+                </a:lnTo>
+                <a:lnTo>
+                  <a:pt x="683670" y="665256"/>
+                </a:lnTo>
+                <a:lnTo>
+                  <a:pt x="787206" y="649587"/>
+                </a:lnTo>
+                <a:lnTo>
+                  <a:pt x="892019" y="632968"/>
+                </a:lnTo>
+                <a:lnTo>
+                  <a:pt x="997620" y="614667"/>
+                </a:lnTo>
+                <a:lnTo>
+                  <a:pt x="1104727" y="596741"/>
+                </a:lnTo>
+                <a:lnTo>
+                  <a:pt x="1212669" y="577397"/>
+                </a:lnTo>
+                <a:lnTo>
+                  <a:pt x="1321506" y="556988"/>
+                </a:lnTo>
+                <a:lnTo>
+                  <a:pt x="1430709" y="536607"/>
+                </a:lnTo>
+                <a:lnTo>
+                  <a:pt x="1541050" y="514481"/>
+                </a:lnTo>
+                <a:lnTo>
+                  <a:pt x="1652805" y="492202"/>
+                </a:lnTo>
+                <a:lnTo>
+                  <a:pt x="1763708" y="469161"/>
+                </a:lnTo>
+                <a:lnTo>
+                  <a:pt x="1875795" y="444641"/>
+                </a:lnTo>
+                <a:lnTo>
+                  <a:pt x="1989128" y="418995"/>
+                </a:lnTo>
+                <a:lnTo>
+                  <a:pt x="2102476" y="393438"/>
+                </a:lnTo>
+                <a:lnTo>
+                  <a:pt x="2215549" y="366291"/>
+                </a:lnTo>
+                <a:lnTo>
+                  <a:pt x="2330490" y="337455"/>
+                </a:lnTo>
+                <a:lnTo>
+                  <a:pt x="2443333" y="308983"/>
+                </a:lnTo>
+                <a:lnTo>
+                  <a:pt x="2558014" y="278646"/>
+                </a:lnTo>
+                <a:lnTo>
+                  <a:pt x="2673621" y="247421"/>
+                </a:lnTo>
+                <a:lnTo>
+                  <a:pt x="2787008" y="215853"/>
+                </a:lnTo>
+                <a:lnTo>
+                  <a:pt x="2901442" y="182011"/>
+                </a:lnTo>
+                <a:lnTo>
+                  <a:pt x="3015722" y="147286"/>
+                </a:lnTo>
+                <a:lnTo>
+                  <a:pt x="3130018" y="112649"/>
+                </a:lnTo>
+                <a:lnTo>
+                  <a:pt x="3243551" y="75688"/>
+                </a:lnTo>
+                <a:lnTo>
+                  <a:pt x="3356992" y="38197"/>
+                </a:lnTo>
+                <a:lnTo>
+                  <a:pt x="3470310" y="0"/>
+                </a:lnTo>
+                <a:close/>
+              </a:path>
+            </a:pathLst>
+          </a:custGeom>
+          <a:solidFill>
+            <a:schemeClr val="tx1">
+              <a:alpha val="20000"/>
+            </a:schemeClr>
+          </a:solidFill>
+          <a:ln>
+            <a:noFill/>
+          </a:ln>
+        </p:spPr>
+        <p:txBody>
+          <a:bodyPr rtlCol="0" anchor="ctr"/>
+          <a:lstStyle/>
+          <a:p>
+            <a:pPr algn="ctr"/>
+            <a:endParaRPr lang="en-US">
+              <a:solidFill>
+                <a:schemeClr val="tx1"/>
+              </a:solidFill>
+            </a:endParaRPr>
+          </a:p>
+        </p:txBody>
+      </p:sp>
+      <p:sp>
+        <p:nvSpPr>
+          <p:cNvPr id="24" name="Freeform: Shape 23">
+            <a:extLst>
+              <a:ext uri="{FF2B5EF4-FFF2-40B4-BE49-F238E27FC236}">
+                <a16:creationId xmlns:a16="http://schemas.microsoft.com/office/drawing/2014/main" id="{DF6FB2B2-CE21-407F-B22E-302DADC2C3D3}"/>
+              </a:ext>
+              <a:ext uri="{C183D7F6-B498-43B3-948B-1728B52AA6E4}">
+                <adec:decorative xmlns:adec="http://schemas.microsoft.com/office/drawing/2017/decorative" val="1"/>
+              </a:ext>
+            </a:extLst>
+          </p:cNvPr>
+          <p:cNvSpPr>
+            <a:spLocks noGrp="1" noRot="1" noChangeAspect="1" noMove="1" noResize="1" noEditPoints="1" noAdjustHandles="1" noChangeArrowheads="1" noChangeShapeType="1" noTextEdit="1"/>
+          </p:cNvSpPr>
+          <p:nvPr>
+            <p:extLst>
+              <p:ext uri="{386F3935-93C4-4BCD-93E2-E3B085C9AB24}">
+                <p16:designElem xmlns:p16="http://schemas.microsoft.com/office/powerpoint/2015/main" val="1"/>
+              </p:ext>
+            </p:extLst>
+          </p:nvPr>
+        </p:nvSpPr>
+        <p:spPr>
+          <a:xfrm>
+            <a:off x="0" y="4055533"/>
+            <a:ext cx="12192000" cy="2802467"/>
+          </a:xfrm>
+          <a:custGeom>
+            <a:avLst/>
+            <a:gdLst>
+              <a:gd name="connsiteX0" fmla="*/ 1 w 12192000"/>
+              <a:gd name="connsiteY0" fmla="*/ 0 h 2802467"/>
+              <a:gd name="connsiteX1" fmla="*/ 71932 w 12192000"/>
+              <a:gd name="connsiteY1" fmla="*/ 12261 h 2802467"/>
+              <a:gd name="connsiteX2" fmla="*/ 282848 w 12192000"/>
+              <a:gd name="connsiteY2" fmla="*/ 48342 h 2802467"/>
+              <a:gd name="connsiteX3" fmla="*/ 436464 w 12192000"/>
+              <a:gd name="connsiteY3" fmla="*/ 73565 h 2802467"/>
+              <a:gd name="connsiteX4" fmla="*/ 619339 w 12192000"/>
+              <a:gd name="connsiteY4" fmla="*/ 100188 h 2802467"/>
+              <a:gd name="connsiteX5" fmla="*/ 836351 w 12192000"/>
+              <a:gd name="connsiteY5" fmla="*/ 132066 h 2802467"/>
+              <a:gd name="connsiteX6" fmla="*/ 1076528 w 12192000"/>
+              <a:gd name="connsiteY6" fmla="*/ 165696 h 2802467"/>
+              <a:gd name="connsiteX7" fmla="*/ 1347183 w 12192000"/>
+              <a:gd name="connsiteY7" fmla="*/ 201077 h 2802467"/>
+              <a:gd name="connsiteX8" fmla="*/ 1642223 w 12192000"/>
+              <a:gd name="connsiteY8" fmla="*/ 238560 h 2802467"/>
+              <a:gd name="connsiteX9" fmla="*/ 1962864 w 12192000"/>
+              <a:gd name="connsiteY9" fmla="*/ 276043 h 2802467"/>
+              <a:gd name="connsiteX10" fmla="*/ 2304232 w 12192000"/>
+              <a:gd name="connsiteY10" fmla="*/ 314226 h 2802467"/>
+              <a:gd name="connsiteX11" fmla="*/ 2672421 w 12192000"/>
+              <a:gd name="connsiteY11" fmla="*/ 349608 h 2802467"/>
+              <a:gd name="connsiteX12" fmla="*/ 3057678 w 12192000"/>
+              <a:gd name="connsiteY12" fmla="*/ 383587 h 2802467"/>
+              <a:gd name="connsiteX13" fmla="*/ 3464881 w 12192000"/>
+              <a:gd name="connsiteY13" fmla="*/ 414415 h 2802467"/>
+              <a:gd name="connsiteX14" fmla="*/ 3889152 w 12192000"/>
+              <a:gd name="connsiteY14" fmla="*/ 443840 h 2802467"/>
+              <a:gd name="connsiteX15" fmla="*/ 4331710 w 12192000"/>
+              <a:gd name="connsiteY15" fmla="*/ 471515 h 2802467"/>
+              <a:gd name="connsiteX16" fmla="*/ 4558476 w 12192000"/>
+              <a:gd name="connsiteY16" fmla="*/ 481323 h 2802467"/>
+              <a:gd name="connsiteX17" fmla="*/ 4790118 w 12192000"/>
+              <a:gd name="connsiteY17" fmla="*/ 492183 h 2802467"/>
+              <a:gd name="connsiteX18" fmla="*/ 5025418 w 12192000"/>
+              <a:gd name="connsiteY18" fmla="*/ 502342 h 2802467"/>
+              <a:gd name="connsiteX19" fmla="*/ 5261937 w 12192000"/>
+              <a:gd name="connsiteY19" fmla="*/ 508998 h 2802467"/>
+              <a:gd name="connsiteX20" fmla="*/ 5503332 w 12192000"/>
+              <a:gd name="connsiteY20" fmla="*/ 514953 h 2802467"/>
+              <a:gd name="connsiteX21" fmla="*/ 5747166 w 12192000"/>
+              <a:gd name="connsiteY21" fmla="*/ 521259 h 2802467"/>
+              <a:gd name="connsiteX22" fmla="*/ 5995877 w 12192000"/>
+              <a:gd name="connsiteY22" fmla="*/ 525462 h 2802467"/>
+              <a:gd name="connsiteX23" fmla="*/ 6247026 w 12192000"/>
+              <a:gd name="connsiteY23" fmla="*/ 525462 h 2802467"/>
+              <a:gd name="connsiteX24" fmla="*/ 6500613 w 12192000"/>
+              <a:gd name="connsiteY24" fmla="*/ 527564 h 2802467"/>
+              <a:gd name="connsiteX25" fmla="*/ 6756639 w 12192000"/>
+              <a:gd name="connsiteY25" fmla="*/ 525462 h 2802467"/>
+              <a:gd name="connsiteX26" fmla="*/ 7016322 w 12192000"/>
+              <a:gd name="connsiteY26" fmla="*/ 521259 h 2802467"/>
+              <a:gd name="connsiteX27" fmla="*/ 7276005 w 12192000"/>
+              <a:gd name="connsiteY27" fmla="*/ 517405 h 2802467"/>
+              <a:gd name="connsiteX28" fmla="*/ 7539345 w 12192000"/>
+              <a:gd name="connsiteY28" fmla="*/ 508998 h 2802467"/>
+              <a:gd name="connsiteX29" fmla="*/ 7805124 w 12192000"/>
+              <a:gd name="connsiteY29" fmla="*/ 500240 h 2802467"/>
+              <a:gd name="connsiteX30" fmla="*/ 8070903 w 12192000"/>
+              <a:gd name="connsiteY30" fmla="*/ 490081 h 2802467"/>
+              <a:gd name="connsiteX31" fmla="*/ 8339121 w 12192000"/>
+              <a:gd name="connsiteY31" fmla="*/ 475719 h 2802467"/>
+              <a:gd name="connsiteX32" fmla="*/ 8609776 w 12192000"/>
+              <a:gd name="connsiteY32" fmla="*/ 458553 h 2802467"/>
+              <a:gd name="connsiteX33" fmla="*/ 8881651 w 12192000"/>
+              <a:gd name="connsiteY33" fmla="*/ 442089 h 2802467"/>
+              <a:gd name="connsiteX34" fmla="*/ 9153526 w 12192000"/>
+              <a:gd name="connsiteY34" fmla="*/ 421070 h 2802467"/>
+              <a:gd name="connsiteX35" fmla="*/ 9429058 w 12192000"/>
+              <a:gd name="connsiteY35" fmla="*/ 395848 h 2802467"/>
+              <a:gd name="connsiteX36" fmla="*/ 9700933 w 12192000"/>
+              <a:gd name="connsiteY36" fmla="*/ 370626 h 2802467"/>
+              <a:gd name="connsiteX37" fmla="*/ 9977684 w 12192000"/>
+              <a:gd name="connsiteY37" fmla="*/ 341550 h 2802467"/>
+              <a:gd name="connsiteX38" fmla="*/ 10255655 w 12192000"/>
+              <a:gd name="connsiteY38" fmla="*/ 309672 h 2802467"/>
+              <a:gd name="connsiteX39" fmla="*/ 10529968 w 12192000"/>
+              <a:gd name="connsiteY39" fmla="*/ 276043 h 2802467"/>
+              <a:gd name="connsiteX40" fmla="*/ 10807939 w 12192000"/>
+              <a:gd name="connsiteY40" fmla="*/ 236808 h 2802467"/>
+              <a:gd name="connsiteX41" fmla="*/ 11084690 w 12192000"/>
+              <a:gd name="connsiteY41" fmla="*/ 194771 h 2802467"/>
+              <a:gd name="connsiteX42" fmla="*/ 11362661 w 12192000"/>
+              <a:gd name="connsiteY42" fmla="*/ 153085 h 2802467"/>
+              <a:gd name="connsiteX43" fmla="*/ 11639412 w 12192000"/>
+              <a:gd name="connsiteY43" fmla="*/ 104392 h 2802467"/>
+              <a:gd name="connsiteX44" fmla="*/ 11914945 w 12192000"/>
+              <a:gd name="connsiteY44" fmla="*/ 54648 h 2802467"/>
+              <a:gd name="connsiteX45" fmla="*/ 12191696 w 12192000"/>
+              <a:gd name="connsiteY45" fmla="*/ 2452 h 2802467"/>
+              <a:gd name="connsiteX46" fmla="*/ 12191696 w 12192000"/>
+              <a:gd name="connsiteY46" fmla="*/ 2236410 h 2802467"/>
+              <a:gd name="connsiteX47" fmla="*/ 12192000 w 12192000"/>
+              <a:gd name="connsiteY47" fmla="*/ 2236410 h 2802467"/>
+              <a:gd name="connsiteX48" fmla="*/ 12192000 w 12192000"/>
+              <a:gd name="connsiteY48" fmla="*/ 2802467 h 2802467"/>
+              <a:gd name="connsiteX49" fmla="*/ 12191696 w 12192000"/>
+              <a:gd name="connsiteY49" fmla="*/ 2802467 h 2802467"/>
+              <a:gd name="connsiteX50" fmla="*/ 0 w 12192000"/>
+              <a:gd name="connsiteY50" fmla="*/ 2802467 h 2802467"/>
+              <a:gd name="connsiteX51" fmla="*/ 0 w 12192000"/>
+              <a:gd name="connsiteY51" fmla="*/ 2236410 h 2802467"/>
+              <a:gd name="connsiteX52" fmla="*/ 1 w 12192000"/>
+              <a:gd name="connsiteY52" fmla="*/ 2236410 h 2802467"/>
+            </a:gdLst>
+            <a:ahLst/>
+            <a:cxnLst>
+              <a:cxn ang="0">
+                <a:pos x="connsiteX0" y="connsiteY0"/>
+              </a:cxn>
+              <a:cxn ang="0">
+                <a:pos x="connsiteX1" y="connsiteY1"/>
+              </a:cxn>
+              <a:cxn ang="0">
+                <a:pos x="connsiteX2" y="connsiteY2"/>
+              </a:cxn>
+              <a:cxn ang="0">
+                <a:pos x="connsiteX3" y="connsiteY3"/>
+              </a:cxn>
+              <a:cxn ang="0">
+                <a:pos x="connsiteX4" y="connsiteY4"/>
+              </a:cxn>
+              <a:cxn ang="0">
+                <a:pos x="connsiteX5" y="connsiteY5"/>
+              </a:cxn>
+              <a:cxn ang="0">
+                <a:pos x="connsiteX6" y="connsiteY6"/>
+              </a:cxn>
+              <a:cxn ang="0">
+                <a:pos x="connsiteX7" y="connsiteY7"/>
+              </a:cxn>
+              <a:cxn ang="0">
+                <a:pos x="connsiteX8" y="connsiteY8"/>
+              </a:cxn>
+              <a:cxn ang="0">
+                <a:pos x="connsiteX9" y="connsiteY9"/>
+              </a:cxn>
+              <a:cxn ang="0">
+                <a:pos x="connsiteX10" y="connsiteY10"/>
+              </a:cxn>
+              <a:cxn ang="0">
+                <a:pos x="connsiteX11" y="connsiteY11"/>
+              </a:cxn>
+              <a:cxn ang="0">
+                <a:pos x="connsiteX12" y="connsiteY12"/>
+              </a:cxn>
+              <a:cxn ang="0">
+                <a:pos x="connsiteX13" y="connsiteY13"/>
+              </a:cxn>
+              <a:cxn ang="0">
+                <a:pos x="connsiteX14" y="connsiteY14"/>
+              </a:cxn>
+              <a:cxn ang="0">
+                <a:pos x="connsiteX15" y="connsiteY15"/>
+              </a:cxn>
+              <a:cxn ang="0">
+                <a:pos x="connsiteX16" y="connsiteY16"/>
+              </a:cxn>
+              <a:cxn ang="0">
+                <a:pos x="connsiteX17" y="connsiteY17"/>
+              </a:cxn>
+              <a:cxn ang="0">
+                <a:pos x="connsiteX18" y="connsiteY18"/>
+              </a:cxn>
+              <a:cxn ang="0">
+                <a:pos x="connsiteX19" y="connsiteY19"/>
+              </a:cxn>
+              <a:cxn ang="0">
+                <a:pos x="connsiteX20" y="connsiteY20"/>
+              </a:cxn>
+              <a:cxn ang="0">
+                <a:pos x="connsiteX21" y="connsiteY21"/>
+              </a:cxn>
+              <a:cxn ang="0">
+                <a:pos x="connsiteX22" y="connsiteY22"/>
+              </a:cxn>
+              <a:cxn ang="0">
+                <a:pos x="connsiteX23" y="connsiteY23"/>
+              </a:cxn>
+              <a:cxn ang="0">
+                <a:pos x="connsiteX24" y="connsiteY24"/>
+              </a:cxn>
+              <a:cxn ang="0">
+                <a:pos x="connsiteX25" y="connsiteY25"/>
+              </a:cxn>
+              <a:cxn ang="0">
+                <a:pos x="connsiteX26" y="connsiteY26"/>
+              </a:cxn>
+              <a:cxn ang="0">
+                <a:pos x="connsiteX27" y="connsiteY27"/>
+              </a:cxn>
+              <a:cxn ang="0">
+                <a:pos x="connsiteX28" y="connsiteY28"/>
+              </a:cxn>
+              <a:cxn ang="0">
+                <a:pos x="connsiteX29" y="connsiteY29"/>
+              </a:cxn>
+              <a:cxn ang="0">
+                <a:pos x="connsiteX30" y="connsiteY30"/>
+              </a:cxn>
+              <a:cxn ang="0">
+                <a:pos x="connsiteX31" y="connsiteY31"/>
+              </a:cxn>
+              <a:cxn ang="0">
+                <a:pos x="connsiteX32" y="connsiteY32"/>
+              </a:cxn>
+              <a:cxn ang="0">
+                <a:pos x="connsiteX33" y="connsiteY33"/>
+              </a:cxn>
+              <a:cxn ang="0">
+                <a:pos x="connsiteX34" y="connsiteY34"/>
+              </a:cxn>
+              <a:cxn ang="0">
+                <a:pos x="connsiteX35" y="connsiteY35"/>
+              </a:cxn>
+              <a:cxn ang="0">
+                <a:pos x="connsiteX36" y="connsiteY36"/>
+              </a:cxn>
+              <a:cxn ang="0">
+                <a:pos x="connsiteX37" y="connsiteY37"/>
+              </a:cxn>
+              <a:cxn ang="0">
+                <a:pos x="connsiteX38" y="connsiteY38"/>
+              </a:cxn>
+              <a:cxn ang="0">
+                <a:pos x="connsiteX39" y="connsiteY39"/>
+              </a:cxn>
+              <a:cxn ang="0">
+                <a:pos x="connsiteX40" y="connsiteY40"/>
+              </a:cxn>
+              <a:cxn ang="0">
+                <a:pos x="connsiteX41" y="connsiteY41"/>
+              </a:cxn>
+              <a:cxn ang="0">
+                <a:pos x="connsiteX42" y="connsiteY42"/>
+              </a:cxn>
+              <a:cxn ang="0">
+                <a:pos x="connsiteX43" y="connsiteY43"/>
+              </a:cxn>
+              <a:cxn ang="0">
+                <a:pos x="connsiteX44" y="connsiteY44"/>
+              </a:cxn>
+              <a:cxn ang="0">
+                <a:pos x="connsiteX45" y="connsiteY45"/>
+              </a:cxn>
+              <a:cxn ang="0">
+                <a:pos x="connsiteX46" y="connsiteY46"/>
+              </a:cxn>
+              <a:cxn ang="0">
+                <a:pos x="connsiteX47" y="connsiteY47"/>
+              </a:cxn>
+              <a:cxn ang="0">
+                <a:pos x="connsiteX48" y="connsiteY48"/>
+              </a:cxn>
+              <a:cxn ang="0">
+                <a:pos x="connsiteX49" y="connsiteY49"/>
+              </a:cxn>
+              <a:cxn ang="0">
+                <a:pos x="connsiteX50" y="connsiteY50"/>
+              </a:cxn>
+              <a:cxn ang="0">
+                <a:pos x="connsiteX51" y="connsiteY51"/>
+              </a:cxn>
+              <a:cxn ang="0">
+                <a:pos x="connsiteX52" y="connsiteY52"/>
+              </a:cxn>
+            </a:cxnLst>
+            <a:rect l="l" t="t" r="r" b="b"/>
+            <a:pathLst>
+              <a:path w="12192000" h="2802467">
+                <a:moveTo>
+                  <a:pt x="1" y="0"/>
+                </a:moveTo>
+                <a:lnTo>
+                  <a:pt x="71932" y="12261"/>
+                </a:lnTo>
+                <a:lnTo>
+                  <a:pt x="282848" y="48342"/>
+                </a:lnTo>
+                <a:lnTo>
+                  <a:pt x="436464" y="73565"/>
+                </a:lnTo>
+                <a:lnTo>
+                  <a:pt x="619339" y="100188"/>
+                </a:lnTo>
+                <a:lnTo>
+                  <a:pt x="836351" y="132066"/>
+                </a:lnTo>
+                <a:lnTo>
+                  <a:pt x="1076528" y="165696"/>
+                </a:lnTo>
+                <a:lnTo>
+                  <a:pt x="1347183" y="201077"/>
+                </a:lnTo>
+                <a:lnTo>
+                  <a:pt x="1642223" y="238560"/>
+                </a:lnTo>
+                <a:lnTo>
+                  <a:pt x="1962864" y="276043"/>
+                </a:lnTo>
+                <a:lnTo>
+                  <a:pt x="2304232" y="314226"/>
+                </a:lnTo>
+                <a:lnTo>
+                  <a:pt x="2672421" y="349608"/>
+                </a:lnTo>
+                <a:lnTo>
+                  <a:pt x="3057678" y="383587"/>
+                </a:lnTo>
+                <a:lnTo>
+                  <a:pt x="3464881" y="414415"/>
+                </a:lnTo>
+                <a:lnTo>
+                  <a:pt x="3889152" y="443840"/>
+                </a:lnTo>
+                <a:lnTo>
+                  <a:pt x="4331710" y="471515"/>
+                </a:lnTo>
+                <a:lnTo>
+                  <a:pt x="4558476" y="481323"/>
+                </a:lnTo>
+                <a:lnTo>
+                  <a:pt x="4790118" y="492183"/>
+                </a:lnTo>
+                <a:lnTo>
+                  <a:pt x="5025418" y="502342"/>
+                </a:lnTo>
+                <a:lnTo>
+                  <a:pt x="5261937" y="508998"/>
+                </a:lnTo>
+                <a:lnTo>
+                  <a:pt x="5503332" y="514953"/>
+                </a:lnTo>
+                <a:lnTo>
+                  <a:pt x="5747166" y="521259"/>
+                </a:lnTo>
+                <a:lnTo>
+                  <a:pt x="5995877" y="525462"/>
+                </a:lnTo>
+                <a:lnTo>
+                  <a:pt x="6247026" y="525462"/>
+                </a:lnTo>
+                <a:lnTo>
+                  <a:pt x="6500613" y="527564"/>
+                </a:lnTo>
+                <a:lnTo>
+                  <a:pt x="6756639" y="525462"/>
+                </a:lnTo>
+                <a:lnTo>
+                  <a:pt x="7016322" y="521259"/>
+                </a:lnTo>
+                <a:lnTo>
+                  <a:pt x="7276005" y="517405"/>
+                </a:lnTo>
+                <a:lnTo>
+                  <a:pt x="7539345" y="508998"/>
+                </a:lnTo>
+                <a:lnTo>
+                  <a:pt x="7805124" y="500240"/>
+                </a:lnTo>
+                <a:lnTo>
+                  <a:pt x="8070903" y="490081"/>
+                </a:lnTo>
+                <a:lnTo>
+                  <a:pt x="8339121" y="475719"/>
+                </a:lnTo>
+                <a:lnTo>
+                  <a:pt x="8609776" y="458553"/>
+                </a:lnTo>
+                <a:lnTo>
+                  <a:pt x="8881651" y="442089"/>
+                </a:lnTo>
+                <a:lnTo>
+                  <a:pt x="9153526" y="421070"/>
+                </a:lnTo>
+                <a:lnTo>
+                  <a:pt x="9429058" y="395848"/>
+                </a:lnTo>
+                <a:lnTo>
+                  <a:pt x="9700933" y="370626"/>
+                </a:lnTo>
+                <a:lnTo>
+                  <a:pt x="9977684" y="341550"/>
+                </a:lnTo>
+                <a:lnTo>
+                  <a:pt x="10255655" y="309672"/>
+                </a:lnTo>
+                <a:lnTo>
+                  <a:pt x="10529968" y="276043"/>
+                </a:lnTo>
+                <a:lnTo>
+                  <a:pt x="10807939" y="236808"/>
+                </a:lnTo>
+                <a:lnTo>
+                  <a:pt x="11084690" y="194771"/>
+                </a:lnTo>
+                <a:lnTo>
+                  <a:pt x="11362661" y="153085"/>
+                </a:lnTo>
+                <a:lnTo>
+                  <a:pt x="11639412" y="104392"/>
+                </a:lnTo>
+                <a:lnTo>
+                  <a:pt x="11914945" y="54648"/>
+                </a:lnTo>
+                <a:lnTo>
+                  <a:pt x="12191696" y="2452"/>
+                </a:lnTo>
+                <a:lnTo>
+                  <a:pt x="12191696" y="2236410"/>
+                </a:lnTo>
+                <a:lnTo>
+                  <a:pt x="12192000" y="2236410"/>
+                </a:lnTo>
+                <a:lnTo>
+                  <a:pt x="12192000" y="2802467"/>
+                </a:lnTo>
+                <a:lnTo>
+                  <a:pt x="12191696" y="2802467"/>
+                </a:lnTo>
+                <a:lnTo>
+                  <a:pt x="0" y="2802467"/>
+                </a:lnTo>
+                <a:lnTo>
+                  <a:pt x="0" y="2236410"/>
+                </a:lnTo>
+                <a:lnTo>
+                  <a:pt x="1" y="2236410"/>
+                </a:lnTo>
+                <a:close/>
+              </a:path>
+            </a:pathLst>
+          </a:custGeom>
+          <a:solidFill>
+            <a:schemeClr val="tx2"/>
+          </a:solidFill>
+          <a:ln>
+            <a:noFill/>
+          </a:ln>
+        </p:spPr>
+        <p:style>
+          <a:lnRef idx="2">
+            <a:schemeClr val="accent1">
+              <a:shade val="50000"/>
+            </a:schemeClr>
+          </a:lnRef>
+          <a:fillRef idx="1003">
+            <a:schemeClr val="dk2"/>
+          </a:fillRef>
+          <a:effectRef idx="0">
+            <a:schemeClr val="accent1"/>
+          </a:effectRef>
+          <a:fontRef idx="minor">
+            <a:schemeClr val="lt1"/>
+          </a:fontRef>
+        </p:style>
+        <p:txBody>
+          <a:bodyPr rtlCol="0" anchor="ctr"/>
+          <a:lstStyle/>
+          <a:p>
+            <a:pPr algn="ctr"/>
+            <a:endParaRPr lang="en-US"/>
+          </a:p>
+        </p:txBody>
+      </p:sp>
+      <p:sp>
+        <p:nvSpPr>
+          <p:cNvPr id="2" name="Titel 1">
+            <a:extLst>
+              <a:ext uri="{FF2B5EF4-FFF2-40B4-BE49-F238E27FC236}">
+                <a16:creationId xmlns:a16="http://schemas.microsoft.com/office/drawing/2014/main" id="{3FDB6779-6FD1-4325-91B2-8AF85746C8B0}"/>
+              </a:ext>
+            </a:extLst>
+          </p:cNvPr>
+          <p:cNvSpPr>
+            <a:spLocks noGrp="1"/>
+          </p:cNvSpPr>
+          <p:nvPr>
+            <p:ph type="title"/>
+          </p:nvPr>
+        </p:nvSpPr>
+        <p:spPr>
+          <a:xfrm>
+            <a:off x="965505" y="623571"/>
+            <a:ext cx="10260990" cy="3523885"/>
+          </a:xfrm>
+        </p:spPr>
+        <p:txBody>
+          <a:bodyPr vert="horz" lIns="91440" tIns="45720" rIns="91440" bIns="45720" rtlCol="0" anchor="b">
+            <a:normAutofit/>
+          </a:bodyPr>
+          <a:lstStyle/>
+          <a:p>
+            <a:pPr algn="ctr"/>
+            <a:r>
+              <a:rPr lang="en-US" sz="8000" b="0" i="0" kern="1200" dirty="0">
+                <a:solidFill>
+                  <a:schemeClr val="tx2"/>
+                </a:solidFill>
+                <a:latin typeface="+mj-lt"/>
+                <a:ea typeface="+mj-ea"/>
+                <a:cs typeface="+mj-cs"/>
+              </a:rPr>
+              <a:t>Backend</a:t>
+            </a:r>
+          </a:p>
+        </p:txBody>
+      </p:sp>
+    </p:spTree>
+    <p:extLst>
+      <p:ext uri="{BB962C8B-B14F-4D97-AF65-F5344CB8AC3E}">
+        <p14:creationId xmlns:p14="http://schemas.microsoft.com/office/powerpoint/2010/main" val="2203757533"/>
+      </p:ext>
+    </p:extLst>
+  </p:cSld>
+  <p:clrMapOvr>
+    <a:masterClrMapping/>
+  </p:clrMapOvr>
+</p:sld>
+</file>
+
+<file path=ppt/slides/slide4.xml><?xml version="1.0" encoding="utf-8"?>
 <p:sld xmlns:a="http://schemas.openxmlformats.org/drawingml/2006/main" xmlns:r="http://schemas.openxmlformats.org/officeDocument/2006/relationships" xmlns:p="http://schemas.openxmlformats.org/presentationml/2006/main">
   <p:cSld>
     <p:spTree>
@@ -13796,7 +16342,7 @@
           <p:cNvPr id="2" name="Titel 1">
             <a:extLst>
               <a:ext uri="{FF2B5EF4-FFF2-40B4-BE49-F238E27FC236}">
-                <a16:creationId xmlns:a16="http://schemas.microsoft.com/office/drawing/2014/main" id="{61381218-6C52-426C-BD2B-13A4DD5B9756}"/>
+                <a16:creationId xmlns:a16="http://schemas.microsoft.com/office/drawing/2014/main" id="{8034BEF9-3EAA-4D84-8457-D01DCC9B7841}"/>
               </a:ext>
             </a:extLst>
           </p:cNvPr>
@@ -13814,25 +16360,84 @@
           <a:p>
             <a:r>
               <a:rPr lang="de-DE" dirty="0"/>
-              <a:t>Architektur</a:t>
+              <a:t>Struktur</a:t>
             </a:r>
           </a:p>
         </p:txBody>
       </p:sp>
-      <p:sp>
-        <p:nvSpPr>
-          <p:cNvPr id="3" name="Inhaltsplatzhalter 2">
+      <p:pic>
+        <p:nvPicPr>
+          <p:cNvPr id="5" name="Inhaltsplatzhalter 4">
             <a:extLst>
               <a:ext uri="{FF2B5EF4-FFF2-40B4-BE49-F238E27FC236}">
-                <a16:creationId xmlns:a16="http://schemas.microsoft.com/office/drawing/2014/main" id="{73B604E8-C08B-4515-83D6-F07E9192E3D1}"/>
+                <a16:creationId xmlns:a16="http://schemas.microsoft.com/office/drawing/2014/main" id="{5D1EAB37-26BA-45E4-9F5C-F75B583D3BCA}"/>
               </a:ext>
             </a:extLst>
           </p:cNvPr>
+          <p:cNvPicPr>
+            <a:picLocks noGrp="1" noChangeAspect="1"/>
+          </p:cNvPicPr>
+          <p:nvPr>
+            <p:ph idx="1"/>
+          </p:nvPr>
+        </p:nvPicPr>
+        <p:blipFill>
+          <a:blip r:embed="rId2"/>
+          <a:stretch>
+            <a:fillRect/>
+          </a:stretch>
+        </p:blipFill>
+        <p:spPr>
+          <a:xfrm>
+            <a:off x="3111080" y="1345140"/>
+            <a:ext cx="4754088" cy="5009278"/>
+          </a:xfrm>
+        </p:spPr>
+      </p:pic>
+    </p:spTree>
+    <p:extLst>
+      <p:ext uri="{BB962C8B-B14F-4D97-AF65-F5344CB8AC3E}">
+        <p14:creationId xmlns:p14="http://schemas.microsoft.com/office/powerpoint/2010/main" val="2830718480"/>
+      </p:ext>
+    </p:extLst>
+  </p:cSld>
+  <p:clrMapOvr>
+    <a:masterClrMapping/>
+  </p:clrMapOvr>
+</p:sld>
+</file>
+
+<file path=ppt/slides/slide5.xml><?xml version="1.0" encoding="utf-8"?>
+<p:sld xmlns:a="http://schemas.openxmlformats.org/drawingml/2006/main" xmlns:r="http://schemas.openxmlformats.org/officeDocument/2006/relationships" xmlns:p="http://schemas.openxmlformats.org/presentationml/2006/main">
+  <p:cSld>
+    <p:spTree>
+      <p:nvGrpSpPr>
+        <p:cNvPr id="1" name=""/>
+        <p:cNvGrpSpPr/>
+        <p:nvPr/>
+      </p:nvGrpSpPr>
+      <p:grpSpPr>
+        <a:xfrm>
+          <a:off x="0" y="0"/>
+          <a:ext cx="0" cy="0"/>
+          <a:chOff x="0" y="0"/>
+          <a:chExt cx="0" cy="0"/>
+        </a:xfrm>
+      </p:grpSpPr>
+      <p:sp>
+        <p:nvSpPr>
+          <p:cNvPr id="2" name="Titel 1">
+            <a:extLst>
+              <a:ext uri="{FF2B5EF4-FFF2-40B4-BE49-F238E27FC236}">
+                <a16:creationId xmlns:a16="http://schemas.microsoft.com/office/drawing/2014/main" id="{8DFC2AE1-1F83-4EFD-B2C2-B5C692173824}"/>
+              </a:ext>
+            </a:extLst>
+          </p:cNvPr>
           <p:cNvSpPr>
             <a:spLocks noGrp="1"/>
           </p:cNvSpPr>
           <p:nvPr>
-            <p:ph idx="1"/>
+            <p:ph type="title"/>
           </p:nvPr>
         </p:nvSpPr>
         <p:spPr/>
@@ -13840,6 +16445,73 @@
           <a:bodyPr/>
           <a:lstStyle/>
           <a:p>
+            <a:r>
+              <a:rPr lang="de-DE" dirty="0"/>
+              <a:t>Architektur</a:t>
+            </a:r>
+          </a:p>
+        </p:txBody>
+      </p:sp>
+      <p:sp>
+        <p:nvSpPr>
+          <p:cNvPr id="3" name="Inhaltsplatzhalter 2">
+            <a:extLst>
+              <a:ext uri="{FF2B5EF4-FFF2-40B4-BE49-F238E27FC236}">
+                <a16:creationId xmlns:a16="http://schemas.microsoft.com/office/drawing/2014/main" id="{E77757C4-16A9-4776-9512-428754CB3774}"/>
+              </a:ext>
+            </a:extLst>
+          </p:cNvPr>
+          <p:cNvSpPr>
+            <a:spLocks noGrp="1"/>
+          </p:cNvSpPr>
+          <p:nvPr>
+            <p:ph idx="1"/>
+          </p:nvPr>
+        </p:nvSpPr>
+        <p:spPr/>
+        <p:txBody>
+          <a:bodyPr/>
+          <a:lstStyle/>
+          <a:p>
+            <a:r>
+              <a:rPr lang="de-DE" dirty="0"/>
+              <a:t>Aufteilung in Microservices:</a:t>
+            </a:r>
+          </a:p>
+          <a:p>
+            <a:pPr lvl="1"/>
+            <a:r>
+              <a:rPr lang="de-DE" dirty="0" err="1"/>
+              <a:t>Cart</a:t>
+            </a:r>
+            <a:endParaRPr lang="de-DE" dirty="0"/>
+          </a:p>
+          <a:p>
+            <a:pPr lvl="1"/>
+            <a:r>
+              <a:rPr lang="de-DE" dirty="0" err="1"/>
+              <a:t>Checkout</a:t>
+            </a:r>
+            <a:endParaRPr lang="de-DE" dirty="0"/>
+          </a:p>
+          <a:p>
+            <a:pPr lvl="1"/>
+            <a:r>
+              <a:rPr lang="de-DE" dirty="0"/>
+              <a:t>Catalog</a:t>
+            </a:r>
+          </a:p>
+          <a:p>
+            <a:pPr lvl="1"/>
+            <a:r>
+              <a:rPr lang="de-DE" dirty="0"/>
+              <a:t>Shipping</a:t>
+            </a:r>
+          </a:p>
+          <a:p>
+            <a:pPr marL="0" indent="0">
+              <a:buNone/>
+            </a:pPr>
             <a:endParaRPr lang="de-DE" dirty="0"/>
           </a:p>
         </p:txBody>
@@ -13847,7 +16519,1647 @@
     </p:spTree>
     <p:extLst>
       <p:ext uri="{BB962C8B-B14F-4D97-AF65-F5344CB8AC3E}">
-        <p14:creationId xmlns:p14="http://schemas.microsoft.com/office/powerpoint/2010/main" val="1155329097"/>
+        <p14:creationId xmlns:p14="http://schemas.microsoft.com/office/powerpoint/2010/main" val="1543600831"/>
+      </p:ext>
+    </p:extLst>
+  </p:cSld>
+  <p:clrMapOvr>
+    <a:masterClrMapping/>
+  </p:clrMapOvr>
+</p:sld>
+</file>
+
+<file path=ppt/slides/slide6.xml><?xml version="1.0" encoding="utf-8"?>
+<p:sld xmlns:a="http://schemas.openxmlformats.org/drawingml/2006/main" xmlns:r="http://schemas.openxmlformats.org/officeDocument/2006/relationships" xmlns:p="http://schemas.openxmlformats.org/presentationml/2006/main">
+  <p:cSld>
+    <p:spTree>
+      <p:nvGrpSpPr>
+        <p:cNvPr id="1" name=""/>
+        <p:cNvGrpSpPr/>
+        <p:nvPr/>
+      </p:nvGrpSpPr>
+      <p:grpSpPr>
+        <a:xfrm>
+          <a:off x="0" y="0"/>
+          <a:ext cx="0" cy="0"/>
+          <a:chOff x="0" y="0"/>
+          <a:chExt cx="0" cy="0"/>
+        </a:xfrm>
+      </p:grpSpPr>
+      <p:sp>
+        <p:nvSpPr>
+          <p:cNvPr id="2" name="Titel 1">
+            <a:extLst>
+              <a:ext uri="{FF2B5EF4-FFF2-40B4-BE49-F238E27FC236}">
+                <a16:creationId xmlns:a16="http://schemas.microsoft.com/office/drawing/2014/main" id="{8DFC2AE1-1F83-4EFD-B2C2-B5C692173824}"/>
+              </a:ext>
+            </a:extLst>
+          </p:cNvPr>
+          <p:cNvSpPr>
+            <a:spLocks noGrp="1"/>
+          </p:cNvSpPr>
+          <p:nvPr>
+            <p:ph type="title"/>
+          </p:nvPr>
+        </p:nvSpPr>
+        <p:spPr/>
+        <p:txBody>
+          <a:bodyPr/>
+          <a:lstStyle/>
+          <a:p>
+            <a:r>
+              <a:rPr lang="de-DE" dirty="0"/>
+              <a:t>Architektur</a:t>
+            </a:r>
+          </a:p>
+        </p:txBody>
+      </p:sp>
+      <p:sp>
+        <p:nvSpPr>
+          <p:cNvPr id="3" name="Inhaltsplatzhalter 2">
+            <a:extLst>
+              <a:ext uri="{FF2B5EF4-FFF2-40B4-BE49-F238E27FC236}">
+                <a16:creationId xmlns:a16="http://schemas.microsoft.com/office/drawing/2014/main" id="{E77757C4-16A9-4776-9512-428754CB3774}"/>
+              </a:ext>
+            </a:extLst>
+          </p:cNvPr>
+          <p:cNvSpPr>
+            <a:spLocks noGrp="1"/>
+          </p:cNvSpPr>
+          <p:nvPr>
+            <p:ph idx="1"/>
+          </p:nvPr>
+        </p:nvSpPr>
+        <p:spPr/>
+        <p:txBody>
+          <a:bodyPr/>
+          <a:lstStyle/>
+          <a:p>
+            <a:r>
+              <a:rPr lang="de-DE" dirty="0"/>
+              <a:t>Kommunikation zwischen den Services mit REST</a:t>
+            </a:r>
+          </a:p>
+          <a:p>
+            <a:pPr lvl="1"/>
+            <a:r>
+              <a:rPr lang="de-DE" dirty="0" err="1"/>
+              <a:t>CheckoutController</a:t>
+            </a:r>
+            <a:r>
+              <a:rPr lang="de-DE" dirty="0"/>
+              <a:t>:</a:t>
+            </a:r>
+          </a:p>
+          <a:p>
+            <a:pPr lvl="1"/>
+            <a:endParaRPr lang="de-DE" dirty="0"/>
+          </a:p>
+          <a:p>
+            <a:pPr lvl="1"/>
+            <a:endParaRPr lang="de-DE" dirty="0"/>
+          </a:p>
+          <a:p>
+            <a:pPr lvl="1"/>
+            <a:endParaRPr lang="de-DE" dirty="0"/>
+          </a:p>
+          <a:p>
+            <a:pPr lvl="1"/>
+            <a:endParaRPr lang="de-DE" dirty="0"/>
+          </a:p>
+          <a:p>
+            <a:pPr lvl="1"/>
+            <a:r>
+              <a:rPr lang="de-DE" dirty="0" err="1"/>
+              <a:t>CartController</a:t>
+            </a:r>
+            <a:r>
+              <a:rPr lang="de-DE" dirty="0"/>
+              <a:t>:</a:t>
+            </a:r>
+          </a:p>
+        </p:txBody>
+      </p:sp>
+      <p:pic>
+        <p:nvPicPr>
+          <p:cNvPr id="7" name="Grafik 6">
+            <a:extLst>
+              <a:ext uri="{FF2B5EF4-FFF2-40B4-BE49-F238E27FC236}">
+                <a16:creationId xmlns:a16="http://schemas.microsoft.com/office/drawing/2014/main" id="{A7F0EE6C-275B-42AE-8D00-D2632671B695}"/>
+              </a:ext>
+            </a:extLst>
+          </p:cNvPr>
+          <p:cNvPicPr>
+            <a:picLocks noChangeAspect="1"/>
+          </p:cNvPicPr>
+          <p:nvPr/>
+        </p:nvPicPr>
+        <p:blipFill>
+          <a:blip r:embed="rId2"/>
+          <a:stretch>
+            <a:fillRect/>
+          </a:stretch>
+        </p:blipFill>
+        <p:spPr>
+          <a:xfrm>
+            <a:off x="199202" y="2831656"/>
+            <a:ext cx="11793596" cy="1667108"/>
+          </a:xfrm>
+          <a:prstGeom prst="rect">
+            <a:avLst/>
+          </a:prstGeom>
+        </p:spPr>
+      </p:pic>
+      <p:pic>
+        <p:nvPicPr>
+          <p:cNvPr id="9" name="Grafik 8">
+            <a:extLst>
+              <a:ext uri="{FF2B5EF4-FFF2-40B4-BE49-F238E27FC236}">
+                <a16:creationId xmlns:a16="http://schemas.microsoft.com/office/drawing/2014/main" id="{E815CF4B-354E-40DA-9A05-60C42241A595}"/>
+              </a:ext>
+            </a:extLst>
+          </p:cNvPr>
+          <p:cNvPicPr>
+            <a:picLocks noChangeAspect="1"/>
+          </p:cNvPicPr>
+          <p:nvPr/>
+        </p:nvPicPr>
+        <p:blipFill>
+          <a:blip r:embed="rId3"/>
+          <a:stretch>
+            <a:fillRect/>
+          </a:stretch>
+        </p:blipFill>
+        <p:spPr>
+          <a:xfrm>
+            <a:off x="199202" y="5000856"/>
+            <a:ext cx="7361163" cy="968574"/>
+          </a:xfrm>
+          <a:prstGeom prst="rect">
+            <a:avLst/>
+          </a:prstGeom>
+        </p:spPr>
+      </p:pic>
+    </p:spTree>
+    <p:extLst>
+      <p:ext uri="{BB962C8B-B14F-4D97-AF65-F5344CB8AC3E}">
+        <p14:creationId xmlns:p14="http://schemas.microsoft.com/office/powerpoint/2010/main" val="1059110638"/>
+      </p:ext>
+    </p:extLst>
+  </p:cSld>
+  <p:clrMapOvr>
+    <a:masterClrMapping/>
+  </p:clrMapOvr>
+</p:sld>
+</file>
+
+<file path=ppt/slides/slide7.xml><?xml version="1.0" encoding="utf-8"?>
+<p:sld xmlns:a="http://schemas.openxmlformats.org/drawingml/2006/main" xmlns:r="http://schemas.openxmlformats.org/officeDocument/2006/relationships" xmlns:p="http://schemas.openxmlformats.org/presentationml/2006/main">
+  <p:cSld>
+    <p:spTree>
+      <p:nvGrpSpPr>
+        <p:cNvPr id="1" name=""/>
+        <p:cNvGrpSpPr/>
+        <p:nvPr/>
+      </p:nvGrpSpPr>
+      <p:grpSpPr>
+        <a:xfrm>
+          <a:off x="0" y="0"/>
+          <a:ext cx="0" cy="0"/>
+          <a:chOff x="0" y="0"/>
+          <a:chExt cx="0" cy="0"/>
+        </a:xfrm>
+      </p:grpSpPr>
+      <p:sp>
+        <p:nvSpPr>
+          <p:cNvPr id="2" name="Titel 1">
+            <a:extLst>
+              <a:ext uri="{FF2B5EF4-FFF2-40B4-BE49-F238E27FC236}">
+                <a16:creationId xmlns:a16="http://schemas.microsoft.com/office/drawing/2014/main" id="{8DFC2AE1-1F83-4EFD-B2C2-B5C692173824}"/>
+              </a:ext>
+            </a:extLst>
+          </p:cNvPr>
+          <p:cNvSpPr>
+            <a:spLocks noGrp="1"/>
+          </p:cNvSpPr>
+          <p:nvPr>
+            <p:ph type="title"/>
+          </p:nvPr>
+        </p:nvSpPr>
+        <p:spPr/>
+        <p:txBody>
+          <a:bodyPr/>
+          <a:lstStyle/>
+          <a:p>
+            <a:r>
+              <a:rPr lang="de-DE" dirty="0"/>
+              <a:t>Architektur</a:t>
+            </a:r>
+          </a:p>
+        </p:txBody>
+      </p:sp>
+      <p:sp>
+        <p:nvSpPr>
+          <p:cNvPr id="3" name="Inhaltsplatzhalter 2">
+            <a:extLst>
+              <a:ext uri="{FF2B5EF4-FFF2-40B4-BE49-F238E27FC236}">
+                <a16:creationId xmlns:a16="http://schemas.microsoft.com/office/drawing/2014/main" id="{E77757C4-16A9-4776-9512-428754CB3774}"/>
+              </a:ext>
+            </a:extLst>
+          </p:cNvPr>
+          <p:cNvSpPr>
+            <a:spLocks noGrp="1"/>
+          </p:cNvSpPr>
+          <p:nvPr>
+            <p:ph idx="1"/>
+          </p:nvPr>
+        </p:nvSpPr>
+        <p:spPr/>
+        <p:txBody>
+          <a:bodyPr/>
+          <a:lstStyle/>
+          <a:p>
+            <a:r>
+              <a:rPr lang="de-DE" dirty="0"/>
+              <a:t>Spring Data JPA – einfache Handhabung der Datenverwaltung</a:t>
+            </a:r>
+          </a:p>
+          <a:p>
+            <a:pPr lvl="1"/>
+            <a:r>
+              <a:rPr lang="de-DE" dirty="0" err="1"/>
+              <a:t>Cart</a:t>
+            </a:r>
+            <a:r>
+              <a:rPr lang="de-DE" dirty="0"/>
+              <a:t>-Service: </a:t>
+            </a:r>
+          </a:p>
+        </p:txBody>
+      </p:sp>
+      <p:pic>
+        <p:nvPicPr>
+          <p:cNvPr id="5" name="Grafik 4">
+            <a:extLst>
+              <a:ext uri="{FF2B5EF4-FFF2-40B4-BE49-F238E27FC236}">
+                <a16:creationId xmlns:a16="http://schemas.microsoft.com/office/drawing/2014/main" id="{CFB5EF5D-EB98-48E7-A2DE-65B0C758D532}"/>
+              </a:ext>
+            </a:extLst>
+          </p:cNvPr>
+          <p:cNvPicPr>
+            <a:picLocks noChangeAspect="1"/>
+          </p:cNvPicPr>
+          <p:nvPr/>
+        </p:nvPicPr>
+        <p:blipFill>
+          <a:blip r:embed="rId2"/>
+          <a:stretch>
+            <a:fillRect/>
+          </a:stretch>
+        </p:blipFill>
+        <p:spPr>
+          <a:xfrm>
+            <a:off x="1210984" y="3524982"/>
+            <a:ext cx="4972744" cy="1371791"/>
+          </a:xfrm>
+          <a:prstGeom prst="rect">
+            <a:avLst/>
+          </a:prstGeom>
+        </p:spPr>
+      </p:pic>
+    </p:spTree>
+    <p:extLst>
+      <p:ext uri="{BB962C8B-B14F-4D97-AF65-F5344CB8AC3E}">
+        <p14:creationId xmlns:p14="http://schemas.microsoft.com/office/powerpoint/2010/main" val="2953391904"/>
+      </p:ext>
+    </p:extLst>
+  </p:cSld>
+  <p:clrMapOvr>
+    <a:masterClrMapping/>
+  </p:clrMapOvr>
+</p:sld>
+</file>
+
+<file path=ppt/slides/slide8.xml><?xml version="1.0" encoding="utf-8"?>
+<p:sld xmlns:a="http://schemas.openxmlformats.org/drawingml/2006/main" xmlns:r="http://schemas.openxmlformats.org/officeDocument/2006/relationships" xmlns:p="http://schemas.openxmlformats.org/presentationml/2006/main">
+  <p:cSld>
+    <p:bg>
+      <p:bgPr>
+        <a:blipFill rotWithShape="1">
+          <a:blip r:embed="rId2">
+            <a:duotone>
+              <a:schemeClr val="bg2">
+                <a:shade val="69000"/>
+                <a:hueMod val="108000"/>
+                <a:satMod val="164000"/>
+                <a:lumMod val="74000"/>
+              </a:schemeClr>
+              <a:schemeClr val="bg2">
+                <a:tint val="96000"/>
+                <a:hueMod val="88000"/>
+                <a:satMod val="140000"/>
+                <a:lumMod val="132000"/>
+              </a:schemeClr>
+            </a:duotone>
+          </a:blip>
+          <a:stretch/>
+        </a:blipFill>
+        <a:effectLst/>
+      </p:bgPr>
+    </p:bg>
+    <p:spTree>
+      <p:nvGrpSpPr>
+        <p:cNvPr id="1" name=""/>
+        <p:cNvGrpSpPr/>
+        <p:nvPr/>
+      </p:nvGrpSpPr>
+      <p:grpSpPr>
+        <a:xfrm>
+          <a:off x="0" y="0"/>
+          <a:ext cx="0" cy="0"/>
+          <a:chOff x="0" y="0"/>
+          <a:chExt cx="0" cy="0"/>
+        </a:xfrm>
+      </p:grpSpPr>
+      <p:pic>
+        <p:nvPicPr>
+          <p:cNvPr id="8" name="Picture 7">
+            <a:extLst>
+              <a:ext uri="{FF2B5EF4-FFF2-40B4-BE49-F238E27FC236}">
+                <a16:creationId xmlns:a16="http://schemas.microsoft.com/office/drawing/2014/main" id="{91B28F63-CF00-448F-B141-FE33C33B1891}"/>
+              </a:ext>
+              <a:ext uri="{C183D7F6-B498-43B3-948B-1728B52AA6E4}">
+                <adec:decorative xmlns:adec="http://schemas.microsoft.com/office/drawing/2017/decorative" val="1"/>
+              </a:ext>
+            </a:extLst>
+          </p:cNvPr>
+          <p:cNvPicPr>
+            <a:picLocks noGrp="1" noRot="1" noChangeAspect="1" noMove="1" noResize="1" noEditPoints="1" noAdjustHandles="1" noChangeArrowheads="1" noChangeShapeType="1" noCrop="1"/>
+          </p:cNvPicPr>
+          <p:nvPr>
+            <p:extLst>
+              <p:ext uri="{386F3935-93C4-4BCD-93E2-E3B085C9AB24}">
+                <p16:designElem xmlns:p16="http://schemas.microsoft.com/office/powerpoint/2015/main" val="1"/>
+              </p:ext>
+            </p:extLst>
+          </p:nvPr>
+        </p:nvPicPr>
+        <p:blipFill rotWithShape="1">
+          <a:blip r:embed="rId3">
+            <a:extLst>
+              <a:ext uri="{28A0092B-C50C-407E-A947-70E740481C1C}">
+                <a14:useLocalDpi xmlns:a14="http://schemas.microsoft.com/office/drawing/2010/main" val="0"/>
+              </a:ext>
+            </a:extLst>
+          </a:blip>
+          <a:srcRect l="3613"/>
+          <a:stretch/>
+        </p:blipFill>
+        <p:spPr>
+          <a:xfrm>
+            <a:off x="0" y="2669685"/>
+            <a:ext cx="4037012" cy="4188315"/>
+          </a:xfrm>
+          <a:prstGeom prst="rect">
+            <a:avLst/>
+          </a:prstGeom>
+        </p:spPr>
+      </p:pic>
+      <p:pic>
+        <p:nvPicPr>
+          <p:cNvPr id="10" name="Picture 9">
+            <a:extLst>
+              <a:ext uri="{FF2B5EF4-FFF2-40B4-BE49-F238E27FC236}">
+                <a16:creationId xmlns:a16="http://schemas.microsoft.com/office/drawing/2014/main" id="{2AE609E2-8522-44E4-9077-980E5BCF3E14}"/>
+              </a:ext>
+              <a:ext uri="{C183D7F6-B498-43B3-948B-1728B52AA6E4}">
+                <adec:decorative xmlns:adec="http://schemas.microsoft.com/office/drawing/2017/decorative" val="1"/>
+              </a:ext>
+            </a:extLst>
+          </p:cNvPr>
+          <p:cNvPicPr>
+            <a:picLocks noGrp="1" noRot="1" noChangeAspect="1" noMove="1" noResize="1" noEditPoints="1" noAdjustHandles="1" noChangeArrowheads="1" noChangeShapeType="1" noCrop="1"/>
+          </p:cNvPicPr>
+          <p:nvPr>
+            <p:extLst>
+              <p:ext uri="{386F3935-93C4-4BCD-93E2-E3B085C9AB24}">
+                <p16:designElem xmlns:p16="http://schemas.microsoft.com/office/powerpoint/2015/main" val="1"/>
+              </p:ext>
+            </p:extLst>
+          </p:nvPr>
+        </p:nvPicPr>
+        <p:blipFill rotWithShape="1">
+          <a:blip r:embed="rId4">
+            <a:extLst>
+              <a:ext uri="{28A0092B-C50C-407E-A947-70E740481C1C}">
+                <a14:useLocalDpi xmlns:a14="http://schemas.microsoft.com/office/drawing/2010/main" val="0"/>
+              </a:ext>
+            </a:extLst>
+          </a:blip>
+          <a:srcRect l="35640"/>
+          <a:stretch/>
+        </p:blipFill>
+        <p:spPr>
+          <a:xfrm>
+            <a:off x="0" y="2892347"/>
+            <a:ext cx="1522412" cy="2365453"/>
+          </a:xfrm>
+          <a:prstGeom prst="rect">
+            <a:avLst/>
+          </a:prstGeom>
+        </p:spPr>
+      </p:pic>
+      <p:sp>
+        <p:nvSpPr>
+          <p:cNvPr id="12" name="Oval 11">
+            <a:extLst>
+              <a:ext uri="{FF2B5EF4-FFF2-40B4-BE49-F238E27FC236}">
+                <a16:creationId xmlns:a16="http://schemas.microsoft.com/office/drawing/2014/main" id="{4FA533C5-33E3-4611-AF9F-72811D8B26A6}"/>
+              </a:ext>
+              <a:ext uri="{C183D7F6-B498-43B3-948B-1728B52AA6E4}">
+                <adec:decorative xmlns:adec="http://schemas.microsoft.com/office/drawing/2017/decorative" val="1"/>
+              </a:ext>
+            </a:extLst>
+          </p:cNvPr>
+          <p:cNvSpPr>
+            <a:spLocks noGrp="1" noRot="1" noChangeAspect="1" noMove="1" noResize="1" noEditPoints="1" noAdjustHandles="1" noChangeArrowheads="1" noChangeShapeType="1" noTextEdit="1"/>
+          </p:cNvSpPr>
+          <p:nvPr>
+            <p:extLst>
+              <p:ext uri="{386F3935-93C4-4BCD-93E2-E3B085C9AB24}">
+                <p16:designElem xmlns:p16="http://schemas.microsoft.com/office/powerpoint/2015/main" val="1"/>
+              </p:ext>
+            </p:extLst>
+          </p:nvPr>
+        </p:nvSpPr>
+        <p:spPr>
+          <a:xfrm>
+            <a:off x="8609012" y="1676400"/>
+            <a:ext cx="2819400" cy="2819400"/>
+          </a:xfrm>
+          <a:prstGeom prst="ellipse">
+            <a:avLst/>
+          </a:prstGeom>
+          <a:gradFill flip="none" rotWithShape="1">
+            <a:gsLst>
+              <a:gs pos="0">
+                <a:schemeClr val="bg2">
+                  <a:lumMod val="60000"/>
+                  <a:lumOff val="40000"/>
+                  <a:alpha val="7000"/>
+                </a:schemeClr>
+              </a:gs>
+              <a:gs pos="69000">
+                <a:schemeClr val="bg2">
+                  <a:lumMod val="60000"/>
+                  <a:lumOff val="40000"/>
+                  <a:alpha val="0"/>
+                </a:schemeClr>
+              </a:gs>
+              <a:gs pos="36000">
+                <a:schemeClr val="bg2">
+                  <a:lumMod val="60000"/>
+                  <a:lumOff val="40000"/>
+                  <a:alpha val="6000"/>
+                </a:schemeClr>
+              </a:gs>
+            </a:gsLst>
+            <a:path path="circle">
+              <a:fillToRect l="50000" t="50000" r="50000" b="50000"/>
+            </a:path>
+            <a:tileRect/>
+          </a:gradFill>
+          <a:ln>
+            <a:noFill/>
+          </a:ln>
+          <a:effectLst/>
+        </p:spPr>
+        <p:style>
+          <a:lnRef idx="1">
+            <a:schemeClr val="accent1"/>
+          </a:lnRef>
+          <a:fillRef idx="3">
+            <a:schemeClr val="accent1"/>
+          </a:fillRef>
+          <a:effectRef idx="2">
+            <a:schemeClr val="accent1"/>
+          </a:effectRef>
+          <a:fontRef idx="minor">
+            <a:schemeClr val="lt1"/>
+          </a:fontRef>
+        </p:style>
+      </p:sp>
+      <p:pic>
+        <p:nvPicPr>
+          <p:cNvPr id="14" name="Picture 13">
+            <a:extLst>
+              <a:ext uri="{FF2B5EF4-FFF2-40B4-BE49-F238E27FC236}">
+                <a16:creationId xmlns:a16="http://schemas.microsoft.com/office/drawing/2014/main" id="{8949AD42-25FD-4C3D-9EEE-B7FEC5809988}"/>
+              </a:ext>
+              <a:ext uri="{C183D7F6-B498-43B3-948B-1728B52AA6E4}">
+                <adec:decorative xmlns:adec="http://schemas.microsoft.com/office/drawing/2017/decorative" val="1"/>
+              </a:ext>
+            </a:extLst>
+          </p:cNvPr>
+          <p:cNvPicPr>
+            <a:picLocks noGrp="1" noRot="1" noChangeAspect="1" noMove="1" noResize="1" noEditPoints="1" noAdjustHandles="1" noChangeArrowheads="1" noChangeShapeType="1" noCrop="1"/>
+          </p:cNvPicPr>
+          <p:nvPr>
+            <p:extLst>
+              <p:ext uri="{386F3935-93C4-4BCD-93E2-E3B085C9AB24}">
+                <p16:designElem xmlns:p16="http://schemas.microsoft.com/office/powerpoint/2015/main" val="1"/>
+              </p:ext>
+            </p:extLst>
+          </p:nvPr>
+        </p:nvPicPr>
+        <p:blipFill rotWithShape="1">
+          <a:blip r:embed="rId5">
+            <a:extLst>
+              <a:ext uri="{28A0092B-C50C-407E-A947-70E740481C1C}">
+                <a14:useLocalDpi xmlns:a14="http://schemas.microsoft.com/office/drawing/2010/main" val="0"/>
+              </a:ext>
+            </a:extLst>
+          </a:blip>
+          <a:srcRect t="28813"/>
+          <a:stretch/>
+        </p:blipFill>
+        <p:spPr>
+          <a:xfrm>
+            <a:off x="7999412" y="0"/>
+            <a:ext cx="1603387" cy="1141407"/>
+          </a:xfrm>
+          <a:prstGeom prst="rect">
+            <a:avLst/>
+          </a:prstGeom>
+        </p:spPr>
+      </p:pic>
+      <p:pic>
+        <p:nvPicPr>
+          <p:cNvPr id="16" name="Picture 15">
+            <a:extLst>
+              <a:ext uri="{FF2B5EF4-FFF2-40B4-BE49-F238E27FC236}">
+                <a16:creationId xmlns:a16="http://schemas.microsoft.com/office/drawing/2014/main" id="{6AC7D913-60B7-4603-881B-831DA5D3A940}"/>
+              </a:ext>
+              <a:ext uri="{C183D7F6-B498-43B3-948B-1728B52AA6E4}">
+                <adec:decorative xmlns:adec="http://schemas.microsoft.com/office/drawing/2017/decorative" val="1"/>
+              </a:ext>
+            </a:extLst>
+          </p:cNvPr>
+          <p:cNvPicPr>
+            <a:picLocks noGrp="1" noRot="1" noChangeAspect="1" noMove="1" noResize="1" noEditPoints="1" noAdjustHandles="1" noChangeArrowheads="1" noChangeShapeType="1" noCrop="1"/>
+          </p:cNvPicPr>
+          <p:nvPr>
+            <p:extLst>
+              <p:ext uri="{386F3935-93C4-4BCD-93E2-E3B085C9AB24}">
+                <p16:designElem xmlns:p16="http://schemas.microsoft.com/office/powerpoint/2015/main" val="1"/>
+              </p:ext>
+            </p:extLst>
+          </p:nvPr>
+        </p:nvPicPr>
+        <p:blipFill rotWithShape="1">
+          <a:blip r:embed="rId6">
+            <a:extLst>
+              <a:ext uri="{28A0092B-C50C-407E-A947-70E740481C1C}">
+                <a14:useLocalDpi xmlns:a14="http://schemas.microsoft.com/office/drawing/2010/main" val="0"/>
+              </a:ext>
+            </a:extLst>
+          </a:blip>
+          <a:srcRect b="23320"/>
+          <a:stretch/>
+        </p:blipFill>
+        <p:spPr>
+          <a:xfrm>
+            <a:off x="8605878" y="6096000"/>
+            <a:ext cx="993734" cy="762000"/>
+          </a:xfrm>
+          <a:prstGeom prst="rect">
+            <a:avLst/>
+          </a:prstGeom>
+        </p:spPr>
+      </p:pic>
+      <p:sp>
+        <p:nvSpPr>
+          <p:cNvPr id="18" name="Rectangle 17">
+            <a:extLst>
+              <a:ext uri="{FF2B5EF4-FFF2-40B4-BE49-F238E27FC236}">
+                <a16:creationId xmlns:a16="http://schemas.microsoft.com/office/drawing/2014/main" id="{87F0FDC4-AD8C-47D9-9131-623C98ADB0AE}"/>
+              </a:ext>
+              <a:ext uri="{C183D7F6-B498-43B3-948B-1728B52AA6E4}">
+                <adec:decorative xmlns:adec="http://schemas.microsoft.com/office/drawing/2017/decorative" val="1"/>
+              </a:ext>
+            </a:extLst>
+          </p:cNvPr>
+          <p:cNvSpPr>
+            <a:spLocks noGrp="1" noRot="1" noChangeAspect="1" noMove="1" noResize="1" noEditPoints="1" noAdjustHandles="1" noChangeArrowheads="1" noChangeShapeType="1" noTextEdit="1"/>
+          </p:cNvSpPr>
+          <p:nvPr>
+            <p:extLst>
+              <p:ext uri="{386F3935-93C4-4BCD-93E2-E3B085C9AB24}">
+                <p16:designElem xmlns:p16="http://schemas.microsoft.com/office/powerpoint/2015/main" val="1"/>
+              </p:ext>
+            </p:extLst>
+          </p:nvPr>
+        </p:nvSpPr>
+        <p:spPr>
+          <a:xfrm>
+            <a:off x="10437812" y="0"/>
+            <a:ext cx="685800" cy="1143000"/>
+          </a:xfrm>
+          <a:prstGeom prst="rect">
+            <a:avLst/>
+          </a:prstGeom>
+          <a:solidFill>
+            <a:schemeClr val="accent1"/>
+          </a:solidFill>
+          <a:ln>
+            <a:noFill/>
+          </a:ln>
+        </p:spPr>
+        <p:style>
+          <a:lnRef idx="1">
+            <a:schemeClr val="accent1"/>
+          </a:lnRef>
+          <a:fillRef idx="3">
+            <a:schemeClr val="accent1"/>
+          </a:fillRef>
+          <a:effectRef idx="2">
+            <a:schemeClr val="accent1"/>
+          </a:effectRef>
+          <a:fontRef idx="minor">
+            <a:schemeClr val="lt1"/>
+          </a:fontRef>
+        </p:style>
+      </p:sp>
+      <p:sp useBgFill="1">
+        <p:nvSpPr>
+          <p:cNvPr id="20" name="Rectangle 19">
+            <a:extLst>
+              <a:ext uri="{FF2B5EF4-FFF2-40B4-BE49-F238E27FC236}">
+                <a16:creationId xmlns:a16="http://schemas.microsoft.com/office/drawing/2014/main" id="{C28D0172-F2E0-4763-9C35-F022664959D8}"/>
+              </a:ext>
+              <a:ext uri="{C183D7F6-B498-43B3-948B-1728B52AA6E4}">
+                <adec:decorative xmlns:adec="http://schemas.microsoft.com/office/drawing/2017/decorative" val="1"/>
+              </a:ext>
+            </a:extLst>
+          </p:cNvPr>
+          <p:cNvSpPr>
+            <a:spLocks noGrp="1" noRot="1" noChangeAspect="1" noMove="1" noResize="1" noEditPoints="1" noAdjustHandles="1" noChangeArrowheads="1" noChangeShapeType="1" noTextEdit="1"/>
+          </p:cNvSpPr>
+          <p:nvPr>
+            <p:extLst>
+              <p:ext uri="{386F3935-93C4-4BCD-93E2-E3B085C9AB24}">
+                <p16:designElem xmlns:p16="http://schemas.microsoft.com/office/powerpoint/2015/main" val="1"/>
+              </p:ext>
+            </p:extLst>
+          </p:nvPr>
+        </p:nvSpPr>
+        <p:spPr>
+          <a:xfrm>
+            <a:off x="0" y="-5"/>
+            <a:ext cx="12191695" cy="4730744"/>
+          </a:xfrm>
+          <a:prstGeom prst="rect">
+            <a:avLst/>
+          </a:prstGeom>
+          <a:ln>
+            <a:noFill/>
+          </a:ln>
+        </p:spPr>
+        <p:style>
+          <a:lnRef idx="2">
+            <a:schemeClr val="accent1">
+              <a:shade val="50000"/>
+            </a:schemeClr>
+          </a:lnRef>
+          <a:fillRef idx="1">
+            <a:schemeClr val="accent1"/>
+          </a:fillRef>
+          <a:effectRef idx="0">
+            <a:schemeClr val="accent1"/>
+          </a:effectRef>
+          <a:fontRef idx="minor">
+            <a:schemeClr val="lt1"/>
+          </a:fontRef>
+        </p:style>
+        <p:txBody>
+          <a:bodyPr rtlCol="0" anchor="ctr"/>
+          <a:lstStyle/>
+          <a:p>
+            <a:pPr algn="ctr"/>
+            <a:endParaRPr lang="en-US"/>
+          </a:p>
+        </p:txBody>
+      </p:sp>
+      <p:sp>
+        <p:nvSpPr>
+          <p:cNvPr id="22" name="Freeform 16">
+            <a:extLst>
+              <a:ext uri="{FF2B5EF4-FFF2-40B4-BE49-F238E27FC236}">
+                <a16:creationId xmlns:a16="http://schemas.microsoft.com/office/drawing/2014/main" id="{9F2851FB-E841-4509-8A6D-A416376EA380}"/>
+              </a:ext>
+              <a:ext uri="{C183D7F6-B498-43B3-948B-1728B52AA6E4}">
+                <adec:decorative xmlns:adec="http://schemas.microsoft.com/office/drawing/2017/decorative" val="1"/>
+              </a:ext>
+            </a:extLst>
+          </p:cNvPr>
+          <p:cNvSpPr>
+            <a:spLocks noGrp="1" noRot="1" noChangeAspect="1" noMove="1" noResize="1" noEditPoints="1" noAdjustHandles="1" noChangeArrowheads="1" noChangeShapeType="1" noTextEdit="1"/>
+          </p:cNvSpPr>
+          <p:nvPr>
+            <p:extLst>
+              <p:ext uri="{386F3935-93C4-4BCD-93E2-E3B085C9AB24}">
+                <p16:designElem xmlns:p16="http://schemas.microsoft.com/office/powerpoint/2015/main" val="1"/>
+              </p:ext>
+            </p:extLst>
+          </p:nvPr>
+        </p:nvSpPr>
+        <p:spPr>
+          <a:xfrm>
+            <a:off x="8719939" y="3753695"/>
+            <a:ext cx="3472060" cy="825932"/>
+          </a:xfrm>
+          <a:custGeom>
+            <a:avLst/>
+            <a:gdLst>
+              <a:gd name="connsiteX0" fmla="*/ 3470310 w 3472060"/>
+              <a:gd name="connsiteY0" fmla="*/ 0 h 825932"/>
+              <a:gd name="connsiteX1" fmla="*/ 3472060 w 3472060"/>
+              <a:gd name="connsiteY1" fmla="*/ 12850 h 825932"/>
+              <a:gd name="connsiteX2" fmla="*/ 3472060 w 3472060"/>
+              <a:gd name="connsiteY2" fmla="*/ 480529 h 825932"/>
+              <a:gd name="connsiteX3" fmla="*/ 3363699 w 3472060"/>
+              <a:gd name="connsiteY3" fmla="*/ 498471 h 825932"/>
+              <a:gd name="connsiteX4" fmla="*/ 42060 w 3472060"/>
+              <a:gd name="connsiteY4" fmla="*/ 824486 h 825932"/>
+              <a:gd name="connsiteX5" fmla="*/ 0 w 3472060"/>
+              <a:gd name="connsiteY5" fmla="*/ 758452 h 825932"/>
+              <a:gd name="connsiteX6" fmla="*/ 188014 w 3472060"/>
+              <a:gd name="connsiteY6" fmla="*/ 735602 h 825932"/>
+              <a:gd name="connsiteX7" fmla="*/ 284087 w 3472060"/>
+              <a:gd name="connsiteY7" fmla="*/ 722590 h 825932"/>
+              <a:gd name="connsiteX8" fmla="*/ 382288 w 3472060"/>
+              <a:gd name="connsiteY8" fmla="*/ 709392 h 825932"/>
+              <a:gd name="connsiteX9" fmla="*/ 481858 w 3472060"/>
+              <a:gd name="connsiteY9" fmla="*/ 695774 h 825932"/>
+              <a:gd name="connsiteX10" fmla="*/ 581897 w 3472060"/>
+              <a:gd name="connsiteY10" fmla="*/ 680711 h 825932"/>
+              <a:gd name="connsiteX11" fmla="*/ 683670 w 3472060"/>
+              <a:gd name="connsiteY11" fmla="*/ 665256 h 825932"/>
+              <a:gd name="connsiteX12" fmla="*/ 787206 w 3472060"/>
+              <a:gd name="connsiteY12" fmla="*/ 649587 h 825932"/>
+              <a:gd name="connsiteX13" fmla="*/ 892019 w 3472060"/>
+              <a:gd name="connsiteY13" fmla="*/ 632968 h 825932"/>
+              <a:gd name="connsiteX14" fmla="*/ 997620 w 3472060"/>
+              <a:gd name="connsiteY14" fmla="*/ 614667 h 825932"/>
+              <a:gd name="connsiteX15" fmla="*/ 1104727 w 3472060"/>
+              <a:gd name="connsiteY15" fmla="*/ 596741 h 825932"/>
+              <a:gd name="connsiteX16" fmla="*/ 1212669 w 3472060"/>
+              <a:gd name="connsiteY16" fmla="*/ 577397 h 825932"/>
+              <a:gd name="connsiteX17" fmla="*/ 1321506 w 3472060"/>
+              <a:gd name="connsiteY17" fmla="*/ 556988 h 825932"/>
+              <a:gd name="connsiteX18" fmla="*/ 1430709 w 3472060"/>
+              <a:gd name="connsiteY18" fmla="*/ 536607 h 825932"/>
+              <a:gd name="connsiteX19" fmla="*/ 1541050 w 3472060"/>
+              <a:gd name="connsiteY19" fmla="*/ 514481 h 825932"/>
+              <a:gd name="connsiteX20" fmla="*/ 1652805 w 3472060"/>
+              <a:gd name="connsiteY20" fmla="*/ 492202 h 825932"/>
+              <a:gd name="connsiteX21" fmla="*/ 1763708 w 3472060"/>
+              <a:gd name="connsiteY21" fmla="*/ 469161 h 825932"/>
+              <a:gd name="connsiteX22" fmla="*/ 1875795 w 3472060"/>
+              <a:gd name="connsiteY22" fmla="*/ 444641 h 825932"/>
+              <a:gd name="connsiteX23" fmla="*/ 1989128 w 3472060"/>
+              <a:gd name="connsiteY23" fmla="*/ 418995 h 825932"/>
+              <a:gd name="connsiteX24" fmla="*/ 2102476 w 3472060"/>
+              <a:gd name="connsiteY24" fmla="*/ 393438 h 825932"/>
+              <a:gd name="connsiteX25" fmla="*/ 2215549 w 3472060"/>
+              <a:gd name="connsiteY25" fmla="*/ 366291 h 825932"/>
+              <a:gd name="connsiteX26" fmla="*/ 2330490 w 3472060"/>
+              <a:gd name="connsiteY26" fmla="*/ 337455 h 825932"/>
+              <a:gd name="connsiteX27" fmla="*/ 2443333 w 3472060"/>
+              <a:gd name="connsiteY27" fmla="*/ 308983 h 825932"/>
+              <a:gd name="connsiteX28" fmla="*/ 2558014 w 3472060"/>
+              <a:gd name="connsiteY28" fmla="*/ 278646 h 825932"/>
+              <a:gd name="connsiteX29" fmla="*/ 2673621 w 3472060"/>
+              <a:gd name="connsiteY29" fmla="*/ 247421 h 825932"/>
+              <a:gd name="connsiteX30" fmla="*/ 2787008 w 3472060"/>
+              <a:gd name="connsiteY30" fmla="*/ 215853 h 825932"/>
+              <a:gd name="connsiteX31" fmla="*/ 2901442 w 3472060"/>
+              <a:gd name="connsiteY31" fmla="*/ 182011 h 825932"/>
+              <a:gd name="connsiteX32" fmla="*/ 3015722 w 3472060"/>
+              <a:gd name="connsiteY32" fmla="*/ 147286 h 825932"/>
+              <a:gd name="connsiteX33" fmla="*/ 3130018 w 3472060"/>
+              <a:gd name="connsiteY33" fmla="*/ 112649 h 825932"/>
+              <a:gd name="connsiteX34" fmla="*/ 3243551 w 3472060"/>
+              <a:gd name="connsiteY34" fmla="*/ 75688 h 825932"/>
+              <a:gd name="connsiteX35" fmla="*/ 3356992 w 3472060"/>
+              <a:gd name="connsiteY35" fmla="*/ 38197 h 825932"/>
+              <a:gd name="connsiteX36" fmla="*/ 3470310 w 3472060"/>
+              <a:gd name="connsiteY36" fmla="*/ 0 h 825932"/>
+            </a:gdLst>
+            <a:ahLst/>
+            <a:cxnLst>
+              <a:cxn ang="0">
+                <a:pos x="connsiteX0" y="connsiteY0"/>
+              </a:cxn>
+              <a:cxn ang="0">
+                <a:pos x="connsiteX1" y="connsiteY1"/>
+              </a:cxn>
+              <a:cxn ang="0">
+                <a:pos x="connsiteX2" y="connsiteY2"/>
+              </a:cxn>
+              <a:cxn ang="0">
+                <a:pos x="connsiteX3" y="connsiteY3"/>
+              </a:cxn>
+              <a:cxn ang="0">
+                <a:pos x="connsiteX4" y="connsiteY4"/>
+              </a:cxn>
+              <a:cxn ang="0">
+                <a:pos x="connsiteX5" y="connsiteY5"/>
+              </a:cxn>
+              <a:cxn ang="0">
+                <a:pos x="connsiteX6" y="connsiteY6"/>
+              </a:cxn>
+              <a:cxn ang="0">
+                <a:pos x="connsiteX7" y="connsiteY7"/>
+              </a:cxn>
+              <a:cxn ang="0">
+                <a:pos x="connsiteX8" y="connsiteY8"/>
+              </a:cxn>
+              <a:cxn ang="0">
+                <a:pos x="connsiteX9" y="connsiteY9"/>
+              </a:cxn>
+              <a:cxn ang="0">
+                <a:pos x="connsiteX10" y="connsiteY10"/>
+              </a:cxn>
+              <a:cxn ang="0">
+                <a:pos x="connsiteX11" y="connsiteY11"/>
+              </a:cxn>
+              <a:cxn ang="0">
+                <a:pos x="connsiteX12" y="connsiteY12"/>
+              </a:cxn>
+              <a:cxn ang="0">
+                <a:pos x="connsiteX13" y="connsiteY13"/>
+              </a:cxn>
+              <a:cxn ang="0">
+                <a:pos x="connsiteX14" y="connsiteY14"/>
+              </a:cxn>
+              <a:cxn ang="0">
+                <a:pos x="connsiteX15" y="connsiteY15"/>
+              </a:cxn>
+              <a:cxn ang="0">
+                <a:pos x="connsiteX16" y="connsiteY16"/>
+              </a:cxn>
+              <a:cxn ang="0">
+                <a:pos x="connsiteX17" y="connsiteY17"/>
+              </a:cxn>
+              <a:cxn ang="0">
+                <a:pos x="connsiteX18" y="connsiteY18"/>
+              </a:cxn>
+              <a:cxn ang="0">
+                <a:pos x="connsiteX19" y="connsiteY19"/>
+              </a:cxn>
+              <a:cxn ang="0">
+                <a:pos x="connsiteX20" y="connsiteY20"/>
+              </a:cxn>
+              <a:cxn ang="0">
+                <a:pos x="connsiteX21" y="connsiteY21"/>
+              </a:cxn>
+              <a:cxn ang="0">
+                <a:pos x="connsiteX22" y="connsiteY22"/>
+              </a:cxn>
+              <a:cxn ang="0">
+                <a:pos x="connsiteX23" y="connsiteY23"/>
+              </a:cxn>
+              <a:cxn ang="0">
+                <a:pos x="connsiteX24" y="connsiteY24"/>
+              </a:cxn>
+              <a:cxn ang="0">
+                <a:pos x="connsiteX25" y="connsiteY25"/>
+              </a:cxn>
+              <a:cxn ang="0">
+                <a:pos x="connsiteX26" y="connsiteY26"/>
+              </a:cxn>
+              <a:cxn ang="0">
+                <a:pos x="connsiteX27" y="connsiteY27"/>
+              </a:cxn>
+              <a:cxn ang="0">
+                <a:pos x="connsiteX28" y="connsiteY28"/>
+              </a:cxn>
+              <a:cxn ang="0">
+                <a:pos x="connsiteX29" y="connsiteY29"/>
+              </a:cxn>
+              <a:cxn ang="0">
+                <a:pos x="connsiteX30" y="connsiteY30"/>
+              </a:cxn>
+              <a:cxn ang="0">
+                <a:pos x="connsiteX31" y="connsiteY31"/>
+              </a:cxn>
+              <a:cxn ang="0">
+                <a:pos x="connsiteX32" y="connsiteY32"/>
+              </a:cxn>
+              <a:cxn ang="0">
+                <a:pos x="connsiteX33" y="connsiteY33"/>
+              </a:cxn>
+              <a:cxn ang="0">
+                <a:pos x="connsiteX34" y="connsiteY34"/>
+              </a:cxn>
+              <a:cxn ang="0">
+                <a:pos x="connsiteX35" y="connsiteY35"/>
+              </a:cxn>
+              <a:cxn ang="0">
+                <a:pos x="connsiteX36" y="connsiteY36"/>
+              </a:cxn>
+            </a:cxnLst>
+            <a:rect l="l" t="t" r="r" b="b"/>
+            <a:pathLst>
+              <a:path w="3472060" h="825932">
+                <a:moveTo>
+                  <a:pt x="3470310" y="0"/>
+                </a:moveTo>
+                <a:lnTo>
+                  <a:pt x="3472060" y="12850"/>
+                </a:lnTo>
+                <a:lnTo>
+                  <a:pt x="3472060" y="480529"/>
+                </a:lnTo>
+                <a:lnTo>
+                  <a:pt x="3363699" y="498471"/>
+                </a:lnTo>
+                <a:cubicBezTo>
+                  <a:pt x="2435623" y="645518"/>
+                  <a:pt x="603076" y="844866"/>
+                  <a:pt x="42060" y="824486"/>
+                </a:cubicBezTo>
+                <a:cubicBezTo>
+                  <a:pt x="28151" y="802425"/>
+                  <a:pt x="13909" y="780513"/>
+                  <a:pt x="0" y="758452"/>
+                </a:cubicBezTo>
+                <a:lnTo>
+                  <a:pt x="188014" y="735602"/>
+                </a:lnTo>
+                <a:lnTo>
+                  <a:pt x="284087" y="722590"/>
+                </a:lnTo>
+                <a:lnTo>
+                  <a:pt x="382288" y="709392"/>
+                </a:lnTo>
+                <a:lnTo>
+                  <a:pt x="481858" y="695774"/>
+                </a:lnTo>
+                <a:lnTo>
+                  <a:pt x="581897" y="680711"/>
+                </a:lnTo>
+                <a:lnTo>
+                  <a:pt x="683670" y="665256"/>
+                </a:lnTo>
+                <a:lnTo>
+                  <a:pt x="787206" y="649587"/>
+                </a:lnTo>
+                <a:lnTo>
+                  <a:pt x="892019" y="632968"/>
+                </a:lnTo>
+                <a:lnTo>
+                  <a:pt x="997620" y="614667"/>
+                </a:lnTo>
+                <a:lnTo>
+                  <a:pt x="1104727" y="596741"/>
+                </a:lnTo>
+                <a:lnTo>
+                  <a:pt x="1212669" y="577397"/>
+                </a:lnTo>
+                <a:lnTo>
+                  <a:pt x="1321506" y="556988"/>
+                </a:lnTo>
+                <a:lnTo>
+                  <a:pt x="1430709" y="536607"/>
+                </a:lnTo>
+                <a:lnTo>
+                  <a:pt x="1541050" y="514481"/>
+                </a:lnTo>
+                <a:lnTo>
+                  <a:pt x="1652805" y="492202"/>
+                </a:lnTo>
+                <a:lnTo>
+                  <a:pt x="1763708" y="469161"/>
+                </a:lnTo>
+                <a:lnTo>
+                  <a:pt x="1875795" y="444641"/>
+                </a:lnTo>
+                <a:lnTo>
+                  <a:pt x="1989128" y="418995"/>
+                </a:lnTo>
+                <a:lnTo>
+                  <a:pt x="2102476" y="393438"/>
+                </a:lnTo>
+                <a:lnTo>
+                  <a:pt x="2215549" y="366291"/>
+                </a:lnTo>
+                <a:lnTo>
+                  <a:pt x="2330490" y="337455"/>
+                </a:lnTo>
+                <a:lnTo>
+                  <a:pt x="2443333" y="308983"/>
+                </a:lnTo>
+                <a:lnTo>
+                  <a:pt x="2558014" y="278646"/>
+                </a:lnTo>
+                <a:lnTo>
+                  <a:pt x="2673621" y="247421"/>
+                </a:lnTo>
+                <a:lnTo>
+                  <a:pt x="2787008" y="215853"/>
+                </a:lnTo>
+                <a:lnTo>
+                  <a:pt x="2901442" y="182011"/>
+                </a:lnTo>
+                <a:lnTo>
+                  <a:pt x="3015722" y="147286"/>
+                </a:lnTo>
+                <a:lnTo>
+                  <a:pt x="3130018" y="112649"/>
+                </a:lnTo>
+                <a:lnTo>
+                  <a:pt x="3243551" y="75688"/>
+                </a:lnTo>
+                <a:lnTo>
+                  <a:pt x="3356992" y="38197"/>
+                </a:lnTo>
+                <a:lnTo>
+                  <a:pt x="3470310" y="0"/>
+                </a:lnTo>
+                <a:close/>
+              </a:path>
+            </a:pathLst>
+          </a:custGeom>
+          <a:solidFill>
+            <a:schemeClr val="tx1">
+              <a:alpha val="20000"/>
+            </a:schemeClr>
+          </a:solidFill>
+          <a:ln>
+            <a:noFill/>
+          </a:ln>
+        </p:spPr>
+        <p:txBody>
+          <a:bodyPr rtlCol="0" anchor="ctr"/>
+          <a:lstStyle/>
+          <a:p>
+            <a:pPr algn="ctr"/>
+            <a:endParaRPr lang="en-US">
+              <a:solidFill>
+                <a:schemeClr val="tx1"/>
+              </a:solidFill>
+            </a:endParaRPr>
+          </a:p>
+        </p:txBody>
+      </p:sp>
+      <p:sp>
+        <p:nvSpPr>
+          <p:cNvPr id="24" name="Freeform: Shape 23">
+            <a:extLst>
+              <a:ext uri="{FF2B5EF4-FFF2-40B4-BE49-F238E27FC236}">
+                <a16:creationId xmlns:a16="http://schemas.microsoft.com/office/drawing/2014/main" id="{DF6FB2B2-CE21-407F-B22E-302DADC2C3D3}"/>
+              </a:ext>
+              <a:ext uri="{C183D7F6-B498-43B3-948B-1728B52AA6E4}">
+                <adec:decorative xmlns:adec="http://schemas.microsoft.com/office/drawing/2017/decorative" val="1"/>
+              </a:ext>
+            </a:extLst>
+          </p:cNvPr>
+          <p:cNvSpPr>
+            <a:spLocks noGrp="1" noRot="1" noChangeAspect="1" noMove="1" noResize="1" noEditPoints="1" noAdjustHandles="1" noChangeArrowheads="1" noChangeShapeType="1" noTextEdit="1"/>
+          </p:cNvSpPr>
+          <p:nvPr>
+            <p:extLst>
+              <p:ext uri="{386F3935-93C4-4BCD-93E2-E3B085C9AB24}">
+                <p16:designElem xmlns:p16="http://schemas.microsoft.com/office/powerpoint/2015/main" val="1"/>
+              </p:ext>
+            </p:extLst>
+          </p:nvPr>
+        </p:nvSpPr>
+        <p:spPr>
+          <a:xfrm>
+            <a:off x="0" y="4055533"/>
+            <a:ext cx="12192000" cy="2802467"/>
+          </a:xfrm>
+          <a:custGeom>
+            <a:avLst/>
+            <a:gdLst>
+              <a:gd name="connsiteX0" fmla="*/ 1 w 12192000"/>
+              <a:gd name="connsiteY0" fmla="*/ 0 h 2802467"/>
+              <a:gd name="connsiteX1" fmla="*/ 71932 w 12192000"/>
+              <a:gd name="connsiteY1" fmla="*/ 12261 h 2802467"/>
+              <a:gd name="connsiteX2" fmla="*/ 282848 w 12192000"/>
+              <a:gd name="connsiteY2" fmla="*/ 48342 h 2802467"/>
+              <a:gd name="connsiteX3" fmla="*/ 436464 w 12192000"/>
+              <a:gd name="connsiteY3" fmla="*/ 73565 h 2802467"/>
+              <a:gd name="connsiteX4" fmla="*/ 619339 w 12192000"/>
+              <a:gd name="connsiteY4" fmla="*/ 100188 h 2802467"/>
+              <a:gd name="connsiteX5" fmla="*/ 836351 w 12192000"/>
+              <a:gd name="connsiteY5" fmla="*/ 132066 h 2802467"/>
+              <a:gd name="connsiteX6" fmla="*/ 1076528 w 12192000"/>
+              <a:gd name="connsiteY6" fmla="*/ 165696 h 2802467"/>
+              <a:gd name="connsiteX7" fmla="*/ 1347183 w 12192000"/>
+              <a:gd name="connsiteY7" fmla="*/ 201077 h 2802467"/>
+              <a:gd name="connsiteX8" fmla="*/ 1642223 w 12192000"/>
+              <a:gd name="connsiteY8" fmla="*/ 238560 h 2802467"/>
+              <a:gd name="connsiteX9" fmla="*/ 1962864 w 12192000"/>
+              <a:gd name="connsiteY9" fmla="*/ 276043 h 2802467"/>
+              <a:gd name="connsiteX10" fmla="*/ 2304232 w 12192000"/>
+              <a:gd name="connsiteY10" fmla="*/ 314226 h 2802467"/>
+              <a:gd name="connsiteX11" fmla="*/ 2672421 w 12192000"/>
+              <a:gd name="connsiteY11" fmla="*/ 349608 h 2802467"/>
+              <a:gd name="connsiteX12" fmla="*/ 3057678 w 12192000"/>
+              <a:gd name="connsiteY12" fmla="*/ 383587 h 2802467"/>
+              <a:gd name="connsiteX13" fmla="*/ 3464881 w 12192000"/>
+              <a:gd name="connsiteY13" fmla="*/ 414415 h 2802467"/>
+              <a:gd name="connsiteX14" fmla="*/ 3889152 w 12192000"/>
+              <a:gd name="connsiteY14" fmla="*/ 443840 h 2802467"/>
+              <a:gd name="connsiteX15" fmla="*/ 4331710 w 12192000"/>
+              <a:gd name="connsiteY15" fmla="*/ 471515 h 2802467"/>
+              <a:gd name="connsiteX16" fmla="*/ 4558476 w 12192000"/>
+              <a:gd name="connsiteY16" fmla="*/ 481323 h 2802467"/>
+              <a:gd name="connsiteX17" fmla="*/ 4790118 w 12192000"/>
+              <a:gd name="connsiteY17" fmla="*/ 492183 h 2802467"/>
+              <a:gd name="connsiteX18" fmla="*/ 5025418 w 12192000"/>
+              <a:gd name="connsiteY18" fmla="*/ 502342 h 2802467"/>
+              <a:gd name="connsiteX19" fmla="*/ 5261937 w 12192000"/>
+              <a:gd name="connsiteY19" fmla="*/ 508998 h 2802467"/>
+              <a:gd name="connsiteX20" fmla="*/ 5503332 w 12192000"/>
+              <a:gd name="connsiteY20" fmla="*/ 514953 h 2802467"/>
+              <a:gd name="connsiteX21" fmla="*/ 5747166 w 12192000"/>
+              <a:gd name="connsiteY21" fmla="*/ 521259 h 2802467"/>
+              <a:gd name="connsiteX22" fmla="*/ 5995877 w 12192000"/>
+              <a:gd name="connsiteY22" fmla="*/ 525462 h 2802467"/>
+              <a:gd name="connsiteX23" fmla="*/ 6247026 w 12192000"/>
+              <a:gd name="connsiteY23" fmla="*/ 525462 h 2802467"/>
+              <a:gd name="connsiteX24" fmla="*/ 6500613 w 12192000"/>
+              <a:gd name="connsiteY24" fmla="*/ 527564 h 2802467"/>
+              <a:gd name="connsiteX25" fmla="*/ 6756639 w 12192000"/>
+              <a:gd name="connsiteY25" fmla="*/ 525462 h 2802467"/>
+              <a:gd name="connsiteX26" fmla="*/ 7016322 w 12192000"/>
+              <a:gd name="connsiteY26" fmla="*/ 521259 h 2802467"/>
+              <a:gd name="connsiteX27" fmla="*/ 7276005 w 12192000"/>
+              <a:gd name="connsiteY27" fmla="*/ 517405 h 2802467"/>
+              <a:gd name="connsiteX28" fmla="*/ 7539345 w 12192000"/>
+              <a:gd name="connsiteY28" fmla="*/ 508998 h 2802467"/>
+              <a:gd name="connsiteX29" fmla="*/ 7805124 w 12192000"/>
+              <a:gd name="connsiteY29" fmla="*/ 500240 h 2802467"/>
+              <a:gd name="connsiteX30" fmla="*/ 8070903 w 12192000"/>
+              <a:gd name="connsiteY30" fmla="*/ 490081 h 2802467"/>
+              <a:gd name="connsiteX31" fmla="*/ 8339121 w 12192000"/>
+              <a:gd name="connsiteY31" fmla="*/ 475719 h 2802467"/>
+              <a:gd name="connsiteX32" fmla="*/ 8609776 w 12192000"/>
+              <a:gd name="connsiteY32" fmla="*/ 458553 h 2802467"/>
+              <a:gd name="connsiteX33" fmla="*/ 8881651 w 12192000"/>
+              <a:gd name="connsiteY33" fmla="*/ 442089 h 2802467"/>
+              <a:gd name="connsiteX34" fmla="*/ 9153526 w 12192000"/>
+              <a:gd name="connsiteY34" fmla="*/ 421070 h 2802467"/>
+              <a:gd name="connsiteX35" fmla="*/ 9429058 w 12192000"/>
+              <a:gd name="connsiteY35" fmla="*/ 395848 h 2802467"/>
+              <a:gd name="connsiteX36" fmla="*/ 9700933 w 12192000"/>
+              <a:gd name="connsiteY36" fmla="*/ 370626 h 2802467"/>
+              <a:gd name="connsiteX37" fmla="*/ 9977684 w 12192000"/>
+              <a:gd name="connsiteY37" fmla="*/ 341550 h 2802467"/>
+              <a:gd name="connsiteX38" fmla="*/ 10255655 w 12192000"/>
+              <a:gd name="connsiteY38" fmla="*/ 309672 h 2802467"/>
+              <a:gd name="connsiteX39" fmla="*/ 10529968 w 12192000"/>
+              <a:gd name="connsiteY39" fmla="*/ 276043 h 2802467"/>
+              <a:gd name="connsiteX40" fmla="*/ 10807939 w 12192000"/>
+              <a:gd name="connsiteY40" fmla="*/ 236808 h 2802467"/>
+              <a:gd name="connsiteX41" fmla="*/ 11084690 w 12192000"/>
+              <a:gd name="connsiteY41" fmla="*/ 194771 h 2802467"/>
+              <a:gd name="connsiteX42" fmla="*/ 11362661 w 12192000"/>
+              <a:gd name="connsiteY42" fmla="*/ 153085 h 2802467"/>
+              <a:gd name="connsiteX43" fmla="*/ 11639412 w 12192000"/>
+              <a:gd name="connsiteY43" fmla="*/ 104392 h 2802467"/>
+              <a:gd name="connsiteX44" fmla="*/ 11914945 w 12192000"/>
+              <a:gd name="connsiteY44" fmla="*/ 54648 h 2802467"/>
+              <a:gd name="connsiteX45" fmla="*/ 12191696 w 12192000"/>
+              <a:gd name="connsiteY45" fmla="*/ 2452 h 2802467"/>
+              <a:gd name="connsiteX46" fmla="*/ 12191696 w 12192000"/>
+              <a:gd name="connsiteY46" fmla="*/ 2236410 h 2802467"/>
+              <a:gd name="connsiteX47" fmla="*/ 12192000 w 12192000"/>
+              <a:gd name="connsiteY47" fmla="*/ 2236410 h 2802467"/>
+              <a:gd name="connsiteX48" fmla="*/ 12192000 w 12192000"/>
+              <a:gd name="connsiteY48" fmla="*/ 2802467 h 2802467"/>
+              <a:gd name="connsiteX49" fmla="*/ 12191696 w 12192000"/>
+              <a:gd name="connsiteY49" fmla="*/ 2802467 h 2802467"/>
+              <a:gd name="connsiteX50" fmla="*/ 0 w 12192000"/>
+              <a:gd name="connsiteY50" fmla="*/ 2802467 h 2802467"/>
+              <a:gd name="connsiteX51" fmla="*/ 0 w 12192000"/>
+              <a:gd name="connsiteY51" fmla="*/ 2236410 h 2802467"/>
+              <a:gd name="connsiteX52" fmla="*/ 1 w 12192000"/>
+              <a:gd name="connsiteY52" fmla="*/ 2236410 h 2802467"/>
+            </a:gdLst>
+            <a:ahLst/>
+            <a:cxnLst>
+              <a:cxn ang="0">
+                <a:pos x="connsiteX0" y="connsiteY0"/>
+              </a:cxn>
+              <a:cxn ang="0">
+                <a:pos x="connsiteX1" y="connsiteY1"/>
+              </a:cxn>
+              <a:cxn ang="0">
+                <a:pos x="connsiteX2" y="connsiteY2"/>
+              </a:cxn>
+              <a:cxn ang="0">
+                <a:pos x="connsiteX3" y="connsiteY3"/>
+              </a:cxn>
+              <a:cxn ang="0">
+                <a:pos x="connsiteX4" y="connsiteY4"/>
+              </a:cxn>
+              <a:cxn ang="0">
+                <a:pos x="connsiteX5" y="connsiteY5"/>
+              </a:cxn>
+              <a:cxn ang="0">
+                <a:pos x="connsiteX6" y="connsiteY6"/>
+              </a:cxn>
+              <a:cxn ang="0">
+                <a:pos x="connsiteX7" y="connsiteY7"/>
+              </a:cxn>
+              <a:cxn ang="0">
+                <a:pos x="connsiteX8" y="connsiteY8"/>
+              </a:cxn>
+              <a:cxn ang="0">
+                <a:pos x="connsiteX9" y="connsiteY9"/>
+              </a:cxn>
+              <a:cxn ang="0">
+                <a:pos x="connsiteX10" y="connsiteY10"/>
+              </a:cxn>
+              <a:cxn ang="0">
+                <a:pos x="connsiteX11" y="connsiteY11"/>
+              </a:cxn>
+              <a:cxn ang="0">
+                <a:pos x="connsiteX12" y="connsiteY12"/>
+              </a:cxn>
+              <a:cxn ang="0">
+                <a:pos x="connsiteX13" y="connsiteY13"/>
+              </a:cxn>
+              <a:cxn ang="0">
+                <a:pos x="connsiteX14" y="connsiteY14"/>
+              </a:cxn>
+              <a:cxn ang="0">
+                <a:pos x="connsiteX15" y="connsiteY15"/>
+              </a:cxn>
+              <a:cxn ang="0">
+                <a:pos x="connsiteX16" y="connsiteY16"/>
+              </a:cxn>
+              <a:cxn ang="0">
+                <a:pos x="connsiteX17" y="connsiteY17"/>
+              </a:cxn>
+              <a:cxn ang="0">
+                <a:pos x="connsiteX18" y="connsiteY18"/>
+              </a:cxn>
+              <a:cxn ang="0">
+                <a:pos x="connsiteX19" y="connsiteY19"/>
+              </a:cxn>
+              <a:cxn ang="0">
+                <a:pos x="connsiteX20" y="connsiteY20"/>
+              </a:cxn>
+              <a:cxn ang="0">
+                <a:pos x="connsiteX21" y="connsiteY21"/>
+              </a:cxn>
+              <a:cxn ang="0">
+                <a:pos x="connsiteX22" y="connsiteY22"/>
+              </a:cxn>
+              <a:cxn ang="0">
+                <a:pos x="connsiteX23" y="connsiteY23"/>
+              </a:cxn>
+              <a:cxn ang="0">
+                <a:pos x="connsiteX24" y="connsiteY24"/>
+              </a:cxn>
+              <a:cxn ang="0">
+                <a:pos x="connsiteX25" y="connsiteY25"/>
+              </a:cxn>
+              <a:cxn ang="0">
+                <a:pos x="connsiteX26" y="connsiteY26"/>
+              </a:cxn>
+              <a:cxn ang="0">
+                <a:pos x="connsiteX27" y="connsiteY27"/>
+              </a:cxn>
+              <a:cxn ang="0">
+                <a:pos x="connsiteX28" y="connsiteY28"/>
+              </a:cxn>
+              <a:cxn ang="0">
+                <a:pos x="connsiteX29" y="connsiteY29"/>
+              </a:cxn>
+              <a:cxn ang="0">
+                <a:pos x="connsiteX30" y="connsiteY30"/>
+              </a:cxn>
+              <a:cxn ang="0">
+                <a:pos x="connsiteX31" y="connsiteY31"/>
+              </a:cxn>
+              <a:cxn ang="0">
+                <a:pos x="connsiteX32" y="connsiteY32"/>
+              </a:cxn>
+              <a:cxn ang="0">
+                <a:pos x="connsiteX33" y="connsiteY33"/>
+              </a:cxn>
+              <a:cxn ang="0">
+                <a:pos x="connsiteX34" y="connsiteY34"/>
+              </a:cxn>
+              <a:cxn ang="0">
+                <a:pos x="connsiteX35" y="connsiteY35"/>
+              </a:cxn>
+              <a:cxn ang="0">
+                <a:pos x="connsiteX36" y="connsiteY36"/>
+              </a:cxn>
+              <a:cxn ang="0">
+                <a:pos x="connsiteX37" y="connsiteY37"/>
+              </a:cxn>
+              <a:cxn ang="0">
+                <a:pos x="connsiteX38" y="connsiteY38"/>
+              </a:cxn>
+              <a:cxn ang="0">
+                <a:pos x="connsiteX39" y="connsiteY39"/>
+              </a:cxn>
+              <a:cxn ang="0">
+                <a:pos x="connsiteX40" y="connsiteY40"/>
+              </a:cxn>
+              <a:cxn ang="0">
+                <a:pos x="connsiteX41" y="connsiteY41"/>
+              </a:cxn>
+              <a:cxn ang="0">
+                <a:pos x="connsiteX42" y="connsiteY42"/>
+              </a:cxn>
+              <a:cxn ang="0">
+                <a:pos x="connsiteX43" y="connsiteY43"/>
+              </a:cxn>
+              <a:cxn ang="0">
+                <a:pos x="connsiteX44" y="connsiteY44"/>
+              </a:cxn>
+              <a:cxn ang="0">
+                <a:pos x="connsiteX45" y="connsiteY45"/>
+              </a:cxn>
+              <a:cxn ang="0">
+                <a:pos x="connsiteX46" y="connsiteY46"/>
+              </a:cxn>
+              <a:cxn ang="0">
+                <a:pos x="connsiteX47" y="connsiteY47"/>
+              </a:cxn>
+              <a:cxn ang="0">
+                <a:pos x="connsiteX48" y="connsiteY48"/>
+              </a:cxn>
+              <a:cxn ang="0">
+                <a:pos x="connsiteX49" y="connsiteY49"/>
+              </a:cxn>
+              <a:cxn ang="0">
+                <a:pos x="connsiteX50" y="connsiteY50"/>
+              </a:cxn>
+              <a:cxn ang="0">
+                <a:pos x="connsiteX51" y="connsiteY51"/>
+              </a:cxn>
+              <a:cxn ang="0">
+                <a:pos x="connsiteX52" y="connsiteY52"/>
+              </a:cxn>
+            </a:cxnLst>
+            <a:rect l="l" t="t" r="r" b="b"/>
+            <a:pathLst>
+              <a:path w="12192000" h="2802467">
+                <a:moveTo>
+                  <a:pt x="1" y="0"/>
+                </a:moveTo>
+                <a:lnTo>
+                  <a:pt x="71932" y="12261"/>
+                </a:lnTo>
+                <a:lnTo>
+                  <a:pt x="282848" y="48342"/>
+                </a:lnTo>
+                <a:lnTo>
+                  <a:pt x="436464" y="73565"/>
+                </a:lnTo>
+                <a:lnTo>
+                  <a:pt x="619339" y="100188"/>
+                </a:lnTo>
+                <a:lnTo>
+                  <a:pt x="836351" y="132066"/>
+                </a:lnTo>
+                <a:lnTo>
+                  <a:pt x="1076528" y="165696"/>
+                </a:lnTo>
+                <a:lnTo>
+                  <a:pt x="1347183" y="201077"/>
+                </a:lnTo>
+                <a:lnTo>
+                  <a:pt x="1642223" y="238560"/>
+                </a:lnTo>
+                <a:lnTo>
+                  <a:pt x="1962864" y="276043"/>
+                </a:lnTo>
+                <a:lnTo>
+                  <a:pt x="2304232" y="314226"/>
+                </a:lnTo>
+                <a:lnTo>
+                  <a:pt x="2672421" y="349608"/>
+                </a:lnTo>
+                <a:lnTo>
+                  <a:pt x="3057678" y="383587"/>
+                </a:lnTo>
+                <a:lnTo>
+                  <a:pt x="3464881" y="414415"/>
+                </a:lnTo>
+                <a:lnTo>
+                  <a:pt x="3889152" y="443840"/>
+                </a:lnTo>
+                <a:lnTo>
+                  <a:pt x="4331710" y="471515"/>
+                </a:lnTo>
+                <a:lnTo>
+                  <a:pt x="4558476" y="481323"/>
+                </a:lnTo>
+                <a:lnTo>
+                  <a:pt x="4790118" y="492183"/>
+                </a:lnTo>
+                <a:lnTo>
+                  <a:pt x="5025418" y="502342"/>
+                </a:lnTo>
+                <a:lnTo>
+                  <a:pt x="5261937" y="508998"/>
+                </a:lnTo>
+                <a:lnTo>
+                  <a:pt x="5503332" y="514953"/>
+                </a:lnTo>
+                <a:lnTo>
+                  <a:pt x="5747166" y="521259"/>
+                </a:lnTo>
+                <a:lnTo>
+                  <a:pt x="5995877" y="525462"/>
+                </a:lnTo>
+                <a:lnTo>
+                  <a:pt x="6247026" y="525462"/>
+                </a:lnTo>
+                <a:lnTo>
+                  <a:pt x="6500613" y="527564"/>
+                </a:lnTo>
+                <a:lnTo>
+                  <a:pt x="6756639" y="525462"/>
+                </a:lnTo>
+                <a:lnTo>
+                  <a:pt x="7016322" y="521259"/>
+                </a:lnTo>
+                <a:lnTo>
+                  <a:pt x="7276005" y="517405"/>
+                </a:lnTo>
+                <a:lnTo>
+                  <a:pt x="7539345" y="508998"/>
+                </a:lnTo>
+                <a:lnTo>
+                  <a:pt x="7805124" y="500240"/>
+                </a:lnTo>
+                <a:lnTo>
+                  <a:pt x="8070903" y="490081"/>
+                </a:lnTo>
+                <a:lnTo>
+                  <a:pt x="8339121" y="475719"/>
+                </a:lnTo>
+                <a:lnTo>
+                  <a:pt x="8609776" y="458553"/>
+                </a:lnTo>
+                <a:lnTo>
+                  <a:pt x="8881651" y="442089"/>
+                </a:lnTo>
+                <a:lnTo>
+                  <a:pt x="9153526" y="421070"/>
+                </a:lnTo>
+                <a:lnTo>
+                  <a:pt x="9429058" y="395848"/>
+                </a:lnTo>
+                <a:lnTo>
+                  <a:pt x="9700933" y="370626"/>
+                </a:lnTo>
+                <a:lnTo>
+                  <a:pt x="9977684" y="341550"/>
+                </a:lnTo>
+                <a:lnTo>
+                  <a:pt x="10255655" y="309672"/>
+                </a:lnTo>
+                <a:lnTo>
+                  <a:pt x="10529968" y="276043"/>
+                </a:lnTo>
+                <a:lnTo>
+                  <a:pt x="10807939" y="236808"/>
+                </a:lnTo>
+                <a:lnTo>
+                  <a:pt x="11084690" y="194771"/>
+                </a:lnTo>
+                <a:lnTo>
+                  <a:pt x="11362661" y="153085"/>
+                </a:lnTo>
+                <a:lnTo>
+                  <a:pt x="11639412" y="104392"/>
+                </a:lnTo>
+                <a:lnTo>
+                  <a:pt x="11914945" y="54648"/>
+                </a:lnTo>
+                <a:lnTo>
+                  <a:pt x="12191696" y="2452"/>
+                </a:lnTo>
+                <a:lnTo>
+                  <a:pt x="12191696" y="2236410"/>
+                </a:lnTo>
+                <a:lnTo>
+                  <a:pt x="12192000" y="2236410"/>
+                </a:lnTo>
+                <a:lnTo>
+                  <a:pt x="12192000" y="2802467"/>
+                </a:lnTo>
+                <a:lnTo>
+                  <a:pt x="12191696" y="2802467"/>
+                </a:lnTo>
+                <a:lnTo>
+                  <a:pt x="0" y="2802467"/>
+                </a:lnTo>
+                <a:lnTo>
+                  <a:pt x="0" y="2236410"/>
+                </a:lnTo>
+                <a:lnTo>
+                  <a:pt x="1" y="2236410"/>
+                </a:lnTo>
+                <a:close/>
+              </a:path>
+            </a:pathLst>
+          </a:custGeom>
+          <a:solidFill>
+            <a:schemeClr val="tx2"/>
+          </a:solidFill>
+          <a:ln>
+            <a:noFill/>
+          </a:ln>
+        </p:spPr>
+        <p:style>
+          <a:lnRef idx="2">
+            <a:schemeClr val="accent1">
+              <a:shade val="50000"/>
+            </a:schemeClr>
+          </a:lnRef>
+          <a:fillRef idx="1003">
+            <a:schemeClr val="dk2"/>
+          </a:fillRef>
+          <a:effectRef idx="0">
+            <a:schemeClr val="accent1"/>
+          </a:effectRef>
+          <a:fontRef idx="minor">
+            <a:schemeClr val="lt1"/>
+          </a:fontRef>
+        </p:style>
+        <p:txBody>
+          <a:bodyPr rtlCol="0" anchor="ctr"/>
+          <a:lstStyle/>
+          <a:p>
+            <a:pPr algn="ctr"/>
+            <a:endParaRPr lang="en-US"/>
+          </a:p>
+        </p:txBody>
+      </p:sp>
+      <p:sp>
+        <p:nvSpPr>
+          <p:cNvPr id="2" name="Titel 1">
+            <a:extLst>
+              <a:ext uri="{FF2B5EF4-FFF2-40B4-BE49-F238E27FC236}">
+                <a16:creationId xmlns:a16="http://schemas.microsoft.com/office/drawing/2014/main" id="{7584A85E-D4CA-46E6-A3FC-8E5FFAC10D77}"/>
+              </a:ext>
+            </a:extLst>
+          </p:cNvPr>
+          <p:cNvSpPr>
+            <a:spLocks noGrp="1"/>
+          </p:cNvSpPr>
+          <p:nvPr>
+            <p:ph type="title"/>
+          </p:nvPr>
+        </p:nvSpPr>
+        <p:spPr>
+          <a:xfrm>
+            <a:off x="965505" y="623571"/>
+            <a:ext cx="10260990" cy="3523885"/>
+          </a:xfrm>
+        </p:spPr>
+        <p:txBody>
+          <a:bodyPr vert="horz" lIns="91440" tIns="45720" rIns="91440" bIns="45720" rtlCol="0" anchor="b">
+            <a:normAutofit/>
+          </a:bodyPr>
+          <a:lstStyle/>
+          <a:p>
+            <a:pPr algn="ctr"/>
+            <a:r>
+              <a:rPr lang="de-DE" sz="8000" dirty="0"/>
+              <a:t>Frontend</a:t>
+            </a:r>
+            <a:endParaRPr lang="en-US" sz="8000" b="0" i="0" kern="1200" dirty="0">
+              <a:solidFill>
+                <a:schemeClr val="tx2"/>
+              </a:solidFill>
+              <a:latin typeface="+mj-lt"/>
+              <a:ea typeface="+mj-ea"/>
+              <a:cs typeface="+mj-cs"/>
+            </a:endParaRPr>
+          </a:p>
+        </p:txBody>
+      </p:sp>
+    </p:spTree>
+    <p:extLst>
+      <p:ext uri="{BB962C8B-B14F-4D97-AF65-F5344CB8AC3E}">
+        <p14:creationId xmlns:p14="http://schemas.microsoft.com/office/powerpoint/2010/main" val="1752442417"/>
       </p:ext>
     </p:extLst>
   </p:cSld>
@@ -13879,7 +18191,7 @@
           <p:cNvPr id="2" name="Titel 1">
             <a:extLst>
               <a:ext uri="{FF2B5EF4-FFF2-40B4-BE49-F238E27FC236}">
-                <a16:creationId xmlns:a16="http://schemas.microsoft.com/office/drawing/2014/main" id="{C81C8090-414E-4BB6-98C5-2E415AC87A5E}"/>
+                <a16:creationId xmlns:a16="http://schemas.microsoft.com/office/drawing/2014/main" id="{D9C80580-2B0C-4CAF-87E7-0B38F6F269D1}"/>
               </a:ext>
             </a:extLst>
           </p:cNvPr>
@@ -13897,40 +18209,44 @@
           <a:p>
             <a:r>
               <a:rPr lang="de-DE" dirty="0"/>
-              <a:t>Probleme</a:t>
+              <a:t>Struktur</a:t>
             </a:r>
           </a:p>
         </p:txBody>
       </p:sp>
-      <p:sp>
-        <p:nvSpPr>
-          <p:cNvPr id="3" name="Inhaltsplatzhalter 2">
+      <p:pic>
+        <p:nvPicPr>
+          <p:cNvPr id="5" name="Inhaltsplatzhalter 4">
             <a:extLst>
               <a:ext uri="{FF2B5EF4-FFF2-40B4-BE49-F238E27FC236}">
-                <a16:creationId xmlns:a16="http://schemas.microsoft.com/office/drawing/2014/main" id="{274454BA-C21F-4FBB-B3CD-5CFAC3B27085}"/>
+                <a16:creationId xmlns:a16="http://schemas.microsoft.com/office/drawing/2014/main" id="{437AD92D-1C25-4FC4-A3E5-38D7D0E4DC32}"/>
               </a:ext>
             </a:extLst>
           </p:cNvPr>
-          <p:cNvSpPr>
-            <a:spLocks noGrp="1"/>
-          </p:cNvSpPr>
+          <p:cNvPicPr>
+            <a:picLocks noGrp="1" noChangeAspect="1"/>
+          </p:cNvPicPr>
           <p:nvPr>
             <p:ph idx="1"/>
           </p:nvPr>
-        </p:nvSpPr>
-        <p:spPr/>
-        <p:txBody>
-          <a:bodyPr/>
-          <a:lstStyle/>
-          <a:p>
-            <a:endParaRPr lang="de-DE"/>
-          </a:p>
-        </p:txBody>
-      </p:sp>
+        </p:nvPicPr>
+        <p:blipFill>
+          <a:blip r:embed="rId2"/>
+          <a:stretch>
+            <a:fillRect/>
+          </a:stretch>
+        </p:blipFill>
+        <p:spPr>
+          <a:xfrm>
+            <a:off x="3670852" y="605965"/>
+            <a:ext cx="3486370" cy="5646070"/>
+          </a:xfrm>
+        </p:spPr>
+      </p:pic>
     </p:spTree>
     <p:extLst>
       <p:ext uri="{BB962C8B-B14F-4D97-AF65-F5344CB8AC3E}">
-        <p14:creationId xmlns:p14="http://schemas.microsoft.com/office/powerpoint/2010/main" val="2142043492"/>
+        <p14:creationId xmlns:p14="http://schemas.microsoft.com/office/powerpoint/2010/main" val="3262614718"/>
       </p:ext>
     </p:extLst>
   </p:cSld>
